--- a/Research proposal.pptx
+++ b/Research proposal.pptx
@@ -108,6 +108,11 @@
       </a:defRPr>
     </a:lvl9pPr>
   </p:defaultTextStyle>
+  <p:extLst>
+    <p:ext uri="{EFAFB233-063F-42B5-8137-9DF3F51BA10A}">
+      <p15:sldGuideLst xmlns:p15="http://schemas.microsoft.com/office/powerpoint/2012/main"/>
+    </p:ext>
+  </p:extLst>
 </p:presentation>
 </file>
 
@@ -3411,15 +3416,15 @@
         </p:nvSpPr>
         <p:spPr>
           <a:xfrm>
-            <a:off x="3048000" y="1818303"/>
-            <a:ext cx="6096000" cy="3221395"/>
+            <a:off x="203493" y="1402915"/>
+            <a:ext cx="3404003" cy="4606389"/>
           </a:xfrm>
           <a:prstGeom prst="rect">
             <a:avLst/>
           </a:prstGeom>
         </p:spPr>
         <p:txBody>
-          <a:bodyPr>
+          <a:bodyPr wrap="square">
             <a:spAutoFit/>
           </a:bodyPr>
           <a:lstStyle/>
@@ -3558,7 +3563,27 @@
                 <a:latin typeface="Lato"/>
                 <a:ea typeface="Calibri" panose="020F0502020204030204" pitchFamily="34" charset="0"/>
               </a:rPr>
-              <a:t> הגדרת הקשתות ברשת+ כמה קשתות יש (מכל סוג)? (בהתאמה, לפחות מס' אלפים של צמתים)</a:t>
+              <a:t> </a:t>
+            </a:r>
+            <a:r>
+              <a:rPr lang="he-IL" sz="1000" dirty="0" smtClean="0">
+                <a:solidFill>
+                  <a:srgbClr val="606060"/>
+                </a:solidFill>
+                <a:latin typeface="Lato"/>
+                <a:ea typeface="Calibri" panose="020F0502020204030204" pitchFamily="34" charset="0"/>
+              </a:rPr>
+              <a:t>הגדרת </a:t>
+            </a:r>
+            <a:r>
+              <a:rPr lang="he-IL" sz="1000" dirty="0">
+                <a:solidFill>
+                  <a:srgbClr val="606060"/>
+                </a:solidFill>
+                <a:latin typeface="Lato"/>
+                <a:ea typeface="Calibri" panose="020F0502020204030204" pitchFamily="34" charset="0"/>
+              </a:rPr>
+              <a:t>הקשתות ברשת+ כמה קשתות יש (מכל סוג)? (בהתאמה, לפחות מס' אלפים של צמתים)</a:t>
             </a:r>
             <a:endParaRPr lang="en-US" sz="1100" dirty="0" smtClean="0">
               <a:effectLst/>
@@ -3795,6 +3820,186 @@
               <a:t> דרגות</a:t>
             </a:r>
             <a:endParaRPr lang="en-US" sz="1100" dirty="0">
+              <a:effectLst/>
+              <a:latin typeface="Calibri" panose="020F0502020204030204" pitchFamily="34" charset="0"/>
+              <a:ea typeface="Calibri" panose="020F0502020204030204" pitchFamily="34" charset="0"/>
+              <a:cs typeface="Arial" panose="020B0604020202020204" pitchFamily="34" charset="0"/>
+            </a:endParaRPr>
+          </a:p>
+        </p:txBody>
+      </p:sp>
+      <p:sp>
+        <p:nvSpPr>
+          <p:cNvPr id="3" name="מלבן 2"/>
+          <p:cNvSpPr/>
+          <p:nvPr/>
+        </p:nvSpPr>
+        <p:spPr>
+          <a:xfrm>
+            <a:off x="4282038" y="492423"/>
+            <a:ext cx="7628022" cy="1656864"/>
+          </a:xfrm>
+          <a:prstGeom prst="rect">
+            <a:avLst/>
+          </a:prstGeom>
+        </p:spPr>
+        <p:txBody>
+          <a:bodyPr wrap="square">
+            <a:spAutoFit/>
+          </a:bodyPr>
+          <a:lstStyle/>
+          <a:p>
+            <a:pPr marL="742950" lvl="1" indent="-285750">
+              <a:lnSpc>
+                <a:spcPct val="150000"/>
+              </a:lnSpc>
+              <a:spcAft>
+                <a:spcPts val="800"/>
+              </a:spcAft>
+              <a:buFont typeface="+mj-lt"/>
+              <a:buAutoNum type="alphaLcPeriod"/>
+            </a:pPr>
+            <a:r>
+              <a:rPr lang="he-IL" sz="1000" dirty="0" smtClean="0">
+                <a:solidFill>
+                  <a:srgbClr val="606060"/>
+                </a:solidFill>
+                <a:latin typeface="Lato"/>
+                <a:ea typeface="Calibri" panose="020F0502020204030204" pitchFamily="34" charset="0"/>
+              </a:rPr>
+              <a:t>מקור הנתונים</a:t>
+            </a:r>
+            <a:r>
+              <a:rPr lang="he-IL" sz="1000" dirty="0" smtClean="0"/>
+              <a:t>:</a:t>
+            </a:r>
+          </a:p>
+          <a:p>
+            <a:pPr lvl="1">
+              <a:lnSpc>
+                <a:spcPct val="150000"/>
+              </a:lnSpc>
+              <a:spcAft>
+                <a:spcPts val="800"/>
+              </a:spcAft>
+            </a:pPr>
+            <a:r>
+              <a:rPr lang="he-IL" sz="1000" dirty="0" smtClean="0"/>
+              <a:t>הגרף </a:t>
+            </a:r>
+            <a:r>
+              <a:rPr lang="he-IL" sz="1000" dirty="0"/>
+              <a:t>מייצג רשת של </a:t>
+            </a:r>
+            <a:r>
+              <a:rPr lang="he-IL" sz="1000" dirty="0" smtClean="0"/>
+              <a:t>אמון (</a:t>
+            </a:r>
+            <a:r>
+              <a:rPr lang="en-US" sz="1000" dirty="0" smtClean="0"/>
+              <a:t>Trust Network </a:t>
+            </a:r>
+            <a:r>
+              <a:rPr lang="he-IL" sz="1000" dirty="0" smtClean="0"/>
+              <a:t> ) בין </a:t>
+            </a:r>
+            <a:r>
+              <a:rPr lang="he-IL" sz="1000" dirty="0"/>
+              <a:t>אנשים שעושים מסחר </a:t>
+            </a:r>
+            <a:r>
+              <a:rPr lang="he-IL" sz="1000" dirty="0" err="1"/>
+              <a:t>בביטקוין</a:t>
+            </a:r>
+            <a:r>
+              <a:rPr lang="he-IL" sz="1000" dirty="0"/>
+              <a:t> בפלטפורמה שנקראת </a:t>
+            </a:r>
+            <a:r>
+              <a:rPr lang="en-US" sz="1000" dirty="0">
+                <a:hlinkClick r:id="rId2"/>
+              </a:rPr>
+              <a:t>Bitcoin OTC </a:t>
+            </a:r>
+            <a:r>
+              <a:rPr lang="en-US" sz="1000" dirty="0"/>
+              <a:t>(Over The </a:t>
+            </a:r>
+            <a:r>
+              <a:rPr lang="en-US" sz="1000" dirty="0" smtClean="0"/>
+              <a:t>Counter</a:t>
+            </a:r>
+            <a:r>
+              <a:rPr lang="en-US" sz="1000" dirty="0"/>
+              <a:t>)</a:t>
+            </a:r>
+            <a:r>
+              <a:rPr lang="he-IL" sz="1000" dirty="0" smtClean="0"/>
+              <a:t>.</a:t>
+            </a:r>
+          </a:p>
+          <a:p>
+            <a:pPr lvl="1">
+              <a:lnSpc>
+                <a:spcPct val="150000"/>
+              </a:lnSpc>
+              <a:spcAft>
+                <a:spcPts val="800"/>
+              </a:spcAft>
+            </a:pPr>
+            <a:r>
+              <a:rPr lang="he-IL" sz="1000" dirty="0" smtClean="0"/>
+              <a:t>בפלטפורמה </a:t>
+            </a:r>
+            <a:r>
+              <a:rPr lang="he-IL" sz="1000" dirty="0"/>
+              <a:t>הזאת, כל משתמש יכול לדרג משתמשים אחרים לפי רמת האמון שהוא נותן בהם </a:t>
+            </a:r>
+            <a:r>
+              <a:rPr lang="he-IL" sz="1000" dirty="0" smtClean="0"/>
+              <a:t>- </a:t>
+            </a:r>
+            <a:r>
+              <a:rPr lang="he-IL" sz="1000" dirty="0"/>
+              <a:t>כדי לדעת אם שווה לסחור איתם</a:t>
+            </a:r>
+            <a:r>
+              <a:rPr lang="he-IL" sz="1000" dirty="0" smtClean="0"/>
+              <a:t>.</a:t>
+            </a:r>
+          </a:p>
+          <a:p>
+            <a:pPr lvl="1">
+              <a:lnSpc>
+                <a:spcPct val="150000"/>
+              </a:lnSpc>
+              <a:spcAft>
+                <a:spcPts val="800"/>
+              </a:spcAft>
+            </a:pPr>
+            <a:r>
+              <a:rPr lang="he-IL" sz="1000" dirty="0" smtClean="0"/>
+              <a:t>הנתונים נלקחו מאתר </a:t>
+            </a:r>
+            <a:r>
+              <a:rPr lang="en-US" sz="1000" dirty="0" smtClean="0"/>
+              <a:t>SNAP</a:t>
+            </a:r>
+            <a:r>
+              <a:rPr lang="he-IL" sz="1000" dirty="0" smtClean="0"/>
+              <a:t>.</a:t>
+            </a:r>
+          </a:p>
+          <a:p>
+            <a:pPr lvl="1">
+              <a:lnSpc>
+                <a:spcPct val="150000"/>
+              </a:lnSpc>
+              <a:spcAft>
+                <a:spcPts val="800"/>
+              </a:spcAft>
+            </a:pPr>
+            <a:endParaRPr lang="he-IL" sz="1000" dirty="0">
               <a:effectLst/>
               <a:latin typeface="Calibri" panose="020F0502020204030204" pitchFamily="34" charset="0"/>
               <a:ea typeface="Calibri" panose="020F0502020204030204" pitchFamily="34" charset="0"/>

--- a/Research proposal.pptx
+++ b/Research proposal.pptx
@@ -5,11 +5,12 @@
     <p:sldMasterId id="2147483648" r:id="rId1"/>
   </p:sldMasterIdLst>
   <p:notesMasterIdLst>
-    <p:notesMasterId r:id="rId4"/>
+    <p:notesMasterId r:id="rId5"/>
   </p:notesMasterIdLst>
   <p:sldIdLst>
     <p:sldId id="256" r:id="rId2"/>
     <p:sldId id="257" r:id="rId3"/>
+    <p:sldId id="258" r:id="rId4"/>
   </p:sldIdLst>
   <p:sldSz cx="12192000" cy="6858000"/>
   <p:notesSz cx="6858000" cy="9144000"/>
@@ -3410,14 +3411,14 @@
       </p:grpSpPr>
       <p:sp>
         <p:nvSpPr>
-          <p:cNvPr id="4" name="מלבן 3"/>
+          <p:cNvPr id="3" name="מלבן 2"/>
           <p:cNvSpPr/>
           <p:nvPr/>
         </p:nvSpPr>
         <p:spPr>
           <a:xfrm>
-            <a:off x="203493" y="1402915"/>
-            <a:ext cx="3404003" cy="4606389"/>
+            <a:off x="4282038" y="492423"/>
+            <a:ext cx="7628022" cy="1656864"/>
           </a:xfrm>
           <a:prstGeom prst="rect">
             <a:avLst/>
@@ -3428,34 +3429,6 @@
             <a:spAutoFit/>
           </a:bodyPr>
           <a:lstStyle/>
-          <a:p>
-            <a:pPr marL="342900" lvl="0" indent="-342900">
-              <a:lnSpc>
-                <a:spcPct val="150000"/>
-              </a:lnSpc>
-              <a:spcAft>
-                <a:spcPts val="800"/>
-              </a:spcAft>
-              <a:buFont typeface="+mj-lt"/>
-              <a:buAutoNum type="arabicPeriod"/>
-            </a:pPr>
-            <a:r>
-              <a:rPr lang="he-IL" sz="1000" dirty="0">
-                <a:solidFill>
-                  <a:srgbClr val="606060"/>
-                </a:solidFill>
-                <a:latin typeface="Lato"/>
-                <a:ea typeface="Calibri" panose="020F0502020204030204" pitchFamily="34" charset="0"/>
-              </a:rPr>
-              <a:t>הגדירו את הרשת החברתית בצורה בהירה:</a:t>
-            </a:r>
-            <a:endParaRPr lang="en-US" sz="1100" dirty="0" smtClean="0">
-              <a:effectLst/>
-              <a:latin typeface="Calibri" panose="020F0502020204030204" pitchFamily="34" charset="0"/>
-              <a:ea typeface="Calibri" panose="020F0502020204030204" pitchFamily="34" charset="0"/>
-              <a:cs typeface="Arial" panose="020B0604020202020204" pitchFamily="34" charset="0"/>
-            </a:endParaRPr>
-          </a:p>
           <a:p>
             <a:pPr marL="742950" lvl="1" indent="-285750">
               <a:lnSpc>
@@ -3468,398 +3441,6 @@
               <a:buAutoNum type="alphaLcPeriod"/>
             </a:pPr>
             <a:r>
-              <a:rPr lang="he-IL" sz="1000" dirty="0">
-                <a:solidFill>
-                  <a:srgbClr val="606060"/>
-                </a:solidFill>
-                <a:latin typeface="Lato"/>
-                <a:ea typeface="Calibri" panose="020F0502020204030204" pitchFamily="34" charset="0"/>
-              </a:rPr>
-              <a:t>מקור הנתונים</a:t>
-            </a:r>
-            <a:endParaRPr lang="en-US" sz="1100" dirty="0" smtClean="0">
-              <a:effectLst/>
-              <a:latin typeface="Calibri" panose="020F0502020204030204" pitchFamily="34" charset="0"/>
-              <a:ea typeface="Calibri" panose="020F0502020204030204" pitchFamily="34" charset="0"/>
-              <a:cs typeface="Arial" panose="020B0604020202020204" pitchFamily="34" charset="0"/>
-            </a:endParaRPr>
-          </a:p>
-          <a:p>
-            <a:pPr marL="742950" lvl="1" indent="-285750">
-              <a:lnSpc>
-                <a:spcPct val="150000"/>
-              </a:lnSpc>
-              <a:spcAft>
-                <a:spcPts val="800"/>
-              </a:spcAft>
-              <a:buFont typeface="+mj-lt"/>
-              <a:buAutoNum type="alphaLcPeriod"/>
-            </a:pPr>
-            <a:r>
-              <a:rPr lang="he-IL" sz="1000" dirty="0">
-                <a:solidFill>
-                  <a:srgbClr val="606060"/>
-                </a:solidFill>
-                <a:latin typeface="Lato"/>
-                <a:ea typeface="Calibri" panose="020F0502020204030204" pitchFamily="34" charset="0"/>
-              </a:rPr>
-              <a:t>הגדרת הצמתים ברשת+ כמה צמתים יש? (נדרש גרף גדול מספיק, לפחות 1000 צמתים</a:t>
-            </a:r>
-            <a:r>
-              <a:rPr lang="he-IL" sz="1000" dirty="0" smtClean="0">
-                <a:solidFill>
-                  <a:srgbClr val="606060"/>
-                </a:solidFill>
-                <a:effectLst/>
-                <a:latin typeface="Calibri" panose="020F0502020204030204" pitchFamily="34" charset="0"/>
-                <a:ea typeface="Calibri" panose="020F0502020204030204" pitchFamily="34" charset="0"/>
-                <a:cs typeface="Lato"/>
-              </a:rPr>
-              <a:t> </a:t>
-            </a:r>
-            <a:r>
-              <a:rPr lang="he-IL" sz="1000" i="1" dirty="0">
-                <a:solidFill>
-                  <a:srgbClr val="606060"/>
-                </a:solidFill>
-                <a:latin typeface="Lato"/>
-                <a:ea typeface="Calibri" panose="020F0502020204030204" pitchFamily="34" charset="0"/>
-              </a:rPr>
-              <a:t>ברכיב הקשירות הגדול</a:t>
-            </a:r>
-            <a:r>
-              <a:rPr lang="he-IL" sz="1000" dirty="0">
-                <a:solidFill>
-                  <a:srgbClr val="606060"/>
-                </a:solidFill>
-                <a:latin typeface="Lato"/>
-                <a:ea typeface="Calibri" panose="020F0502020204030204" pitchFamily="34" charset="0"/>
-              </a:rPr>
-              <a:t>)</a:t>
-            </a:r>
-            <a:endParaRPr lang="en-US" sz="1100" dirty="0" smtClean="0">
-              <a:effectLst/>
-              <a:latin typeface="Calibri" panose="020F0502020204030204" pitchFamily="34" charset="0"/>
-              <a:ea typeface="Calibri" panose="020F0502020204030204" pitchFamily="34" charset="0"/>
-              <a:cs typeface="Arial" panose="020B0604020202020204" pitchFamily="34" charset="0"/>
-            </a:endParaRPr>
-          </a:p>
-          <a:p>
-            <a:pPr marL="742950" lvl="1" indent="-285750">
-              <a:lnSpc>
-                <a:spcPct val="150000"/>
-              </a:lnSpc>
-              <a:spcAft>
-                <a:spcPts val="800"/>
-              </a:spcAft>
-              <a:buFont typeface="+mj-lt"/>
-              <a:buAutoNum type="alphaLcPeriod"/>
-            </a:pPr>
-            <a:r>
-              <a:rPr lang="he-IL" sz="1000" dirty="0">
-                <a:solidFill>
-                  <a:srgbClr val="606060"/>
-                </a:solidFill>
-                <a:latin typeface="Lato"/>
-                <a:ea typeface="Calibri" panose="020F0502020204030204" pitchFamily="34" charset="0"/>
-              </a:rPr>
-              <a:t> </a:t>
-            </a:r>
-            <a:r>
-              <a:rPr lang="he-IL" sz="1000" dirty="0" smtClean="0">
-                <a:solidFill>
-                  <a:srgbClr val="606060"/>
-                </a:solidFill>
-                <a:latin typeface="Lato"/>
-                <a:ea typeface="Calibri" panose="020F0502020204030204" pitchFamily="34" charset="0"/>
-              </a:rPr>
-              <a:t>הגדרת </a:t>
-            </a:r>
-            <a:r>
-              <a:rPr lang="he-IL" sz="1000" dirty="0">
-                <a:solidFill>
-                  <a:srgbClr val="606060"/>
-                </a:solidFill>
-                <a:latin typeface="Lato"/>
-                <a:ea typeface="Calibri" panose="020F0502020204030204" pitchFamily="34" charset="0"/>
-              </a:rPr>
-              <a:t>הקשתות ברשת+ כמה קשתות יש (מכל סוג)? (בהתאמה, לפחות מס' אלפים של צמתים)</a:t>
-            </a:r>
-            <a:endParaRPr lang="en-US" sz="1100" dirty="0" smtClean="0">
-              <a:effectLst/>
-              <a:latin typeface="Calibri" panose="020F0502020204030204" pitchFamily="34" charset="0"/>
-              <a:ea typeface="Calibri" panose="020F0502020204030204" pitchFamily="34" charset="0"/>
-              <a:cs typeface="Arial" panose="020B0604020202020204" pitchFamily="34" charset="0"/>
-            </a:endParaRPr>
-          </a:p>
-          <a:p>
-            <a:pPr marL="742950" lvl="1" indent="-285750">
-              <a:lnSpc>
-                <a:spcPct val="150000"/>
-              </a:lnSpc>
-              <a:spcAft>
-                <a:spcPts val="800"/>
-              </a:spcAft>
-              <a:buFont typeface="+mj-lt"/>
-              <a:buAutoNum type="alphaLcPeriod"/>
-            </a:pPr>
-            <a:r>
-              <a:rPr lang="he-IL" sz="1000" dirty="0">
-                <a:solidFill>
-                  <a:srgbClr val="606060"/>
-                </a:solidFill>
-                <a:latin typeface="Lato"/>
-                <a:ea typeface="Calibri" panose="020F0502020204030204" pitchFamily="34" charset="0"/>
-              </a:rPr>
-              <a:t>תכונות בסיסיות נוספות </a:t>
-            </a:r>
-            <a:r>
-              <a:rPr lang="en-US" sz="1000" dirty="0" smtClean="0">
-                <a:solidFill>
-                  <a:srgbClr val="606060"/>
-                </a:solidFill>
-                <a:effectLst/>
-                <a:latin typeface="Lato"/>
-                <a:ea typeface="Calibri" panose="020F0502020204030204" pitchFamily="34" charset="0"/>
-                <a:cs typeface="Arial" panose="020B0604020202020204" pitchFamily="34" charset="0"/>
-              </a:rPr>
-              <a:t>:</a:t>
-            </a:r>
-            <a:r>
-              <a:rPr lang="he-IL" sz="1000" dirty="0">
-                <a:solidFill>
-                  <a:srgbClr val="606060"/>
-                </a:solidFill>
-                <a:latin typeface="Lato"/>
-                <a:ea typeface="Calibri" panose="020F0502020204030204" pitchFamily="34" charset="0"/>
-              </a:rPr>
-              <a:t>גרף מכוון \ </a:t>
-            </a:r>
-            <a:r>
-              <a:rPr lang="he-IL" sz="1000" dirty="0" err="1">
-                <a:solidFill>
-                  <a:srgbClr val="606060"/>
-                </a:solidFill>
-                <a:latin typeface="Lato"/>
-                <a:ea typeface="Calibri" panose="020F0502020204030204" pitchFamily="34" charset="0"/>
-              </a:rPr>
-              <a:t>מולטיגרף</a:t>
-            </a:r>
-            <a:r>
-              <a:rPr lang="he-IL" sz="1000" dirty="0">
-                <a:solidFill>
-                  <a:srgbClr val="606060"/>
-                </a:solidFill>
-                <a:latin typeface="Lato"/>
-                <a:ea typeface="Calibri" panose="020F0502020204030204" pitchFamily="34" charset="0"/>
-              </a:rPr>
-              <a:t>\מס' רכיבי קשירות\קוטר\...</a:t>
-            </a:r>
-            <a:endParaRPr lang="en-US" sz="1100" dirty="0" smtClean="0">
-              <a:effectLst/>
-              <a:latin typeface="Calibri" panose="020F0502020204030204" pitchFamily="34" charset="0"/>
-              <a:ea typeface="Calibri" panose="020F0502020204030204" pitchFamily="34" charset="0"/>
-              <a:cs typeface="Arial" panose="020B0604020202020204" pitchFamily="34" charset="0"/>
-            </a:endParaRPr>
-          </a:p>
-          <a:p>
-            <a:pPr marL="742950" lvl="1" indent="-285750">
-              <a:lnSpc>
-                <a:spcPct val="150000"/>
-              </a:lnSpc>
-              <a:spcAft>
-                <a:spcPts val="800"/>
-              </a:spcAft>
-              <a:buFont typeface="+mj-lt"/>
-              <a:buAutoNum type="alphaLcPeriod"/>
-            </a:pPr>
-            <a:r>
-              <a:rPr lang="he-IL" sz="1000" dirty="0">
-                <a:solidFill>
-                  <a:srgbClr val="606060"/>
-                </a:solidFill>
-                <a:latin typeface="Lato"/>
-                <a:ea typeface="Calibri" panose="020F0502020204030204" pitchFamily="34" charset="0"/>
-              </a:rPr>
-              <a:t>האם תוכלו להציג את הגרף של כל הרשת\חלק ממנה? חשבו מהי ההצגה המיטבית...</a:t>
-            </a:r>
-            <a:endParaRPr lang="en-US" sz="1100" dirty="0" smtClean="0">
-              <a:effectLst/>
-              <a:latin typeface="Calibri" panose="020F0502020204030204" pitchFamily="34" charset="0"/>
-              <a:ea typeface="Calibri" panose="020F0502020204030204" pitchFamily="34" charset="0"/>
-              <a:cs typeface="Arial" panose="020B0604020202020204" pitchFamily="34" charset="0"/>
-            </a:endParaRPr>
-          </a:p>
-          <a:p>
-            <a:pPr marL="742950" lvl="1" indent="-285750">
-              <a:lnSpc>
-                <a:spcPct val="150000"/>
-              </a:lnSpc>
-              <a:spcAft>
-                <a:spcPts val="800"/>
-              </a:spcAft>
-              <a:buFont typeface="+mj-lt"/>
-              <a:buAutoNum type="alphaLcPeriod"/>
-            </a:pPr>
-            <a:r>
-              <a:rPr lang="he-IL" sz="1000" dirty="0">
-                <a:solidFill>
-                  <a:srgbClr val="606060"/>
-                </a:solidFill>
-                <a:latin typeface="Lato"/>
-                <a:ea typeface="Calibri" panose="020F0502020204030204" pitchFamily="34" charset="0"/>
-              </a:rPr>
-              <a:t>האם הרשת תומכת בתכונת העולם הקטן (</a:t>
-            </a:r>
-            <a:r>
-              <a:rPr lang="en-US" sz="1000" dirty="0" smtClean="0">
-                <a:solidFill>
-                  <a:srgbClr val="606060"/>
-                </a:solidFill>
-                <a:effectLst/>
-                <a:latin typeface="Lato"/>
-                <a:ea typeface="Calibri" panose="020F0502020204030204" pitchFamily="34" charset="0"/>
-                <a:cs typeface="Arial" panose="020B0604020202020204" pitchFamily="34" charset="0"/>
-              </a:rPr>
-              <a:t>small world</a:t>
-            </a:r>
-            <a:r>
-              <a:rPr lang="he-IL" sz="1000" dirty="0">
-                <a:solidFill>
-                  <a:srgbClr val="606060"/>
-                </a:solidFill>
-                <a:latin typeface="Lato"/>
-                <a:ea typeface="Calibri" panose="020F0502020204030204" pitchFamily="34" charset="0"/>
-              </a:rPr>
-              <a:t>)?</a:t>
-            </a:r>
-            <a:endParaRPr lang="en-US" sz="1100" dirty="0" smtClean="0">
-              <a:effectLst/>
-              <a:latin typeface="Calibri" panose="020F0502020204030204" pitchFamily="34" charset="0"/>
-              <a:ea typeface="Calibri" panose="020F0502020204030204" pitchFamily="34" charset="0"/>
-              <a:cs typeface="Arial" panose="020B0604020202020204" pitchFamily="34" charset="0"/>
-            </a:endParaRPr>
-          </a:p>
-          <a:p>
-            <a:pPr marL="742950" lvl="1" indent="-285750">
-              <a:lnSpc>
-                <a:spcPct val="150000"/>
-              </a:lnSpc>
-              <a:spcAft>
-                <a:spcPts val="800"/>
-              </a:spcAft>
-              <a:buFont typeface="+mj-lt"/>
-              <a:buAutoNum type="alphaLcPeriod"/>
-            </a:pPr>
-            <a:r>
-              <a:rPr lang="he-IL" sz="1000" dirty="0">
-                <a:solidFill>
-                  <a:srgbClr val="606060"/>
-                </a:solidFill>
-                <a:latin typeface="Lato"/>
-                <a:ea typeface="Calibri" panose="020F0502020204030204" pitchFamily="34" charset="0"/>
-              </a:rPr>
-              <a:t>מדדי מרכזיות בסיסיים: הראו עבור מס' צמתים והשוו בניהם</a:t>
-            </a:r>
-            <a:endParaRPr lang="en-US" sz="1100" dirty="0" smtClean="0">
-              <a:effectLst/>
-              <a:latin typeface="Calibri" panose="020F0502020204030204" pitchFamily="34" charset="0"/>
-              <a:ea typeface="Calibri" panose="020F0502020204030204" pitchFamily="34" charset="0"/>
-              <a:cs typeface="Arial" panose="020B0604020202020204" pitchFamily="34" charset="0"/>
-            </a:endParaRPr>
-          </a:p>
-          <a:p>
-            <a:pPr marL="742950" lvl="1" indent="-285750">
-              <a:lnSpc>
-                <a:spcPct val="150000"/>
-              </a:lnSpc>
-              <a:spcAft>
-                <a:spcPts val="800"/>
-              </a:spcAft>
-              <a:buFont typeface="+mj-lt"/>
-              <a:buAutoNum type="alphaLcPeriod"/>
-            </a:pPr>
-            <a:r>
-              <a:rPr lang="he-IL" sz="1000" dirty="0" err="1">
-                <a:solidFill>
-                  <a:srgbClr val="606060"/>
-                </a:solidFill>
-                <a:latin typeface="Lato"/>
-                <a:ea typeface="Calibri" panose="020F0502020204030204" pitchFamily="34" charset="0"/>
-              </a:rPr>
-              <a:t>היסטוגרמה</a:t>
-            </a:r>
-            <a:r>
-              <a:rPr lang="he-IL" sz="1000" dirty="0">
-                <a:solidFill>
-                  <a:srgbClr val="606060"/>
-                </a:solidFill>
-                <a:latin typeface="Lato"/>
-                <a:ea typeface="Calibri" panose="020F0502020204030204" pitchFamily="34" charset="0"/>
-              </a:rPr>
-              <a:t> של </a:t>
-            </a:r>
-            <a:r>
-              <a:rPr lang="he-IL" sz="1000" b="1" dirty="0">
-                <a:solidFill>
-                  <a:srgbClr val="606060"/>
-                </a:solidFill>
-                <a:latin typeface="Lato"/>
-                <a:ea typeface="Calibri" panose="020F0502020204030204" pitchFamily="34" charset="0"/>
-              </a:rPr>
-              <a:t>התפלגות</a:t>
-            </a:r>
-            <a:r>
-              <a:rPr lang="he-IL" sz="1000" dirty="0">
-                <a:solidFill>
-                  <a:srgbClr val="606060"/>
-                </a:solidFill>
-                <a:latin typeface="Lato"/>
-                <a:ea typeface="Calibri" panose="020F0502020204030204" pitchFamily="34" charset="0"/>
-              </a:rPr>
-              <a:t> דרגות</a:t>
-            </a:r>
-            <a:endParaRPr lang="en-US" sz="1100" dirty="0">
-              <a:effectLst/>
-              <a:latin typeface="Calibri" panose="020F0502020204030204" pitchFamily="34" charset="0"/>
-              <a:ea typeface="Calibri" panose="020F0502020204030204" pitchFamily="34" charset="0"/>
-              <a:cs typeface="Arial" panose="020B0604020202020204" pitchFamily="34" charset="0"/>
-            </a:endParaRPr>
-          </a:p>
-        </p:txBody>
-      </p:sp>
-      <p:sp>
-        <p:nvSpPr>
-          <p:cNvPr id="3" name="מלבן 2"/>
-          <p:cNvSpPr/>
-          <p:nvPr/>
-        </p:nvSpPr>
-        <p:spPr>
-          <a:xfrm>
-            <a:off x="4282038" y="492423"/>
-            <a:ext cx="7628022" cy="1656864"/>
-          </a:xfrm>
-          <a:prstGeom prst="rect">
-            <a:avLst/>
-          </a:prstGeom>
-        </p:spPr>
-        <p:txBody>
-          <a:bodyPr wrap="square">
-            <a:spAutoFit/>
-          </a:bodyPr>
-          <a:lstStyle/>
-          <a:p>
-            <a:pPr marL="742950" lvl="1" indent="-285750">
-              <a:lnSpc>
-                <a:spcPct val="150000"/>
-              </a:lnSpc>
-              <a:spcAft>
-                <a:spcPts val="800"/>
-              </a:spcAft>
-              <a:buFont typeface="+mj-lt"/>
-              <a:buAutoNum type="alphaLcPeriod"/>
-            </a:pPr>
-            <a:r>
               <a:rPr lang="he-IL" sz="1000" dirty="0" smtClean="0">
                 <a:solidFill>
                   <a:srgbClr val="606060"/>
@@ -3905,15 +3486,7 @@
             </a:r>
             <a:r>
               <a:rPr lang="he-IL" sz="1000" dirty="0"/>
-              <a:t>אנשים שעושים מסחר </a:t>
-            </a:r>
-            <a:r>
-              <a:rPr lang="he-IL" sz="1000" dirty="0" err="1"/>
-              <a:t>בביטקוין</a:t>
-            </a:r>
-            <a:r>
-              <a:rPr lang="he-IL" sz="1000" dirty="0"/>
-              <a:t> בפלטפורמה שנקראת </a:t>
+              <a:t>אנשים שעושים מסחר בביטקוין בפלטפורמה שנקראת </a:t>
             </a:r>
             <a:r>
               <a:rPr lang="en-US" sz="1000" dirty="0">
@@ -3937,6 +3510,7 @@
               <a:rPr lang="he-IL" sz="1000" dirty="0" smtClean="0"/>
               <a:t>.</a:t>
             </a:r>
+            <a:endParaRPr lang="he-IL" sz="1000" dirty="0" smtClean="0"/>
           </a:p>
           <a:p>
             <a:pPr lvl="1">
@@ -3982,7 +3556,9 @@
               <a:t>הנתונים נלקחו מאתר </a:t>
             </a:r>
             <a:r>
-              <a:rPr lang="en-US" sz="1000" dirty="0" smtClean="0"/>
+              <a:rPr lang="en-US" sz="1000" dirty="0" smtClean="0">
+                <a:hlinkClick r:id="rId3"/>
+              </a:rPr>
               <a:t>SNAP</a:t>
             </a:r>
             <a:r>
@@ -4012,6 +3588,1089 @@
     <p:extLst>
       <p:ext uri="{BB962C8B-B14F-4D97-AF65-F5344CB8AC3E}">
         <p14:creationId xmlns:p14="http://schemas.microsoft.com/office/powerpoint/2010/main" val="574236528"/>
+      </p:ext>
+    </p:extLst>
+  </p:cSld>
+  <p:clrMapOvr>
+    <a:masterClrMapping/>
+  </p:clrMapOvr>
+</p:sld>
+</file>
+
+<file path=ppt/slides/slide3.xml><?xml version="1.0" encoding="utf-8"?>
+<p:sld xmlns:a="http://schemas.openxmlformats.org/drawingml/2006/main" xmlns:r="http://schemas.openxmlformats.org/officeDocument/2006/relationships" xmlns:p="http://schemas.openxmlformats.org/presentationml/2006/main">
+  <p:cSld>
+    <p:spTree>
+      <p:nvGrpSpPr>
+        <p:cNvPr id="1" name=""/>
+        <p:cNvGrpSpPr/>
+        <p:nvPr/>
+      </p:nvGrpSpPr>
+      <p:grpSpPr>
+        <a:xfrm>
+          <a:off x="0" y="0"/>
+          <a:ext cx="0" cy="0"/>
+          <a:chOff x="0" y="0"/>
+          <a:chExt cx="0" cy="0"/>
+        </a:xfrm>
+      </p:grpSpPr>
+      <p:sp>
+        <p:nvSpPr>
+          <p:cNvPr id="4" name="מלבן 3"/>
+          <p:cNvSpPr/>
+          <p:nvPr/>
+        </p:nvSpPr>
+        <p:spPr>
+          <a:xfrm>
+            <a:off x="203493" y="1402915"/>
+            <a:ext cx="3404003" cy="4606389"/>
+          </a:xfrm>
+          <a:prstGeom prst="rect">
+            <a:avLst/>
+          </a:prstGeom>
+        </p:spPr>
+        <p:txBody>
+          <a:bodyPr wrap="square">
+            <a:spAutoFit/>
+          </a:bodyPr>
+          <a:lstStyle/>
+          <a:p>
+            <a:pPr marL="342900" lvl="0" indent="-342900">
+              <a:lnSpc>
+                <a:spcPct val="150000"/>
+              </a:lnSpc>
+              <a:spcAft>
+                <a:spcPts val="800"/>
+              </a:spcAft>
+              <a:buFont typeface="+mj-lt"/>
+              <a:buAutoNum type="arabicPeriod"/>
+            </a:pPr>
+            <a:r>
+              <a:rPr lang="he-IL" sz="1000" dirty="0">
+                <a:solidFill>
+                  <a:srgbClr val="606060"/>
+                </a:solidFill>
+                <a:latin typeface="Lato"/>
+                <a:ea typeface="Calibri" panose="020F0502020204030204" pitchFamily="34" charset="0"/>
+              </a:rPr>
+              <a:t>הגדירו את הרשת החברתית בצורה בהירה:</a:t>
+            </a:r>
+            <a:endParaRPr lang="en-US" sz="1100" dirty="0" smtClean="0">
+              <a:effectLst/>
+              <a:latin typeface="Calibri" panose="020F0502020204030204" pitchFamily="34" charset="0"/>
+              <a:ea typeface="Calibri" panose="020F0502020204030204" pitchFamily="34" charset="0"/>
+              <a:cs typeface="Arial" panose="020B0604020202020204" pitchFamily="34" charset="0"/>
+            </a:endParaRPr>
+          </a:p>
+          <a:p>
+            <a:pPr marL="742950" lvl="1" indent="-285750">
+              <a:lnSpc>
+                <a:spcPct val="150000"/>
+              </a:lnSpc>
+              <a:spcAft>
+                <a:spcPts val="800"/>
+              </a:spcAft>
+              <a:buFont typeface="+mj-lt"/>
+              <a:buAutoNum type="alphaLcPeriod"/>
+            </a:pPr>
+            <a:r>
+              <a:rPr lang="he-IL" sz="1000" dirty="0">
+                <a:solidFill>
+                  <a:srgbClr val="606060"/>
+                </a:solidFill>
+                <a:latin typeface="Lato"/>
+                <a:ea typeface="Calibri" panose="020F0502020204030204" pitchFamily="34" charset="0"/>
+              </a:rPr>
+              <a:t>מקור הנתונים</a:t>
+            </a:r>
+            <a:endParaRPr lang="en-US" sz="1100" dirty="0" smtClean="0">
+              <a:effectLst/>
+              <a:latin typeface="Calibri" panose="020F0502020204030204" pitchFamily="34" charset="0"/>
+              <a:ea typeface="Calibri" panose="020F0502020204030204" pitchFamily="34" charset="0"/>
+              <a:cs typeface="Arial" panose="020B0604020202020204" pitchFamily="34" charset="0"/>
+            </a:endParaRPr>
+          </a:p>
+          <a:p>
+            <a:pPr marL="742950" lvl="1" indent="-285750">
+              <a:lnSpc>
+                <a:spcPct val="150000"/>
+              </a:lnSpc>
+              <a:spcAft>
+                <a:spcPts val="800"/>
+              </a:spcAft>
+              <a:buFont typeface="+mj-lt"/>
+              <a:buAutoNum type="alphaLcPeriod"/>
+            </a:pPr>
+            <a:r>
+              <a:rPr lang="he-IL" sz="1000" dirty="0">
+                <a:solidFill>
+                  <a:srgbClr val="606060"/>
+                </a:solidFill>
+                <a:latin typeface="Lato"/>
+                <a:ea typeface="Calibri" panose="020F0502020204030204" pitchFamily="34" charset="0"/>
+              </a:rPr>
+              <a:t>הגדרת הצמתים ברשת+ כמה צמתים יש? (נדרש גרף גדול מספיק, לפחות 1000 צמתים</a:t>
+            </a:r>
+            <a:r>
+              <a:rPr lang="he-IL" sz="1000" dirty="0" smtClean="0">
+                <a:solidFill>
+                  <a:srgbClr val="606060"/>
+                </a:solidFill>
+                <a:effectLst/>
+                <a:latin typeface="Calibri" panose="020F0502020204030204" pitchFamily="34" charset="0"/>
+                <a:ea typeface="Calibri" panose="020F0502020204030204" pitchFamily="34" charset="0"/>
+                <a:cs typeface="Lato"/>
+              </a:rPr>
+              <a:t> </a:t>
+            </a:r>
+            <a:r>
+              <a:rPr lang="he-IL" sz="1000" i="1" dirty="0">
+                <a:solidFill>
+                  <a:srgbClr val="606060"/>
+                </a:solidFill>
+                <a:latin typeface="Lato"/>
+                <a:ea typeface="Calibri" panose="020F0502020204030204" pitchFamily="34" charset="0"/>
+              </a:rPr>
+              <a:t>ברכיב הקשירות הגדול</a:t>
+            </a:r>
+            <a:r>
+              <a:rPr lang="he-IL" sz="1000" dirty="0">
+                <a:solidFill>
+                  <a:srgbClr val="606060"/>
+                </a:solidFill>
+                <a:latin typeface="Lato"/>
+                <a:ea typeface="Calibri" panose="020F0502020204030204" pitchFamily="34" charset="0"/>
+              </a:rPr>
+              <a:t>)</a:t>
+            </a:r>
+            <a:endParaRPr lang="en-US" sz="1100" dirty="0" smtClean="0">
+              <a:effectLst/>
+              <a:latin typeface="Calibri" panose="020F0502020204030204" pitchFamily="34" charset="0"/>
+              <a:ea typeface="Calibri" panose="020F0502020204030204" pitchFamily="34" charset="0"/>
+              <a:cs typeface="Arial" panose="020B0604020202020204" pitchFamily="34" charset="0"/>
+            </a:endParaRPr>
+          </a:p>
+          <a:p>
+            <a:pPr marL="742950" lvl="1" indent="-285750">
+              <a:lnSpc>
+                <a:spcPct val="150000"/>
+              </a:lnSpc>
+              <a:spcAft>
+                <a:spcPts val="800"/>
+              </a:spcAft>
+              <a:buFont typeface="+mj-lt"/>
+              <a:buAutoNum type="alphaLcPeriod"/>
+            </a:pPr>
+            <a:r>
+              <a:rPr lang="he-IL" sz="1000" dirty="0">
+                <a:solidFill>
+                  <a:srgbClr val="606060"/>
+                </a:solidFill>
+                <a:latin typeface="Lato"/>
+                <a:ea typeface="Calibri" panose="020F0502020204030204" pitchFamily="34" charset="0"/>
+              </a:rPr>
+              <a:t> </a:t>
+            </a:r>
+            <a:r>
+              <a:rPr lang="he-IL" sz="1000" dirty="0" smtClean="0">
+                <a:solidFill>
+                  <a:srgbClr val="606060"/>
+                </a:solidFill>
+                <a:latin typeface="Lato"/>
+                <a:ea typeface="Calibri" panose="020F0502020204030204" pitchFamily="34" charset="0"/>
+              </a:rPr>
+              <a:t>הגדרת </a:t>
+            </a:r>
+            <a:r>
+              <a:rPr lang="he-IL" sz="1000" dirty="0">
+                <a:solidFill>
+                  <a:srgbClr val="606060"/>
+                </a:solidFill>
+                <a:latin typeface="Lato"/>
+                <a:ea typeface="Calibri" panose="020F0502020204030204" pitchFamily="34" charset="0"/>
+              </a:rPr>
+              <a:t>הקשתות ברשת+ כמה קשתות יש (מכל סוג)? (בהתאמה, לפחות מס' אלפים של צמתים)</a:t>
+            </a:r>
+            <a:endParaRPr lang="en-US" sz="1100" dirty="0" smtClean="0">
+              <a:effectLst/>
+              <a:latin typeface="Calibri" panose="020F0502020204030204" pitchFamily="34" charset="0"/>
+              <a:ea typeface="Calibri" panose="020F0502020204030204" pitchFamily="34" charset="0"/>
+              <a:cs typeface="Arial" panose="020B0604020202020204" pitchFamily="34" charset="0"/>
+            </a:endParaRPr>
+          </a:p>
+          <a:p>
+            <a:pPr marL="742950" lvl="1" indent="-285750">
+              <a:lnSpc>
+                <a:spcPct val="150000"/>
+              </a:lnSpc>
+              <a:spcAft>
+                <a:spcPts val="800"/>
+              </a:spcAft>
+              <a:buFont typeface="+mj-lt"/>
+              <a:buAutoNum type="alphaLcPeriod"/>
+            </a:pPr>
+            <a:r>
+              <a:rPr lang="he-IL" sz="1000" dirty="0">
+                <a:solidFill>
+                  <a:srgbClr val="606060"/>
+                </a:solidFill>
+                <a:latin typeface="Lato"/>
+                <a:ea typeface="Calibri" panose="020F0502020204030204" pitchFamily="34" charset="0"/>
+              </a:rPr>
+              <a:t>תכונות בסיסיות נוספות </a:t>
+            </a:r>
+            <a:r>
+              <a:rPr lang="en-US" sz="1000" dirty="0" smtClean="0">
+                <a:solidFill>
+                  <a:srgbClr val="606060"/>
+                </a:solidFill>
+                <a:effectLst/>
+                <a:latin typeface="Lato"/>
+                <a:ea typeface="Calibri" panose="020F0502020204030204" pitchFamily="34" charset="0"/>
+                <a:cs typeface="Arial" panose="020B0604020202020204" pitchFamily="34" charset="0"/>
+              </a:rPr>
+              <a:t>:</a:t>
+            </a:r>
+            <a:r>
+              <a:rPr lang="he-IL" sz="1000" dirty="0">
+                <a:solidFill>
+                  <a:srgbClr val="606060"/>
+                </a:solidFill>
+                <a:latin typeface="Lato"/>
+                <a:ea typeface="Calibri" panose="020F0502020204030204" pitchFamily="34" charset="0"/>
+              </a:rPr>
+              <a:t>גרף מכוון \ </a:t>
+            </a:r>
+            <a:r>
+              <a:rPr lang="he-IL" sz="1000" dirty="0" err="1">
+                <a:solidFill>
+                  <a:srgbClr val="606060"/>
+                </a:solidFill>
+                <a:latin typeface="Lato"/>
+                <a:ea typeface="Calibri" panose="020F0502020204030204" pitchFamily="34" charset="0"/>
+              </a:rPr>
+              <a:t>מולטיגרף</a:t>
+            </a:r>
+            <a:r>
+              <a:rPr lang="he-IL" sz="1000" dirty="0">
+                <a:solidFill>
+                  <a:srgbClr val="606060"/>
+                </a:solidFill>
+                <a:latin typeface="Lato"/>
+                <a:ea typeface="Calibri" panose="020F0502020204030204" pitchFamily="34" charset="0"/>
+              </a:rPr>
+              <a:t>\מס' רכיבי קשירות\קוטר\...</a:t>
+            </a:r>
+            <a:endParaRPr lang="en-US" sz="1100" dirty="0" smtClean="0">
+              <a:effectLst/>
+              <a:latin typeface="Calibri" panose="020F0502020204030204" pitchFamily="34" charset="0"/>
+              <a:ea typeface="Calibri" panose="020F0502020204030204" pitchFamily="34" charset="0"/>
+              <a:cs typeface="Arial" panose="020B0604020202020204" pitchFamily="34" charset="0"/>
+            </a:endParaRPr>
+          </a:p>
+          <a:p>
+            <a:pPr marL="742950" lvl="1" indent="-285750">
+              <a:lnSpc>
+                <a:spcPct val="150000"/>
+              </a:lnSpc>
+              <a:spcAft>
+                <a:spcPts val="800"/>
+              </a:spcAft>
+              <a:buFont typeface="+mj-lt"/>
+              <a:buAutoNum type="alphaLcPeriod"/>
+            </a:pPr>
+            <a:r>
+              <a:rPr lang="he-IL" sz="1000" dirty="0">
+                <a:solidFill>
+                  <a:srgbClr val="606060"/>
+                </a:solidFill>
+                <a:latin typeface="Lato"/>
+                <a:ea typeface="Calibri" panose="020F0502020204030204" pitchFamily="34" charset="0"/>
+              </a:rPr>
+              <a:t>האם תוכלו להציג את הגרף של כל הרשת\חלק ממנה? חשבו מהי ההצגה המיטבית...</a:t>
+            </a:r>
+            <a:endParaRPr lang="en-US" sz="1100" dirty="0" smtClean="0">
+              <a:effectLst/>
+              <a:latin typeface="Calibri" panose="020F0502020204030204" pitchFamily="34" charset="0"/>
+              <a:ea typeface="Calibri" panose="020F0502020204030204" pitchFamily="34" charset="0"/>
+              <a:cs typeface="Arial" panose="020B0604020202020204" pitchFamily="34" charset="0"/>
+            </a:endParaRPr>
+          </a:p>
+          <a:p>
+            <a:pPr marL="742950" lvl="1" indent="-285750">
+              <a:lnSpc>
+                <a:spcPct val="150000"/>
+              </a:lnSpc>
+              <a:spcAft>
+                <a:spcPts val="800"/>
+              </a:spcAft>
+              <a:buFont typeface="+mj-lt"/>
+              <a:buAutoNum type="alphaLcPeriod"/>
+            </a:pPr>
+            <a:r>
+              <a:rPr lang="he-IL" sz="1000" dirty="0">
+                <a:solidFill>
+                  <a:srgbClr val="606060"/>
+                </a:solidFill>
+                <a:latin typeface="Lato"/>
+                <a:ea typeface="Calibri" panose="020F0502020204030204" pitchFamily="34" charset="0"/>
+              </a:rPr>
+              <a:t>האם הרשת תומכת בתכונת העולם הקטן (</a:t>
+            </a:r>
+            <a:r>
+              <a:rPr lang="en-US" sz="1000" dirty="0" smtClean="0">
+                <a:solidFill>
+                  <a:srgbClr val="606060"/>
+                </a:solidFill>
+                <a:effectLst/>
+                <a:latin typeface="Lato"/>
+                <a:ea typeface="Calibri" panose="020F0502020204030204" pitchFamily="34" charset="0"/>
+                <a:cs typeface="Arial" panose="020B0604020202020204" pitchFamily="34" charset="0"/>
+              </a:rPr>
+              <a:t>small world</a:t>
+            </a:r>
+            <a:r>
+              <a:rPr lang="he-IL" sz="1000" dirty="0">
+                <a:solidFill>
+                  <a:srgbClr val="606060"/>
+                </a:solidFill>
+                <a:latin typeface="Lato"/>
+                <a:ea typeface="Calibri" panose="020F0502020204030204" pitchFamily="34" charset="0"/>
+              </a:rPr>
+              <a:t>)?</a:t>
+            </a:r>
+            <a:endParaRPr lang="en-US" sz="1100" dirty="0" smtClean="0">
+              <a:effectLst/>
+              <a:latin typeface="Calibri" panose="020F0502020204030204" pitchFamily="34" charset="0"/>
+              <a:ea typeface="Calibri" panose="020F0502020204030204" pitchFamily="34" charset="0"/>
+              <a:cs typeface="Arial" panose="020B0604020202020204" pitchFamily="34" charset="0"/>
+            </a:endParaRPr>
+          </a:p>
+          <a:p>
+            <a:pPr marL="742950" lvl="1" indent="-285750">
+              <a:lnSpc>
+                <a:spcPct val="150000"/>
+              </a:lnSpc>
+              <a:spcAft>
+                <a:spcPts val="800"/>
+              </a:spcAft>
+              <a:buFont typeface="+mj-lt"/>
+              <a:buAutoNum type="alphaLcPeriod"/>
+            </a:pPr>
+            <a:r>
+              <a:rPr lang="he-IL" sz="1000" dirty="0">
+                <a:solidFill>
+                  <a:srgbClr val="606060"/>
+                </a:solidFill>
+                <a:latin typeface="Lato"/>
+                <a:ea typeface="Calibri" panose="020F0502020204030204" pitchFamily="34" charset="0"/>
+              </a:rPr>
+              <a:t>מדדי מרכזיות בסיסיים: הראו עבור מס' צמתים והשוו בניהם</a:t>
+            </a:r>
+            <a:endParaRPr lang="en-US" sz="1100" dirty="0" smtClean="0">
+              <a:effectLst/>
+              <a:latin typeface="Calibri" panose="020F0502020204030204" pitchFamily="34" charset="0"/>
+              <a:ea typeface="Calibri" panose="020F0502020204030204" pitchFamily="34" charset="0"/>
+              <a:cs typeface="Arial" panose="020B0604020202020204" pitchFamily="34" charset="0"/>
+            </a:endParaRPr>
+          </a:p>
+          <a:p>
+            <a:pPr marL="742950" lvl="1" indent="-285750">
+              <a:lnSpc>
+                <a:spcPct val="150000"/>
+              </a:lnSpc>
+              <a:spcAft>
+                <a:spcPts val="800"/>
+              </a:spcAft>
+              <a:buFont typeface="+mj-lt"/>
+              <a:buAutoNum type="alphaLcPeriod"/>
+            </a:pPr>
+            <a:r>
+              <a:rPr lang="he-IL" sz="1000" dirty="0" err="1">
+                <a:solidFill>
+                  <a:srgbClr val="606060"/>
+                </a:solidFill>
+                <a:latin typeface="Lato"/>
+                <a:ea typeface="Calibri" panose="020F0502020204030204" pitchFamily="34" charset="0"/>
+              </a:rPr>
+              <a:t>היסטוגרמה</a:t>
+            </a:r>
+            <a:r>
+              <a:rPr lang="he-IL" sz="1000" dirty="0">
+                <a:solidFill>
+                  <a:srgbClr val="606060"/>
+                </a:solidFill>
+                <a:latin typeface="Lato"/>
+                <a:ea typeface="Calibri" panose="020F0502020204030204" pitchFamily="34" charset="0"/>
+              </a:rPr>
+              <a:t> של </a:t>
+            </a:r>
+            <a:r>
+              <a:rPr lang="he-IL" sz="1000" b="1" dirty="0">
+                <a:solidFill>
+                  <a:srgbClr val="606060"/>
+                </a:solidFill>
+                <a:latin typeface="Lato"/>
+                <a:ea typeface="Calibri" panose="020F0502020204030204" pitchFamily="34" charset="0"/>
+              </a:rPr>
+              <a:t>התפלגות</a:t>
+            </a:r>
+            <a:r>
+              <a:rPr lang="he-IL" sz="1000" dirty="0">
+                <a:solidFill>
+                  <a:srgbClr val="606060"/>
+                </a:solidFill>
+                <a:latin typeface="Lato"/>
+                <a:ea typeface="Calibri" panose="020F0502020204030204" pitchFamily="34" charset="0"/>
+              </a:rPr>
+              <a:t> דרגות</a:t>
+            </a:r>
+            <a:endParaRPr lang="en-US" sz="1100" dirty="0">
+              <a:effectLst/>
+              <a:latin typeface="Calibri" panose="020F0502020204030204" pitchFamily="34" charset="0"/>
+              <a:ea typeface="Calibri" panose="020F0502020204030204" pitchFamily="34" charset="0"/>
+              <a:cs typeface="Arial" panose="020B0604020202020204" pitchFamily="34" charset="0"/>
+            </a:endParaRPr>
+          </a:p>
+        </p:txBody>
+      </p:sp>
+      <p:sp>
+        <p:nvSpPr>
+          <p:cNvPr id="3" name="מלבן 2"/>
+          <p:cNvSpPr/>
+          <p:nvPr/>
+        </p:nvSpPr>
+        <p:spPr>
+          <a:xfrm>
+            <a:off x="4282038" y="492423"/>
+            <a:ext cx="7628022" cy="4324261"/>
+          </a:xfrm>
+          <a:prstGeom prst="rect">
+            <a:avLst/>
+          </a:prstGeom>
+        </p:spPr>
+        <p:txBody>
+          <a:bodyPr wrap="square">
+            <a:spAutoFit/>
+          </a:bodyPr>
+          <a:lstStyle/>
+          <a:p>
+            <a:pPr marL="685800" lvl="1" indent="-228600">
+              <a:lnSpc>
+                <a:spcPct val="150000"/>
+              </a:lnSpc>
+              <a:spcAft>
+                <a:spcPts val="800"/>
+              </a:spcAft>
+              <a:buAutoNum type="alphaLcPeriod" startAt="2"/>
+            </a:pPr>
+            <a:r>
+              <a:rPr lang="he-IL" sz="1000" dirty="0" smtClean="0">
+                <a:solidFill>
+                  <a:srgbClr val="606060"/>
+                </a:solidFill>
+                <a:latin typeface="Lato"/>
+                <a:ea typeface="Calibri" panose="020F0502020204030204" pitchFamily="34" charset="0"/>
+              </a:rPr>
+              <a:t>הגדרת </a:t>
+            </a:r>
+            <a:r>
+              <a:rPr lang="he-IL" sz="1000" dirty="0">
+                <a:solidFill>
+                  <a:srgbClr val="606060"/>
+                </a:solidFill>
+                <a:latin typeface="Lato"/>
+                <a:ea typeface="Calibri" panose="020F0502020204030204" pitchFamily="34" charset="0"/>
+              </a:rPr>
+              <a:t>הצמתים ברשת+ כמה צמתים יש? (נדרש גרף גדול מספיק, לפחות 1000 צמתים</a:t>
+            </a:r>
+            <a:r>
+              <a:rPr lang="he-IL" sz="1000" dirty="0">
+                <a:solidFill>
+                  <a:srgbClr val="606060"/>
+                </a:solidFill>
+                <a:latin typeface="Calibri" panose="020F0502020204030204" pitchFamily="34" charset="0"/>
+                <a:ea typeface="Calibri" panose="020F0502020204030204" pitchFamily="34" charset="0"/>
+                <a:cs typeface="Lato"/>
+              </a:rPr>
+              <a:t> </a:t>
+            </a:r>
+            <a:r>
+              <a:rPr lang="he-IL" sz="1000" i="1" dirty="0">
+                <a:solidFill>
+                  <a:srgbClr val="606060"/>
+                </a:solidFill>
+                <a:latin typeface="Lato"/>
+                <a:ea typeface="Calibri" panose="020F0502020204030204" pitchFamily="34" charset="0"/>
+              </a:rPr>
+              <a:t>ברכיב הקשירות הגדול</a:t>
+            </a:r>
+            <a:r>
+              <a:rPr lang="he-IL" sz="1000" dirty="0" smtClean="0">
+                <a:solidFill>
+                  <a:srgbClr val="606060"/>
+                </a:solidFill>
+                <a:latin typeface="Lato"/>
+                <a:ea typeface="Calibri" panose="020F0502020204030204" pitchFamily="34" charset="0"/>
+              </a:rPr>
+              <a:t>):</a:t>
+            </a:r>
+          </a:p>
+          <a:p>
+            <a:pPr lvl="1">
+              <a:lnSpc>
+                <a:spcPct val="150000"/>
+              </a:lnSpc>
+              <a:spcAft>
+                <a:spcPts val="800"/>
+              </a:spcAft>
+            </a:pPr>
+            <a:r>
+              <a:rPr lang="he-IL" sz="1000" dirty="0" smtClean="0">
+                <a:solidFill>
+                  <a:srgbClr val="606060"/>
+                </a:solidFill>
+                <a:latin typeface="Lato"/>
+                <a:ea typeface="Calibri" panose="020F0502020204030204" pitchFamily="34" charset="0"/>
+                <a:cs typeface="Arial" panose="020B0604020202020204" pitchFamily="34" charset="0"/>
+              </a:rPr>
+              <a:t>בגרף יש 5881 צמתים כאשר כל צומת מייצג משתמש בפלטפורמה.</a:t>
+            </a:r>
+          </a:p>
+          <a:p>
+            <a:pPr marL="685800" lvl="1" indent="-228600">
+              <a:lnSpc>
+                <a:spcPct val="150000"/>
+              </a:lnSpc>
+              <a:spcAft>
+                <a:spcPts val="800"/>
+              </a:spcAft>
+              <a:buFontTx/>
+              <a:buAutoNum type="alphaLcPeriod" startAt="3"/>
+            </a:pPr>
+            <a:r>
+              <a:rPr lang="he-IL" sz="1000" dirty="0">
+                <a:solidFill>
+                  <a:srgbClr val="606060"/>
+                </a:solidFill>
+                <a:latin typeface="Lato"/>
+                <a:ea typeface="Calibri" panose="020F0502020204030204" pitchFamily="34" charset="0"/>
+              </a:rPr>
+              <a:t>הגדרת הקשתות ברשת+ כמה קשתות יש (מכל סוג)? (בהתאמה, לפחות מס' אלפים של צמתים</a:t>
+            </a:r>
+            <a:r>
+              <a:rPr lang="he-IL" sz="1000" dirty="0" smtClean="0">
+                <a:solidFill>
+                  <a:srgbClr val="606060"/>
+                </a:solidFill>
+                <a:latin typeface="Lato"/>
+                <a:ea typeface="Calibri" panose="020F0502020204030204" pitchFamily="34" charset="0"/>
+              </a:rPr>
+              <a:t>):</a:t>
+            </a:r>
+          </a:p>
+          <a:p>
+            <a:pPr lvl="1">
+              <a:lnSpc>
+                <a:spcPct val="150000"/>
+              </a:lnSpc>
+              <a:spcAft>
+                <a:spcPts val="800"/>
+              </a:spcAft>
+            </a:pPr>
+            <a:r>
+              <a:rPr lang="he-IL" sz="1000" dirty="0" smtClean="0">
+                <a:solidFill>
+                  <a:srgbClr val="606060"/>
+                </a:solidFill>
+                <a:latin typeface="Lato"/>
+                <a:ea typeface="Calibri" panose="020F0502020204030204" pitchFamily="34" charset="0"/>
+                <a:cs typeface="Arial" panose="020B0604020202020204" pitchFamily="34" charset="0"/>
+              </a:rPr>
+              <a:t>בגרף יש 35,592 קשתות כאשר כל קשת מייצגת דירוג שנתן משתמש אחד למשתמש שני.</a:t>
+            </a:r>
+          </a:p>
+          <a:p>
+            <a:pPr lvl="1">
+              <a:lnSpc>
+                <a:spcPct val="150000"/>
+              </a:lnSpc>
+              <a:spcAft>
+                <a:spcPts val="800"/>
+              </a:spcAft>
+            </a:pPr>
+            <a:r>
+              <a:rPr lang="he-IL" sz="1000" dirty="0" smtClean="0">
+                <a:solidFill>
+                  <a:srgbClr val="606060"/>
+                </a:solidFill>
+                <a:latin typeface="Lato"/>
+                <a:ea typeface="Calibri" panose="020F0502020204030204" pitchFamily="34" charset="0"/>
+                <a:cs typeface="Arial" panose="020B0604020202020204" pitchFamily="34" charset="0"/>
+              </a:rPr>
+              <a:t>הקשתות </a:t>
+            </a:r>
+            <a:r>
+              <a:rPr lang="he-IL" sz="1000" dirty="0" err="1" smtClean="0">
+                <a:solidFill>
+                  <a:srgbClr val="606060"/>
+                </a:solidFill>
+                <a:latin typeface="Lato"/>
+                <a:ea typeface="Calibri" panose="020F0502020204030204" pitchFamily="34" charset="0"/>
+                <a:cs typeface="Arial" panose="020B0604020202020204" pitchFamily="34" charset="0"/>
+              </a:rPr>
+              <a:t>ממושקלות</a:t>
+            </a:r>
+            <a:r>
+              <a:rPr lang="he-IL" sz="1000" dirty="0" smtClean="0">
+                <a:solidFill>
+                  <a:srgbClr val="606060"/>
+                </a:solidFill>
+                <a:latin typeface="Lato"/>
+                <a:ea typeface="Calibri" panose="020F0502020204030204" pitchFamily="34" charset="0"/>
+                <a:cs typeface="Arial" panose="020B0604020202020204" pitchFamily="34" charset="0"/>
+              </a:rPr>
+              <a:t> – משקל כל קשת הוא הדירוג שניתן – בטווח בין -10 ל 10.</a:t>
+            </a:r>
+          </a:p>
+          <a:p>
+            <a:pPr lvl="1">
+              <a:lnSpc>
+                <a:spcPct val="150000"/>
+              </a:lnSpc>
+              <a:spcAft>
+                <a:spcPts val="800"/>
+              </a:spcAft>
+            </a:pPr>
+            <a:r>
+              <a:rPr lang="en-US" sz="1000" dirty="0" smtClean="0">
+                <a:solidFill>
+                  <a:srgbClr val="606060"/>
+                </a:solidFill>
+                <a:latin typeface="Lato"/>
+                <a:ea typeface="Calibri" panose="020F0502020204030204" pitchFamily="34" charset="0"/>
+                <a:cs typeface="Arial" panose="020B0604020202020204" pitchFamily="34" charset="0"/>
+              </a:rPr>
+              <a:t>d</a:t>
+            </a:r>
+            <a:r>
+              <a:rPr lang="he-IL" sz="1000" dirty="0" smtClean="0">
+                <a:solidFill>
+                  <a:srgbClr val="606060"/>
+                </a:solidFill>
+                <a:latin typeface="Lato"/>
+                <a:ea typeface="Calibri" panose="020F0502020204030204" pitchFamily="34" charset="0"/>
+                <a:cs typeface="Arial" panose="020B0604020202020204" pitchFamily="34" charset="0"/>
+              </a:rPr>
+              <a:t>. </a:t>
+            </a:r>
+            <a:r>
+              <a:rPr lang="he-IL" sz="1000" dirty="0">
+                <a:solidFill>
+                  <a:srgbClr val="606060"/>
+                </a:solidFill>
+                <a:latin typeface="Lato"/>
+                <a:ea typeface="Calibri" panose="020F0502020204030204" pitchFamily="34" charset="0"/>
+              </a:rPr>
+              <a:t>תכונות בסיסיות נוספות </a:t>
+            </a:r>
+            <a:r>
+              <a:rPr lang="en-US" sz="1000" dirty="0">
+                <a:solidFill>
+                  <a:srgbClr val="606060"/>
+                </a:solidFill>
+                <a:latin typeface="Lato"/>
+                <a:ea typeface="Calibri" panose="020F0502020204030204" pitchFamily="34" charset="0"/>
+                <a:cs typeface="Arial" panose="020B0604020202020204" pitchFamily="34" charset="0"/>
+              </a:rPr>
+              <a:t>:</a:t>
+            </a:r>
+            <a:r>
+              <a:rPr lang="he-IL" sz="1000" dirty="0">
+                <a:solidFill>
+                  <a:srgbClr val="606060"/>
+                </a:solidFill>
+                <a:latin typeface="Lato"/>
+                <a:ea typeface="Calibri" panose="020F0502020204030204" pitchFamily="34" charset="0"/>
+              </a:rPr>
+              <a:t>גרף מכוון \ </a:t>
+            </a:r>
+            <a:r>
+              <a:rPr lang="he-IL" sz="1000" dirty="0" err="1">
+                <a:solidFill>
+                  <a:srgbClr val="606060"/>
+                </a:solidFill>
+                <a:latin typeface="Lato"/>
+                <a:ea typeface="Calibri" panose="020F0502020204030204" pitchFamily="34" charset="0"/>
+              </a:rPr>
+              <a:t>מולטיגרף</a:t>
+            </a:r>
+            <a:r>
+              <a:rPr lang="he-IL" sz="1000" dirty="0">
+                <a:solidFill>
+                  <a:srgbClr val="606060"/>
+                </a:solidFill>
+                <a:latin typeface="Lato"/>
+                <a:ea typeface="Calibri" panose="020F0502020204030204" pitchFamily="34" charset="0"/>
+              </a:rPr>
+              <a:t>\מס' רכיבי קשירות\קוטר</a:t>
+            </a:r>
+            <a:r>
+              <a:rPr lang="he-IL" sz="1000" dirty="0" smtClean="0">
+                <a:solidFill>
+                  <a:srgbClr val="606060"/>
+                </a:solidFill>
+                <a:latin typeface="Lato"/>
+                <a:ea typeface="Calibri" panose="020F0502020204030204" pitchFamily="34" charset="0"/>
+              </a:rPr>
+              <a:t>\...:</a:t>
+            </a:r>
+            <a:endParaRPr lang="en-US" sz="1100" dirty="0">
+              <a:latin typeface="Calibri" panose="020F0502020204030204" pitchFamily="34" charset="0"/>
+              <a:ea typeface="Calibri" panose="020F0502020204030204" pitchFamily="34" charset="0"/>
+              <a:cs typeface="Arial" panose="020B0604020202020204" pitchFamily="34" charset="0"/>
+            </a:endParaRPr>
+          </a:p>
+          <a:p>
+            <a:pPr lvl="1">
+              <a:lnSpc>
+                <a:spcPct val="150000"/>
+              </a:lnSpc>
+              <a:spcAft>
+                <a:spcPts val="800"/>
+              </a:spcAft>
+            </a:pPr>
+            <a:r>
+              <a:rPr lang="he-IL" sz="1000" dirty="0" smtClean="0">
+                <a:solidFill>
+                  <a:srgbClr val="606060"/>
+                </a:solidFill>
+                <a:latin typeface="Lato"/>
+                <a:ea typeface="Calibri" panose="020F0502020204030204" pitchFamily="34" charset="0"/>
+                <a:cs typeface="Arial" panose="020B0604020202020204" pitchFamily="34" charset="0"/>
+              </a:rPr>
+              <a:t>הגרף הוא גרף מכוון כאשר משתמש </a:t>
+            </a:r>
+            <a:r>
+              <a:rPr lang="en-US" sz="1000" dirty="0" smtClean="0">
+                <a:solidFill>
+                  <a:srgbClr val="606060"/>
+                </a:solidFill>
+                <a:latin typeface="Lato"/>
+                <a:ea typeface="Calibri" panose="020F0502020204030204" pitchFamily="34" charset="0"/>
+                <a:cs typeface="Arial" panose="020B0604020202020204" pitchFamily="34" charset="0"/>
+              </a:rPr>
+              <a:t>X</a:t>
+            </a:r>
+            <a:r>
+              <a:rPr lang="he-IL" sz="1000" dirty="0" smtClean="0">
+                <a:solidFill>
+                  <a:srgbClr val="606060"/>
+                </a:solidFill>
+                <a:latin typeface="Lato"/>
+                <a:ea typeface="Calibri" panose="020F0502020204030204" pitchFamily="34" charset="0"/>
+                <a:cs typeface="Arial" panose="020B0604020202020204" pitchFamily="34" charset="0"/>
+              </a:rPr>
+              <a:t> מדרג את משתמש </a:t>
+            </a:r>
+            <a:r>
+              <a:rPr lang="en-US" sz="1000" dirty="0" smtClean="0">
+                <a:solidFill>
+                  <a:srgbClr val="606060"/>
+                </a:solidFill>
+                <a:latin typeface="Lato"/>
+                <a:ea typeface="Calibri" panose="020F0502020204030204" pitchFamily="34" charset="0"/>
+                <a:cs typeface="Arial" panose="020B0604020202020204" pitchFamily="34" charset="0"/>
+              </a:rPr>
+              <a:t> Y</a:t>
+            </a:r>
+            <a:r>
+              <a:rPr lang="he-IL" sz="1000" dirty="0" smtClean="0">
+                <a:solidFill>
+                  <a:srgbClr val="606060"/>
+                </a:solidFill>
+                <a:latin typeface="Lato"/>
+                <a:ea typeface="Calibri" panose="020F0502020204030204" pitchFamily="34" charset="0"/>
+                <a:cs typeface="Arial" panose="020B0604020202020204" pitchFamily="34" charset="0"/>
+              </a:rPr>
+              <a:t>  ב- 8 אז ישנה קשת מכוונת מקדקוד </a:t>
+            </a:r>
+            <a:r>
+              <a:rPr lang="en-US" sz="1000" dirty="0" smtClean="0">
+                <a:solidFill>
+                  <a:srgbClr val="606060"/>
+                </a:solidFill>
+                <a:latin typeface="Lato"/>
+                <a:ea typeface="Calibri" panose="020F0502020204030204" pitchFamily="34" charset="0"/>
+                <a:cs typeface="Arial" panose="020B0604020202020204" pitchFamily="34" charset="0"/>
+              </a:rPr>
+              <a:t>X</a:t>
+            </a:r>
+            <a:r>
+              <a:rPr lang="he-IL" sz="1000" dirty="0" smtClean="0">
+                <a:solidFill>
+                  <a:srgbClr val="606060"/>
+                </a:solidFill>
+                <a:latin typeface="Lato"/>
+                <a:ea typeface="Calibri" panose="020F0502020204030204" pitchFamily="34" charset="0"/>
+                <a:cs typeface="Arial" panose="020B0604020202020204" pitchFamily="34" charset="0"/>
+              </a:rPr>
+              <a:t> לקדקוד </a:t>
+            </a:r>
+            <a:r>
+              <a:rPr lang="en-US" sz="1000" dirty="0" smtClean="0">
+                <a:solidFill>
+                  <a:srgbClr val="606060"/>
+                </a:solidFill>
+                <a:latin typeface="Lato"/>
+                <a:ea typeface="Calibri" panose="020F0502020204030204" pitchFamily="34" charset="0"/>
+                <a:cs typeface="Arial" panose="020B0604020202020204" pitchFamily="34" charset="0"/>
+              </a:rPr>
+              <a:t>Y</a:t>
+            </a:r>
+            <a:r>
+              <a:rPr lang="he-IL" sz="1000" dirty="0" smtClean="0">
+                <a:solidFill>
+                  <a:srgbClr val="606060"/>
+                </a:solidFill>
+                <a:latin typeface="Lato"/>
+                <a:ea typeface="Calibri" panose="020F0502020204030204" pitchFamily="34" charset="0"/>
+                <a:cs typeface="Arial" panose="020B0604020202020204" pitchFamily="34" charset="0"/>
+              </a:rPr>
+              <a:t> שמשקלה 8.</a:t>
+            </a:r>
+            <a:endParaRPr lang="en-US" sz="1100" dirty="0">
+              <a:latin typeface="Calibri" panose="020F0502020204030204" pitchFamily="34" charset="0"/>
+              <a:ea typeface="Calibri" panose="020F0502020204030204" pitchFamily="34" charset="0"/>
+              <a:cs typeface="Arial" panose="020B0604020202020204" pitchFamily="34" charset="0"/>
+            </a:endParaRPr>
+          </a:p>
+          <a:p>
+            <a:pPr lvl="1">
+              <a:lnSpc>
+                <a:spcPct val="150000"/>
+              </a:lnSpc>
+              <a:spcAft>
+                <a:spcPts val="800"/>
+              </a:spcAft>
+            </a:pPr>
+            <a:r>
+              <a:rPr lang="he-IL" sz="1000" dirty="0" smtClean="0">
+                <a:solidFill>
+                  <a:srgbClr val="606060"/>
+                </a:solidFill>
+                <a:latin typeface="Lato"/>
+                <a:ea typeface="Calibri" panose="020F0502020204030204" pitchFamily="34" charset="0"/>
+                <a:cs typeface="Arial" panose="020B0604020202020204" pitchFamily="34" charset="0"/>
+              </a:rPr>
+              <a:t>אין אפשרות באתר לדרג פעמיים את אותו המשתמש ולכן הגרף הוא לא </a:t>
+            </a:r>
+            <a:r>
+              <a:rPr lang="he-IL" sz="1000" dirty="0" err="1" smtClean="0">
+                <a:solidFill>
+                  <a:srgbClr val="606060"/>
+                </a:solidFill>
+                <a:latin typeface="Lato"/>
+                <a:ea typeface="Calibri" panose="020F0502020204030204" pitchFamily="34" charset="0"/>
+                <a:cs typeface="Arial" panose="020B0604020202020204" pitchFamily="34" charset="0"/>
+              </a:rPr>
+              <a:t>מולטיגרף</a:t>
+            </a:r>
+            <a:r>
+              <a:rPr lang="he-IL" sz="1000" dirty="0" smtClean="0">
+                <a:solidFill>
+                  <a:srgbClr val="606060"/>
+                </a:solidFill>
+                <a:latin typeface="Lato"/>
+                <a:ea typeface="Calibri" panose="020F0502020204030204" pitchFamily="34" charset="0"/>
+                <a:cs typeface="Arial" panose="020B0604020202020204" pitchFamily="34" charset="0"/>
+              </a:rPr>
+              <a:t>.</a:t>
+            </a:r>
+          </a:p>
+          <a:p>
+            <a:pPr lvl="1">
+              <a:lnSpc>
+                <a:spcPct val="150000"/>
+              </a:lnSpc>
+              <a:spcAft>
+                <a:spcPts val="800"/>
+              </a:spcAft>
+            </a:pPr>
+            <a:r>
+              <a:rPr lang="he-IL" sz="1000" dirty="0" smtClean="0">
+                <a:solidFill>
+                  <a:srgbClr val="606060"/>
+                </a:solidFill>
+                <a:latin typeface="Lato"/>
+                <a:ea typeface="Calibri" panose="020F0502020204030204" pitchFamily="34" charset="0"/>
+                <a:cs typeface="Arial" panose="020B0604020202020204" pitchFamily="34" charset="0"/>
+              </a:rPr>
+              <a:t>צביעת קדקודים – הקודקודים נצבעים לפי נרמול ממוצע הדירוגים של כל משתמש  - איפה הוא ממוקם בטווח.</a:t>
+            </a:r>
+          </a:p>
+          <a:p>
+            <a:pPr lvl="1">
+              <a:lnSpc>
+                <a:spcPct val="150000"/>
+              </a:lnSpc>
+              <a:spcAft>
+                <a:spcPts val="800"/>
+              </a:spcAft>
+            </a:pPr>
+            <a:r>
+              <a:rPr lang="en-US" sz="1000" dirty="0" smtClean="0">
+                <a:solidFill>
+                  <a:srgbClr val="606060"/>
+                </a:solidFill>
+                <a:latin typeface="Lato"/>
+                <a:ea typeface="Calibri" panose="020F0502020204030204" pitchFamily="34" charset="0"/>
+                <a:cs typeface="Arial" panose="020B0604020202020204" pitchFamily="34" charset="0"/>
+              </a:rPr>
+              <a:t>e</a:t>
+            </a:r>
+            <a:r>
+              <a:rPr lang="he-IL" sz="1000" dirty="0" smtClean="0">
+                <a:solidFill>
+                  <a:srgbClr val="606060"/>
+                </a:solidFill>
+                <a:latin typeface="Lato"/>
+                <a:ea typeface="Calibri" panose="020F0502020204030204" pitchFamily="34" charset="0"/>
+                <a:cs typeface="Arial" panose="020B0604020202020204" pitchFamily="34" charset="0"/>
+              </a:rPr>
+              <a:t>. על מנת לספק הצגה מיטבית, נציג רק את הרכיב </a:t>
+            </a:r>
+            <a:r>
+              <a:rPr lang="he-IL" sz="1000" dirty="0" err="1" smtClean="0">
+                <a:solidFill>
+                  <a:srgbClr val="606060"/>
+                </a:solidFill>
+                <a:latin typeface="Lato"/>
+                <a:ea typeface="Calibri" panose="020F0502020204030204" pitchFamily="34" charset="0"/>
+                <a:cs typeface="Arial" panose="020B0604020202020204" pitchFamily="34" charset="0"/>
+              </a:rPr>
+              <a:t>הקשיר</a:t>
+            </a:r>
+            <a:r>
+              <a:rPr lang="he-IL" sz="1000" dirty="0" smtClean="0">
+                <a:solidFill>
+                  <a:srgbClr val="606060"/>
+                </a:solidFill>
+                <a:latin typeface="Lato"/>
+                <a:ea typeface="Calibri" panose="020F0502020204030204" pitchFamily="34" charset="0"/>
+                <a:cs typeface="Arial" panose="020B0604020202020204" pitchFamily="34" charset="0"/>
+              </a:rPr>
+              <a:t> החזק הגדול ביותר – בעל </a:t>
+            </a:r>
+            <a:r>
+              <a:rPr lang="en-US" sz="1000" dirty="0" smtClean="0">
+                <a:solidFill>
+                  <a:srgbClr val="606060"/>
+                </a:solidFill>
+                <a:latin typeface="Lato"/>
+                <a:ea typeface="Calibri" panose="020F0502020204030204" pitchFamily="34" charset="0"/>
+                <a:cs typeface="Arial" panose="020B0604020202020204" pitchFamily="34" charset="0"/>
+              </a:rPr>
+              <a:t>X</a:t>
+            </a:r>
+            <a:r>
+              <a:rPr lang="he-IL" sz="1000" dirty="0" smtClean="0">
+                <a:solidFill>
+                  <a:srgbClr val="606060"/>
+                </a:solidFill>
+                <a:latin typeface="Lato"/>
+                <a:ea typeface="Calibri" panose="020F0502020204030204" pitchFamily="34" charset="0"/>
+                <a:cs typeface="Arial" panose="020B0604020202020204" pitchFamily="34" charset="0"/>
+              </a:rPr>
+              <a:t> קדקודים ו-</a:t>
+            </a:r>
+            <a:r>
+              <a:rPr lang="en-US" sz="1000" dirty="0" smtClean="0">
+                <a:solidFill>
+                  <a:srgbClr val="606060"/>
+                </a:solidFill>
+                <a:latin typeface="Lato"/>
+                <a:ea typeface="Calibri" panose="020F0502020204030204" pitchFamily="34" charset="0"/>
+                <a:cs typeface="Arial" panose="020B0604020202020204" pitchFamily="34" charset="0"/>
+              </a:rPr>
+              <a:t>X</a:t>
+            </a:r>
+            <a:r>
+              <a:rPr lang="he-IL" sz="1000" dirty="0" smtClean="0">
+                <a:solidFill>
+                  <a:srgbClr val="606060"/>
+                </a:solidFill>
+                <a:latin typeface="Lato"/>
+                <a:ea typeface="Calibri" panose="020F0502020204030204" pitchFamily="34" charset="0"/>
+                <a:cs typeface="Arial" panose="020B0604020202020204" pitchFamily="34" charset="0"/>
+              </a:rPr>
+              <a:t> צלעות.</a:t>
+            </a:r>
+          </a:p>
+          <a:p>
+            <a:pPr lvl="1">
+              <a:lnSpc>
+                <a:spcPct val="150000"/>
+              </a:lnSpc>
+              <a:spcAft>
+                <a:spcPts val="800"/>
+              </a:spcAft>
+            </a:pPr>
+            <a:r>
+              <a:rPr lang="he-IL" sz="1000" dirty="0" smtClean="0">
+                <a:solidFill>
+                  <a:srgbClr val="606060"/>
+                </a:solidFill>
+                <a:latin typeface="Lato"/>
+                <a:ea typeface="Calibri" panose="020F0502020204030204" pitchFamily="34" charset="0"/>
+                <a:cs typeface="Arial" panose="020B0604020202020204" pitchFamily="34" charset="0"/>
+              </a:rPr>
+              <a:t> </a:t>
+            </a:r>
+          </a:p>
+          <a:p>
+            <a:pPr lvl="1">
+              <a:lnSpc>
+                <a:spcPct val="150000"/>
+              </a:lnSpc>
+              <a:spcAft>
+                <a:spcPts val="800"/>
+              </a:spcAft>
+            </a:pPr>
+            <a:endParaRPr lang="he-IL" sz="1000" dirty="0" smtClean="0">
+              <a:solidFill>
+                <a:srgbClr val="606060"/>
+              </a:solidFill>
+              <a:latin typeface="Lato"/>
+              <a:ea typeface="Calibri" panose="020F0502020204030204" pitchFamily="34" charset="0"/>
+              <a:cs typeface="Arial" panose="020B0604020202020204" pitchFamily="34" charset="0"/>
+            </a:endParaRPr>
+          </a:p>
+          <a:p>
+            <a:pPr marL="685800" lvl="1" indent="-228600">
+              <a:lnSpc>
+                <a:spcPct val="150000"/>
+              </a:lnSpc>
+              <a:spcAft>
+                <a:spcPts val="800"/>
+              </a:spcAft>
+              <a:buAutoNum type="alphaLcPeriod" startAt="3"/>
+            </a:pPr>
+            <a:endParaRPr lang="he-IL" sz="1000" dirty="0">
+              <a:solidFill>
+                <a:srgbClr val="606060"/>
+              </a:solidFill>
+              <a:latin typeface="Lato"/>
+              <a:ea typeface="Calibri" panose="020F0502020204030204" pitchFamily="34" charset="0"/>
+              <a:cs typeface="Arial" panose="020B0604020202020204" pitchFamily="34" charset="0"/>
+            </a:endParaRPr>
+          </a:p>
+        </p:txBody>
+      </p:sp>
+    </p:spTree>
+    <p:extLst>
+      <p:ext uri="{BB962C8B-B14F-4D97-AF65-F5344CB8AC3E}">
+        <p14:creationId xmlns:p14="http://schemas.microsoft.com/office/powerpoint/2010/main" val="1373668926"/>
       </p:ext>
     </p:extLst>
   </p:cSld>

--- a/Research proposal.pptx
+++ b/Research proposal.pptx
@@ -5,12 +5,14 @@
     <p:sldMasterId id="2147483648" r:id="rId1"/>
   </p:sldMasterIdLst>
   <p:notesMasterIdLst>
-    <p:notesMasterId r:id="rId5"/>
+    <p:notesMasterId r:id="rId7"/>
   </p:notesMasterIdLst>
   <p:sldIdLst>
     <p:sldId id="256" r:id="rId2"/>
     <p:sldId id="257" r:id="rId3"/>
     <p:sldId id="258" r:id="rId4"/>
+    <p:sldId id="260" r:id="rId5"/>
+    <p:sldId id="259" r:id="rId6"/>
   </p:sldIdLst>
   <p:sldSz cx="12192000" cy="6858000"/>
   <p:notesSz cx="6858000" cy="9144000"/>
@@ -3510,7 +3512,6 @@
               <a:rPr lang="he-IL" sz="1000" dirty="0" smtClean="0"/>
               <a:t>.</a:t>
             </a:r>
-            <a:endParaRPr lang="he-IL" sz="1000" dirty="0" smtClean="0"/>
           </a:p>
           <a:p>
             <a:pPr lvl="1">
@@ -4043,7 +4044,7 @@
         <p:spPr>
           <a:xfrm>
             <a:off x="4282038" y="492423"/>
-            <a:ext cx="7628022" cy="4324261"/>
+            <a:ext cx="7628022" cy="4657685"/>
           </a:xfrm>
           <a:prstGeom prst="rect">
             <a:avLst/>
@@ -4187,7 +4188,29 @@
                 <a:ea typeface="Calibri" panose="020F0502020204030204" pitchFamily="34" charset="0"/>
                 <a:cs typeface="Arial" panose="020B0604020202020204" pitchFamily="34" charset="0"/>
               </a:rPr>
-              <a:t>בגרף יש 35,592 קשתות כאשר כל קשת מייצגת דירוג שנתן משתמש אחד למשתמש שני.</a:t>
+              <a:t>בגרף יש 35,592 </a:t>
+            </a:r>
+            <a:r>
+              <a:rPr lang="he-IL" sz="1000" dirty="0" smtClean="0">
+                <a:solidFill>
+                  <a:srgbClr val="606060"/>
+                </a:solidFill>
+                <a:latin typeface="Lato"/>
+                <a:ea typeface="Calibri" panose="020F0502020204030204" pitchFamily="34" charset="0"/>
+                <a:cs typeface="Arial" panose="020B0604020202020204" pitchFamily="34" charset="0"/>
+              </a:rPr>
+              <a:t>קשתות כאשר </a:t>
+            </a:r>
+            <a:r>
+              <a:rPr lang="he-IL" sz="1000" dirty="0" smtClean="0">
+                <a:solidFill>
+                  <a:srgbClr val="606060"/>
+                </a:solidFill>
+                <a:latin typeface="Lato"/>
+                <a:ea typeface="Calibri" panose="020F0502020204030204" pitchFamily="34" charset="0"/>
+                <a:cs typeface="Arial" panose="020B0604020202020204" pitchFamily="34" charset="0"/>
+              </a:rPr>
+              <a:t>כל קשת מייצגת דירוג שנתן משתמש אחד למשתמש שני.</a:t>
             </a:r>
           </a:p>
           <a:p>
@@ -4208,29 +4231,7 @@
                 <a:ea typeface="Calibri" panose="020F0502020204030204" pitchFamily="34" charset="0"/>
                 <a:cs typeface="Arial" panose="020B0604020202020204" pitchFamily="34" charset="0"/>
               </a:rPr>
-              <a:t>הקשתות </a:t>
-            </a:r>
-            <a:r>
-              <a:rPr lang="he-IL" sz="1000" dirty="0" err="1" smtClean="0">
-                <a:solidFill>
-                  <a:srgbClr val="606060"/>
-                </a:solidFill>
-                <a:latin typeface="Lato"/>
-                <a:ea typeface="Calibri" panose="020F0502020204030204" pitchFamily="34" charset="0"/>
-                <a:cs typeface="Arial" panose="020B0604020202020204" pitchFamily="34" charset="0"/>
-              </a:rPr>
-              <a:t>ממושקלות</a:t>
-            </a:r>
-            <a:r>
-              <a:rPr lang="he-IL" sz="1000" dirty="0" smtClean="0">
-                <a:solidFill>
-                  <a:srgbClr val="606060"/>
-                </a:solidFill>
-                <a:latin typeface="Lato"/>
-                <a:ea typeface="Calibri" panose="020F0502020204030204" pitchFamily="34" charset="0"/>
-                <a:cs typeface="Arial" panose="020B0604020202020204" pitchFamily="34" charset="0"/>
-              </a:rPr>
-              <a:t> – משקל כל קשת הוא הדירוג שניתן – בטווח בין -10 ל 10.</a:t>
+              <a:t>הקשתות ממושקלות – משקל כל קשת הוא הדירוג שניתן – בטווח בין -10 ל 10.</a:t>
             </a:r>
           </a:p>
           <a:p>
@@ -4371,7 +4372,18 @@
                 <a:ea typeface="Calibri" panose="020F0502020204030204" pitchFamily="34" charset="0"/>
                 <a:cs typeface="Arial" panose="020B0604020202020204" pitchFamily="34" charset="0"/>
               </a:rPr>
-              <a:t> מדרג את משתמש </a:t>
+              <a:t> </a:t>
+            </a:r>
+            <a:r>
+              <a:rPr lang="he-IL" sz="1000" dirty="0" smtClean="0">
+                <a:solidFill>
+                  <a:srgbClr val="606060"/>
+                </a:solidFill>
+                <a:latin typeface="Lato"/>
+                <a:ea typeface="Calibri" panose="020F0502020204030204" pitchFamily="34" charset="0"/>
+                <a:cs typeface="Arial" panose="020B0604020202020204" pitchFamily="34" charset="0"/>
+              </a:rPr>
+              <a:t>נותן דירוג 8 למשתמש </a:t>
             </a:r>
             <a:r>
               <a:rPr lang="en-US" sz="1000" dirty="0" smtClean="0">
@@ -4382,7 +4394,7 @@
                 <a:ea typeface="Calibri" panose="020F0502020204030204" pitchFamily="34" charset="0"/>
                 <a:cs typeface="Arial" panose="020B0604020202020204" pitchFamily="34" charset="0"/>
               </a:rPr>
-              <a:t> Y</a:t>
+              <a:t>Y</a:t>
             </a:r>
             <a:r>
               <a:rPr lang="he-IL" sz="1000" dirty="0" smtClean="0">
@@ -4393,7 +4405,7 @@
                 <a:ea typeface="Calibri" panose="020F0502020204030204" pitchFamily="34" charset="0"/>
                 <a:cs typeface="Arial" panose="020B0604020202020204" pitchFamily="34" charset="0"/>
               </a:rPr>
-              <a:t>  ב- 8 אז ישנה קשת מכוונת מקדקוד </a:t>
+              <a:t> אז תיווצר קשת</a:t>
             </a:r>
             <a:r>
               <a:rPr lang="en-US" sz="1000" dirty="0" smtClean="0">
@@ -4404,7 +4416,7 @@
                 <a:ea typeface="Calibri" panose="020F0502020204030204" pitchFamily="34" charset="0"/>
                 <a:cs typeface="Arial" panose="020B0604020202020204" pitchFamily="34" charset="0"/>
               </a:rPr>
-              <a:t>X</a:t>
+              <a:t>X,Y,8]</a:t>
             </a:r>
             <a:r>
               <a:rPr lang="he-IL" sz="1000" dirty="0" smtClean="0">
@@ -4415,29 +4427,7 @@
                 <a:ea typeface="Calibri" panose="020F0502020204030204" pitchFamily="34" charset="0"/>
                 <a:cs typeface="Arial" panose="020B0604020202020204" pitchFamily="34" charset="0"/>
               </a:rPr>
-              <a:t> לקדקוד </a:t>
-            </a:r>
-            <a:r>
-              <a:rPr lang="en-US" sz="1000" dirty="0" smtClean="0">
-                <a:solidFill>
-                  <a:srgbClr val="606060"/>
-                </a:solidFill>
-                <a:latin typeface="Lato"/>
-                <a:ea typeface="Calibri" panose="020F0502020204030204" pitchFamily="34" charset="0"/>
-                <a:cs typeface="Arial" panose="020B0604020202020204" pitchFamily="34" charset="0"/>
-              </a:rPr>
-              <a:t>Y</a:t>
-            </a:r>
-            <a:r>
-              <a:rPr lang="he-IL" sz="1000" dirty="0" smtClean="0">
-                <a:solidFill>
-                  <a:srgbClr val="606060"/>
-                </a:solidFill>
-                <a:latin typeface="Lato"/>
-                <a:ea typeface="Calibri" panose="020F0502020204030204" pitchFamily="34" charset="0"/>
-                <a:cs typeface="Arial" panose="020B0604020202020204" pitchFamily="34" charset="0"/>
-              </a:rPr>
-              <a:t> שמשקלה 8.</a:t>
+              <a:t>.</a:t>
             </a:r>
             <a:endParaRPr lang="en-US" sz="1100" dirty="0">
               <a:latin typeface="Calibri" panose="020F0502020204030204" pitchFamily="34" charset="0"/>
@@ -4463,18 +4453,18 @@
                 <a:ea typeface="Calibri" panose="020F0502020204030204" pitchFamily="34" charset="0"/>
                 <a:cs typeface="Arial" panose="020B0604020202020204" pitchFamily="34" charset="0"/>
               </a:rPr>
-              <a:t>אין אפשרות באתר לדרג פעמיים את אותו המשתמש ולכן הגרף הוא לא </a:t>
-            </a:r>
-            <a:r>
-              <a:rPr lang="he-IL" sz="1000" dirty="0" err="1" smtClean="0">
-                <a:solidFill>
-                  <a:srgbClr val="606060"/>
-                </a:solidFill>
-                <a:latin typeface="Lato"/>
-                <a:ea typeface="Calibri" panose="020F0502020204030204" pitchFamily="34" charset="0"/>
-                <a:cs typeface="Arial" panose="020B0604020202020204" pitchFamily="34" charset="0"/>
-              </a:rPr>
-              <a:t>מולטיגרף</a:t>
+              <a:t>צביעת </a:t>
+            </a:r>
+            <a:r>
+              <a:rPr lang="he-IL" sz="1000" dirty="0" smtClean="0">
+                <a:solidFill>
+                  <a:srgbClr val="606060"/>
+                </a:solidFill>
+                <a:latin typeface="Lato"/>
+                <a:ea typeface="Calibri" panose="020F0502020204030204" pitchFamily="34" charset="0"/>
+                <a:cs typeface="Arial" panose="020B0604020202020204" pitchFamily="34" charset="0"/>
+              </a:rPr>
+              <a:t>קדקודים – הקודקודים נצבעים לפי נרמול ממוצע הדירוגים של כל משתמש  - איפה הוא ממוקם בטווח</a:t>
             </a:r>
             <a:r>
               <a:rPr lang="he-IL" sz="1000" dirty="0" smtClean="0">
@@ -4506,8 +4496,60 @@
                 <a:ea typeface="Calibri" panose="020F0502020204030204" pitchFamily="34" charset="0"/>
                 <a:cs typeface="Arial" panose="020B0604020202020204" pitchFamily="34" charset="0"/>
               </a:rPr>
-              <a:t>צביעת קדקודים – הקודקודים נצבעים לפי נרמול ממוצע הדירוגים של כל משתמש  - איפה הוא ממוקם בטווח.</a:t>
-            </a:r>
+              <a:t>דרגה מינימלית, מקסימלית, </a:t>
+            </a:r>
+            <a:r>
+              <a:rPr lang="he-IL" sz="1000" dirty="0" err="1" smtClean="0">
+                <a:solidFill>
+                  <a:srgbClr val="606060"/>
+                </a:solidFill>
+                <a:latin typeface="Lato"/>
+                <a:ea typeface="Calibri" panose="020F0502020204030204" pitchFamily="34" charset="0"/>
+                <a:cs typeface="Arial" panose="020B0604020202020204" pitchFamily="34" charset="0"/>
+              </a:rPr>
+              <a:t>בטווינס</a:t>
+            </a:r>
+            <a:r>
+              <a:rPr lang="he-IL" sz="1000" dirty="0" smtClean="0">
+                <a:solidFill>
+                  <a:srgbClr val="606060"/>
+                </a:solidFill>
+                <a:latin typeface="Lato"/>
+                <a:ea typeface="Calibri" panose="020F0502020204030204" pitchFamily="34" charset="0"/>
+                <a:cs typeface="Arial" panose="020B0604020202020204" pitchFamily="34" charset="0"/>
+              </a:rPr>
+              <a:t>, </a:t>
+            </a:r>
+            <a:r>
+              <a:rPr lang="he-IL" sz="1000" dirty="0" err="1" smtClean="0">
+                <a:solidFill>
+                  <a:srgbClr val="606060"/>
+                </a:solidFill>
+                <a:latin typeface="Lato"/>
+                <a:ea typeface="Calibri" panose="020F0502020204030204" pitchFamily="34" charset="0"/>
+                <a:cs typeface="Arial" panose="020B0604020202020204" pitchFamily="34" charset="0"/>
+              </a:rPr>
+              <a:t>קלוזנס</a:t>
+            </a:r>
+            <a:r>
+              <a:rPr lang="he-IL" sz="1000" dirty="0" smtClean="0">
+                <a:solidFill>
+                  <a:srgbClr val="606060"/>
+                </a:solidFill>
+                <a:latin typeface="Lato"/>
+                <a:ea typeface="Calibri" panose="020F0502020204030204" pitchFamily="34" charset="0"/>
+                <a:cs typeface="Arial" panose="020B0604020202020204" pitchFamily="34" charset="0"/>
+              </a:rPr>
+              <a:t>.</a:t>
+            </a:r>
+            <a:endParaRPr lang="he-IL" sz="1000" dirty="0" smtClean="0">
+              <a:solidFill>
+                <a:srgbClr val="606060"/>
+              </a:solidFill>
+              <a:latin typeface="Lato"/>
+              <a:ea typeface="Calibri" panose="020F0502020204030204" pitchFamily="34" charset="0"/>
+              <a:cs typeface="Arial" panose="020B0604020202020204" pitchFamily="34" charset="0"/>
+            </a:endParaRPr>
           </a:p>
           <a:p>
             <a:pPr lvl="1">
@@ -4604,8 +4646,70 @@
                 <a:ea typeface="Calibri" panose="020F0502020204030204" pitchFamily="34" charset="0"/>
                 <a:cs typeface="Arial" panose="020B0604020202020204" pitchFamily="34" charset="0"/>
               </a:rPr>
-              <a:t> צלעות.</a:t>
-            </a:r>
+              <a:t> צלעות</a:t>
+            </a:r>
+            <a:r>
+              <a:rPr lang="he-IL" sz="1000" dirty="0" smtClean="0">
+                <a:solidFill>
+                  <a:srgbClr val="606060"/>
+                </a:solidFill>
+                <a:latin typeface="Lato"/>
+                <a:ea typeface="Calibri" panose="020F0502020204030204" pitchFamily="34" charset="0"/>
+                <a:cs typeface="Arial" panose="020B0604020202020204" pitchFamily="34" charset="0"/>
+              </a:rPr>
+              <a:t>.</a:t>
+            </a:r>
+          </a:p>
+          <a:p>
+            <a:pPr lvl="1">
+              <a:lnSpc>
+                <a:spcPct val="150000"/>
+              </a:lnSpc>
+              <a:spcAft>
+                <a:spcPts val="800"/>
+              </a:spcAft>
+            </a:pPr>
+            <a:r>
+              <a:rPr lang="he-IL" sz="1000" dirty="0" smtClean="0">
+                <a:solidFill>
+                  <a:srgbClr val="606060"/>
+                </a:solidFill>
+                <a:latin typeface="Lato"/>
+                <a:ea typeface="Calibri" panose="020F0502020204030204" pitchFamily="34" charset="0"/>
+                <a:cs typeface="Arial" panose="020B0604020202020204" pitchFamily="34" charset="0"/>
+              </a:rPr>
+              <a:t>רוב הגרף מורכב מהרכיב </a:t>
+            </a:r>
+            <a:r>
+              <a:rPr lang="he-IL" sz="1000" dirty="0" err="1" smtClean="0">
+                <a:solidFill>
+                  <a:srgbClr val="606060"/>
+                </a:solidFill>
+                <a:latin typeface="Lato"/>
+                <a:ea typeface="Calibri" panose="020F0502020204030204" pitchFamily="34" charset="0"/>
+                <a:cs typeface="Arial" panose="020B0604020202020204" pitchFamily="34" charset="0"/>
+              </a:rPr>
+              <a:t>הקשיר</a:t>
+            </a:r>
+            <a:r>
+              <a:rPr lang="he-IL" sz="1000" dirty="0" smtClean="0">
+                <a:solidFill>
+                  <a:srgbClr val="606060"/>
+                </a:solidFill>
+                <a:latin typeface="Lato"/>
+                <a:ea typeface="Calibri" panose="020F0502020204030204" pitchFamily="34" charset="0"/>
+                <a:cs typeface="Arial" panose="020B0604020202020204" pitchFamily="34" charset="0"/>
+              </a:rPr>
+              <a:t> הגדול ביותר ולכן הרכיבי קשירות הקטנים והבודדים פחות מעניינים ותורמים למחקר.</a:t>
+            </a:r>
+            <a:endParaRPr lang="he-IL" sz="1000" dirty="0" smtClean="0">
+              <a:solidFill>
+                <a:srgbClr val="606060"/>
+              </a:solidFill>
+              <a:latin typeface="Lato"/>
+              <a:ea typeface="Calibri" panose="020F0502020204030204" pitchFamily="34" charset="0"/>
+              <a:cs typeface="Arial" panose="020B0604020202020204" pitchFamily="34" charset="0"/>
+            </a:endParaRPr>
           </a:p>
           <a:p>
             <a:pPr lvl="1">
@@ -4667,10 +4771,2440 @@
           </a:p>
         </p:txBody>
       </p:sp>
+      <p:graphicFrame>
+        <p:nvGraphicFramePr>
+          <p:cNvPr id="5" name="Google Shape;60;p13"/>
+          <p:cNvGraphicFramePr/>
+          <p:nvPr>
+            <p:extLst>
+              <p:ext uri="{D42A27DB-BD31-4B8C-83A1-F6EECF244321}">
+                <p14:modId xmlns:p14="http://schemas.microsoft.com/office/powerpoint/2010/main" val="3262314261"/>
+              </p:ext>
+            </p:extLst>
+          </p:nvPr>
+        </p:nvGraphicFramePr>
+        <p:xfrm>
+          <a:off x="4282038" y="5003494"/>
+          <a:ext cx="7239000" cy="1005810"/>
+        </p:xfrm>
+        <a:graphic>
+          <a:graphicData uri="http://schemas.openxmlformats.org/drawingml/2006/table">
+            <a:tbl>
+              <a:tblPr>
+                <a:noFill/>
+              </a:tblPr>
+              <a:tblGrid>
+                <a:gridCol w="1206500">
+                  <a:extLst>
+                    <a:ext uri="{9D8B030D-6E8A-4147-A177-3AD203B41FA5}">
+                      <a16:colId xmlns:a16="http://schemas.microsoft.com/office/drawing/2014/main" val="20000"/>
+                    </a:ext>
+                  </a:extLst>
+                </a:gridCol>
+                <a:gridCol w="1206500">
+                  <a:extLst>
+                    <a:ext uri="{9D8B030D-6E8A-4147-A177-3AD203B41FA5}">
+                      <a16:colId xmlns:a16="http://schemas.microsoft.com/office/drawing/2014/main" val="20001"/>
+                    </a:ext>
+                  </a:extLst>
+                </a:gridCol>
+                <a:gridCol w="1206500">
+                  <a:extLst>
+                    <a:ext uri="{9D8B030D-6E8A-4147-A177-3AD203B41FA5}">
+                      <a16:colId xmlns:a16="http://schemas.microsoft.com/office/drawing/2014/main" val="20002"/>
+                    </a:ext>
+                  </a:extLst>
+                </a:gridCol>
+                <a:gridCol w="1206500">
+                  <a:extLst>
+                    <a:ext uri="{9D8B030D-6E8A-4147-A177-3AD203B41FA5}">
+                      <a16:colId xmlns:a16="http://schemas.microsoft.com/office/drawing/2014/main" val="20003"/>
+                    </a:ext>
+                  </a:extLst>
+                </a:gridCol>
+                <a:gridCol w="1206500">
+                  <a:extLst>
+                    <a:ext uri="{9D8B030D-6E8A-4147-A177-3AD203B41FA5}">
+                      <a16:colId xmlns:a16="http://schemas.microsoft.com/office/drawing/2014/main" val="20004"/>
+                    </a:ext>
+                  </a:extLst>
+                </a:gridCol>
+                <a:gridCol w="1206500">
+                  <a:extLst>
+                    <a:ext uri="{9D8B030D-6E8A-4147-A177-3AD203B41FA5}">
+                      <a16:colId xmlns:a16="http://schemas.microsoft.com/office/drawing/2014/main" val="20005"/>
+                    </a:ext>
+                  </a:extLst>
+                </a:gridCol>
+              </a:tblGrid>
+              <a:tr h="684650">
+                <a:tc>
+                  <a:txBody>
+                    <a:bodyPr/>
+                    <a:lstStyle/>
+                    <a:p>
+                      <a:pPr marL="0" lvl="0" indent="0" algn="ctr" rtl="1">
+                        <a:spcBef>
+                          <a:spcPts val="0"/>
+                        </a:spcBef>
+                        <a:spcAft>
+                          <a:spcPts val="0"/>
+                        </a:spcAft>
+                        <a:buNone/>
+                      </a:pPr>
+                      <a:r>
+                        <a:rPr lang="iw" b="1" dirty="0">
+                          <a:latin typeface="Calibri"/>
+                          <a:ea typeface="Calibri"/>
+                          <a:cs typeface="Calibri"/>
+                          <a:sym typeface="Calibri"/>
+                        </a:rPr>
+                        <a:t>צפיפות</a:t>
+                      </a:r>
+                      <a:endParaRPr b="1" dirty="0">
+                        <a:latin typeface="Calibri"/>
+                        <a:ea typeface="Calibri"/>
+                        <a:cs typeface="Calibri"/>
+                        <a:sym typeface="Calibri"/>
+                      </a:endParaRPr>
+                    </a:p>
+                    <a:p>
+                      <a:pPr marL="0" lvl="0" indent="0" algn="ctr" rtl="1">
+                        <a:spcBef>
+                          <a:spcPts val="0"/>
+                        </a:spcBef>
+                        <a:spcAft>
+                          <a:spcPts val="0"/>
+                        </a:spcAft>
+                        <a:buNone/>
+                      </a:pPr>
+                      <a:r>
+                        <a:rPr lang="iw" b="1" dirty="0">
+                          <a:latin typeface="Calibri"/>
+                          <a:ea typeface="Calibri"/>
+                          <a:cs typeface="Calibri"/>
+                          <a:sym typeface="Calibri"/>
+                        </a:rPr>
+                        <a:t>0.00014</a:t>
+                      </a:r>
+                      <a:endParaRPr b="1" dirty="0">
+                        <a:latin typeface="Calibri"/>
+                        <a:ea typeface="Calibri"/>
+                        <a:cs typeface="Calibri"/>
+                        <a:sym typeface="Calibri"/>
+                      </a:endParaRPr>
+                    </a:p>
+                  </a:txBody>
+                  <a:tcPr marL="91425" marR="91425" marT="91425" marB="91425">
+                    <a:lnL w="9525" cap="flat" cmpd="sng">
+                      <a:solidFill>
+                        <a:srgbClr val="9E9E9E">
+                          <a:alpha val="0"/>
+                        </a:srgbClr>
+                      </a:solidFill>
+                      <a:prstDash val="solid"/>
+                      <a:round/>
+                      <a:headEnd type="none" w="sm" len="sm"/>
+                      <a:tailEnd type="none" w="sm" len="sm"/>
+                    </a:lnL>
+                    <a:lnR w="9525" cap="flat" cmpd="sng">
+                      <a:solidFill>
+                        <a:srgbClr val="9E9E9E">
+                          <a:alpha val="0"/>
+                        </a:srgbClr>
+                      </a:solidFill>
+                      <a:prstDash val="solid"/>
+                      <a:round/>
+                      <a:headEnd type="none" w="sm" len="sm"/>
+                      <a:tailEnd type="none" w="sm" len="sm"/>
+                    </a:lnR>
+                    <a:lnT w="9525" cap="flat" cmpd="sng">
+                      <a:solidFill>
+                        <a:srgbClr val="9E9E9E">
+                          <a:alpha val="0"/>
+                        </a:srgbClr>
+                      </a:solidFill>
+                      <a:prstDash val="solid"/>
+                      <a:round/>
+                      <a:headEnd type="none" w="sm" len="sm"/>
+                      <a:tailEnd type="none" w="sm" len="sm"/>
+                    </a:lnT>
+                    <a:lnB w="9525" cap="flat" cmpd="sng">
+                      <a:solidFill>
+                        <a:srgbClr val="9E9E9E">
+                          <a:alpha val="0"/>
+                        </a:srgbClr>
+                      </a:solidFill>
+                      <a:prstDash val="solid"/>
+                      <a:round/>
+                      <a:headEnd type="none" w="sm" len="sm"/>
+                      <a:tailEnd type="none" w="sm" len="sm"/>
+                    </a:lnB>
+                  </a:tcPr>
+                </a:tc>
+                <a:tc>
+                  <a:txBody>
+                    <a:bodyPr/>
+                    <a:lstStyle/>
+                    <a:p>
+                      <a:pPr marL="0" lvl="0" indent="0" algn="ctr" rtl="1">
+                        <a:spcBef>
+                          <a:spcPts val="0"/>
+                        </a:spcBef>
+                        <a:spcAft>
+                          <a:spcPts val="0"/>
+                        </a:spcAft>
+                        <a:buNone/>
+                      </a:pPr>
+                      <a:r>
+                        <a:rPr lang="iw" b="1" dirty="0">
+                          <a:latin typeface="Calibri"/>
+                          <a:ea typeface="Calibri"/>
+                          <a:cs typeface="Calibri"/>
+                          <a:sym typeface="Calibri"/>
+                        </a:rPr>
+                        <a:t>אורך מסלול ממוצע</a:t>
+                      </a:r>
+                      <a:endParaRPr b="1" dirty="0">
+                        <a:latin typeface="Calibri"/>
+                        <a:ea typeface="Calibri"/>
+                        <a:cs typeface="Calibri"/>
+                        <a:sym typeface="Calibri"/>
+                      </a:endParaRPr>
+                    </a:p>
+                    <a:p>
+                      <a:pPr marL="0" lvl="0" indent="0" algn="ctr" rtl="1">
+                        <a:spcBef>
+                          <a:spcPts val="0"/>
+                        </a:spcBef>
+                        <a:spcAft>
+                          <a:spcPts val="0"/>
+                        </a:spcAft>
+                        <a:buNone/>
+                      </a:pPr>
+                      <a:r>
+                        <a:rPr lang="iw" b="1" dirty="0">
+                          <a:latin typeface="Calibri"/>
+                          <a:ea typeface="Calibri"/>
+                          <a:cs typeface="Calibri"/>
+                          <a:sym typeface="Calibri"/>
+                        </a:rPr>
+                        <a:t>6.35</a:t>
+                      </a:r>
+                      <a:endParaRPr b="1" dirty="0">
+                        <a:latin typeface="Calibri"/>
+                        <a:ea typeface="Calibri"/>
+                        <a:cs typeface="Calibri"/>
+                        <a:sym typeface="Calibri"/>
+                      </a:endParaRPr>
+                    </a:p>
+                  </a:txBody>
+                  <a:tcPr marL="91425" marR="91425" marT="91425" marB="91425">
+                    <a:lnL w="9525" cap="flat" cmpd="sng">
+                      <a:solidFill>
+                        <a:srgbClr val="9E9E9E">
+                          <a:alpha val="0"/>
+                        </a:srgbClr>
+                      </a:solidFill>
+                      <a:prstDash val="solid"/>
+                      <a:round/>
+                      <a:headEnd type="none" w="sm" len="sm"/>
+                      <a:tailEnd type="none" w="sm" len="sm"/>
+                    </a:lnL>
+                    <a:lnR w="9525" cap="flat" cmpd="sng">
+                      <a:solidFill>
+                        <a:srgbClr val="9E9E9E">
+                          <a:alpha val="0"/>
+                        </a:srgbClr>
+                      </a:solidFill>
+                      <a:prstDash val="solid"/>
+                      <a:round/>
+                      <a:headEnd type="none" w="sm" len="sm"/>
+                      <a:tailEnd type="none" w="sm" len="sm"/>
+                    </a:lnR>
+                    <a:lnT w="9525" cap="flat" cmpd="sng">
+                      <a:solidFill>
+                        <a:srgbClr val="9E9E9E">
+                          <a:alpha val="0"/>
+                        </a:srgbClr>
+                      </a:solidFill>
+                      <a:prstDash val="solid"/>
+                      <a:round/>
+                      <a:headEnd type="none" w="sm" len="sm"/>
+                      <a:tailEnd type="none" w="sm" len="sm"/>
+                    </a:lnT>
+                    <a:lnB w="9525" cap="flat" cmpd="sng">
+                      <a:solidFill>
+                        <a:srgbClr val="9E9E9E">
+                          <a:alpha val="0"/>
+                        </a:srgbClr>
+                      </a:solidFill>
+                      <a:prstDash val="solid"/>
+                      <a:round/>
+                      <a:headEnd type="none" w="sm" len="sm"/>
+                      <a:tailEnd type="none" w="sm" len="sm"/>
+                    </a:lnB>
+                  </a:tcPr>
+                </a:tc>
+                <a:tc>
+                  <a:txBody>
+                    <a:bodyPr/>
+                    <a:lstStyle/>
+                    <a:p>
+                      <a:pPr marL="0" lvl="0" indent="0" algn="ctr" rtl="1">
+                        <a:spcBef>
+                          <a:spcPts val="0"/>
+                        </a:spcBef>
+                        <a:spcAft>
+                          <a:spcPts val="0"/>
+                        </a:spcAft>
+                        <a:buNone/>
+                      </a:pPr>
+                      <a:r>
+                        <a:rPr lang="iw" b="1" dirty="0">
+                          <a:latin typeface="Calibri"/>
+                          <a:ea typeface="Calibri"/>
+                          <a:cs typeface="Calibri"/>
+                          <a:sym typeface="Calibri"/>
+                        </a:rPr>
+                        <a:t>קוטר</a:t>
+                      </a:r>
+                      <a:endParaRPr b="1" dirty="0">
+                        <a:latin typeface="Calibri"/>
+                        <a:ea typeface="Calibri"/>
+                        <a:cs typeface="Calibri"/>
+                        <a:sym typeface="Calibri"/>
+                      </a:endParaRPr>
+                    </a:p>
+                    <a:p>
+                      <a:pPr marL="0" lvl="0" indent="0" algn="ctr" rtl="1">
+                        <a:spcBef>
+                          <a:spcPts val="0"/>
+                        </a:spcBef>
+                        <a:spcAft>
+                          <a:spcPts val="0"/>
+                        </a:spcAft>
+                        <a:buNone/>
+                      </a:pPr>
+                      <a:r>
+                        <a:rPr lang="iw" b="1" dirty="0">
+                          <a:latin typeface="Calibri"/>
+                          <a:ea typeface="Calibri"/>
+                          <a:cs typeface="Calibri"/>
+                          <a:sym typeface="Calibri"/>
+                        </a:rPr>
+                        <a:t>19</a:t>
+                      </a:r>
+                      <a:endParaRPr b="1" dirty="0">
+                        <a:latin typeface="Calibri"/>
+                        <a:ea typeface="Calibri"/>
+                        <a:cs typeface="Calibri"/>
+                        <a:sym typeface="Calibri"/>
+                      </a:endParaRPr>
+                    </a:p>
+                  </a:txBody>
+                  <a:tcPr marL="91425" marR="91425" marT="91425" marB="91425">
+                    <a:lnL w="9525" cap="flat" cmpd="sng">
+                      <a:solidFill>
+                        <a:srgbClr val="9E9E9E">
+                          <a:alpha val="0"/>
+                        </a:srgbClr>
+                      </a:solidFill>
+                      <a:prstDash val="solid"/>
+                      <a:round/>
+                      <a:headEnd type="none" w="sm" len="sm"/>
+                      <a:tailEnd type="none" w="sm" len="sm"/>
+                    </a:lnL>
+                    <a:lnR w="9525" cap="flat" cmpd="sng">
+                      <a:solidFill>
+                        <a:srgbClr val="9E9E9E">
+                          <a:alpha val="0"/>
+                        </a:srgbClr>
+                      </a:solidFill>
+                      <a:prstDash val="solid"/>
+                      <a:round/>
+                      <a:headEnd type="none" w="sm" len="sm"/>
+                      <a:tailEnd type="none" w="sm" len="sm"/>
+                    </a:lnR>
+                    <a:lnT w="9525" cap="flat" cmpd="sng">
+                      <a:solidFill>
+                        <a:srgbClr val="9E9E9E">
+                          <a:alpha val="0"/>
+                        </a:srgbClr>
+                      </a:solidFill>
+                      <a:prstDash val="solid"/>
+                      <a:round/>
+                      <a:headEnd type="none" w="sm" len="sm"/>
+                      <a:tailEnd type="none" w="sm" len="sm"/>
+                    </a:lnT>
+                    <a:lnB w="9525" cap="flat" cmpd="sng">
+                      <a:solidFill>
+                        <a:srgbClr val="9E9E9E">
+                          <a:alpha val="0"/>
+                        </a:srgbClr>
+                      </a:solidFill>
+                      <a:prstDash val="solid"/>
+                      <a:round/>
+                      <a:headEnd type="none" w="sm" len="sm"/>
+                      <a:tailEnd type="none" w="sm" len="sm"/>
+                    </a:lnB>
+                  </a:tcPr>
+                </a:tc>
+                <a:tc>
+                  <a:txBody>
+                    <a:bodyPr/>
+                    <a:lstStyle/>
+                    <a:p>
+                      <a:pPr marL="0" lvl="0" indent="0" algn="ctr" rtl="1">
+                        <a:spcBef>
+                          <a:spcPts val="0"/>
+                        </a:spcBef>
+                        <a:spcAft>
+                          <a:spcPts val="0"/>
+                        </a:spcAft>
+                        <a:buNone/>
+                      </a:pPr>
+                      <a:r>
+                        <a:rPr lang="iw" b="1" dirty="0">
+                          <a:latin typeface="Calibri"/>
+                          <a:ea typeface="Calibri"/>
+                          <a:cs typeface="Calibri"/>
+                          <a:sym typeface="Calibri"/>
+                        </a:rPr>
+                        <a:t>דרגה ממוצעת</a:t>
+                      </a:r>
+                      <a:endParaRPr b="1" dirty="0">
+                        <a:latin typeface="Calibri"/>
+                        <a:ea typeface="Calibri"/>
+                        <a:cs typeface="Calibri"/>
+                        <a:sym typeface="Calibri"/>
+                      </a:endParaRPr>
+                    </a:p>
+                    <a:p>
+                      <a:pPr marL="0" lvl="0" indent="0" algn="ctr" rtl="1">
+                        <a:spcBef>
+                          <a:spcPts val="0"/>
+                        </a:spcBef>
+                        <a:spcAft>
+                          <a:spcPts val="0"/>
+                        </a:spcAft>
+                        <a:buNone/>
+                      </a:pPr>
+                      <a:r>
+                        <a:rPr lang="iw" b="1" dirty="0">
+                          <a:latin typeface="Calibri"/>
+                          <a:ea typeface="Calibri"/>
+                          <a:cs typeface="Calibri"/>
+                          <a:sym typeface="Calibri"/>
+                        </a:rPr>
+                        <a:t>6.02</a:t>
+                      </a:r>
+                      <a:endParaRPr b="1" dirty="0">
+                        <a:latin typeface="Calibri"/>
+                        <a:ea typeface="Calibri"/>
+                        <a:cs typeface="Calibri"/>
+                        <a:sym typeface="Calibri"/>
+                      </a:endParaRPr>
+                    </a:p>
+                  </a:txBody>
+                  <a:tcPr marL="91425" marR="91425" marT="91425" marB="91425">
+                    <a:lnL w="9525" cap="flat" cmpd="sng">
+                      <a:solidFill>
+                        <a:srgbClr val="9E9E9E">
+                          <a:alpha val="0"/>
+                        </a:srgbClr>
+                      </a:solidFill>
+                      <a:prstDash val="solid"/>
+                      <a:round/>
+                      <a:headEnd type="none" w="sm" len="sm"/>
+                      <a:tailEnd type="none" w="sm" len="sm"/>
+                    </a:lnL>
+                    <a:lnR w="9525" cap="flat" cmpd="sng">
+                      <a:solidFill>
+                        <a:srgbClr val="9E9E9E">
+                          <a:alpha val="0"/>
+                        </a:srgbClr>
+                      </a:solidFill>
+                      <a:prstDash val="solid"/>
+                      <a:round/>
+                      <a:headEnd type="none" w="sm" len="sm"/>
+                      <a:tailEnd type="none" w="sm" len="sm"/>
+                    </a:lnR>
+                    <a:lnT w="9525" cap="flat" cmpd="sng">
+                      <a:solidFill>
+                        <a:srgbClr val="9E9E9E">
+                          <a:alpha val="0"/>
+                        </a:srgbClr>
+                      </a:solidFill>
+                      <a:prstDash val="solid"/>
+                      <a:round/>
+                      <a:headEnd type="none" w="sm" len="sm"/>
+                      <a:tailEnd type="none" w="sm" len="sm"/>
+                    </a:lnT>
+                    <a:lnB w="9525" cap="flat" cmpd="sng">
+                      <a:solidFill>
+                        <a:srgbClr val="9E9E9E">
+                          <a:alpha val="0"/>
+                        </a:srgbClr>
+                      </a:solidFill>
+                      <a:prstDash val="solid"/>
+                      <a:round/>
+                      <a:headEnd type="none" w="sm" len="sm"/>
+                      <a:tailEnd type="none" w="sm" len="sm"/>
+                    </a:lnB>
+                  </a:tcPr>
+                </a:tc>
+                <a:tc>
+                  <a:txBody>
+                    <a:bodyPr/>
+                    <a:lstStyle/>
+                    <a:p>
+                      <a:pPr marL="0" lvl="0" indent="0" algn="ctr" rtl="1">
+                        <a:spcBef>
+                          <a:spcPts val="0"/>
+                        </a:spcBef>
+                        <a:spcAft>
+                          <a:spcPts val="0"/>
+                        </a:spcAft>
+                        <a:buNone/>
+                      </a:pPr>
+                      <a:r>
+                        <a:rPr lang="iw" b="1" dirty="0">
+                          <a:latin typeface="Calibri"/>
+                          <a:ea typeface="Calibri"/>
+                          <a:cs typeface="Calibri"/>
+                          <a:sym typeface="Calibri"/>
+                        </a:rPr>
+                        <a:t>דרגה מינ'</a:t>
+                      </a:r>
+                      <a:endParaRPr b="1" dirty="0">
+                        <a:latin typeface="Calibri"/>
+                        <a:ea typeface="Calibri"/>
+                        <a:cs typeface="Calibri"/>
+                        <a:sym typeface="Calibri"/>
+                      </a:endParaRPr>
+                    </a:p>
+                    <a:p>
+                      <a:pPr marL="0" lvl="0" indent="0" algn="ctr" rtl="1">
+                        <a:spcBef>
+                          <a:spcPts val="0"/>
+                        </a:spcBef>
+                        <a:spcAft>
+                          <a:spcPts val="0"/>
+                        </a:spcAft>
+                        <a:buNone/>
+                      </a:pPr>
+                      <a:r>
+                        <a:rPr lang="iw" b="1" dirty="0">
+                          <a:latin typeface="Calibri"/>
+                          <a:ea typeface="Calibri"/>
+                          <a:cs typeface="Calibri"/>
+                          <a:sym typeface="Calibri"/>
+                        </a:rPr>
+                        <a:t>1</a:t>
+                      </a:r>
+                      <a:endParaRPr b="1" dirty="0">
+                        <a:latin typeface="Calibri"/>
+                        <a:ea typeface="Calibri"/>
+                        <a:cs typeface="Calibri"/>
+                        <a:sym typeface="Calibri"/>
+                      </a:endParaRPr>
+                    </a:p>
+                  </a:txBody>
+                  <a:tcPr marL="91425" marR="91425" marT="91425" marB="91425">
+                    <a:lnL w="9525" cap="flat" cmpd="sng">
+                      <a:solidFill>
+                        <a:srgbClr val="9E9E9E">
+                          <a:alpha val="0"/>
+                        </a:srgbClr>
+                      </a:solidFill>
+                      <a:prstDash val="solid"/>
+                      <a:round/>
+                      <a:headEnd type="none" w="sm" len="sm"/>
+                      <a:tailEnd type="none" w="sm" len="sm"/>
+                    </a:lnL>
+                    <a:lnR w="9525" cap="flat" cmpd="sng">
+                      <a:solidFill>
+                        <a:srgbClr val="9E9E9E">
+                          <a:alpha val="0"/>
+                        </a:srgbClr>
+                      </a:solidFill>
+                      <a:prstDash val="solid"/>
+                      <a:round/>
+                      <a:headEnd type="none" w="sm" len="sm"/>
+                      <a:tailEnd type="none" w="sm" len="sm"/>
+                    </a:lnR>
+                    <a:lnT w="9525" cap="flat" cmpd="sng">
+                      <a:solidFill>
+                        <a:srgbClr val="9E9E9E">
+                          <a:alpha val="0"/>
+                        </a:srgbClr>
+                      </a:solidFill>
+                      <a:prstDash val="solid"/>
+                      <a:round/>
+                      <a:headEnd type="none" w="sm" len="sm"/>
+                      <a:tailEnd type="none" w="sm" len="sm"/>
+                    </a:lnT>
+                    <a:lnB w="9525" cap="flat" cmpd="sng">
+                      <a:solidFill>
+                        <a:srgbClr val="9E9E9E">
+                          <a:alpha val="0"/>
+                        </a:srgbClr>
+                      </a:solidFill>
+                      <a:prstDash val="solid"/>
+                      <a:round/>
+                      <a:headEnd type="none" w="sm" len="sm"/>
+                      <a:tailEnd type="none" w="sm" len="sm"/>
+                    </a:lnB>
+                  </a:tcPr>
+                </a:tc>
+                <a:tc>
+                  <a:txBody>
+                    <a:bodyPr/>
+                    <a:lstStyle/>
+                    <a:p>
+                      <a:pPr marL="0" lvl="0" indent="0" algn="ctr" rtl="1">
+                        <a:spcBef>
+                          <a:spcPts val="0"/>
+                        </a:spcBef>
+                        <a:spcAft>
+                          <a:spcPts val="0"/>
+                        </a:spcAft>
+                        <a:buNone/>
+                      </a:pPr>
+                      <a:r>
+                        <a:rPr lang="iw" b="1" dirty="0">
+                          <a:latin typeface="Calibri"/>
+                          <a:ea typeface="Calibri"/>
+                          <a:cs typeface="Calibri"/>
+                          <a:sym typeface="Calibri"/>
+                        </a:rPr>
+                        <a:t>דרגה מקס'</a:t>
+                      </a:r>
+                      <a:endParaRPr b="1" dirty="0">
+                        <a:latin typeface="Calibri"/>
+                        <a:ea typeface="Calibri"/>
+                        <a:cs typeface="Calibri"/>
+                        <a:sym typeface="Calibri"/>
+                      </a:endParaRPr>
+                    </a:p>
+                    <a:p>
+                      <a:pPr marL="0" lvl="0" indent="0" algn="ctr" rtl="1">
+                        <a:spcBef>
+                          <a:spcPts val="0"/>
+                        </a:spcBef>
+                        <a:spcAft>
+                          <a:spcPts val="0"/>
+                        </a:spcAft>
+                        <a:buNone/>
+                      </a:pPr>
+                      <a:r>
+                        <a:rPr lang="iw" b="1" dirty="0">
+                          <a:latin typeface="Calibri"/>
+                          <a:ea typeface="Calibri"/>
+                          <a:cs typeface="Calibri"/>
+                          <a:sym typeface="Calibri"/>
+                        </a:rPr>
+                        <a:t>112</a:t>
+                      </a:r>
+                      <a:endParaRPr b="1" dirty="0">
+                        <a:latin typeface="Calibri"/>
+                        <a:ea typeface="Calibri"/>
+                        <a:cs typeface="Calibri"/>
+                        <a:sym typeface="Calibri"/>
+                      </a:endParaRPr>
+                    </a:p>
+                  </a:txBody>
+                  <a:tcPr marL="91425" marR="91425" marT="91425" marB="91425">
+                    <a:lnL w="9525" cap="flat" cmpd="sng">
+                      <a:solidFill>
+                        <a:srgbClr val="9E9E9E">
+                          <a:alpha val="0"/>
+                        </a:srgbClr>
+                      </a:solidFill>
+                      <a:prstDash val="solid"/>
+                      <a:round/>
+                      <a:headEnd type="none" w="sm" len="sm"/>
+                      <a:tailEnd type="none" w="sm" len="sm"/>
+                    </a:lnL>
+                    <a:lnR w="9525" cap="flat" cmpd="sng">
+                      <a:solidFill>
+                        <a:srgbClr val="9E9E9E">
+                          <a:alpha val="0"/>
+                        </a:srgbClr>
+                      </a:solidFill>
+                      <a:prstDash val="solid"/>
+                      <a:round/>
+                      <a:headEnd type="none" w="sm" len="sm"/>
+                      <a:tailEnd type="none" w="sm" len="sm"/>
+                    </a:lnR>
+                    <a:lnT w="9525" cap="flat" cmpd="sng">
+                      <a:solidFill>
+                        <a:srgbClr val="9E9E9E">
+                          <a:alpha val="0"/>
+                        </a:srgbClr>
+                      </a:solidFill>
+                      <a:prstDash val="solid"/>
+                      <a:round/>
+                      <a:headEnd type="none" w="sm" len="sm"/>
+                      <a:tailEnd type="none" w="sm" len="sm"/>
+                    </a:lnT>
+                    <a:lnB w="9525" cap="flat" cmpd="sng">
+                      <a:solidFill>
+                        <a:srgbClr val="9E9E9E">
+                          <a:alpha val="0"/>
+                        </a:srgbClr>
+                      </a:solidFill>
+                      <a:prstDash val="solid"/>
+                      <a:round/>
+                      <a:headEnd type="none" w="sm" len="sm"/>
+                      <a:tailEnd type="none" w="sm" len="sm"/>
+                    </a:lnB>
+                  </a:tcPr>
+                </a:tc>
+                <a:extLst>
+                  <a:ext uri="{0D108BD9-81ED-4DB2-BD59-A6C34878D82A}">
+                    <a16:rowId xmlns:a16="http://schemas.microsoft.com/office/drawing/2014/main" val="10000"/>
+                  </a:ext>
+                </a:extLst>
+              </a:tr>
+            </a:tbl>
+          </a:graphicData>
+        </a:graphic>
+      </p:graphicFrame>
     </p:spTree>
     <p:extLst>
       <p:ext uri="{BB962C8B-B14F-4D97-AF65-F5344CB8AC3E}">
         <p14:creationId xmlns:p14="http://schemas.microsoft.com/office/powerpoint/2010/main" val="1373668926"/>
+      </p:ext>
+    </p:extLst>
+  </p:cSld>
+  <p:clrMapOvr>
+    <a:masterClrMapping/>
+  </p:clrMapOvr>
+</p:sld>
+</file>
+
+<file path=ppt/slides/slide4.xml><?xml version="1.0" encoding="utf-8"?>
+<p:sld xmlns:a="http://schemas.openxmlformats.org/drawingml/2006/main" xmlns:r="http://schemas.openxmlformats.org/officeDocument/2006/relationships" xmlns:p="http://schemas.openxmlformats.org/presentationml/2006/main">
+  <p:cSld>
+    <p:spTree>
+      <p:nvGrpSpPr>
+        <p:cNvPr id="1" name=""/>
+        <p:cNvGrpSpPr/>
+        <p:nvPr/>
+      </p:nvGrpSpPr>
+      <p:grpSpPr>
+        <a:xfrm>
+          <a:off x="0" y="0"/>
+          <a:ext cx="0" cy="0"/>
+          <a:chOff x="0" y="0"/>
+          <a:chExt cx="0" cy="0"/>
+        </a:xfrm>
+      </p:grpSpPr>
+      <p:sp>
+        <p:nvSpPr>
+          <p:cNvPr id="4" name="מלבן 3"/>
+          <p:cNvSpPr/>
+          <p:nvPr/>
+        </p:nvSpPr>
+        <p:spPr>
+          <a:xfrm>
+            <a:off x="203493" y="1402915"/>
+            <a:ext cx="3404003" cy="4606389"/>
+          </a:xfrm>
+          <a:prstGeom prst="rect">
+            <a:avLst/>
+          </a:prstGeom>
+        </p:spPr>
+        <p:txBody>
+          <a:bodyPr wrap="square">
+            <a:spAutoFit/>
+          </a:bodyPr>
+          <a:lstStyle/>
+          <a:p>
+            <a:pPr marL="342900" lvl="0" indent="-342900">
+              <a:lnSpc>
+                <a:spcPct val="150000"/>
+              </a:lnSpc>
+              <a:spcAft>
+                <a:spcPts val="800"/>
+              </a:spcAft>
+              <a:buFont typeface="+mj-lt"/>
+              <a:buAutoNum type="arabicPeriod"/>
+            </a:pPr>
+            <a:r>
+              <a:rPr lang="he-IL" sz="1000" dirty="0">
+                <a:solidFill>
+                  <a:srgbClr val="606060"/>
+                </a:solidFill>
+                <a:latin typeface="Lato"/>
+                <a:ea typeface="Calibri" panose="020F0502020204030204" pitchFamily="34" charset="0"/>
+              </a:rPr>
+              <a:t>הגדירו את הרשת החברתית בצורה בהירה:</a:t>
+            </a:r>
+            <a:endParaRPr lang="en-US" sz="1100" dirty="0" smtClean="0">
+              <a:effectLst/>
+              <a:latin typeface="Calibri" panose="020F0502020204030204" pitchFamily="34" charset="0"/>
+              <a:ea typeface="Calibri" panose="020F0502020204030204" pitchFamily="34" charset="0"/>
+              <a:cs typeface="Arial" panose="020B0604020202020204" pitchFamily="34" charset="0"/>
+            </a:endParaRPr>
+          </a:p>
+          <a:p>
+            <a:pPr marL="742950" lvl="1" indent="-285750">
+              <a:lnSpc>
+                <a:spcPct val="150000"/>
+              </a:lnSpc>
+              <a:spcAft>
+                <a:spcPts val="800"/>
+              </a:spcAft>
+              <a:buFont typeface="+mj-lt"/>
+              <a:buAutoNum type="alphaLcPeriod"/>
+            </a:pPr>
+            <a:r>
+              <a:rPr lang="he-IL" sz="1000" dirty="0">
+                <a:solidFill>
+                  <a:srgbClr val="606060"/>
+                </a:solidFill>
+                <a:latin typeface="Lato"/>
+                <a:ea typeface="Calibri" panose="020F0502020204030204" pitchFamily="34" charset="0"/>
+              </a:rPr>
+              <a:t>מקור הנתונים</a:t>
+            </a:r>
+            <a:endParaRPr lang="en-US" sz="1100" dirty="0" smtClean="0">
+              <a:effectLst/>
+              <a:latin typeface="Calibri" panose="020F0502020204030204" pitchFamily="34" charset="0"/>
+              <a:ea typeface="Calibri" panose="020F0502020204030204" pitchFamily="34" charset="0"/>
+              <a:cs typeface="Arial" panose="020B0604020202020204" pitchFamily="34" charset="0"/>
+            </a:endParaRPr>
+          </a:p>
+          <a:p>
+            <a:pPr marL="742950" lvl="1" indent="-285750">
+              <a:lnSpc>
+                <a:spcPct val="150000"/>
+              </a:lnSpc>
+              <a:spcAft>
+                <a:spcPts val="800"/>
+              </a:spcAft>
+              <a:buFont typeface="+mj-lt"/>
+              <a:buAutoNum type="alphaLcPeriod"/>
+            </a:pPr>
+            <a:r>
+              <a:rPr lang="he-IL" sz="1000" dirty="0">
+                <a:solidFill>
+                  <a:srgbClr val="606060"/>
+                </a:solidFill>
+                <a:latin typeface="Lato"/>
+                <a:ea typeface="Calibri" panose="020F0502020204030204" pitchFamily="34" charset="0"/>
+              </a:rPr>
+              <a:t>הגדרת הצמתים ברשת+ כמה צמתים יש? (נדרש גרף גדול מספיק, לפחות 1000 צמתים</a:t>
+            </a:r>
+            <a:r>
+              <a:rPr lang="he-IL" sz="1000" dirty="0" smtClean="0">
+                <a:solidFill>
+                  <a:srgbClr val="606060"/>
+                </a:solidFill>
+                <a:effectLst/>
+                <a:latin typeface="Calibri" panose="020F0502020204030204" pitchFamily="34" charset="0"/>
+                <a:ea typeface="Calibri" panose="020F0502020204030204" pitchFamily="34" charset="0"/>
+                <a:cs typeface="Lato"/>
+              </a:rPr>
+              <a:t> </a:t>
+            </a:r>
+            <a:r>
+              <a:rPr lang="he-IL" sz="1000" i="1" dirty="0">
+                <a:solidFill>
+                  <a:srgbClr val="606060"/>
+                </a:solidFill>
+                <a:latin typeface="Lato"/>
+                <a:ea typeface="Calibri" panose="020F0502020204030204" pitchFamily="34" charset="0"/>
+              </a:rPr>
+              <a:t>ברכיב הקשירות הגדול</a:t>
+            </a:r>
+            <a:r>
+              <a:rPr lang="he-IL" sz="1000" dirty="0">
+                <a:solidFill>
+                  <a:srgbClr val="606060"/>
+                </a:solidFill>
+                <a:latin typeface="Lato"/>
+                <a:ea typeface="Calibri" panose="020F0502020204030204" pitchFamily="34" charset="0"/>
+              </a:rPr>
+              <a:t>)</a:t>
+            </a:r>
+            <a:endParaRPr lang="en-US" sz="1100" dirty="0" smtClean="0">
+              <a:effectLst/>
+              <a:latin typeface="Calibri" panose="020F0502020204030204" pitchFamily="34" charset="0"/>
+              <a:ea typeface="Calibri" panose="020F0502020204030204" pitchFamily="34" charset="0"/>
+              <a:cs typeface="Arial" panose="020B0604020202020204" pitchFamily="34" charset="0"/>
+            </a:endParaRPr>
+          </a:p>
+          <a:p>
+            <a:pPr marL="742950" lvl="1" indent="-285750">
+              <a:lnSpc>
+                <a:spcPct val="150000"/>
+              </a:lnSpc>
+              <a:spcAft>
+                <a:spcPts val="800"/>
+              </a:spcAft>
+              <a:buFont typeface="+mj-lt"/>
+              <a:buAutoNum type="alphaLcPeriod"/>
+            </a:pPr>
+            <a:r>
+              <a:rPr lang="he-IL" sz="1000" dirty="0">
+                <a:solidFill>
+                  <a:srgbClr val="606060"/>
+                </a:solidFill>
+                <a:latin typeface="Lato"/>
+                <a:ea typeface="Calibri" panose="020F0502020204030204" pitchFamily="34" charset="0"/>
+              </a:rPr>
+              <a:t> </a:t>
+            </a:r>
+            <a:r>
+              <a:rPr lang="he-IL" sz="1000" dirty="0" smtClean="0">
+                <a:solidFill>
+                  <a:srgbClr val="606060"/>
+                </a:solidFill>
+                <a:latin typeface="Lato"/>
+                <a:ea typeface="Calibri" panose="020F0502020204030204" pitchFamily="34" charset="0"/>
+              </a:rPr>
+              <a:t>הגדרת </a:t>
+            </a:r>
+            <a:r>
+              <a:rPr lang="he-IL" sz="1000" dirty="0">
+                <a:solidFill>
+                  <a:srgbClr val="606060"/>
+                </a:solidFill>
+                <a:latin typeface="Lato"/>
+                <a:ea typeface="Calibri" panose="020F0502020204030204" pitchFamily="34" charset="0"/>
+              </a:rPr>
+              <a:t>הקשתות ברשת+ כמה קשתות יש (מכל סוג)? (בהתאמה, לפחות מס' אלפים של צמתים)</a:t>
+            </a:r>
+            <a:endParaRPr lang="en-US" sz="1100" dirty="0" smtClean="0">
+              <a:effectLst/>
+              <a:latin typeface="Calibri" panose="020F0502020204030204" pitchFamily="34" charset="0"/>
+              <a:ea typeface="Calibri" panose="020F0502020204030204" pitchFamily="34" charset="0"/>
+              <a:cs typeface="Arial" panose="020B0604020202020204" pitchFamily="34" charset="0"/>
+            </a:endParaRPr>
+          </a:p>
+          <a:p>
+            <a:pPr marL="742950" lvl="1" indent="-285750">
+              <a:lnSpc>
+                <a:spcPct val="150000"/>
+              </a:lnSpc>
+              <a:spcAft>
+                <a:spcPts val="800"/>
+              </a:spcAft>
+              <a:buFont typeface="+mj-lt"/>
+              <a:buAutoNum type="alphaLcPeriod"/>
+            </a:pPr>
+            <a:r>
+              <a:rPr lang="he-IL" sz="1000" dirty="0">
+                <a:solidFill>
+                  <a:srgbClr val="606060"/>
+                </a:solidFill>
+                <a:latin typeface="Lato"/>
+                <a:ea typeface="Calibri" panose="020F0502020204030204" pitchFamily="34" charset="0"/>
+              </a:rPr>
+              <a:t>תכונות בסיסיות נוספות </a:t>
+            </a:r>
+            <a:r>
+              <a:rPr lang="en-US" sz="1000" dirty="0" smtClean="0">
+                <a:solidFill>
+                  <a:srgbClr val="606060"/>
+                </a:solidFill>
+                <a:effectLst/>
+                <a:latin typeface="Lato"/>
+                <a:ea typeface="Calibri" panose="020F0502020204030204" pitchFamily="34" charset="0"/>
+                <a:cs typeface="Arial" panose="020B0604020202020204" pitchFamily="34" charset="0"/>
+              </a:rPr>
+              <a:t>:</a:t>
+            </a:r>
+            <a:r>
+              <a:rPr lang="he-IL" sz="1000" dirty="0">
+                <a:solidFill>
+                  <a:srgbClr val="606060"/>
+                </a:solidFill>
+                <a:latin typeface="Lato"/>
+                <a:ea typeface="Calibri" panose="020F0502020204030204" pitchFamily="34" charset="0"/>
+              </a:rPr>
+              <a:t>גרף מכוון \ </a:t>
+            </a:r>
+            <a:r>
+              <a:rPr lang="he-IL" sz="1000" dirty="0" err="1">
+                <a:solidFill>
+                  <a:srgbClr val="606060"/>
+                </a:solidFill>
+                <a:latin typeface="Lato"/>
+                <a:ea typeface="Calibri" panose="020F0502020204030204" pitchFamily="34" charset="0"/>
+              </a:rPr>
+              <a:t>מולטיגרף</a:t>
+            </a:r>
+            <a:r>
+              <a:rPr lang="he-IL" sz="1000" dirty="0">
+                <a:solidFill>
+                  <a:srgbClr val="606060"/>
+                </a:solidFill>
+                <a:latin typeface="Lato"/>
+                <a:ea typeface="Calibri" panose="020F0502020204030204" pitchFamily="34" charset="0"/>
+              </a:rPr>
+              <a:t>\מס' רכיבי קשירות\קוטר\...</a:t>
+            </a:r>
+            <a:endParaRPr lang="en-US" sz="1100" dirty="0" smtClean="0">
+              <a:effectLst/>
+              <a:latin typeface="Calibri" panose="020F0502020204030204" pitchFamily="34" charset="0"/>
+              <a:ea typeface="Calibri" panose="020F0502020204030204" pitchFamily="34" charset="0"/>
+              <a:cs typeface="Arial" panose="020B0604020202020204" pitchFamily="34" charset="0"/>
+            </a:endParaRPr>
+          </a:p>
+          <a:p>
+            <a:pPr marL="742950" lvl="1" indent="-285750">
+              <a:lnSpc>
+                <a:spcPct val="150000"/>
+              </a:lnSpc>
+              <a:spcAft>
+                <a:spcPts val="800"/>
+              </a:spcAft>
+              <a:buFont typeface="+mj-lt"/>
+              <a:buAutoNum type="alphaLcPeriod"/>
+            </a:pPr>
+            <a:r>
+              <a:rPr lang="he-IL" sz="1000" dirty="0">
+                <a:solidFill>
+                  <a:srgbClr val="606060"/>
+                </a:solidFill>
+                <a:latin typeface="Lato"/>
+                <a:ea typeface="Calibri" panose="020F0502020204030204" pitchFamily="34" charset="0"/>
+              </a:rPr>
+              <a:t>האם תוכלו להציג את הגרף של כל הרשת\חלק ממנה? חשבו מהי ההצגה המיטבית...</a:t>
+            </a:r>
+            <a:endParaRPr lang="en-US" sz="1100" dirty="0" smtClean="0">
+              <a:effectLst/>
+              <a:latin typeface="Calibri" panose="020F0502020204030204" pitchFamily="34" charset="0"/>
+              <a:ea typeface="Calibri" panose="020F0502020204030204" pitchFamily="34" charset="0"/>
+              <a:cs typeface="Arial" panose="020B0604020202020204" pitchFamily="34" charset="0"/>
+            </a:endParaRPr>
+          </a:p>
+          <a:p>
+            <a:pPr marL="742950" lvl="1" indent="-285750">
+              <a:lnSpc>
+                <a:spcPct val="150000"/>
+              </a:lnSpc>
+              <a:spcAft>
+                <a:spcPts val="800"/>
+              </a:spcAft>
+              <a:buFont typeface="+mj-lt"/>
+              <a:buAutoNum type="alphaLcPeriod"/>
+            </a:pPr>
+            <a:r>
+              <a:rPr lang="he-IL" sz="1000" dirty="0">
+                <a:solidFill>
+                  <a:srgbClr val="606060"/>
+                </a:solidFill>
+                <a:latin typeface="Lato"/>
+                <a:ea typeface="Calibri" panose="020F0502020204030204" pitchFamily="34" charset="0"/>
+              </a:rPr>
+              <a:t>האם הרשת תומכת בתכונת העולם הקטן (</a:t>
+            </a:r>
+            <a:r>
+              <a:rPr lang="en-US" sz="1000" dirty="0" smtClean="0">
+                <a:solidFill>
+                  <a:srgbClr val="606060"/>
+                </a:solidFill>
+                <a:effectLst/>
+                <a:latin typeface="Lato"/>
+                <a:ea typeface="Calibri" panose="020F0502020204030204" pitchFamily="34" charset="0"/>
+                <a:cs typeface="Arial" panose="020B0604020202020204" pitchFamily="34" charset="0"/>
+              </a:rPr>
+              <a:t>small world</a:t>
+            </a:r>
+            <a:r>
+              <a:rPr lang="he-IL" sz="1000" dirty="0">
+                <a:solidFill>
+                  <a:srgbClr val="606060"/>
+                </a:solidFill>
+                <a:latin typeface="Lato"/>
+                <a:ea typeface="Calibri" panose="020F0502020204030204" pitchFamily="34" charset="0"/>
+              </a:rPr>
+              <a:t>)?</a:t>
+            </a:r>
+            <a:endParaRPr lang="en-US" sz="1100" dirty="0" smtClean="0">
+              <a:effectLst/>
+              <a:latin typeface="Calibri" panose="020F0502020204030204" pitchFamily="34" charset="0"/>
+              <a:ea typeface="Calibri" panose="020F0502020204030204" pitchFamily="34" charset="0"/>
+              <a:cs typeface="Arial" panose="020B0604020202020204" pitchFamily="34" charset="0"/>
+            </a:endParaRPr>
+          </a:p>
+          <a:p>
+            <a:pPr marL="742950" lvl="1" indent="-285750">
+              <a:lnSpc>
+                <a:spcPct val="150000"/>
+              </a:lnSpc>
+              <a:spcAft>
+                <a:spcPts val="800"/>
+              </a:spcAft>
+              <a:buFont typeface="+mj-lt"/>
+              <a:buAutoNum type="alphaLcPeriod"/>
+            </a:pPr>
+            <a:r>
+              <a:rPr lang="he-IL" sz="1000" dirty="0">
+                <a:solidFill>
+                  <a:srgbClr val="606060"/>
+                </a:solidFill>
+                <a:latin typeface="Lato"/>
+                <a:ea typeface="Calibri" panose="020F0502020204030204" pitchFamily="34" charset="0"/>
+              </a:rPr>
+              <a:t>מדדי מרכזיות בסיסיים: הראו עבור מס' צמתים והשוו בניהם</a:t>
+            </a:r>
+            <a:endParaRPr lang="en-US" sz="1100" dirty="0" smtClean="0">
+              <a:effectLst/>
+              <a:latin typeface="Calibri" panose="020F0502020204030204" pitchFamily="34" charset="0"/>
+              <a:ea typeface="Calibri" panose="020F0502020204030204" pitchFamily="34" charset="0"/>
+              <a:cs typeface="Arial" panose="020B0604020202020204" pitchFamily="34" charset="0"/>
+            </a:endParaRPr>
+          </a:p>
+          <a:p>
+            <a:pPr marL="742950" lvl="1" indent="-285750">
+              <a:lnSpc>
+                <a:spcPct val="150000"/>
+              </a:lnSpc>
+              <a:spcAft>
+                <a:spcPts val="800"/>
+              </a:spcAft>
+              <a:buFont typeface="+mj-lt"/>
+              <a:buAutoNum type="alphaLcPeriod"/>
+            </a:pPr>
+            <a:r>
+              <a:rPr lang="he-IL" sz="1000" dirty="0" err="1">
+                <a:solidFill>
+                  <a:srgbClr val="606060"/>
+                </a:solidFill>
+                <a:latin typeface="Lato"/>
+                <a:ea typeface="Calibri" panose="020F0502020204030204" pitchFamily="34" charset="0"/>
+              </a:rPr>
+              <a:t>היסטוגרמה</a:t>
+            </a:r>
+            <a:r>
+              <a:rPr lang="he-IL" sz="1000" dirty="0">
+                <a:solidFill>
+                  <a:srgbClr val="606060"/>
+                </a:solidFill>
+                <a:latin typeface="Lato"/>
+                <a:ea typeface="Calibri" panose="020F0502020204030204" pitchFamily="34" charset="0"/>
+              </a:rPr>
+              <a:t> של </a:t>
+            </a:r>
+            <a:r>
+              <a:rPr lang="he-IL" sz="1000" b="1" dirty="0">
+                <a:solidFill>
+                  <a:srgbClr val="606060"/>
+                </a:solidFill>
+                <a:latin typeface="Lato"/>
+                <a:ea typeface="Calibri" panose="020F0502020204030204" pitchFamily="34" charset="0"/>
+              </a:rPr>
+              <a:t>התפלגות</a:t>
+            </a:r>
+            <a:r>
+              <a:rPr lang="he-IL" sz="1000" dirty="0">
+                <a:solidFill>
+                  <a:srgbClr val="606060"/>
+                </a:solidFill>
+                <a:latin typeface="Lato"/>
+                <a:ea typeface="Calibri" panose="020F0502020204030204" pitchFamily="34" charset="0"/>
+              </a:rPr>
+              <a:t> דרגות</a:t>
+            </a:r>
+            <a:endParaRPr lang="en-US" sz="1100" dirty="0">
+              <a:effectLst/>
+              <a:latin typeface="Calibri" panose="020F0502020204030204" pitchFamily="34" charset="0"/>
+              <a:ea typeface="Calibri" panose="020F0502020204030204" pitchFamily="34" charset="0"/>
+              <a:cs typeface="Arial" panose="020B0604020202020204" pitchFamily="34" charset="0"/>
+            </a:endParaRPr>
+          </a:p>
+        </p:txBody>
+      </p:sp>
+      <p:sp>
+        <p:nvSpPr>
+          <p:cNvPr id="3" name="מלבן 2"/>
+          <p:cNvSpPr/>
+          <p:nvPr/>
+        </p:nvSpPr>
+        <p:spPr>
+          <a:xfrm>
+            <a:off x="4282038" y="492423"/>
+            <a:ext cx="7628022" cy="4991110"/>
+          </a:xfrm>
+          <a:prstGeom prst="rect">
+            <a:avLst/>
+          </a:prstGeom>
+        </p:spPr>
+        <p:txBody>
+          <a:bodyPr wrap="square">
+            <a:spAutoFit/>
+          </a:bodyPr>
+          <a:lstStyle/>
+          <a:p>
+            <a:pPr marL="685800" lvl="1" indent="-228600">
+              <a:lnSpc>
+                <a:spcPct val="150000"/>
+              </a:lnSpc>
+              <a:spcAft>
+                <a:spcPts val="800"/>
+              </a:spcAft>
+              <a:buAutoNum type="alphaLcPeriod" startAt="2"/>
+            </a:pPr>
+            <a:r>
+              <a:rPr lang="he-IL" sz="1000" dirty="0" smtClean="0">
+                <a:solidFill>
+                  <a:srgbClr val="606060"/>
+                </a:solidFill>
+                <a:latin typeface="Lato"/>
+                <a:ea typeface="Calibri" panose="020F0502020204030204" pitchFamily="34" charset="0"/>
+              </a:rPr>
+              <a:t>הגדרת </a:t>
+            </a:r>
+            <a:r>
+              <a:rPr lang="he-IL" sz="1000" dirty="0">
+                <a:solidFill>
+                  <a:srgbClr val="606060"/>
+                </a:solidFill>
+                <a:latin typeface="Lato"/>
+                <a:ea typeface="Calibri" panose="020F0502020204030204" pitchFamily="34" charset="0"/>
+              </a:rPr>
+              <a:t>הצמתים ברשת+ כמה צמתים יש? (נדרש גרף גדול מספיק, לפחות 1000 צמתים</a:t>
+            </a:r>
+            <a:r>
+              <a:rPr lang="he-IL" sz="1000" dirty="0">
+                <a:solidFill>
+                  <a:srgbClr val="606060"/>
+                </a:solidFill>
+                <a:latin typeface="Calibri" panose="020F0502020204030204" pitchFamily="34" charset="0"/>
+                <a:ea typeface="Calibri" panose="020F0502020204030204" pitchFamily="34" charset="0"/>
+                <a:cs typeface="Lato"/>
+              </a:rPr>
+              <a:t> </a:t>
+            </a:r>
+            <a:r>
+              <a:rPr lang="he-IL" sz="1000" i="1" dirty="0">
+                <a:solidFill>
+                  <a:srgbClr val="606060"/>
+                </a:solidFill>
+                <a:latin typeface="Lato"/>
+                <a:ea typeface="Calibri" panose="020F0502020204030204" pitchFamily="34" charset="0"/>
+              </a:rPr>
+              <a:t>ברכיב הקשירות הגדול</a:t>
+            </a:r>
+            <a:r>
+              <a:rPr lang="he-IL" sz="1000" dirty="0" smtClean="0">
+                <a:solidFill>
+                  <a:srgbClr val="606060"/>
+                </a:solidFill>
+                <a:latin typeface="Lato"/>
+                <a:ea typeface="Calibri" panose="020F0502020204030204" pitchFamily="34" charset="0"/>
+              </a:rPr>
+              <a:t>):</a:t>
+            </a:r>
+          </a:p>
+          <a:p>
+            <a:pPr lvl="1">
+              <a:lnSpc>
+                <a:spcPct val="150000"/>
+              </a:lnSpc>
+              <a:spcAft>
+                <a:spcPts val="800"/>
+              </a:spcAft>
+            </a:pPr>
+            <a:r>
+              <a:rPr lang="he-IL" sz="1000" dirty="0" smtClean="0">
+                <a:solidFill>
+                  <a:srgbClr val="606060"/>
+                </a:solidFill>
+                <a:latin typeface="Lato"/>
+                <a:ea typeface="Calibri" panose="020F0502020204030204" pitchFamily="34" charset="0"/>
+                <a:cs typeface="Arial" panose="020B0604020202020204" pitchFamily="34" charset="0"/>
+              </a:rPr>
+              <a:t>בגרף יש 5881 צמתים כאשר כל צומת מייצג משתמש בפלטפורמה.</a:t>
+            </a:r>
+          </a:p>
+          <a:p>
+            <a:pPr marL="685800" lvl="1" indent="-228600">
+              <a:lnSpc>
+                <a:spcPct val="150000"/>
+              </a:lnSpc>
+              <a:spcAft>
+                <a:spcPts val="800"/>
+              </a:spcAft>
+              <a:buFontTx/>
+              <a:buAutoNum type="alphaLcPeriod" startAt="3"/>
+            </a:pPr>
+            <a:r>
+              <a:rPr lang="he-IL" sz="1000" dirty="0">
+                <a:solidFill>
+                  <a:srgbClr val="606060"/>
+                </a:solidFill>
+                <a:latin typeface="Lato"/>
+                <a:ea typeface="Calibri" panose="020F0502020204030204" pitchFamily="34" charset="0"/>
+              </a:rPr>
+              <a:t>הגדרת הקשתות ברשת+ כמה קשתות יש (מכל סוג)? (בהתאמה, לפחות מס' אלפים של צמתים</a:t>
+            </a:r>
+            <a:r>
+              <a:rPr lang="he-IL" sz="1000" dirty="0" smtClean="0">
+                <a:solidFill>
+                  <a:srgbClr val="606060"/>
+                </a:solidFill>
+                <a:latin typeface="Lato"/>
+                <a:ea typeface="Calibri" panose="020F0502020204030204" pitchFamily="34" charset="0"/>
+              </a:rPr>
+              <a:t>):</a:t>
+            </a:r>
+          </a:p>
+          <a:p>
+            <a:pPr lvl="1">
+              <a:lnSpc>
+                <a:spcPct val="150000"/>
+              </a:lnSpc>
+              <a:spcAft>
+                <a:spcPts val="800"/>
+              </a:spcAft>
+            </a:pPr>
+            <a:r>
+              <a:rPr lang="he-IL" sz="1000" dirty="0" smtClean="0">
+                <a:solidFill>
+                  <a:srgbClr val="606060"/>
+                </a:solidFill>
+                <a:latin typeface="Lato"/>
+                <a:ea typeface="Calibri" panose="020F0502020204030204" pitchFamily="34" charset="0"/>
+                <a:cs typeface="Arial" panose="020B0604020202020204" pitchFamily="34" charset="0"/>
+              </a:rPr>
+              <a:t>בגרף יש 35,592 </a:t>
+            </a:r>
+            <a:r>
+              <a:rPr lang="he-IL" sz="1000" dirty="0" smtClean="0">
+                <a:solidFill>
+                  <a:srgbClr val="606060"/>
+                </a:solidFill>
+                <a:latin typeface="Lato"/>
+                <a:ea typeface="Calibri" panose="020F0502020204030204" pitchFamily="34" charset="0"/>
+                <a:cs typeface="Arial" panose="020B0604020202020204" pitchFamily="34" charset="0"/>
+              </a:rPr>
+              <a:t>קשתות כאשר </a:t>
+            </a:r>
+            <a:r>
+              <a:rPr lang="he-IL" sz="1000" dirty="0" smtClean="0">
+                <a:solidFill>
+                  <a:srgbClr val="606060"/>
+                </a:solidFill>
+                <a:latin typeface="Lato"/>
+                <a:ea typeface="Calibri" panose="020F0502020204030204" pitchFamily="34" charset="0"/>
+                <a:cs typeface="Arial" panose="020B0604020202020204" pitchFamily="34" charset="0"/>
+              </a:rPr>
+              <a:t>כל קשת מייצגת דירוג שנתן משתמש אחד למשתמש שני.</a:t>
+            </a:r>
+          </a:p>
+          <a:p>
+            <a:pPr lvl="1">
+              <a:lnSpc>
+                <a:spcPct val="150000"/>
+              </a:lnSpc>
+              <a:spcAft>
+                <a:spcPts val="800"/>
+              </a:spcAft>
+            </a:pPr>
+            <a:r>
+              <a:rPr lang="he-IL" sz="1000" dirty="0" smtClean="0">
+                <a:solidFill>
+                  <a:srgbClr val="606060"/>
+                </a:solidFill>
+                <a:latin typeface="Lato"/>
+                <a:ea typeface="Calibri" panose="020F0502020204030204" pitchFamily="34" charset="0"/>
+                <a:cs typeface="Arial" panose="020B0604020202020204" pitchFamily="34" charset="0"/>
+              </a:rPr>
+              <a:t>הקשתות ממושקלות – משקל כל קשת הוא הדירוג שניתן – בטווח בין -10 ל 10.</a:t>
+            </a:r>
+          </a:p>
+          <a:p>
+            <a:pPr lvl="1">
+              <a:lnSpc>
+                <a:spcPct val="150000"/>
+              </a:lnSpc>
+              <a:spcAft>
+                <a:spcPts val="800"/>
+              </a:spcAft>
+            </a:pPr>
+            <a:r>
+              <a:rPr lang="en-US" sz="1000" dirty="0" smtClean="0">
+                <a:solidFill>
+                  <a:srgbClr val="606060"/>
+                </a:solidFill>
+                <a:latin typeface="Lato"/>
+                <a:ea typeface="Calibri" panose="020F0502020204030204" pitchFamily="34" charset="0"/>
+                <a:cs typeface="Arial" panose="020B0604020202020204" pitchFamily="34" charset="0"/>
+              </a:rPr>
+              <a:t>d</a:t>
+            </a:r>
+            <a:r>
+              <a:rPr lang="he-IL" sz="1000" dirty="0" smtClean="0">
+                <a:solidFill>
+                  <a:srgbClr val="606060"/>
+                </a:solidFill>
+                <a:latin typeface="Lato"/>
+                <a:ea typeface="Calibri" panose="020F0502020204030204" pitchFamily="34" charset="0"/>
+                <a:cs typeface="Arial" panose="020B0604020202020204" pitchFamily="34" charset="0"/>
+              </a:rPr>
+              <a:t>. </a:t>
+            </a:r>
+            <a:r>
+              <a:rPr lang="he-IL" sz="1000" dirty="0">
+                <a:solidFill>
+                  <a:srgbClr val="606060"/>
+                </a:solidFill>
+                <a:latin typeface="Lato"/>
+                <a:ea typeface="Calibri" panose="020F0502020204030204" pitchFamily="34" charset="0"/>
+              </a:rPr>
+              <a:t>תכונות בסיסיות נוספות </a:t>
+            </a:r>
+            <a:r>
+              <a:rPr lang="en-US" sz="1000" dirty="0">
+                <a:solidFill>
+                  <a:srgbClr val="606060"/>
+                </a:solidFill>
+                <a:latin typeface="Lato"/>
+                <a:ea typeface="Calibri" panose="020F0502020204030204" pitchFamily="34" charset="0"/>
+                <a:cs typeface="Arial" panose="020B0604020202020204" pitchFamily="34" charset="0"/>
+              </a:rPr>
+              <a:t>:</a:t>
+            </a:r>
+            <a:r>
+              <a:rPr lang="he-IL" sz="1000" dirty="0">
+                <a:solidFill>
+                  <a:srgbClr val="606060"/>
+                </a:solidFill>
+                <a:latin typeface="Lato"/>
+                <a:ea typeface="Calibri" panose="020F0502020204030204" pitchFamily="34" charset="0"/>
+              </a:rPr>
+              <a:t>גרף מכוון \ </a:t>
+            </a:r>
+            <a:r>
+              <a:rPr lang="he-IL" sz="1000" dirty="0" err="1">
+                <a:solidFill>
+                  <a:srgbClr val="606060"/>
+                </a:solidFill>
+                <a:latin typeface="Lato"/>
+                <a:ea typeface="Calibri" panose="020F0502020204030204" pitchFamily="34" charset="0"/>
+              </a:rPr>
+              <a:t>מולטיגרף</a:t>
+            </a:r>
+            <a:r>
+              <a:rPr lang="he-IL" sz="1000" dirty="0">
+                <a:solidFill>
+                  <a:srgbClr val="606060"/>
+                </a:solidFill>
+                <a:latin typeface="Lato"/>
+                <a:ea typeface="Calibri" panose="020F0502020204030204" pitchFamily="34" charset="0"/>
+              </a:rPr>
+              <a:t>\מס' רכיבי קשירות\קוטר</a:t>
+            </a:r>
+            <a:r>
+              <a:rPr lang="he-IL" sz="1000" dirty="0" smtClean="0">
+                <a:solidFill>
+                  <a:srgbClr val="606060"/>
+                </a:solidFill>
+                <a:latin typeface="Lato"/>
+                <a:ea typeface="Calibri" panose="020F0502020204030204" pitchFamily="34" charset="0"/>
+              </a:rPr>
+              <a:t>\...:</a:t>
+            </a:r>
+            <a:endParaRPr lang="en-US" sz="1100" dirty="0">
+              <a:latin typeface="Calibri" panose="020F0502020204030204" pitchFamily="34" charset="0"/>
+              <a:ea typeface="Calibri" panose="020F0502020204030204" pitchFamily="34" charset="0"/>
+              <a:cs typeface="Arial" panose="020B0604020202020204" pitchFamily="34" charset="0"/>
+            </a:endParaRPr>
+          </a:p>
+          <a:p>
+            <a:pPr lvl="1">
+              <a:lnSpc>
+                <a:spcPct val="150000"/>
+              </a:lnSpc>
+              <a:spcAft>
+                <a:spcPts val="800"/>
+              </a:spcAft>
+            </a:pPr>
+            <a:r>
+              <a:rPr lang="he-IL" sz="1000" dirty="0" smtClean="0">
+                <a:solidFill>
+                  <a:srgbClr val="606060"/>
+                </a:solidFill>
+                <a:latin typeface="Lato"/>
+                <a:ea typeface="Calibri" panose="020F0502020204030204" pitchFamily="34" charset="0"/>
+                <a:cs typeface="Arial" panose="020B0604020202020204" pitchFamily="34" charset="0"/>
+              </a:rPr>
+              <a:t>הגרף הוא גרף מכוון כאשר משתמש </a:t>
+            </a:r>
+            <a:r>
+              <a:rPr lang="en-US" sz="1000" dirty="0" smtClean="0">
+                <a:solidFill>
+                  <a:srgbClr val="606060"/>
+                </a:solidFill>
+                <a:latin typeface="Lato"/>
+                <a:ea typeface="Calibri" panose="020F0502020204030204" pitchFamily="34" charset="0"/>
+                <a:cs typeface="Arial" panose="020B0604020202020204" pitchFamily="34" charset="0"/>
+              </a:rPr>
+              <a:t>X</a:t>
+            </a:r>
+            <a:r>
+              <a:rPr lang="he-IL" sz="1000" dirty="0" smtClean="0">
+                <a:solidFill>
+                  <a:srgbClr val="606060"/>
+                </a:solidFill>
+                <a:latin typeface="Lato"/>
+                <a:ea typeface="Calibri" panose="020F0502020204030204" pitchFamily="34" charset="0"/>
+                <a:cs typeface="Arial" panose="020B0604020202020204" pitchFamily="34" charset="0"/>
+              </a:rPr>
+              <a:t> </a:t>
+            </a:r>
+            <a:r>
+              <a:rPr lang="he-IL" sz="1000" dirty="0" smtClean="0">
+                <a:solidFill>
+                  <a:srgbClr val="606060"/>
+                </a:solidFill>
+                <a:latin typeface="Lato"/>
+                <a:ea typeface="Calibri" panose="020F0502020204030204" pitchFamily="34" charset="0"/>
+                <a:cs typeface="Arial" panose="020B0604020202020204" pitchFamily="34" charset="0"/>
+              </a:rPr>
+              <a:t>נותן דירוג 8 למשתמש </a:t>
+            </a:r>
+            <a:r>
+              <a:rPr lang="en-US" sz="1000" dirty="0" smtClean="0">
+                <a:solidFill>
+                  <a:srgbClr val="606060"/>
+                </a:solidFill>
+                <a:latin typeface="Lato"/>
+                <a:ea typeface="Calibri" panose="020F0502020204030204" pitchFamily="34" charset="0"/>
+                <a:cs typeface="Arial" panose="020B0604020202020204" pitchFamily="34" charset="0"/>
+              </a:rPr>
+              <a:t>Y</a:t>
+            </a:r>
+            <a:r>
+              <a:rPr lang="he-IL" sz="1000" dirty="0" smtClean="0">
+                <a:solidFill>
+                  <a:srgbClr val="606060"/>
+                </a:solidFill>
+                <a:latin typeface="Lato"/>
+                <a:ea typeface="Calibri" panose="020F0502020204030204" pitchFamily="34" charset="0"/>
+                <a:cs typeface="Arial" panose="020B0604020202020204" pitchFamily="34" charset="0"/>
+              </a:rPr>
+              <a:t> אז תיווצר קשת</a:t>
+            </a:r>
+            <a:r>
+              <a:rPr lang="en-US" sz="1000" dirty="0" smtClean="0">
+                <a:solidFill>
+                  <a:srgbClr val="606060"/>
+                </a:solidFill>
+                <a:latin typeface="Lato"/>
+                <a:ea typeface="Calibri" panose="020F0502020204030204" pitchFamily="34" charset="0"/>
+                <a:cs typeface="Arial" panose="020B0604020202020204" pitchFamily="34" charset="0"/>
+              </a:rPr>
+              <a:t>X,Y,8]</a:t>
+            </a:r>
+            <a:r>
+              <a:rPr lang="he-IL" sz="1000" dirty="0" smtClean="0">
+                <a:solidFill>
+                  <a:srgbClr val="606060"/>
+                </a:solidFill>
+                <a:latin typeface="Lato"/>
+                <a:ea typeface="Calibri" panose="020F0502020204030204" pitchFamily="34" charset="0"/>
+                <a:cs typeface="Arial" panose="020B0604020202020204" pitchFamily="34" charset="0"/>
+              </a:rPr>
+              <a:t>.</a:t>
+            </a:r>
+            <a:endParaRPr lang="en-US" sz="1100" dirty="0">
+              <a:latin typeface="Calibri" panose="020F0502020204030204" pitchFamily="34" charset="0"/>
+              <a:ea typeface="Calibri" panose="020F0502020204030204" pitchFamily="34" charset="0"/>
+              <a:cs typeface="Arial" panose="020B0604020202020204" pitchFamily="34" charset="0"/>
+            </a:endParaRPr>
+          </a:p>
+          <a:p>
+            <a:pPr lvl="1">
+              <a:lnSpc>
+                <a:spcPct val="150000"/>
+              </a:lnSpc>
+              <a:spcAft>
+                <a:spcPts val="800"/>
+              </a:spcAft>
+            </a:pPr>
+            <a:r>
+              <a:rPr lang="he-IL" sz="1000" dirty="0" smtClean="0">
+                <a:solidFill>
+                  <a:srgbClr val="606060"/>
+                </a:solidFill>
+                <a:latin typeface="Lato"/>
+                <a:ea typeface="Calibri" panose="020F0502020204030204" pitchFamily="34" charset="0"/>
+                <a:cs typeface="Arial" panose="020B0604020202020204" pitchFamily="34" charset="0"/>
+              </a:rPr>
+              <a:t>צביעת </a:t>
+            </a:r>
+            <a:r>
+              <a:rPr lang="he-IL" sz="1000" dirty="0" smtClean="0">
+                <a:solidFill>
+                  <a:srgbClr val="606060"/>
+                </a:solidFill>
+                <a:latin typeface="Lato"/>
+                <a:ea typeface="Calibri" panose="020F0502020204030204" pitchFamily="34" charset="0"/>
+                <a:cs typeface="Arial" panose="020B0604020202020204" pitchFamily="34" charset="0"/>
+              </a:rPr>
+              <a:t>קדקודים – הקודקודים נצבעים לפי נרמול ממוצע הדירוגים של כל משתמש  - איפה הוא ממוקם בטווח</a:t>
+            </a:r>
+            <a:r>
+              <a:rPr lang="he-IL" sz="1000" dirty="0" smtClean="0">
+                <a:solidFill>
+                  <a:srgbClr val="606060"/>
+                </a:solidFill>
+                <a:latin typeface="Lato"/>
+                <a:ea typeface="Calibri" panose="020F0502020204030204" pitchFamily="34" charset="0"/>
+                <a:cs typeface="Arial" panose="020B0604020202020204" pitchFamily="34" charset="0"/>
+              </a:rPr>
+              <a:t>.</a:t>
+            </a:r>
+          </a:p>
+          <a:p>
+            <a:pPr lvl="1">
+              <a:lnSpc>
+                <a:spcPct val="150000"/>
+              </a:lnSpc>
+              <a:spcAft>
+                <a:spcPts val="800"/>
+              </a:spcAft>
+            </a:pPr>
+            <a:r>
+              <a:rPr lang="he-IL" sz="1000" dirty="0" smtClean="0">
+                <a:solidFill>
+                  <a:srgbClr val="606060"/>
+                </a:solidFill>
+                <a:latin typeface="Lato"/>
+                <a:ea typeface="Calibri" panose="020F0502020204030204" pitchFamily="34" charset="0"/>
+                <a:cs typeface="Arial" panose="020B0604020202020204" pitchFamily="34" charset="0"/>
+              </a:rPr>
+              <a:t>דרגה מינימלית, מקסימלית, </a:t>
+            </a:r>
+            <a:r>
+              <a:rPr lang="he-IL" sz="1000" dirty="0" err="1" smtClean="0">
+                <a:solidFill>
+                  <a:srgbClr val="606060"/>
+                </a:solidFill>
+                <a:latin typeface="Lato"/>
+                <a:ea typeface="Calibri" panose="020F0502020204030204" pitchFamily="34" charset="0"/>
+                <a:cs typeface="Arial" panose="020B0604020202020204" pitchFamily="34" charset="0"/>
+              </a:rPr>
+              <a:t>בטווינס</a:t>
+            </a:r>
+            <a:r>
+              <a:rPr lang="he-IL" sz="1000" dirty="0" smtClean="0">
+                <a:solidFill>
+                  <a:srgbClr val="606060"/>
+                </a:solidFill>
+                <a:latin typeface="Lato"/>
+                <a:ea typeface="Calibri" panose="020F0502020204030204" pitchFamily="34" charset="0"/>
+                <a:cs typeface="Arial" panose="020B0604020202020204" pitchFamily="34" charset="0"/>
+              </a:rPr>
+              <a:t>, </a:t>
+            </a:r>
+            <a:r>
+              <a:rPr lang="he-IL" sz="1000" dirty="0" err="1" smtClean="0">
+                <a:solidFill>
+                  <a:srgbClr val="606060"/>
+                </a:solidFill>
+                <a:latin typeface="Lato"/>
+                <a:ea typeface="Calibri" panose="020F0502020204030204" pitchFamily="34" charset="0"/>
+                <a:cs typeface="Arial" panose="020B0604020202020204" pitchFamily="34" charset="0"/>
+              </a:rPr>
+              <a:t>קלוזנס</a:t>
+            </a:r>
+            <a:r>
+              <a:rPr lang="he-IL" sz="1000" dirty="0" smtClean="0">
+                <a:solidFill>
+                  <a:srgbClr val="606060"/>
+                </a:solidFill>
+                <a:latin typeface="Lato"/>
+                <a:ea typeface="Calibri" panose="020F0502020204030204" pitchFamily="34" charset="0"/>
+                <a:cs typeface="Arial" panose="020B0604020202020204" pitchFamily="34" charset="0"/>
+              </a:rPr>
+              <a:t>.</a:t>
+            </a:r>
+            <a:endParaRPr lang="he-IL" sz="1000" dirty="0" smtClean="0">
+              <a:solidFill>
+                <a:srgbClr val="606060"/>
+              </a:solidFill>
+              <a:latin typeface="Lato"/>
+              <a:ea typeface="Calibri" panose="020F0502020204030204" pitchFamily="34" charset="0"/>
+              <a:cs typeface="Arial" panose="020B0604020202020204" pitchFamily="34" charset="0"/>
+            </a:endParaRPr>
+          </a:p>
+          <a:p>
+            <a:pPr lvl="1">
+              <a:lnSpc>
+                <a:spcPct val="150000"/>
+              </a:lnSpc>
+              <a:spcAft>
+                <a:spcPts val="800"/>
+              </a:spcAft>
+            </a:pPr>
+            <a:r>
+              <a:rPr lang="en-US" sz="1000" dirty="0" smtClean="0">
+                <a:solidFill>
+                  <a:srgbClr val="606060"/>
+                </a:solidFill>
+                <a:latin typeface="Lato"/>
+                <a:ea typeface="Calibri" panose="020F0502020204030204" pitchFamily="34" charset="0"/>
+                <a:cs typeface="Arial" panose="020B0604020202020204" pitchFamily="34" charset="0"/>
+              </a:rPr>
+              <a:t>e</a:t>
+            </a:r>
+            <a:r>
+              <a:rPr lang="he-IL" sz="1000" dirty="0" smtClean="0">
+                <a:solidFill>
+                  <a:srgbClr val="606060"/>
+                </a:solidFill>
+                <a:latin typeface="Lato"/>
+                <a:ea typeface="Calibri" panose="020F0502020204030204" pitchFamily="34" charset="0"/>
+                <a:cs typeface="Arial" panose="020B0604020202020204" pitchFamily="34" charset="0"/>
+              </a:rPr>
+              <a:t>. על מנת לספק הצגה מיטבית, נציג רק את הרכיב </a:t>
+            </a:r>
+            <a:r>
+              <a:rPr lang="he-IL" sz="1000" dirty="0" err="1" smtClean="0">
+                <a:solidFill>
+                  <a:srgbClr val="606060"/>
+                </a:solidFill>
+                <a:latin typeface="Lato"/>
+                <a:ea typeface="Calibri" panose="020F0502020204030204" pitchFamily="34" charset="0"/>
+                <a:cs typeface="Arial" panose="020B0604020202020204" pitchFamily="34" charset="0"/>
+              </a:rPr>
+              <a:t>הקשיר</a:t>
+            </a:r>
+            <a:r>
+              <a:rPr lang="he-IL" sz="1000" dirty="0" smtClean="0">
+                <a:solidFill>
+                  <a:srgbClr val="606060"/>
+                </a:solidFill>
+                <a:latin typeface="Lato"/>
+                <a:ea typeface="Calibri" panose="020F0502020204030204" pitchFamily="34" charset="0"/>
+                <a:cs typeface="Arial" panose="020B0604020202020204" pitchFamily="34" charset="0"/>
+              </a:rPr>
+              <a:t> החזק הגדול ביותר – בעל </a:t>
+            </a:r>
+            <a:r>
+              <a:rPr lang="en-US" sz="1000" dirty="0" smtClean="0">
+                <a:solidFill>
+                  <a:srgbClr val="606060"/>
+                </a:solidFill>
+                <a:latin typeface="Lato"/>
+                <a:ea typeface="Calibri" panose="020F0502020204030204" pitchFamily="34" charset="0"/>
+                <a:cs typeface="Arial" panose="020B0604020202020204" pitchFamily="34" charset="0"/>
+              </a:rPr>
+              <a:t>X</a:t>
+            </a:r>
+            <a:r>
+              <a:rPr lang="he-IL" sz="1000" dirty="0" smtClean="0">
+                <a:solidFill>
+                  <a:srgbClr val="606060"/>
+                </a:solidFill>
+                <a:latin typeface="Lato"/>
+                <a:ea typeface="Calibri" panose="020F0502020204030204" pitchFamily="34" charset="0"/>
+                <a:cs typeface="Arial" panose="020B0604020202020204" pitchFamily="34" charset="0"/>
+              </a:rPr>
+              <a:t> קדקודים ו-</a:t>
+            </a:r>
+            <a:r>
+              <a:rPr lang="en-US" sz="1000" dirty="0" smtClean="0">
+                <a:solidFill>
+                  <a:srgbClr val="606060"/>
+                </a:solidFill>
+                <a:latin typeface="Lato"/>
+                <a:ea typeface="Calibri" panose="020F0502020204030204" pitchFamily="34" charset="0"/>
+                <a:cs typeface="Arial" panose="020B0604020202020204" pitchFamily="34" charset="0"/>
+              </a:rPr>
+              <a:t>X</a:t>
+            </a:r>
+            <a:r>
+              <a:rPr lang="he-IL" sz="1000" dirty="0" smtClean="0">
+                <a:solidFill>
+                  <a:srgbClr val="606060"/>
+                </a:solidFill>
+                <a:latin typeface="Lato"/>
+                <a:ea typeface="Calibri" panose="020F0502020204030204" pitchFamily="34" charset="0"/>
+                <a:cs typeface="Arial" panose="020B0604020202020204" pitchFamily="34" charset="0"/>
+              </a:rPr>
+              <a:t> צלעות</a:t>
+            </a:r>
+            <a:r>
+              <a:rPr lang="he-IL" sz="1000" dirty="0" smtClean="0">
+                <a:solidFill>
+                  <a:srgbClr val="606060"/>
+                </a:solidFill>
+                <a:latin typeface="Lato"/>
+                <a:ea typeface="Calibri" panose="020F0502020204030204" pitchFamily="34" charset="0"/>
+                <a:cs typeface="Arial" panose="020B0604020202020204" pitchFamily="34" charset="0"/>
+              </a:rPr>
+              <a:t>.</a:t>
+            </a:r>
+          </a:p>
+          <a:p>
+            <a:pPr lvl="1">
+              <a:lnSpc>
+                <a:spcPct val="150000"/>
+              </a:lnSpc>
+              <a:spcAft>
+                <a:spcPts val="800"/>
+              </a:spcAft>
+            </a:pPr>
+            <a:r>
+              <a:rPr lang="he-IL" sz="1000" dirty="0" smtClean="0">
+                <a:solidFill>
+                  <a:srgbClr val="606060"/>
+                </a:solidFill>
+                <a:latin typeface="Lato"/>
+                <a:ea typeface="Calibri" panose="020F0502020204030204" pitchFamily="34" charset="0"/>
+                <a:cs typeface="Arial" panose="020B0604020202020204" pitchFamily="34" charset="0"/>
+              </a:rPr>
+              <a:t>רוב הגרף מורכב מהרכיב </a:t>
+            </a:r>
+            <a:r>
+              <a:rPr lang="he-IL" sz="1000" dirty="0" err="1" smtClean="0">
+                <a:solidFill>
+                  <a:srgbClr val="606060"/>
+                </a:solidFill>
+                <a:latin typeface="Lato"/>
+                <a:ea typeface="Calibri" panose="020F0502020204030204" pitchFamily="34" charset="0"/>
+                <a:cs typeface="Arial" panose="020B0604020202020204" pitchFamily="34" charset="0"/>
+              </a:rPr>
+              <a:t>הקשיר</a:t>
+            </a:r>
+            <a:r>
+              <a:rPr lang="he-IL" sz="1000" dirty="0" smtClean="0">
+                <a:solidFill>
+                  <a:srgbClr val="606060"/>
+                </a:solidFill>
+                <a:latin typeface="Lato"/>
+                <a:ea typeface="Calibri" panose="020F0502020204030204" pitchFamily="34" charset="0"/>
+                <a:cs typeface="Arial" panose="020B0604020202020204" pitchFamily="34" charset="0"/>
+              </a:rPr>
+              <a:t> הגדול ביותר ולכן הרכיבי קשירות הקטנים והבודדים פחות מעניינים ותורמים למחקר.</a:t>
+            </a:r>
+          </a:p>
+          <a:p>
+            <a:pPr lvl="1">
+              <a:lnSpc>
+                <a:spcPct val="150000"/>
+              </a:lnSpc>
+              <a:spcAft>
+                <a:spcPts val="800"/>
+              </a:spcAft>
+            </a:pPr>
+            <a:r>
+              <a:rPr lang="en-US" sz="1000" dirty="0" smtClean="0">
+                <a:solidFill>
+                  <a:srgbClr val="606060"/>
+                </a:solidFill>
+                <a:latin typeface="Lato"/>
+                <a:ea typeface="Calibri" panose="020F0502020204030204" pitchFamily="34" charset="0"/>
+                <a:cs typeface="Arial" panose="020B0604020202020204" pitchFamily="34" charset="0"/>
+              </a:rPr>
+              <a:t>f</a:t>
+            </a:r>
+            <a:r>
+              <a:rPr lang="he-IL" sz="1000" dirty="0" smtClean="0">
+                <a:solidFill>
+                  <a:srgbClr val="606060"/>
+                </a:solidFill>
+                <a:latin typeface="Lato"/>
+                <a:ea typeface="Calibri" panose="020F0502020204030204" pitchFamily="34" charset="0"/>
+                <a:cs typeface="Arial" panose="020B0604020202020204" pitchFamily="34" charset="0"/>
+              </a:rPr>
+              <a:t>. </a:t>
+            </a:r>
+            <a:endParaRPr lang="he-IL" sz="1000" dirty="0" smtClean="0">
+              <a:solidFill>
+                <a:srgbClr val="606060"/>
+              </a:solidFill>
+              <a:latin typeface="Lato"/>
+              <a:ea typeface="Calibri" panose="020F0502020204030204" pitchFamily="34" charset="0"/>
+              <a:cs typeface="Arial" panose="020B0604020202020204" pitchFamily="34" charset="0"/>
+            </a:endParaRPr>
+          </a:p>
+          <a:p>
+            <a:pPr lvl="1">
+              <a:lnSpc>
+                <a:spcPct val="150000"/>
+              </a:lnSpc>
+              <a:spcAft>
+                <a:spcPts val="800"/>
+              </a:spcAft>
+            </a:pPr>
+            <a:r>
+              <a:rPr lang="he-IL" sz="1000" dirty="0" smtClean="0">
+                <a:solidFill>
+                  <a:srgbClr val="606060"/>
+                </a:solidFill>
+                <a:latin typeface="Lato"/>
+                <a:ea typeface="Calibri" panose="020F0502020204030204" pitchFamily="34" charset="0"/>
+                <a:cs typeface="Arial" panose="020B0604020202020204" pitchFamily="34" charset="0"/>
+              </a:rPr>
+              <a:t> </a:t>
+            </a:r>
+          </a:p>
+          <a:p>
+            <a:pPr lvl="1">
+              <a:lnSpc>
+                <a:spcPct val="150000"/>
+              </a:lnSpc>
+              <a:spcAft>
+                <a:spcPts val="800"/>
+              </a:spcAft>
+            </a:pPr>
+            <a:endParaRPr lang="he-IL" sz="1000" dirty="0" smtClean="0">
+              <a:solidFill>
+                <a:srgbClr val="606060"/>
+              </a:solidFill>
+              <a:latin typeface="Lato"/>
+              <a:ea typeface="Calibri" panose="020F0502020204030204" pitchFamily="34" charset="0"/>
+              <a:cs typeface="Arial" panose="020B0604020202020204" pitchFamily="34" charset="0"/>
+            </a:endParaRPr>
+          </a:p>
+          <a:p>
+            <a:pPr marL="685800" lvl="1" indent="-228600">
+              <a:lnSpc>
+                <a:spcPct val="150000"/>
+              </a:lnSpc>
+              <a:spcAft>
+                <a:spcPts val="800"/>
+              </a:spcAft>
+              <a:buAutoNum type="alphaLcPeriod" startAt="3"/>
+            </a:pPr>
+            <a:endParaRPr lang="he-IL" sz="1000" dirty="0">
+              <a:solidFill>
+                <a:srgbClr val="606060"/>
+              </a:solidFill>
+              <a:latin typeface="Lato"/>
+              <a:ea typeface="Calibri" panose="020F0502020204030204" pitchFamily="34" charset="0"/>
+              <a:cs typeface="Arial" panose="020B0604020202020204" pitchFamily="34" charset="0"/>
+            </a:endParaRPr>
+          </a:p>
+        </p:txBody>
+      </p:sp>
+    </p:spTree>
+    <p:extLst>
+      <p:ext uri="{BB962C8B-B14F-4D97-AF65-F5344CB8AC3E}">
+        <p14:creationId xmlns:p14="http://schemas.microsoft.com/office/powerpoint/2010/main" val="1829270986"/>
+      </p:ext>
+    </p:extLst>
+  </p:cSld>
+  <p:clrMapOvr>
+    <a:masterClrMapping/>
+  </p:clrMapOvr>
+</p:sld>
+</file>
+
+<file path=ppt/slides/slide5.xml><?xml version="1.0" encoding="utf-8"?>
+<p:sld xmlns:a="http://schemas.openxmlformats.org/drawingml/2006/main" xmlns:r="http://schemas.openxmlformats.org/officeDocument/2006/relationships" xmlns:p="http://schemas.openxmlformats.org/presentationml/2006/main">
+  <p:cSld>
+    <p:spTree>
+      <p:nvGrpSpPr>
+        <p:cNvPr id="1" name=""/>
+        <p:cNvGrpSpPr/>
+        <p:nvPr/>
+      </p:nvGrpSpPr>
+      <p:grpSpPr>
+        <a:xfrm>
+          <a:off x="0" y="0"/>
+          <a:ext cx="0" cy="0"/>
+          <a:chOff x="0" y="0"/>
+          <a:chExt cx="0" cy="0"/>
+        </a:xfrm>
+      </p:grpSpPr>
+      <p:sp>
+        <p:nvSpPr>
+          <p:cNvPr id="2" name="TextBox 1"/>
+          <p:cNvSpPr txBox="1"/>
+          <p:nvPr/>
+        </p:nvSpPr>
+        <p:spPr>
+          <a:xfrm>
+            <a:off x="3508310" y="1539551"/>
+            <a:ext cx="4497355" cy="4357396"/>
+          </a:xfrm>
+          <a:prstGeom prst="rect">
+            <a:avLst/>
+          </a:prstGeom>
+          <a:noFill/>
+        </p:spPr>
+        <p:txBody>
+          <a:bodyPr wrap="square" rtlCol="1">
+            <a:spAutoFit/>
+          </a:bodyPr>
+          <a:lstStyle/>
+          <a:p>
+            <a:endParaRPr lang="he-IL" dirty="0"/>
+          </a:p>
+        </p:txBody>
+      </p:sp>
+      <p:sp>
+        <p:nvSpPr>
+          <p:cNvPr id="4" name="מלבן 3"/>
+          <p:cNvSpPr/>
+          <p:nvPr/>
+        </p:nvSpPr>
+        <p:spPr>
+          <a:xfrm>
+            <a:off x="4634204" y="677224"/>
+            <a:ext cx="6096000" cy="3680495"/>
+          </a:xfrm>
+          <a:prstGeom prst="rect">
+            <a:avLst/>
+          </a:prstGeom>
+        </p:spPr>
+        <p:txBody>
+          <a:bodyPr>
+            <a:spAutoFit/>
+          </a:bodyPr>
+          <a:lstStyle/>
+          <a:p>
+            <a:pPr lvl="0">
+              <a:lnSpc>
+                <a:spcPct val="150000"/>
+              </a:lnSpc>
+              <a:spcAft>
+                <a:spcPts val="800"/>
+              </a:spcAft>
+            </a:pPr>
+            <a:r>
+              <a:rPr lang="he-IL" sz="1000" dirty="0" smtClean="0">
+                <a:solidFill>
+                  <a:srgbClr val="606060"/>
+                </a:solidFill>
+                <a:latin typeface="Lato"/>
+                <a:ea typeface="Calibri" panose="020F0502020204030204" pitchFamily="34" charset="0"/>
+              </a:rPr>
+              <a:t>2. הגדירו </a:t>
+            </a:r>
+            <a:r>
+              <a:rPr lang="he-IL" sz="1000" dirty="0">
+                <a:solidFill>
+                  <a:srgbClr val="606060"/>
+                </a:solidFill>
+                <a:latin typeface="Lato"/>
+                <a:ea typeface="Calibri" panose="020F0502020204030204" pitchFamily="34" charset="0"/>
+              </a:rPr>
+              <a:t>את מטרת </a:t>
+            </a:r>
+            <a:r>
+              <a:rPr lang="he-IL" sz="1000" dirty="0" err="1">
+                <a:solidFill>
+                  <a:srgbClr val="606060"/>
+                </a:solidFill>
+                <a:latin typeface="Lato"/>
+                <a:ea typeface="Calibri" panose="020F0502020204030204" pitchFamily="34" charset="0"/>
+              </a:rPr>
+              <a:t>הפרוייקט</a:t>
+            </a:r>
+            <a:r>
+              <a:rPr lang="he-IL" sz="1000" dirty="0">
+                <a:solidFill>
+                  <a:srgbClr val="606060"/>
+                </a:solidFill>
+                <a:latin typeface="Lato"/>
+                <a:ea typeface="Calibri" panose="020F0502020204030204" pitchFamily="34" charset="0"/>
+              </a:rPr>
+              <a:t>:</a:t>
+            </a:r>
+            <a:endParaRPr lang="en-US" sz="1100" dirty="0">
+              <a:latin typeface="Calibri" panose="020F0502020204030204" pitchFamily="34" charset="0"/>
+              <a:ea typeface="Calibri" panose="020F0502020204030204" pitchFamily="34" charset="0"/>
+              <a:cs typeface="Arial" panose="020B0604020202020204" pitchFamily="34" charset="0"/>
+            </a:endParaRPr>
+          </a:p>
+          <a:p>
+            <a:pPr marL="742950" lvl="1" indent="-285750">
+              <a:lnSpc>
+                <a:spcPct val="150000"/>
+              </a:lnSpc>
+              <a:spcAft>
+                <a:spcPts val="800"/>
+              </a:spcAft>
+              <a:buFont typeface="+mj-lt"/>
+              <a:buAutoNum type="alphaLcPeriod"/>
+            </a:pPr>
+            <a:r>
+              <a:rPr lang="he-IL" sz="1000" dirty="0">
+                <a:solidFill>
+                  <a:srgbClr val="606060"/>
+                </a:solidFill>
+                <a:latin typeface="Lato"/>
+                <a:ea typeface="Calibri" panose="020F0502020204030204" pitchFamily="34" charset="0"/>
+              </a:rPr>
+              <a:t>מה ברצונכם לבדוק? מהי שאלת המחקר שלכם</a:t>
+            </a:r>
+            <a:r>
+              <a:rPr lang="he-IL" sz="1000" dirty="0" smtClean="0">
+                <a:solidFill>
+                  <a:srgbClr val="606060"/>
+                </a:solidFill>
+                <a:latin typeface="Lato"/>
+                <a:ea typeface="Calibri" panose="020F0502020204030204" pitchFamily="34" charset="0"/>
+              </a:rPr>
+              <a:t>?</a:t>
+            </a:r>
+          </a:p>
+          <a:p>
+            <a:pPr marL="685800" lvl="1" indent="-228600">
+              <a:lnSpc>
+                <a:spcPct val="150000"/>
+              </a:lnSpc>
+              <a:spcAft>
+                <a:spcPts val="800"/>
+              </a:spcAft>
+              <a:buAutoNum type="arabicPeriod"/>
+            </a:pPr>
+            <a:r>
+              <a:rPr lang="he-IL" sz="1000" dirty="0" smtClean="0">
+                <a:solidFill>
+                  <a:srgbClr val="606060"/>
+                </a:solidFill>
+                <a:latin typeface="Lato"/>
+                <a:ea typeface="Calibri" panose="020F0502020204030204" pitchFamily="34" charset="0"/>
+              </a:rPr>
+              <a:t>האם </a:t>
+            </a:r>
+            <a:r>
+              <a:rPr lang="he-IL" sz="1000" dirty="0">
+                <a:solidFill>
+                  <a:srgbClr val="606060"/>
+                </a:solidFill>
+                <a:latin typeface="Lato"/>
+                <a:ea typeface="Calibri" panose="020F0502020204030204" pitchFamily="34" charset="0"/>
+              </a:rPr>
+              <a:t>קיימות קהילות (</a:t>
+            </a:r>
+            <a:r>
+              <a:rPr lang="en-US" sz="1000" dirty="0">
+                <a:solidFill>
+                  <a:srgbClr val="606060"/>
+                </a:solidFill>
+                <a:latin typeface="Lato"/>
+                <a:ea typeface="Calibri" panose="020F0502020204030204" pitchFamily="34" charset="0"/>
+              </a:rPr>
+              <a:t>clusters) </a:t>
+            </a:r>
+            <a:r>
+              <a:rPr lang="he-IL" sz="1000" dirty="0">
+                <a:solidFill>
+                  <a:srgbClr val="606060"/>
+                </a:solidFill>
+                <a:latin typeface="Lato"/>
+                <a:ea typeface="Calibri" panose="020F0502020204030204" pitchFamily="34" charset="0"/>
+              </a:rPr>
+              <a:t>שבהן המשתמשים נותנים דירוגים חיוביים זה לזה? </a:t>
+            </a:r>
+            <a:endParaRPr lang="he-IL" sz="1000" dirty="0" smtClean="0">
+              <a:solidFill>
+                <a:srgbClr val="606060"/>
+              </a:solidFill>
+              <a:latin typeface="Lato"/>
+              <a:ea typeface="Calibri" panose="020F0502020204030204" pitchFamily="34" charset="0"/>
+            </a:endParaRPr>
+          </a:p>
+          <a:p>
+            <a:pPr lvl="1">
+              <a:lnSpc>
+                <a:spcPct val="150000"/>
+              </a:lnSpc>
+              <a:spcAft>
+                <a:spcPts val="800"/>
+              </a:spcAft>
+            </a:pPr>
+            <a:r>
+              <a:rPr lang="he-IL" sz="1000" dirty="0" smtClean="0">
+                <a:solidFill>
+                  <a:srgbClr val="606060"/>
+                </a:solidFill>
+                <a:latin typeface="Lato"/>
+                <a:ea typeface="Calibri" panose="020F0502020204030204" pitchFamily="34" charset="0"/>
+              </a:rPr>
+              <a:t>האם הדירוגים באתר אמינים?</a:t>
+            </a:r>
+            <a:endParaRPr lang="he-IL" sz="1000" dirty="0">
+              <a:solidFill>
+                <a:srgbClr val="606060"/>
+              </a:solidFill>
+              <a:latin typeface="Lato"/>
+              <a:ea typeface="Calibri" panose="020F0502020204030204" pitchFamily="34" charset="0"/>
+            </a:endParaRPr>
+          </a:p>
+          <a:p>
+            <a:pPr lvl="1">
+              <a:lnSpc>
+                <a:spcPct val="150000"/>
+              </a:lnSpc>
+              <a:spcAft>
+                <a:spcPts val="800"/>
+              </a:spcAft>
+            </a:pPr>
+            <a:r>
+              <a:rPr lang="he-IL" sz="1000" dirty="0" smtClean="0">
+                <a:solidFill>
+                  <a:srgbClr val="606060"/>
+                </a:solidFill>
+                <a:latin typeface="Lato"/>
+                <a:ea typeface="Calibri" panose="020F0502020204030204" pitchFamily="34" charset="0"/>
+                <a:cs typeface="Arial" panose="020B0604020202020204" pitchFamily="34" charset="0"/>
+              </a:rPr>
+              <a:t>מחכות </a:t>
+            </a:r>
+            <a:r>
+              <a:rPr lang="he-IL" sz="1000" dirty="0" err="1" smtClean="0">
+                <a:solidFill>
+                  <a:srgbClr val="606060"/>
+                </a:solidFill>
+                <a:latin typeface="Lato"/>
+                <a:ea typeface="Calibri" panose="020F0502020204030204" pitchFamily="34" charset="0"/>
+                <a:cs typeface="Arial" panose="020B0604020202020204" pitchFamily="34" charset="0"/>
+              </a:rPr>
+              <a:t>שהדסההה</a:t>
+            </a:r>
+            <a:r>
+              <a:rPr lang="he-IL" sz="1000" dirty="0" smtClean="0">
+                <a:solidFill>
+                  <a:srgbClr val="606060"/>
+                </a:solidFill>
+                <a:latin typeface="Lato"/>
+                <a:ea typeface="Calibri" panose="020F0502020204030204" pitchFamily="34" charset="0"/>
+                <a:cs typeface="Arial" panose="020B0604020202020204" pitchFamily="34" charset="0"/>
+              </a:rPr>
+              <a:t> </a:t>
+            </a:r>
+            <a:r>
+              <a:rPr lang="he-IL" sz="1000" dirty="0" err="1" smtClean="0">
+                <a:solidFill>
+                  <a:srgbClr val="606060"/>
+                </a:solidFill>
+                <a:latin typeface="Lato"/>
+                <a:ea typeface="Calibri" panose="020F0502020204030204" pitchFamily="34" charset="0"/>
+                <a:cs typeface="Arial" panose="020B0604020202020204" pitchFamily="34" charset="0"/>
+              </a:rPr>
+              <a:t>תענההה</a:t>
+            </a:r>
+            <a:endParaRPr lang="en-US" sz="1100" dirty="0">
+              <a:latin typeface="Calibri" panose="020F0502020204030204" pitchFamily="34" charset="0"/>
+              <a:ea typeface="Calibri" panose="020F0502020204030204" pitchFamily="34" charset="0"/>
+              <a:cs typeface="Arial" panose="020B0604020202020204" pitchFamily="34" charset="0"/>
+            </a:endParaRPr>
+          </a:p>
+          <a:p>
+            <a:pPr marL="742950" lvl="1" indent="-285750">
+              <a:lnSpc>
+                <a:spcPct val="150000"/>
+              </a:lnSpc>
+              <a:spcAft>
+                <a:spcPts val="800"/>
+              </a:spcAft>
+              <a:buFont typeface="+mj-lt"/>
+              <a:buAutoNum type="alphaLcPeriod"/>
+            </a:pPr>
+            <a:r>
+              <a:rPr lang="he-IL" sz="1000" dirty="0">
+                <a:solidFill>
+                  <a:srgbClr val="606060"/>
+                </a:solidFill>
+                <a:latin typeface="Lato"/>
+                <a:ea typeface="Calibri" panose="020F0502020204030204" pitchFamily="34" charset="0"/>
+              </a:rPr>
+              <a:t>מהי השערת המחקר שלכם (בסעיף זה יש להציע מידול מתמטי לתופעה החברתית אותה אתם בודקים</a:t>
+            </a:r>
+            <a:r>
+              <a:rPr lang="he-IL" sz="1000" dirty="0" smtClean="0">
+                <a:solidFill>
+                  <a:srgbClr val="606060"/>
+                </a:solidFill>
+                <a:latin typeface="Lato"/>
+                <a:ea typeface="Calibri" panose="020F0502020204030204" pitchFamily="34" charset="0"/>
+              </a:rPr>
+              <a:t>)</a:t>
+            </a:r>
+          </a:p>
+          <a:p>
+            <a:pPr lvl="1">
+              <a:lnSpc>
+                <a:spcPct val="150000"/>
+              </a:lnSpc>
+              <a:spcAft>
+                <a:spcPts val="800"/>
+              </a:spcAft>
+            </a:pPr>
+            <a:r>
+              <a:rPr lang="he-IL" sz="1100" dirty="0" smtClean="0">
+                <a:latin typeface="Calibri" panose="020F0502020204030204" pitchFamily="34" charset="0"/>
+                <a:ea typeface="Calibri" panose="020F0502020204030204" pitchFamily="34" charset="0"/>
+                <a:cs typeface="Arial" panose="020B0604020202020204" pitchFamily="34" charset="0"/>
+              </a:rPr>
+              <a:t>לא, ישנם קליקות של שמור לי ואשמור לך, וישנם </a:t>
+            </a:r>
+            <a:r>
+              <a:rPr lang="he-IL" sz="1100" dirty="0" err="1" smtClean="0">
+                <a:latin typeface="Calibri" panose="020F0502020204030204" pitchFamily="34" charset="0"/>
+                <a:ea typeface="Calibri" panose="020F0502020204030204" pitchFamily="34" charset="0"/>
+                <a:cs typeface="Arial" panose="020B0604020202020204" pitchFamily="34" charset="0"/>
+              </a:rPr>
+              <a:t>נקמנויות</a:t>
+            </a:r>
+            <a:r>
+              <a:rPr lang="he-IL" sz="1100" dirty="0" smtClean="0">
+                <a:latin typeface="Calibri" panose="020F0502020204030204" pitchFamily="34" charset="0"/>
+                <a:ea typeface="Calibri" panose="020F0502020204030204" pitchFamily="34" charset="0"/>
+                <a:cs typeface="Arial" panose="020B0604020202020204" pitchFamily="34" charset="0"/>
+              </a:rPr>
+              <a:t>.</a:t>
+            </a:r>
+            <a:endParaRPr lang="en-US" sz="1100" dirty="0">
+              <a:latin typeface="Calibri" panose="020F0502020204030204" pitchFamily="34" charset="0"/>
+              <a:ea typeface="Calibri" panose="020F0502020204030204" pitchFamily="34" charset="0"/>
+              <a:cs typeface="Arial" panose="020B0604020202020204" pitchFamily="34" charset="0"/>
+            </a:endParaRPr>
+          </a:p>
+          <a:p>
+            <a:pPr marL="742950" lvl="1" indent="-285750">
+              <a:lnSpc>
+                <a:spcPct val="150000"/>
+              </a:lnSpc>
+              <a:spcAft>
+                <a:spcPts val="800"/>
+              </a:spcAft>
+              <a:buFont typeface="+mj-lt"/>
+              <a:buAutoNum type="alphaLcPeriod"/>
+            </a:pPr>
+            <a:r>
+              <a:rPr lang="he-IL" sz="1000" dirty="0">
+                <a:solidFill>
+                  <a:srgbClr val="606060"/>
+                </a:solidFill>
+                <a:latin typeface="Lato"/>
+                <a:ea typeface="Calibri" panose="020F0502020204030204" pitchFamily="34" charset="0"/>
+              </a:rPr>
+              <a:t>באיזה דרך תבדקו את ההשערה? מה הכלים המתמטיים בהם </a:t>
+            </a:r>
+            <a:r>
+              <a:rPr lang="he-IL" sz="1000" dirty="0" smtClean="0">
+                <a:solidFill>
+                  <a:srgbClr val="606060"/>
+                </a:solidFill>
+                <a:latin typeface="Lato"/>
+                <a:ea typeface="Calibri" panose="020F0502020204030204" pitchFamily="34" charset="0"/>
+              </a:rPr>
+              <a:t>תשתמשו?</a:t>
+            </a:r>
+          </a:p>
+          <a:p>
+            <a:pPr lvl="1">
+              <a:lnSpc>
+                <a:spcPct val="150000"/>
+              </a:lnSpc>
+              <a:spcAft>
+                <a:spcPts val="800"/>
+              </a:spcAft>
+            </a:pPr>
+            <a:r>
+              <a:rPr lang="he-IL" sz="1000" dirty="0">
+                <a:solidFill>
+                  <a:srgbClr val="606060"/>
+                </a:solidFill>
+                <a:latin typeface="Lato"/>
+                <a:ea typeface="Calibri" panose="020F0502020204030204" pitchFamily="34" charset="0"/>
+              </a:rPr>
+              <a:t>3</a:t>
+            </a:r>
+            <a:r>
+              <a:rPr lang="he-IL" sz="1000" dirty="0" smtClean="0">
+                <a:solidFill>
+                  <a:srgbClr val="606060"/>
+                </a:solidFill>
+                <a:latin typeface="Lato"/>
+                <a:ea typeface="Calibri" panose="020F0502020204030204" pitchFamily="34" charset="0"/>
+              </a:rPr>
+              <a:t>.  האם </a:t>
+            </a:r>
+            <a:r>
+              <a:rPr lang="he-IL" sz="1000" dirty="0">
+                <a:solidFill>
+                  <a:srgbClr val="606060"/>
+                </a:solidFill>
+                <a:latin typeface="Lato"/>
+                <a:ea typeface="Calibri" panose="020F0502020204030204" pitchFamily="34" charset="0"/>
+              </a:rPr>
+              <a:t>יש קשר בין דרגת הצומת (</a:t>
+            </a:r>
+            <a:r>
+              <a:rPr lang="en-US" sz="1000" dirty="0">
+                <a:solidFill>
+                  <a:srgbClr val="606060"/>
+                </a:solidFill>
+                <a:latin typeface="Lato"/>
+                <a:ea typeface="Calibri" panose="020F0502020204030204" pitchFamily="34" charset="0"/>
+              </a:rPr>
+              <a:t>in-degree/out-degree) </a:t>
+            </a:r>
+            <a:r>
+              <a:rPr lang="he-IL" sz="1000" dirty="0">
+                <a:solidFill>
+                  <a:srgbClr val="606060"/>
+                </a:solidFill>
+                <a:latin typeface="Lato"/>
+                <a:ea typeface="Calibri" panose="020F0502020204030204" pitchFamily="34" charset="0"/>
+              </a:rPr>
+              <a:t>של משתמש לבין רמת האמון שהוא מקבל?</a:t>
+            </a:r>
+          </a:p>
+          <a:p>
+            <a:pPr lvl="1">
+              <a:lnSpc>
+                <a:spcPct val="150000"/>
+              </a:lnSpc>
+              <a:spcAft>
+                <a:spcPts val="800"/>
+              </a:spcAft>
+            </a:pPr>
+            <a:r>
+              <a:rPr lang="he-IL" sz="1000" dirty="0">
+                <a:solidFill>
+                  <a:srgbClr val="606060"/>
+                </a:solidFill>
+                <a:latin typeface="Lato"/>
+                <a:ea typeface="Calibri" panose="020F0502020204030204" pitchFamily="34" charset="0"/>
+              </a:rPr>
+              <a:t>כלומר, האם משתמשים שמדרגים הרבה אחרים נתפסים כאמינים יותר או פחות? (מה הדירוג שהם מקבלים?).</a:t>
+            </a:r>
+          </a:p>
+          <a:p>
+            <a:pPr lvl="1">
+              <a:lnSpc>
+                <a:spcPct val="150000"/>
+              </a:lnSpc>
+              <a:spcAft>
+                <a:spcPts val="800"/>
+              </a:spcAft>
+            </a:pPr>
+            <a:endParaRPr lang="he-IL" sz="1000" dirty="0">
+              <a:solidFill>
+                <a:srgbClr val="606060"/>
+              </a:solidFill>
+              <a:effectLst/>
+              <a:latin typeface="Lato"/>
+              <a:ea typeface="Calibri" panose="020F0502020204030204" pitchFamily="34" charset="0"/>
+              <a:cs typeface="Arial" panose="020B0604020202020204" pitchFamily="34" charset="0"/>
+            </a:endParaRPr>
+          </a:p>
+        </p:txBody>
+      </p:sp>
+    </p:spTree>
+    <p:extLst>
+      <p:ext uri="{BB962C8B-B14F-4D97-AF65-F5344CB8AC3E}">
+        <p14:creationId xmlns:p14="http://schemas.microsoft.com/office/powerpoint/2010/main" val="1567804886"/>
       </p:ext>
     </p:extLst>
   </p:cSld>

--- a/Research proposal.pptx
+++ b/Research proposal.pptx
@@ -5,14 +5,19 @@
     <p:sldMasterId id="2147483648" r:id="rId1"/>
   </p:sldMasterIdLst>
   <p:notesMasterIdLst>
-    <p:notesMasterId r:id="rId7"/>
+    <p:notesMasterId r:id="rId12"/>
   </p:notesMasterIdLst>
   <p:sldIdLst>
     <p:sldId id="256" r:id="rId2"/>
     <p:sldId id="257" r:id="rId3"/>
     <p:sldId id="258" r:id="rId4"/>
-    <p:sldId id="260" r:id="rId5"/>
-    <p:sldId id="259" r:id="rId6"/>
+    <p:sldId id="267" r:id="rId5"/>
+    <p:sldId id="260" r:id="rId6"/>
+    <p:sldId id="268" r:id="rId7"/>
+    <p:sldId id="264" r:id="rId8"/>
+    <p:sldId id="265" r:id="rId9"/>
+    <p:sldId id="266" r:id="rId10"/>
+    <p:sldId id="262" r:id="rId11"/>
   </p:sldIdLst>
   <p:sldSz cx="12192000" cy="6858000"/>
   <p:notesSz cx="6858000" cy="9144000"/>
@@ -3334,8 +3339,8 @@
         </p:nvSpPr>
         <p:spPr>
           <a:xfrm>
-            <a:off x="3426743" y="2967335"/>
-            <a:ext cx="5338514" cy="923330"/>
+            <a:off x="4331865" y="2967335"/>
+            <a:ext cx="3528275" cy="923330"/>
           </a:xfrm>
           <a:prstGeom prst="rect">
             <a:avLst/>
@@ -3363,7 +3368,23 @@
                   </a:outerShdw>
                 </a:effectLst>
               </a:rPr>
-              <a:t>Research proposal</a:t>
+              <a:t>Bitcoin - </a:t>
+            </a:r>
+            <a:r>
+              <a:rPr lang="en-US" sz="5400" b="0" cap="none" spc="0" dirty="0" err="1" smtClean="0">
+                <a:ln w="0"/>
+                <a:solidFill>
+                  <a:schemeClr val="tx1"/>
+                </a:solidFill>
+                <a:effectLst>
+                  <a:outerShdw blurRad="38100" dist="19050" dir="2700000" algn="tl" rotWithShape="0">
+                    <a:schemeClr val="dk1">
+                      <a:alpha val="40000"/>
+                    </a:schemeClr>
+                  </a:outerShdw>
+                </a:effectLst>
+              </a:rPr>
+              <a:t>otc</a:t>
             </a:r>
             <a:endParaRPr lang="he-IL" sz="5400" b="0" cap="none" spc="0" dirty="0">
               <a:ln w="0"/>
@@ -3385,6 +3406,223 @@
     <p:extLst>
       <p:ext uri="{BB962C8B-B14F-4D97-AF65-F5344CB8AC3E}">
         <p14:creationId xmlns:p14="http://schemas.microsoft.com/office/powerpoint/2010/main" val="2383914937"/>
+      </p:ext>
+    </p:extLst>
+  </p:cSld>
+  <p:clrMapOvr>
+    <a:masterClrMapping/>
+  </p:clrMapOvr>
+</p:sld>
+</file>
+
+<file path=ppt/slides/slide10.xml><?xml version="1.0" encoding="utf-8"?>
+<p:sld xmlns:a="http://schemas.openxmlformats.org/drawingml/2006/main" xmlns:r="http://schemas.openxmlformats.org/officeDocument/2006/relationships" xmlns:p="http://schemas.openxmlformats.org/presentationml/2006/main">
+  <p:cSld>
+    <p:spTree>
+      <p:nvGrpSpPr>
+        <p:cNvPr id="1" name=""/>
+        <p:cNvGrpSpPr/>
+        <p:nvPr/>
+      </p:nvGrpSpPr>
+      <p:grpSpPr>
+        <a:xfrm>
+          <a:off x="0" y="0"/>
+          <a:ext cx="0" cy="0"/>
+          <a:chOff x="0" y="0"/>
+          <a:chExt cx="0" cy="0"/>
+        </a:xfrm>
+      </p:grpSpPr>
+      <p:sp>
+        <p:nvSpPr>
+          <p:cNvPr id="2" name="TextBox 1"/>
+          <p:cNvSpPr txBox="1"/>
+          <p:nvPr/>
+        </p:nvSpPr>
+        <p:spPr>
+          <a:xfrm>
+            <a:off x="3508310" y="1539551"/>
+            <a:ext cx="4497355" cy="4357396"/>
+          </a:xfrm>
+          <a:prstGeom prst="rect">
+            <a:avLst/>
+          </a:prstGeom>
+          <a:noFill/>
+        </p:spPr>
+        <p:txBody>
+          <a:bodyPr wrap="square" rtlCol="1">
+            <a:spAutoFit/>
+          </a:bodyPr>
+          <a:lstStyle/>
+          <a:p>
+            <a:endParaRPr lang="he-IL" dirty="0"/>
+          </a:p>
+        </p:txBody>
+      </p:sp>
+      <p:sp>
+        <p:nvSpPr>
+          <p:cNvPr id="4" name="מלבן 3"/>
+          <p:cNvSpPr/>
+          <p:nvPr/>
+        </p:nvSpPr>
+        <p:spPr>
+          <a:xfrm>
+            <a:off x="4634204" y="677224"/>
+            <a:ext cx="6096000" cy="1323439"/>
+          </a:xfrm>
+          <a:prstGeom prst="rect">
+            <a:avLst/>
+          </a:prstGeom>
+        </p:spPr>
+        <p:txBody>
+          <a:bodyPr>
+            <a:spAutoFit/>
+          </a:bodyPr>
+          <a:lstStyle/>
+          <a:p>
+            <a:pPr lvl="0">
+              <a:lnSpc>
+                <a:spcPct val="150000"/>
+              </a:lnSpc>
+              <a:spcAft>
+                <a:spcPts val="800"/>
+              </a:spcAft>
+            </a:pPr>
+            <a:r>
+              <a:rPr lang="he-IL" sz="1000" dirty="0" smtClean="0">
+                <a:solidFill>
+                  <a:srgbClr val="606060"/>
+                </a:solidFill>
+                <a:latin typeface="Lato"/>
+                <a:ea typeface="Calibri" panose="020F0502020204030204" pitchFamily="34" charset="0"/>
+              </a:rPr>
+              <a:t>כיוונים נוספים למחקר:</a:t>
+            </a:r>
+          </a:p>
+          <a:p>
+            <a:pPr lvl="0">
+              <a:lnSpc>
+                <a:spcPct val="150000"/>
+              </a:lnSpc>
+              <a:spcAft>
+                <a:spcPts val="800"/>
+              </a:spcAft>
+            </a:pPr>
+            <a:r>
+              <a:rPr lang="he-IL" sz="1000" dirty="0" smtClean="0">
+                <a:solidFill>
+                  <a:srgbClr val="606060"/>
+                </a:solidFill>
+                <a:latin typeface="Lato"/>
+                <a:ea typeface="Calibri" panose="020F0502020204030204" pitchFamily="34" charset="0"/>
+              </a:rPr>
+              <a:t> </a:t>
+            </a:r>
+            <a:r>
+              <a:rPr lang="he-IL" sz="1000" dirty="0" smtClean="0">
+                <a:solidFill>
+                  <a:srgbClr val="606060"/>
+                </a:solidFill>
+                <a:latin typeface="Lato"/>
+                <a:ea typeface="Calibri" panose="020F0502020204030204" pitchFamily="34" charset="0"/>
+              </a:rPr>
+              <a:t>האם </a:t>
+            </a:r>
+            <a:r>
+              <a:rPr lang="he-IL" sz="1000" dirty="0">
+                <a:solidFill>
+                  <a:srgbClr val="606060"/>
+                </a:solidFill>
+                <a:latin typeface="Lato"/>
+                <a:ea typeface="Calibri" panose="020F0502020204030204" pitchFamily="34" charset="0"/>
+              </a:rPr>
+              <a:t>יש קשר בין דרגת הצומת (</a:t>
+            </a:r>
+            <a:r>
+              <a:rPr lang="en-US" sz="1000" dirty="0">
+                <a:solidFill>
+                  <a:srgbClr val="606060"/>
+                </a:solidFill>
+                <a:latin typeface="Lato"/>
+                <a:ea typeface="Calibri" panose="020F0502020204030204" pitchFamily="34" charset="0"/>
+              </a:rPr>
+              <a:t>in-degree/out-degree) </a:t>
+            </a:r>
+            <a:r>
+              <a:rPr lang="he-IL" sz="1000" dirty="0">
+                <a:solidFill>
+                  <a:srgbClr val="606060"/>
+                </a:solidFill>
+                <a:latin typeface="Lato"/>
+                <a:ea typeface="Calibri" panose="020F0502020204030204" pitchFamily="34" charset="0"/>
+              </a:rPr>
+              <a:t>של משתמש לבין רמת האמון שהוא </a:t>
+            </a:r>
+            <a:r>
+              <a:rPr lang="he-IL" sz="1000" dirty="0" smtClean="0">
+                <a:solidFill>
+                  <a:srgbClr val="606060"/>
+                </a:solidFill>
+                <a:latin typeface="Lato"/>
+                <a:ea typeface="Calibri" panose="020F0502020204030204" pitchFamily="34" charset="0"/>
+              </a:rPr>
+              <a:t>מקבל?</a:t>
+            </a:r>
+          </a:p>
+          <a:p>
+            <a:pPr lvl="0">
+              <a:lnSpc>
+                <a:spcPct val="150000"/>
+              </a:lnSpc>
+              <a:spcAft>
+                <a:spcPts val="800"/>
+              </a:spcAft>
+            </a:pPr>
+            <a:r>
+              <a:rPr lang="he-IL" sz="1000" dirty="0" smtClean="0">
+                <a:solidFill>
+                  <a:srgbClr val="606060"/>
+                </a:solidFill>
+                <a:latin typeface="Lato"/>
+                <a:ea typeface="Calibri" panose="020F0502020204030204" pitchFamily="34" charset="0"/>
+              </a:rPr>
+              <a:t>כלומר</a:t>
+            </a:r>
+            <a:r>
+              <a:rPr lang="he-IL" sz="1000" dirty="0">
+                <a:solidFill>
+                  <a:srgbClr val="606060"/>
+                </a:solidFill>
+                <a:latin typeface="Lato"/>
+                <a:ea typeface="Calibri" panose="020F0502020204030204" pitchFamily="34" charset="0"/>
+              </a:rPr>
+              <a:t>, האם משתמשים שמדרגים הרבה אחרים נתפסים כאמינים יותר או פחות? (מה הדירוג שהם מקבלים?).</a:t>
+            </a:r>
+          </a:p>
+          <a:p>
+            <a:pPr lvl="1">
+              <a:lnSpc>
+                <a:spcPct val="150000"/>
+              </a:lnSpc>
+              <a:spcAft>
+                <a:spcPts val="800"/>
+              </a:spcAft>
+            </a:pPr>
+            <a:endParaRPr lang="he-IL" sz="1000" dirty="0">
+              <a:solidFill>
+                <a:srgbClr val="606060"/>
+              </a:solidFill>
+              <a:effectLst/>
+              <a:latin typeface="Lato"/>
+              <a:ea typeface="Calibri" panose="020F0502020204030204" pitchFamily="34" charset="0"/>
+              <a:cs typeface="Arial" panose="020B0604020202020204" pitchFamily="34" charset="0"/>
+            </a:endParaRPr>
+          </a:p>
+        </p:txBody>
+      </p:sp>
+    </p:spTree>
+    <p:extLst>
+      <p:ext uri="{BB962C8B-B14F-4D97-AF65-F5344CB8AC3E}">
+        <p14:creationId xmlns:p14="http://schemas.microsoft.com/office/powerpoint/2010/main" val="594539850"/>
       </p:ext>
     </p:extLst>
   </p:cSld>
@@ -3419,8 +3657,8 @@
         </p:nvSpPr>
         <p:spPr>
           <a:xfrm>
-            <a:off x="4282038" y="492423"/>
-            <a:ext cx="7628022" cy="1656864"/>
+            <a:off x="6484776" y="1845362"/>
+            <a:ext cx="4790804" cy="1451679"/>
           </a:xfrm>
           <a:prstGeom prst="rect">
             <a:avLst/>
@@ -3431,32 +3669,6 @@
             <a:spAutoFit/>
           </a:bodyPr>
           <a:lstStyle/>
-          <a:p>
-            <a:pPr marL="742950" lvl="1" indent="-285750">
-              <a:lnSpc>
-                <a:spcPct val="150000"/>
-              </a:lnSpc>
-              <a:spcAft>
-                <a:spcPts val="800"/>
-              </a:spcAft>
-              <a:buFont typeface="+mj-lt"/>
-              <a:buAutoNum type="alphaLcPeriod"/>
-            </a:pPr>
-            <a:r>
-              <a:rPr lang="he-IL" sz="1000" dirty="0" smtClean="0">
-                <a:solidFill>
-                  <a:srgbClr val="606060"/>
-                </a:solidFill>
-                <a:latin typeface="Lato"/>
-                <a:ea typeface="Calibri" panose="020F0502020204030204" pitchFamily="34" charset="0"/>
-              </a:rPr>
-              <a:t>מקור הנתונים</a:t>
-            </a:r>
-            <a:r>
-              <a:rPr lang="he-IL" sz="1000" dirty="0" smtClean="0"/>
-              <a:t>:</a:t>
-            </a:r>
-          </a:p>
           <a:p>
             <a:pPr lvl="1">
               <a:lnSpc>
@@ -3567,24 +3779,38 @@
               <a:t>.</a:t>
             </a:r>
           </a:p>
-          <a:p>
-            <a:pPr lvl="1">
-              <a:lnSpc>
-                <a:spcPct val="150000"/>
-              </a:lnSpc>
-              <a:spcAft>
-                <a:spcPts val="800"/>
-              </a:spcAft>
-            </a:pPr>
-            <a:endParaRPr lang="he-IL" sz="1000" dirty="0">
-              <a:effectLst/>
-              <a:latin typeface="Calibri" panose="020F0502020204030204" pitchFamily="34" charset="0"/>
-              <a:ea typeface="Calibri" panose="020F0502020204030204" pitchFamily="34" charset="0"/>
-              <a:cs typeface="Arial" panose="020B0604020202020204" pitchFamily="34" charset="0"/>
-            </a:endParaRPr>
-          </a:p>
-        </p:txBody>
-      </p:sp>
+        </p:txBody>
+      </p:sp>
+      <p:pic>
+        <p:nvPicPr>
+          <p:cNvPr id="14" name="תמונה 13"/>
+          <p:cNvPicPr>
+            <a:picLocks noChangeAspect="1"/>
+          </p:cNvPicPr>
+          <p:nvPr/>
+        </p:nvPicPr>
+        <p:blipFill>
+          <a:blip r:embed="rId4">
+            <a:extLst>
+              <a:ext uri="{28A0092B-C50C-407E-A947-70E740481C1C}">
+                <a14:useLocalDpi xmlns:a14="http://schemas.microsoft.com/office/drawing/2010/main" val="0"/>
+              </a:ext>
+            </a:extLst>
+          </a:blip>
+          <a:stretch>
+            <a:fillRect/>
+          </a:stretch>
+        </p:blipFill>
+        <p:spPr>
+          <a:xfrm>
+            <a:off x="617310" y="1147665"/>
+            <a:ext cx="5746454" cy="4578681"/>
+          </a:xfrm>
+          <a:prstGeom prst="rect">
+            <a:avLst/>
+          </a:prstGeom>
+        </p:spPr>
+      </p:pic>
     </p:spTree>
     <p:extLst>
       <p:ext uri="{BB962C8B-B14F-4D97-AF65-F5344CB8AC3E}">
@@ -3617,14 +3843,14 @@
       </p:grpSpPr>
       <p:sp>
         <p:nvSpPr>
-          <p:cNvPr id="4" name="מלבן 3"/>
+          <p:cNvPr id="3" name="מלבן 2"/>
           <p:cNvSpPr/>
           <p:nvPr/>
         </p:nvSpPr>
         <p:spPr>
           <a:xfrm>
-            <a:off x="203493" y="1402915"/>
-            <a:ext cx="3404003" cy="4606389"/>
+            <a:off x="3470274" y="1005607"/>
+            <a:ext cx="7628022" cy="2990562"/>
           </a:xfrm>
           <a:prstGeom prst="rect">
             <a:avLst/>
@@ -3635,488 +3861,6 @@
             <a:spAutoFit/>
           </a:bodyPr>
           <a:lstStyle/>
-          <a:p>
-            <a:pPr marL="342900" lvl="0" indent="-342900">
-              <a:lnSpc>
-                <a:spcPct val="150000"/>
-              </a:lnSpc>
-              <a:spcAft>
-                <a:spcPts val="800"/>
-              </a:spcAft>
-              <a:buFont typeface="+mj-lt"/>
-              <a:buAutoNum type="arabicPeriod"/>
-            </a:pPr>
-            <a:r>
-              <a:rPr lang="he-IL" sz="1000" dirty="0">
-                <a:solidFill>
-                  <a:srgbClr val="606060"/>
-                </a:solidFill>
-                <a:latin typeface="Lato"/>
-                <a:ea typeface="Calibri" panose="020F0502020204030204" pitchFamily="34" charset="0"/>
-              </a:rPr>
-              <a:t>הגדירו את הרשת החברתית בצורה בהירה:</a:t>
-            </a:r>
-            <a:endParaRPr lang="en-US" sz="1100" dirty="0" smtClean="0">
-              <a:effectLst/>
-              <a:latin typeface="Calibri" panose="020F0502020204030204" pitchFamily="34" charset="0"/>
-              <a:ea typeface="Calibri" panose="020F0502020204030204" pitchFamily="34" charset="0"/>
-              <a:cs typeface="Arial" panose="020B0604020202020204" pitchFamily="34" charset="0"/>
-            </a:endParaRPr>
-          </a:p>
-          <a:p>
-            <a:pPr marL="742950" lvl="1" indent="-285750">
-              <a:lnSpc>
-                <a:spcPct val="150000"/>
-              </a:lnSpc>
-              <a:spcAft>
-                <a:spcPts val="800"/>
-              </a:spcAft>
-              <a:buFont typeface="+mj-lt"/>
-              <a:buAutoNum type="alphaLcPeriod"/>
-            </a:pPr>
-            <a:r>
-              <a:rPr lang="he-IL" sz="1000" dirty="0">
-                <a:solidFill>
-                  <a:srgbClr val="606060"/>
-                </a:solidFill>
-                <a:latin typeface="Lato"/>
-                <a:ea typeface="Calibri" panose="020F0502020204030204" pitchFamily="34" charset="0"/>
-              </a:rPr>
-              <a:t>מקור הנתונים</a:t>
-            </a:r>
-            <a:endParaRPr lang="en-US" sz="1100" dirty="0" smtClean="0">
-              <a:effectLst/>
-              <a:latin typeface="Calibri" panose="020F0502020204030204" pitchFamily="34" charset="0"/>
-              <a:ea typeface="Calibri" panose="020F0502020204030204" pitchFamily="34" charset="0"/>
-              <a:cs typeface="Arial" panose="020B0604020202020204" pitchFamily="34" charset="0"/>
-            </a:endParaRPr>
-          </a:p>
-          <a:p>
-            <a:pPr marL="742950" lvl="1" indent="-285750">
-              <a:lnSpc>
-                <a:spcPct val="150000"/>
-              </a:lnSpc>
-              <a:spcAft>
-                <a:spcPts val="800"/>
-              </a:spcAft>
-              <a:buFont typeface="+mj-lt"/>
-              <a:buAutoNum type="alphaLcPeriod"/>
-            </a:pPr>
-            <a:r>
-              <a:rPr lang="he-IL" sz="1000" dirty="0">
-                <a:solidFill>
-                  <a:srgbClr val="606060"/>
-                </a:solidFill>
-                <a:latin typeface="Lato"/>
-                <a:ea typeface="Calibri" panose="020F0502020204030204" pitchFamily="34" charset="0"/>
-              </a:rPr>
-              <a:t>הגדרת הצמתים ברשת+ כמה צמתים יש? (נדרש גרף גדול מספיק, לפחות 1000 צמתים</a:t>
-            </a:r>
-            <a:r>
-              <a:rPr lang="he-IL" sz="1000" dirty="0" smtClean="0">
-                <a:solidFill>
-                  <a:srgbClr val="606060"/>
-                </a:solidFill>
-                <a:effectLst/>
-                <a:latin typeface="Calibri" panose="020F0502020204030204" pitchFamily="34" charset="0"/>
-                <a:ea typeface="Calibri" panose="020F0502020204030204" pitchFamily="34" charset="0"/>
-                <a:cs typeface="Lato"/>
-              </a:rPr>
-              <a:t> </a:t>
-            </a:r>
-            <a:r>
-              <a:rPr lang="he-IL" sz="1000" i="1" dirty="0">
-                <a:solidFill>
-                  <a:srgbClr val="606060"/>
-                </a:solidFill>
-                <a:latin typeface="Lato"/>
-                <a:ea typeface="Calibri" panose="020F0502020204030204" pitchFamily="34" charset="0"/>
-              </a:rPr>
-              <a:t>ברכיב הקשירות הגדול</a:t>
-            </a:r>
-            <a:r>
-              <a:rPr lang="he-IL" sz="1000" dirty="0">
-                <a:solidFill>
-                  <a:srgbClr val="606060"/>
-                </a:solidFill>
-                <a:latin typeface="Lato"/>
-                <a:ea typeface="Calibri" panose="020F0502020204030204" pitchFamily="34" charset="0"/>
-              </a:rPr>
-              <a:t>)</a:t>
-            </a:r>
-            <a:endParaRPr lang="en-US" sz="1100" dirty="0" smtClean="0">
-              <a:effectLst/>
-              <a:latin typeface="Calibri" panose="020F0502020204030204" pitchFamily="34" charset="0"/>
-              <a:ea typeface="Calibri" panose="020F0502020204030204" pitchFamily="34" charset="0"/>
-              <a:cs typeface="Arial" panose="020B0604020202020204" pitchFamily="34" charset="0"/>
-            </a:endParaRPr>
-          </a:p>
-          <a:p>
-            <a:pPr marL="742950" lvl="1" indent="-285750">
-              <a:lnSpc>
-                <a:spcPct val="150000"/>
-              </a:lnSpc>
-              <a:spcAft>
-                <a:spcPts val="800"/>
-              </a:spcAft>
-              <a:buFont typeface="+mj-lt"/>
-              <a:buAutoNum type="alphaLcPeriod"/>
-            </a:pPr>
-            <a:r>
-              <a:rPr lang="he-IL" sz="1000" dirty="0">
-                <a:solidFill>
-                  <a:srgbClr val="606060"/>
-                </a:solidFill>
-                <a:latin typeface="Lato"/>
-                <a:ea typeface="Calibri" panose="020F0502020204030204" pitchFamily="34" charset="0"/>
-              </a:rPr>
-              <a:t> </a:t>
-            </a:r>
-            <a:r>
-              <a:rPr lang="he-IL" sz="1000" dirty="0" smtClean="0">
-                <a:solidFill>
-                  <a:srgbClr val="606060"/>
-                </a:solidFill>
-                <a:latin typeface="Lato"/>
-                <a:ea typeface="Calibri" panose="020F0502020204030204" pitchFamily="34" charset="0"/>
-              </a:rPr>
-              <a:t>הגדרת </a:t>
-            </a:r>
-            <a:r>
-              <a:rPr lang="he-IL" sz="1000" dirty="0">
-                <a:solidFill>
-                  <a:srgbClr val="606060"/>
-                </a:solidFill>
-                <a:latin typeface="Lato"/>
-                <a:ea typeface="Calibri" panose="020F0502020204030204" pitchFamily="34" charset="0"/>
-              </a:rPr>
-              <a:t>הקשתות ברשת+ כמה קשתות יש (מכל סוג)? (בהתאמה, לפחות מס' אלפים של צמתים)</a:t>
-            </a:r>
-            <a:endParaRPr lang="en-US" sz="1100" dirty="0" smtClean="0">
-              <a:effectLst/>
-              <a:latin typeface="Calibri" panose="020F0502020204030204" pitchFamily="34" charset="0"/>
-              <a:ea typeface="Calibri" panose="020F0502020204030204" pitchFamily="34" charset="0"/>
-              <a:cs typeface="Arial" panose="020B0604020202020204" pitchFamily="34" charset="0"/>
-            </a:endParaRPr>
-          </a:p>
-          <a:p>
-            <a:pPr marL="742950" lvl="1" indent="-285750">
-              <a:lnSpc>
-                <a:spcPct val="150000"/>
-              </a:lnSpc>
-              <a:spcAft>
-                <a:spcPts val="800"/>
-              </a:spcAft>
-              <a:buFont typeface="+mj-lt"/>
-              <a:buAutoNum type="alphaLcPeriod"/>
-            </a:pPr>
-            <a:r>
-              <a:rPr lang="he-IL" sz="1000" dirty="0">
-                <a:solidFill>
-                  <a:srgbClr val="606060"/>
-                </a:solidFill>
-                <a:latin typeface="Lato"/>
-                <a:ea typeface="Calibri" panose="020F0502020204030204" pitchFamily="34" charset="0"/>
-              </a:rPr>
-              <a:t>תכונות בסיסיות נוספות </a:t>
-            </a:r>
-            <a:r>
-              <a:rPr lang="en-US" sz="1000" dirty="0" smtClean="0">
-                <a:solidFill>
-                  <a:srgbClr val="606060"/>
-                </a:solidFill>
-                <a:effectLst/>
-                <a:latin typeface="Lato"/>
-                <a:ea typeface="Calibri" panose="020F0502020204030204" pitchFamily="34" charset="0"/>
-                <a:cs typeface="Arial" panose="020B0604020202020204" pitchFamily="34" charset="0"/>
-              </a:rPr>
-              <a:t>:</a:t>
-            </a:r>
-            <a:r>
-              <a:rPr lang="he-IL" sz="1000" dirty="0">
-                <a:solidFill>
-                  <a:srgbClr val="606060"/>
-                </a:solidFill>
-                <a:latin typeface="Lato"/>
-                <a:ea typeface="Calibri" panose="020F0502020204030204" pitchFamily="34" charset="0"/>
-              </a:rPr>
-              <a:t>גרף מכוון \ </a:t>
-            </a:r>
-            <a:r>
-              <a:rPr lang="he-IL" sz="1000" dirty="0" err="1">
-                <a:solidFill>
-                  <a:srgbClr val="606060"/>
-                </a:solidFill>
-                <a:latin typeface="Lato"/>
-                <a:ea typeface="Calibri" panose="020F0502020204030204" pitchFamily="34" charset="0"/>
-              </a:rPr>
-              <a:t>מולטיגרף</a:t>
-            </a:r>
-            <a:r>
-              <a:rPr lang="he-IL" sz="1000" dirty="0">
-                <a:solidFill>
-                  <a:srgbClr val="606060"/>
-                </a:solidFill>
-                <a:latin typeface="Lato"/>
-                <a:ea typeface="Calibri" panose="020F0502020204030204" pitchFamily="34" charset="0"/>
-              </a:rPr>
-              <a:t>\מס' רכיבי קשירות\קוטר\...</a:t>
-            </a:r>
-            <a:endParaRPr lang="en-US" sz="1100" dirty="0" smtClean="0">
-              <a:effectLst/>
-              <a:latin typeface="Calibri" panose="020F0502020204030204" pitchFamily="34" charset="0"/>
-              <a:ea typeface="Calibri" panose="020F0502020204030204" pitchFamily="34" charset="0"/>
-              <a:cs typeface="Arial" panose="020B0604020202020204" pitchFamily="34" charset="0"/>
-            </a:endParaRPr>
-          </a:p>
-          <a:p>
-            <a:pPr marL="742950" lvl="1" indent="-285750">
-              <a:lnSpc>
-                <a:spcPct val="150000"/>
-              </a:lnSpc>
-              <a:spcAft>
-                <a:spcPts val="800"/>
-              </a:spcAft>
-              <a:buFont typeface="+mj-lt"/>
-              <a:buAutoNum type="alphaLcPeriod"/>
-            </a:pPr>
-            <a:r>
-              <a:rPr lang="he-IL" sz="1000" dirty="0">
-                <a:solidFill>
-                  <a:srgbClr val="606060"/>
-                </a:solidFill>
-                <a:latin typeface="Lato"/>
-                <a:ea typeface="Calibri" panose="020F0502020204030204" pitchFamily="34" charset="0"/>
-              </a:rPr>
-              <a:t>האם תוכלו להציג את הגרף של כל הרשת\חלק ממנה? חשבו מהי ההצגה המיטבית...</a:t>
-            </a:r>
-            <a:endParaRPr lang="en-US" sz="1100" dirty="0" smtClean="0">
-              <a:effectLst/>
-              <a:latin typeface="Calibri" panose="020F0502020204030204" pitchFamily="34" charset="0"/>
-              <a:ea typeface="Calibri" panose="020F0502020204030204" pitchFamily="34" charset="0"/>
-              <a:cs typeface="Arial" panose="020B0604020202020204" pitchFamily="34" charset="0"/>
-            </a:endParaRPr>
-          </a:p>
-          <a:p>
-            <a:pPr marL="742950" lvl="1" indent="-285750">
-              <a:lnSpc>
-                <a:spcPct val="150000"/>
-              </a:lnSpc>
-              <a:spcAft>
-                <a:spcPts val="800"/>
-              </a:spcAft>
-              <a:buFont typeface="+mj-lt"/>
-              <a:buAutoNum type="alphaLcPeriod"/>
-            </a:pPr>
-            <a:r>
-              <a:rPr lang="he-IL" sz="1000" dirty="0">
-                <a:solidFill>
-                  <a:srgbClr val="606060"/>
-                </a:solidFill>
-                <a:latin typeface="Lato"/>
-                <a:ea typeface="Calibri" panose="020F0502020204030204" pitchFamily="34" charset="0"/>
-              </a:rPr>
-              <a:t>האם הרשת תומכת בתכונת העולם הקטן (</a:t>
-            </a:r>
-            <a:r>
-              <a:rPr lang="en-US" sz="1000" dirty="0" smtClean="0">
-                <a:solidFill>
-                  <a:srgbClr val="606060"/>
-                </a:solidFill>
-                <a:effectLst/>
-                <a:latin typeface="Lato"/>
-                <a:ea typeface="Calibri" panose="020F0502020204030204" pitchFamily="34" charset="0"/>
-                <a:cs typeface="Arial" panose="020B0604020202020204" pitchFamily="34" charset="0"/>
-              </a:rPr>
-              <a:t>small world</a:t>
-            </a:r>
-            <a:r>
-              <a:rPr lang="he-IL" sz="1000" dirty="0">
-                <a:solidFill>
-                  <a:srgbClr val="606060"/>
-                </a:solidFill>
-                <a:latin typeface="Lato"/>
-                <a:ea typeface="Calibri" panose="020F0502020204030204" pitchFamily="34" charset="0"/>
-              </a:rPr>
-              <a:t>)?</a:t>
-            </a:r>
-            <a:endParaRPr lang="en-US" sz="1100" dirty="0" smtClean="0">
-              <a:effectLst/>
-              <a:latin typeface="Calibri" panose="020F0502020204030204" pitchFamily="34" charset="0"/>
-              <a:ea typeface="Calibri" panose="020F0502020204030204" pitchFamily="34" charset="0"/>
-              <a:cs typeface="Arial" panose="020B0604020202020204" pitchFamily="34" charset="0"/>
-            </a:endParaRPr>
-          </a:p>
-          <a:p>
-            <a:pPr marL="742950" lvl="1" indent="-285750">
-              <a:lnSpc>
-                <a:spcPct val="150000"/>
-              </a:lnSpc>
-              <a:spcAft>
-                <a:spcPts val="800"/>
-              </a:spcAft>
-              <a:buFont typeface="+mj-lt"/>
-              <a:buAutoNum type="alphaLcPeriod"/>
-            </a:pPr>
-            <a:r>
-              <a:rPr lang="he-IL" sz="1000" dirty="0">
-                <a:solidFill>
-                  <a:srgbClr val="606060"/>
-                </a:solidFill>
-                <a:latin typeface="Lato"/>
-                <a:ea typeface="Calibri" panose="020F0502020204030204" pitchFamily="34" charset="0"/>
-              </a:rPr>
-              <a:t>מדדי מרכזיות בסיסיים: הראו עבור מס' צמתים והשוו בניהם</a:t>
-            </a:r>
-            <a:endParaRPr lang="en-US" sz="1100" dirty="0" smtClean="0">
-              <a:effectLst/>
-              <a:latin typeface="Calibri" panose="020F0502020204030204" pitchFamily="34" charset="0"/>
-              <a:ea typeface="Calibri" panose="020F0502020204030204" pitchFamily="34" charset="0"/>
-              <a:cs typeface="Arial" panose="020B0604020202020204" pitchFamily="34" charset="0"/>
-            </a:endParaRPr>
-          </a:p>
-          <a:p>
-            <a:pPr marL="742950" lvl="1" indent="-285750">
-              <a:lnSpc>
-                <a:spcPct val="150000"/>
-              </a:lnSpc>
-              <a:spcAft>
-                <a:spcPts val="800"/>
-              </a:spcAft>
-              <a:buFont typeface="+mj-lt"/>
-              <a:buAutoNum type="alphaLcPeriod"/>
-            </a:pPr>
-            <a:r>
-              <a:rPr lang="he-IL" sz="1000" dirty="0" err="1">
-                <a:solidFill>
-                  <a:srgbClr val="606060"/>
-                </a:solidFill>
-                <a:latin typeface="Lato"/>
-                <a:ea typeface="Calibri" panose="020F0502020204030204" pitchFamily="34" charset="0"/>
-              </a:rPr>
-              <a:t>היסטוגרמה</a:t>
-            </a:r>
-            <a:r>
-              <a:rPr lang="he-IL" sz="1000" dirty="0">
-                <a:solidFill>
-                  <a:srgbClr val="606060"/>
-                </a:solidFill>
-                <a:latin typeface="Lato"/>
-                <a:ea typeface="Calibri" panose="020F0502020204030204" pitchFamily="34" charset="0"/>
-              </a:rPr>
-              <a:t> של </a:t>
-            </a:r>
-            <a:r>
-              <a:rPr lang="he-IL" sz="1000" b="1" dirty="0">
-                <a:solidFill>
-                  <a:srgbClr val="606060"/>
-                </a:solidFill>
-                <a:latin typeface="Lato"/>
-                <a:ea typeface="Calibri" panose="020F0502020204030204" pitchFamily="34" charset="0"/>
-              </a:rPr>
-              <a:t>התפלגות</a:t>
-            </a:r>
-            <a:r>
-              <a:rPr lang="he-IL" sz="1000" dirty="0">
-                <a:solidFill>
-                  <a:srgbClr val="606060"/>
-                </a:solidFill>
-                <a:latin typeface="Lato"/>
-                <a:ea typeface="Calibri" panose="020F0502020204030204" pitchFamily="34" charset="0"/>
-              </a:rPr>
-              <a:t> דרגות</a:t>
-            </a:r>
-            <a:endParaRPr lang="en-US" sz="1100" dirty="0">
-              <a:effectLst/>
-              <a:latin typeface="Calibri" panose="020F0502020204030204" pitchFamily="34" charset="0"/>
-              <a:ea typeface="Calibri" panose="020F0502020204030204" pitchFamily="34" charset="0"/>
-              <a:cs typeface="Arial" panose="020B0604020202020204" pitchFamily="34" charset="0"/>
-            </a:endParaRPr>
-          </a:p>
-        </p:txBody>
-      </p:sp>
-      <p:sp>
-        <p:nvSpPr>
-          <p:cNvPr id="3" name="מלבן 2"/>
-          <p:cNvSpPr/>
-          <p:nvPr/>
-        </p:nvSpPr>
-        <p:spPr>
-          <a:xfrm>
-            <a:off x="4282038" y="492423"/>
-            <a:ext cx="7628022" cy="4657685"/>
-          </a:xfrm>
-          <a:prstGeom prst="rect">
-            <a:avLst/>
-          </a:prstGeom>
-        </p:spPr>
-        <p:txBody>
-          <a:bodyPr wrap="square">
-            <a:spAutoFit/>
-          </a:bodyPr>
-          <a:lstStyle/>
-          <a:p>
-            <a:pPr marL="685800" lvl="1" indent="-228600">
-              <a:lnSpc>
-                <a:spcPct val="150000"/>
-              </a:lnSpc>
-              <a:spcAft>
-                <a:spcPts val="800"/>
-              </a:spcAft>
-              <a:buAutoNum type="alphaLcPeriod" startAt="2"/>
-            </a:pPr>
-            <a:r>
-              <a:rPr lang="he-IL" sz="1000" dirty="0" smtClean="0">
-                <a:solidFill>
-                  <a:srgbClr val="606060"/>
-                </a:solidFill>
-                <a:latin typeface="Lato"/>
-                <a:ea typeface="Calibri" panose="020F0502020204030204" pitchFamily="34" charset="0"/>
-              </a:rPr>
-              <a:t>הגדרת </a:t>
-            </a:r>
-            <a:r>
-              <a:rPr lang="he-IL" sz="1000" dirty="0">
-                <a:solidFill>
-                  <a:srgbClr val="606060"/>
-                </a:solidFill>
-                <a:latin typeface="Lato"/>
-                <a:ea typeface="Calibri" panose="020F0502020204030204" pitchFamily="34" charset="0"/>
-              </a:rPr>
-              <a:t>הצמתים ברשת+ כמה צמתים יש? (נדרש גרף גדול מספיק, לפחות 1000 צמתים</a:t>
-            </a:r>
-            <a:r>
-              <a:rPr lang="he-IL" sz="1000" dirty="0">
-                <a:solidFill>
-                  <a:srgbClr val="606060"/>
-                </a:solidFill>
-                <a:latin typeface="Calibri" panose="020F0502020204030204" pitchFamily="34" charset="0"/>
-                <a:ea typeface="Calibri" panose="020F0502020204030204" pitchFamily="34" charset="0"/>
-                <a:cs typeface="Lato"/>
-              </a:rPr>
-              <a:t> </a:t>
-            </a:r>
-            <a:r>
-              <a:rPr lang="he-IL" sz="1000" i="1" dirty="0">
-                <a:solidFill>
-                  <a:srgbClr val="606060"/>
-                </a:solidFill>
-                <a:latin typeface="Lato"/>
-                <a:ea typeface="Calibri" panose="020F0502020204030204" pitchFamily="34" charset="0"/>
-              </a:rPr>
-              <a:t>ברכיב הקשירות הגדול</a:t>
-            </a:r>
-            <a:r>
-              <a:rPr lang="he-IL" sz="1000" dirty="0" smtClean="0">
-                <a:solidFill>
-                  <a:srgbClr val="606060"/>
-                </a:solidFill>
-                <a:latin typeface="Lato"/>
-                <a:ea typeface="Calibri" panose="020F0502020204030204" pitchFamily="34" charset="0"/>
-              </a:rPr>
-              <a:t>):</a:t>
-            </a:r>
-          </a:p>
           <a:p>
             <a:pPr lvl="1">
               <a:lnSpc>
@@ -4127,29 +3871,6 @@
               </a:spcAft>
             </a:pPr>
             <a:r>
-              <a:rPr lang="he-IL" sz="1000" dirty="0" smtClean="0">
-                <a:solidFill>
-                  <a:srgbClr val="606060"/>
-                </a:solidFill>
-                <a:latin typeface="Lato"/>
-                <a:ea typeface="Calibri" panose="020F0502020204030204" pitchFamily="34" charset="0"/>
-                <a:cs typeface="Arial" panose="020B0604020202020204" pitchFamily="34" charset="0"/>
-              </a:rPr>
-              <a:t>בגרף יש 5881 צמתים כאשר כל צומת מייצג משתמש בפלטפורמה.</a:t>
-            </a:r>
-          </a:p>
-          <a:p>
-            <a:pPr marL="685800" lvl="1" indent="-228600">
-              <a:lnSpc>
-                <a:spcPct val="150000"/>
-              </a:lnSpc>
-              <a:spcAft>
-                <a:spcPts val="800"/>
-              </a:spcAft>
-              <a:buFontTx/>
-              <a:buAutoNum type="alphaLcPeriod" startAt="3"/>
-            </a:pPr>
-            <a:r>
               <a:rPr lang="he-IL" sz="1000" dirty="0">
                 <a:solidFill>
                   <a:srgbClr val="606060"/>
@@ -4157,17 +3878,7 @@
                 <a:latin typeface="Lato"/>
                 <a:ea typeface="Calibri" panose="020F0502020204030204" pitchFamily="34" charset="0"/>
               </a:rPr>
-              <a:t>הגדרת הקשתות ברשת+ כמה קשתות יש (מכל סוג)? (בהתאמה, לפחות מס' אלפים של צמתים</a:t>
-            </a:r>
-            <a:r>
-              <a:rPr lang="he-IL" sz="1000" dirty="0" smtClean="0">
-                <a:solidFill>
-                  <a:srgbClr val="606060"/>
-                </a:solidFill>
-                <a:latin typeface="Lato"/>
-                <a:ea typeface="Calibri" panose="020F0502020204030204" pitchFamily="34" charset="0"/>
-              </a:rPr>
-              <a:t>):</a:t>
+              <a:t>בגרף המקורי יש 5881 צמתים ו- 35,592.</a:t>
             </a:r>
           </a:p>
           <a:p>
@@ -4188,29 +3899,7 @@
                 <a:ea typeface="Calibri" panose="020F0502020204030204" pitchFamily="34" charset="0"/>
                 <a:cs typeface="Arial" panose="020B0604020202020204" pitchFamily="34" charset="0"/>
               </a:rPr>
-              <a:t>בגרף יש 35,592 </a:t>
-            </a:r>
-            <a:r>
-              <a:rPr lang="he-IL" sz="1000" dirty="0" smtClean="0">
-                <a:solidFill>
-                  <a:srgbClr val="606060"/>
-                </a:solidFill>
-                <a:latin typeface="Lato"/>
-                <a:ea typeface="Calibri" panose="020F0502020204030204" pitchFamily="34" charset="0"/>
-                <a:cs typeface="Arial" panose="020B0604020202020204" pitchFamily="34" charset="0"/>
-              </a:rPr>
-              <a:t>קשתות כאשר </a:t>
-            </a:r>
-            <a:r>
-              <a:rPr lang="he-IL" sz="1000" dirty="0" smtClean="0">
-                <a:solidFill>
-                  <a:srgbClr val="606060"/>
-                </a:solidFill>
-                <a:latin typeface="Lato"/>
-                <a:ea typeface="Calibri" panose="020F0502020204030204" pitchFamily="34" charset="0"/>
-                <a:cs typeface="Arial" panose="020B0604020202020204" pitchFamily="34" charset="0"/>
-              </a:rPr>
-              <a:t>כל קשת מייצגת דירוג שנתן משתמש אחד למשתמש שני.</a:t>
+              <a:t>הוא מכיל כ-1144 רכיבי קשירות.</a:t>
             </a:r>
           </a:p>
           <a:p>
@@ -4229,10 +3918,107 @@
                 </a:solidFill>
                 <a:latin typeface="Lato"/>
                 <a:ea typeface="Calibri" panose="020F0502020204030204" pitchFamily="34" charset="0"/>
-                <a:cs typeface="Arial" panose="020B0604020202020204" pitchFamily="34" charset="0"/>
-              </a:rPr>
-              <a:t>הקשתות ממושקלות – משקל כל קשת הוא הדירוג שניתן – בטווח בין -10 ל 10.</a:t>
-            </a:r>
+              </a:rPr>
+              <a:t>הרכיב </a:t>
+            </a:r>
+            <a:r>
+              <a:rPr lang="he-IL" sz="1000" dirty="0" err="1" smtClean="0">
+                <a:solidFill>
+                  <a:srgbClr val="606060"/>
+                </a:solidFill>
+                <a:latin typeface="Lato"/>
+                <a:ea typeface="Calibri" panose="020F0502020204030204" pitchFamily="34" charset="0"/>
+              </a:rPr>
+              <a:t>הקשיר</a:t>
+            </a:r>
+            <a:r>
+              <a:rPr lang="he-IL" sz="1000" dirty="0" smtClean="0">
+                <a:solidFill>
+                  <a:srgbClr val="606060"/>
+                </a:solidFill>
+                <a:latin typeface="Lato"/>
+                <a:ea typeface="Calibri" panose="020F0502020204030204" pitchFamily="34" charset="0"/>
+              </a:rPr>
+              <a:t> </a:t>
+            </a:r>
+            <a:r>
+              <a:rPr lang="he-IL" sz="1000" dirty="0">
+                <a:solidFill>
+                  <a:srgbClr val="606060"/>
+                </a:solidFill>
+                <a:latin typeface="Lato"/>
+                <a:ea typeface="Calibri" panose="020F0502020204030204" pitchFamily="34" charset="0"/>
+              </a:rPr>
+              <a:t>הגדול </a:t>
+            </a:r>
+            <a:r>
+              <a:rPr lang="he-IL" sz="1000" dirty="0" smtClean="0">
+                <a:solidFill>
+                  <a:srgbClr val="606060"/>
+                </a:solidFill>
+                <a:latin typeface="Lato"/>
+                <a:ea typeface="Calibri" panose="020F0502020204030204" pitchFamily="34" charset="0"/>
+              </a:rPr>
+              <a:t>ביותר הוא עיקר הגרף </a:t>
+            </a:r>
+            <a:r>
+              <a:rPr lang="he-IL" sz="1000" dirty="0">
+                <a:solidFill>
+                  <a:srgbClr val="606060"/>
+                </a:solidFill>
+                <a:latin typeface="Lato"/>
+                <a:ea typeface="Calibri" panose="020F0502020204030204" pitchFamily="34" charset="0"/>
+              </a:rPr>
+              <a:t>ולכן הרכיבי קשירות הקטנים והבודדים פחות </a:t>
+            </a:r>
+            <a:r>
+              <a:rPr lang="he-IL" sz="1000" dirty="0" err="1" smtClean="0">
+                <a:solidFill>
+                  <a:srgbClr val="606060"/>
+                </a:solidFill>
+                <a:latin typeface="Lato"/>
+                <a:ea typeface="Calibri" panose="020F0502020204030204" pitchFamily="34" charset="0"/>
+              </a:rPr>
+              <a:t>רלוונטים</a:t>
+            </a:r>
+            <a:r>
+              <a:rPr lang="he-IL" sz="1000" dirty="0" smtClean="0">
+                <a:solidFill>
+                  <a:srgbClr val="606060"/>
+                </a:solidFill>
+                <a:latin typeface="Lato"/>
+                <a:ea typeface="Calibri" panose="020F0502020204030204" pitchFamily="34" charset="0"/>
+              </a:rPr>
+              <a:t> </a:t>
+            </a:r>
+            <a:r>
+              <a:rPr lang="he-IL" sz="1000" dirty="0">
+                <a:solidFill>
+                  <a:srgbClr val="606060"/>
+                </a:solidFill>
+                <a:latin typeface="Lato"/>
+                <a:ea typeface="Calibri" panose="020F0502020204030204" pitchFamily="34" charset="0"/>
+              </a:rPr>
+              <a:t>ותורמים למחקר</a:t>
+            </a:r>
+            <a:r>
+              <a:rPr lang="he-IL" sz="1000" dirty="0" smtClean="0">
+                <a:solidFill>
+                  <a:srgbClr val="606060"/>
+                </a:solidFill>
+                <a:latin typeface="Lato"/>
+                <a:ea typeface="Calibri" panose="020F0502020204030204" pitchFamily="34" charset="0"/>
+              </a:rPr>
+              <a:t>.</a:t>
+            </a:r>
+            <a:endParaRPr lang="he-IL" sz="1000" dirty="0" smtClean="0">
+              <a:solidFill>
+                <a:srgbClr val="606060"/>
+              </a:solidFill>
+              <a:latin typeface="Lato"/>
+              <a:ea typeface="Calibri" panose="020F0502020204030204" pitchFamily="34" charset="0"/>
+              <a:cs typeface="Arial" panose="020B0604020202020204" pitchFamily="34" charset="0"/>
+            </a:endParaRPr>
           </a:p>
           <a:p>
             <a:pPr lvl="1">
@@ -4244,26 +4030,14 @@
               </a:spcAft>
             </a:pPr>
             <a:r>
-              <a:rPr lang="en-US" sz="1000" dirty="0" smtClean="0">
-                <a:solidFill>
-                  <a:srgbClr val="606060"/>
-                </a:solidFill>
-                <a:latin typeface="Lato"/>
-                <a:ea typeface="Calibri" panose="020F0502020204030204" pitchFamily="34" charset="0"/>
-                <a:cs typeface="Arial" panose="020B0604020202020204" pitchFamily="34" charset="0"/>
-              </a:rPr>
-              <a:t>d</a:t>
-            </a:r>
-            <a:r>
-              <a:rPr lang="he-IL" sz="1000" dirty="0" smtClean="0">
-                <a:solidFill>
-                  <a:srgbClr val="606060"/>
-                </a:solidFill>
-                <a:latin typeface="Lato"/>
-                <a:ea typeface="Calibri" panose="020F0502020204030204" pitchFamily="34" charset="0"/>
-                <a:cs typeface="Arial" panose="020B0604020202020204" pitchFamily="34" charset="0"/>
-              </a:rPr>
-              <a:t>. </a:t>
+              <a:rPr lang="he-IL" sz="1000" dirty="0" smtClean="0">
+                <a:solidFill>
+                  <a:srgbClr val="606060"/>
+                </a:solidFill>
+                <a:latin typeface="Lato"/>
+                <a:ea typeface="Calibri" panose="020F0502020204030204" pitchFamily="34" charset="0"/>
+              </a:rPr>
+              <a:t>על </a:t>
             </a:r>
             <a:r>
               <a:rPr lang="he-IL" sz="1000" dirty="0">
@@ -4273,18 +4047,17 @@
                 <a:latin typeface="Lato"/>
                 <a:ea typeface="Calibri" panose="020F0502020204030204" pitchFamily="34" charset="0"/>
               </a:rPr>
-              <a:t>תכונות בסיסיות נוספות </a:t>
-            </a:r>
-            <a:r>
-              <a:rPr lang="en-US" sz="1000" dirty="0">
-                <a:solidFill>
-                  <a:srgbClr val="606060"/>
-                </a:solidFill>
-                <a:latin typeface="Lato"/>
-                <a:ea typeface="Calibri" panose="020F0502020204030204" pitchFamily="34" charset="0"/>
-                <a:cs typeface="Arial" panose="020B0604020202020204" pitchFamily="34" charset="0"/>
-              </a:rPr>
-              <a:t>:</a:t>
+              <a:t>מנת לספק הצגה מיטבית, נציג רק את הרכיב </a:t>
+            </a:r>
+            <a:r>
+              <a:rPr lang="he-IL" sz="1000" dirty="0" err="1">
+                <a:solidFill>
+                  <a:srgbClr val="606060"/>
+                </a:solidFill>
+                <a:latin typeface="Lato"/>
+                <a:ea typeface="Calibri" panose="020F0502020204030204" pitchFamily="34" charset="0"/>
+              </a:rPr>
+              <a:t>הקשיר</a:t>
             </a:r>
             <a:r>
               <a:rPr lang="he-IL" sz="1000" dirty="0">
@@ -4294,43 +4067,18 @@
                 <a:latin typeface="Lato"/>
                 <a:ea typeface="Calibri" panose="020F0502020204030204" pitchFamily="34" charset="0"/>
               </a:rPr>
-              <a:t>גרף מכוון \ </a:t>
-            </a:r>
-            <a:r>
-              <a:rPr lang="he-IL" sz="1000" dirty="0" err="1">
-                <a:solidFill>
-                  <a:srgbClr val="606060"/>
-                </a:solidFill>
-                <a:latin typeface="Lato"/>
-                <a:ea typeface="Calibri" panose="020F0502020204030204" pitchFamily="34" charset="0"/>
-              </a:rPr>
-              <a:t>מולטיגרף</a:t>
-            </a:r>
-            <a:r>
-              <a:rPr lang="he-IL" sz="1000" dirty="0">
-                <a:solidFill>
-                  <a:srgbClr val="606060"/>
-                </a:solidFill>
-                <a:latin typeface="Lato"/>
-                <a:ea typeface="Calibri" panose="020F0502020204030204" pitchFamily="34" charset="0"/>
-              </a:rPr>
-              <a:t>\מס' רכיבי קשירות\קוטר</a:t>
-            </a:r>
-            <a:r>
-              <a:rPr lang="he-IL" sz="1000" dirty="0" smtClean="0">
-                <a:solidFill>
-                  <a:srgbClr val="606060"/>
-                </a:solidFill>
-                <a:latin typeface="Lato"/>
-                <a:ea typeface="Calibri" panose="020F0502020204030204" pitchFamily="34" charset="0"/>
-              </a:rPr>
-              <a:t>\...:</a:t>
-            </a:r>
-            <a:endParaRPr lang="en-US" sz="1100" dirty="0">
-              <a:latin typeface="Calibri" panose="020F0502020204030204" pitchFamily="34" charset="0"/>
-              <a:ea typeface="Calibri" panose="020F0502020204030204" pitchFamily="34" charset="0"/>
-              <a:cs typeface="Arial" panose="020B0604020202020204" pitchFamily="34" charset="0"/>
-            </a:endParaRPr>
+              <a:t> החזק הגדול </a:t>
+            </a:r>
+            <a:r>
+              <a:rPr lang="he-IL" sz="1000" dirty="0" smtClean="0">
+                <a:solidFill>
+                  <a:srgbClr val="606060"/>
+                </a:solidFill>
+                <a:latin typeface="Lato"/>
+                <a:ea typeface="Calibri" panose="020F0502020204030204" pitchFamily="34" charset="0"/>
+              </a:rPr>
+              <a:t>ביותר, ומעתה ההתייחסות לגרף תהיה ההתייחסות לרכיב זה.</a:t>
+            </a:r>
           </a:p>
           <a:p>
             <a:pPr lvl="1">
@@ -4350,10 +4098,10 @@
                 <a:ea typeface="Calibri" panose="020F0502020204030204" pitchFamily="34" charset="0"/>
                 <a:cs typeface="Arial" panose="020B0604020202020204" pitchFamily="34" charset="0"/>
               </a:rPr>
-              <a:t>הגרף הוא גרף מכוון כאשר משתמש </a:t>
-            </a:r>
-            <a:r>
-              <a:rPr lang="en-US" sz="1000" dirty="0" smtClean="0">
+              <a:t>בגרף </a:t>
+            </a:r>
+            <a:r>
+              <a:rPr lang="he-IL" sz="1000" dirty="0" smtClean="0">
                 <a:solidFill>
                   <a:srgbClr val="606060"/>
                 </a:solidFill>
@@ -4361,7 +4109,7 @@
                 <a:ea typeface="Calibri" panose="020F0502020204030204" pitchFamily="34" charset="0"/>
                 <a:cs typeface="Arial" panose="020B0604020202020204" pitchFamily="34" charset="0"/>
               </a:rPr>
-              <a:t>X</a:t>
+              <a:t>יש </a:t>
             </a:r>
             <a:r>
               <a:rPr lang="he-IL" sz="1000" dirty="0" smtClean="0">
@@ -4372,7 +4120,7 @@
                 <a:ea typeface="Calibri" panose="020F0502020204030204" pitchFamily="34" charset="0"/>
                 <a:cs typeface="Arial" panose="020B0604020202020204" pitchFamily="34" charset="0"/>
               </a:rPr>
-              <a:t> </a:t>
+              <a:t>4709 </a:t>
             </a:r>
             <a:r>
               <a:rPr lang="he-IL" sz="1000" dirty="0" smtClean="0">
@@ -4383,57 +4131,8 @@
                 <a:ea typeface="Calibri" panose="020F0502020204030204" pitchFamily="34" charset="0"/>
                 <a:cs typeface="Arial" panose="020B0604020202020204" pitchFamily="34" charset="0"/>
               </a:rPr>
-              <a:t>נותן דירוג 8 למשתמש </a:t>
-            </a:r>
-            <a:r>
-              <a:rPr lang="en-US" sz="1000" dirty="0" smtClean="0">
-                <a:solidFill>
-                  <a:srgbClr val="606060"/>
-                </a:solidFill>
-                <a:latin typeface="Lato"/>
-                <a:ea typeface="Calibri" panose="020F0502020204030204" pitchFamily="34" charset="0"/>
-                <a:cs typeface="Arial" panose="020B0604020202020204" pitchFamily="34" charset="0"/>
-              </a:rPr>
-              <a:t>Y</a:t>
-            </a:r>
-            <a:r>
-              <a:rPr lang="he-IL" sz="1000" dirty="0" smtClean="0">
-                <a:solidFill>
-                  <a:srgbClr val="606060"/>
-                </a:solidFill>
-                <a:latin typeface="Lato"/>
-                <a:ea typeface="Calibri" panose="020F0502020204030204" pitchFamily="34" charset="0"/>
-                <a:cs typeface="Arial" panose="020B0604020202020204" pitchFamily="34" charset="0"/>
-              </a:rPr>
-              <a:t> אז תיווצר קשת</a:t>
-            </a:r>
-            <a:r>
-              <a:rPr lang="en-US" sz="1000" dirty="0" smtClean="0">
-                <a:solidFill>
-                  <a:srgbClr val="606060"/>
-                </a:solidFill>
-                <a:latin typeface="Lato"/>
-                <a:ea typeface="Calibri" panose="020F0502020204030204" pitchFamily="34" charset="0"/>
-                <a:cs typeface="Arial" panose="020B0604020202020204" pitchFamily="34" charset="0"/>
-              </a:rPr>
-              <a:t>X,Y,8]</a:t>
-            </a:r>
-            <a:r>
-              <a:rPr lang="he-IL" sz="1000" dirty="0" smtClean="0">
-                <a:solidFill>
-                  <a:srgbClr val="606060"/>
-                </a:solidFill>
-                <a:latin typeface="Lato"/>
-                <a:ea typeface="Calibri" panose="020F0502020204030204" pitchFamily="34" charset="0"/>
-                <a:cs typeface="Arial" panose="020B0604020202020204" pitchFamily="34" charset="0"/>
-              </a:rPr>
-              <a:t>.</a:t>
-            </a:r>
-            <a:endParaRPr lang="en-US" sz="1100" dirty="0">
-              <a:latin typeface="Calibri" panose="020F0502020204030204" pitchFamily="34" charset="0"/>
-              <a:ea typeface="Calibri" panose="020F0502020204030204" pitchFamily="34" charset="0"/>
-              <a:cs typeface="Arial" panose="020B0604020202020204" pitchFamily="34" charset="0"/>
-            </a:endParaRPr>
+              <a:t>צמתים כאשר כל צומת מייצג משתמש בפלטפורמה.</a:t>
+            </a:r>
           </a:p>
           <a:p>
             <a:pPr lvl="1">
@@ -4453,7 +4152,7 @@
                 <a:ea typeface="Calibri" panose="020F0502020204030204" pitchFamily="34" charset="0"/>
                 <a:cs typeface="Arial" panose="020B0604020202020204" pitchFamily="34" charset="0"/>
               </a:rPr>
-              <a:t>צביעת </a:t>
+              <a:t>בגרף </a:t>
             </a:r>
             <a:r>
               <a:rPr lang="he-IL" sz="1000" dirty="0" smtClean="0">
@@ -4464,7 +4163,7 @@
                 <a:ea typeface="Calibri" panose="020F0502020204030204" pitchFamily="34" charset="0"/>
                 <a:cs typeface="Arial" panose="020B0604020202020204" pitchFamily="34" charset="0"/>
               </a:rPr>
-              <a:t>קדקודים – הקודקודים נצבעים לפי נרמול ממוצע הדירוגים של כל משתמש  - איפה הוא ממוקם בטווח</a:t>
+              <a:t>יש </a:t>
             </a:r>
             <a:r>
               <a:rPr lang="he-IL" sz="1000" dirty="0" smtClean="0">
@@ -4475,7 +4174,18 @@
                 <a:ea typeface="Calibri" panose="020F0502020204030204" pitchFamily="34" charset="0"/>
                 <a:cs typeface="Arial" panose="020B0604020202020204" pitchFamily="34" charset="0"/>
               </a:rPr>
-              <a:t>.</a:t>
+              <a:t>33,461 </a:t>
+            </a:r>
+            <a:r>
+              <a:rPr lang="he-IL" sz="1000" dirty="0" smtClean="0">
+                <a:solidFill>
+                  <a:srgbClr val="606060"/>
+                </a:solidFill>
+                <a:latin typeface="Lato"/>
+                <a:ea typeface="Calibri" panose="020F0502020204030204" pitchFamily="34" charset="0"/>
+                <a:cs typeface="Arial" panose="020B0604020202020204" pitchFamily="34" charset="0"/>
+              </a:rPr>
+              <a:t>קשתות כאשר כל קשת מייצגת דירוג שנתן משתמש אחד למשתמש שני.</a:t>
             </a:r>
           </a:p>
           <a:p>
@@ -4496,10 +4206,10 @@
                 <a:ea typeface="Calibri" panose="020F0502020204030204" pitchFamily="34" charset="0"/>
                 <a:cs typeface="Arial" panose="020B0604020202020204" pitchFamily="34" charset="0"/>
               </a:rPr>
-              <a:t>דרגה מינימלית, מקסימלית, </a:t>
-            </a:r>
-            <a:r>
-              <a:rPr lang="he-IL" sz="1000" dirty="0" err="1" smtClean="0">
+              <a:t>הקשתות ממושקלות </a:t>
+            </a:r>
+            <a:r>
+              <a:rPr lang="he-IL" sz="1000" dirty="0" smtClean="0">
                 <a:solidFill>
                   <a:srgbClr val="606060"/>
                 </a:solidFill>
@@ -4507,7 +4217,7 @@
                 <a:ea typeface="Calibri" panose="020F0502020204030204" pitchFamily="34" charset="0"/>
                 <a:cs typeface="Arial" panose="020B0604020202020204" pitchFamily="34" charset="0"/>
               </a:rPr>
-              <a:t>בטווינס</a:t>
+              <a:t>- </a:t>
             </a:r>
             <a:r>
               <a:rPr lang="he-IL" sz="1000" dirty="0" smtClean="0">
@@ -4518,10 +4228,10 @@
                 <a:ea typeface="Calibri" panose="020F0502020204030204" pitchFamily="34" charset="0"/>
                 <a:cs typeface="Arial" panose="020B0604020202020204" pitchFamily="34" charset="0"/>
               </a:rPr>
-              <a:t>, </a:t>
-            </a:r>
-            <a:r>
-              <a:rPr lang="he-IL" sz="1000" dirty="0" err="1" smtClean="0">
+              <a:t>משקל </a:t>
+            </a:r>
+            <a:r>
+              <a:rPr lang="he-IL" sz="1000" dirty="0" smtClean="0">
                 <a:solidFill>
                   <a:srgbClr val="606060"/>
                 </a:solidFill>
@@ -4529,7 +4239,7 @@
                 <a:ea typeface="Calibri" panose="020F0502020204030204" pitchFamily="34" charset="0"/>
                 <a:cs typeface="Arial" panose="020B0604020202020204" pitchFamily="34" charset="0"/>
               </a:rPr>
-              <a:t>קלוזנס</a:t>
+              <a:t>כל קשת הוא הדירוג שניתן </a:t>
             </a:r>
             <a:r>
               <a:rPr lang="he-IL" sz="1000" dirty="0" smtClean="0">
@@ -4540,28 +4250,10 @@
                 <a:ea typeface="Calibri" panose="020F0502020204030204" pitchFamily="34" charset="0"/>
                 <a:cs typeface="Arial" panose="020B0604020202020204" pitchFamily="34" charset="0"/>
               </a:rPr>
-              <a:t>.</a:t>
-            </a:r>
-            <a:endParaRPr lang="he-IL" sz="1000" dirty="0" smtClean="0">
-              <a:solidFill>
-                <a:srgbClr val="606060"/>
-              </a:solidFill>
-              <a:latin typeface="Lato"/>
-              <a:ea typeface="Calibri" panose="020F0502020204030204" pitchFamily="34" charset="0"/>
-              <a:cs typeface="Arial" panose="020B0604020202020204" pitchFamily="34" charset="0"/>
-            </a:endParaRPr>
-          </a:p>
-          <a:p>
-            <a:pPr lvl="1">
-              <a:lnSpc>
-                <a:spcPct val="150000"/>
-              </a:lnSpc>
-              <a:spcAft>
-                <a:spcPts val="800"/>
-              </a:spcAft>
-            </a:pPr>
-            <a:r>
-              <a:rPr lang="en-US" sz="1000" dirty="0" smtClean="0">
+              <a:t> </a:t>
+            </a:r>
+            <a:r>
+              <a:rPr lang="he-IL" sz="1000" dirty="0" smtClean="0">
                 <a:solidFill>
                   <a:srgbClr val="606060"/>
                 </a:solidFill>
@@ -4569,167 +4261,7 @@
                 <a:ea typeface="Calibri" panose="020F0502020204030204" pitchFamily="34" charset="0"/>
                 <a:cs typeface="Arial" panose="020B0604020202020204" pitchFamily="34" charset="0"/>
               </a:rPr>
-              <a:t>e</a:t>
-            </a:r>
-            <a:r>
-              <a:rPr lang="he-IL" sz="1000" dirty="0" smtClean="0">
-                <a:solidFill>
-                  <a:srgbClr val="606060"/>
-                </a:solidFill>
-                <a:latin typeface="Lato"/>
-                <a:ea typeface="Calibri" panose="020F0502020204030204" pitchFamily="34" charset="0"/>
-                <a:cs typeface="Arial" panose="020B0604020202020204" pitchFamily="34" charset="0"/>
-              </a:rPr>
-              <a:t>. על מנת לספק הצגה מיטבית, נציג רק את הרכיב </a:t>
-            </a:r>
-            <a:r>
-              <a:rPr lang="he-IL" sz="1000" dirty="0" err="1" smtClean="0">
-                <a:solidFill>
-                  <a:srgbClr val="606060"/>
-                </a:solidFill>
-                <a:latin typeface="Lato"/>
-                <a:ea typeface="Calibri" panose="020F0502020204030204" pitchFamily="34" charset="0"/>
-                <a:cs typeface="Arial" panose="020B0604020202020204" pitchFamily="34" charset="0"/>
-              </a:rPr>
-              <a:t>הקשיר</a:t>
-            </a:r>
-            <a:r>
-              <a:rPr lang="he-IL" sz="1000" dirty="0" smtClean="0">
-                <a:solidFill>
-                  <a:srgbClr val="606060"/>
-                </a:solidFill>
-                <a:latin typeface="Lato"/>
-                <a:ea typeface="Calibri" panose="020F0502020204030204" pitchFamily="34" charset="0"/>
-                <a:cs typeface="Arial" panose="020B0604020202020204" pitchFamily="34" charset="0"/>
-              </a:rPr>
-              <a:t> החזק הגדול ביותר – בעל </a:t>
-            </a:r>
-            <a:r>
-              <a:rPr lang="en-US" sz="1000" dirty="0" smtClean="0">
-                <a:solidFill>
-                  <a:srgbClr val="606060"/>
-                </a:solidFill>
-                <a:latin typeface="Lato"/>
-                <a:ea typeface="Calibri" panose="020F0502020204030204" pitchFamily="34" charset="0"/>
-                <a:cs typeface="Arial" panose="020B0604020202020204" pitchFamily="34" charset="0"/>
-              </a:rPr>
-              <a:t>X</a:t>
-            </a:r>
-            <a:r>
-              <a:rPr lang="he-IL" sz="1000" dirty="0" smtClean="0">
-                <a:solidFill>
-                  <a:srgbClr val="606060"/>
-                </a:solidFill>
-                <a:latin typeface="Lato"/>
-                <a:ea typeface="Calibri" panose="020F0502020204030204" pitchFamily="34" charset="0"/>
-                <a:cs typeface="Arial" panose="020B0604020202020204" pitchFamily="34" charset="0"/>
-              </a:rPr>
-              <a:t> קדקודים ו-</a:t>
-            </a:r>
-            <a:r>
-              <a:rPr lang="en-US" sz="1000" dirty="0" smtClean="0">
-                <a:solidFill>
-                  <a:srgbClr val="606060"/>
-                </a:solidFill>
-                <a:latin typeface="Lato"/>
-                <a:ea typeface="Calibri" panose="020F0502020204030204" pitchFamily="34" charset="0"/>
-                <a:cs typeface="Arial" panose="020B0604020202020204" pitchFamily="34" charset="0"/>
-              </a:rPr>
-              <a:t>X</a:t>
-            </a:r>
-            <a:r>
-              <a:rPr lang="he-IL" sz="1000" dirty="0" smtClean="0">
-                <a:solidFill>
-                  <a:srgbClr val="606060"/>
-                </a:solidFill>
-                <a:latin typeface="Lato"/>
-                <a:ea typeface="Calibri" panose="020F0502020204030204" pitchFamily="34" charset="0"/>
-                <a:cs typeface="Arial" panose="020B0604020202020204" pitchFamily="34" charset="0"/>
-              </a:rPr>
-              <a:t> צלעות</a:t>
-            </a:r>
-            <a:r>
-              <a:rPr lang="he-IL" sz="1000" dirty="0" smtClean="0">
-                <a:solidFill>
-                  <a:srgbClr val="606060"/>
-                </a:solidFill>
-                <a:latin typeface="Lato"/>
-                <a:ea typeface="Calibri" panose="020F0502020204030204" pitchFamily="34" charset="0"/>
-                <a:cs typeface="Arial" panose="020B0604020202020204" pitchFamily="34" charset="0"/>
-              </a:rPr>
-              <a:t>.</a:t>
-            </a:r>
-          </a:p>
-          <a:p>
-            <a:pPr lvl="1">
-              <a:lnSpc>
-                <a:spcPct val="150000"/>
-              </a:lnSpc>
-              <a:spcAft>
-                <a:spcPts val="800"/>
-              </a:spcAft>
-            </a:pPr>
-            <a:r>
-              <a:rPr lang="he-IL" sz="1000" dirty="0" smtClean="0">
-                <a:solidFill>
-                  <a:srgbClr val="606060"/>
-                </a:solidFill>
-                <a:latin typeface="Lato"/>
-                <a:ea typeface="Calibri" panose="020F0502020204030204" pitchFamily="34" charset="0"/>
-                <a:cs typeface="Arial" panose="020B0604020202020204" pitchFamily="34" charset="0"/>
-              </a:rPr>
-              <a:t>רוב הגרף מורכב מהרכיב </a:t>
-            </a:r>
-            <a:r>
-              <a:rPr lang="he-IL" sz="1000" dirty="0" err="1" smtClean="0">
-                <a:solidFill>
-                  <a:srgbClr val="606060"/>
-                </a:solidFill>
-                <a:latin typeface="Lato"/>
-                <a:ea typeface="Calibri" panose="020F0502020204030204" pitchFamily="34" charset="0"/>
-                <a:cs typeface="Arial" panose="020B0604020202020204" pitchFamily="34" charset="0"/>
-              </a:rPr>
-              <a:t>הקשיר</a:t>
-            </a:r>
-            <a:r>
-              <a:rPr lang="he-IL" sz="1000" dirty="0" smtClean="0">
-                <a:solidFill>
-                  <a:srgbClr val="606060"/>
-                </a:solidFill>
-                <a:latin typeface="Lato"/>
-                <a:ea typeface="Calibri" panose="020F0502020204030204" pitchFamily="34" charset="0"/>
-                <a:cs typeface="Arial" panose="020B0604020202020204" pitchFamily="34" charset="0"/>
-              </a:rPr>
-              <a:t> הגדול ביותר ולכן הרכיבי קשירות הקטנים והבודדים פחות מעניינים ותורמים למחקר.</a:t>
-            </a:r>
-            <a:endParaRPr lang="he-IL" sz="1000" dirty="0" smtClean="0">
-              <a:solidFill>
-                <a:srgbClr val="606060"/>
-              </a:solidFill>
-              <a:latin typeface="Lato"/>
-              <a:ea typeface="Calibri" panose="020F0502020204030204" pitchFamily="34" charset="0"/>
-              <a:cs typeface="Arial" panose="020B0604020202020204" pitchFamily="34" charset="0"/>
-            </a:endParaRPr>
-          </a:p>
-          <a:p>
-            <a:pPr lvl="1">
-              <a:lnSpc>
-                <a:spcPct val="150000"/>
-              </a:lnSpc>
-              <a:spcAft>
-                <a:spcPts val="800"/>
-              </a:spcAft>
-            </a:pPr>
-            <a:r>
-              <a:rPr lang="he-IL" sz="1000" dirty="0" smtClean="0">
-                <a:solidFill>
-                  <a:srgbClr val="606060"/>
-                </a:solidFill>
-                <a:latin typeface="Lato"/>
-                <a:ea typeface="Calibri" panose="020F0502020204030204" pitchFamily="34" charset="0"/>
-                <a:cs typeface="Arial" panose="020B0604020202020204" pitchFamily="34" charset="0"/>
-              </a:rPr>
-              <a:t> </a:t>
+              <a:t>בטווח בין -10 ל 10.</a:t>
             </a:r>
           </a:p>
           <a:p>
@@ -4771,707 +4303,36 @@
           </a:p>
         </p:txBody>
       </p:sp>
-      <p:graphicFrame>
-        <p:nvGraphicFramePr>
-          <p:cNvPr id="5" name="Google Shape;60;p13"/>
-          <p:cNvGraphicFramePr/>
-          <p:nvPr>
-            <p:extLst>
-              <p:ext uri="{D42A27DB-BD31-4B8C-83A1-F6EECF244321}">
-                <p14:modId xmlns:p14="http://schemas.microsoft.com/office/powerpoint/2010/main" val="3262314261"/>
-              </p:ext>
-            </p:extLst>
-          </p:nvPr>
-        </p:nvGraphicFramePr>
-        <p:xfrm>
-          <a:off x="4282038" y="5003494"/>
-          <a:ext cx="7239000" cy="1005810"/>
-        </p:xfrm>
-        <a:graphic>
-          <a:graphicData uri="http://schemas.openxmlformats.org/drawingml/2006/table">
-            <a:tbl>
-              <a:tblPr>
-                <a:noFill/>
-              </a:tblPr>
-              <a:tblGrid>
-                <a:gridCol w="1206500">
-                  <a:extLst>
-                    <a:ext uri="{9D8B030D-6E8A-4147-A177-3AD203B41FA5}">
-                      <a16:colId xmlns:a16="http://schemas.microsoft.com/office/drawing/2014/main" val="20000"/>
-                    </a:ext>
-                  </a:extLst>
-                </a:gridCol>
-                <a:gridCol w="1206500">
-                  <a:extLst>
-                    <a:ext uri="{9D8B030D-6E8A-4147-A177-3AD203B41FA5}">
-                      <a16:colId xmlns:a16="http://schemas.microsoft.com/office/drawing/2014/main" val="20001"/>
-                    </a:ext>
-                  </a:extLst>
-                </a:gridCol>
-                <a:gridCol w="1206500">
-                  <a:extLst>
-                    <a:ext uri="{9D8B030D-6E8A-4147-A177-3AD203B41FA5}">
-                      <a16:colId xmlns:a16="http://schemas.microsoft.com/office/drawing/2014/main" val="20002"/>
-                    </a:ext>
-                  </a:extLst>
-                </a:gridCol>
-                <a:gridCol w="1206500">
-                  <a:extLst>
-                    <a:ext uri="{9D8B030D-6E8A-4147-A177-3AD203B41FA5}">
-                      <a16:colId xmlns:a16="http://schemas.microsoft.com/office/drawing/2014/main" val="20003"/>
-                    </a:ext>
-                  </a:extLst>
-                </a:gridCol>
-                <a:gridCol w="1206500">
-                  <a:extLst>
-                    <a:ext uri="{9D8B030D-6E8A-4147-A177-3AD203B41FA5}">
-                      <a16:colId xmlns:a16="http://schemas.microsoft.com/office/drawing/2014/main" val="20004"/>
-                    </a:ext>
-                  </a:extLst>
-                </a:gridCol>
-                <a:gridCol w="1206500">
-                  <a:extLst>
-                    <a:ext uri="{9D8B030D-6E8A-4147-A177-3AD203B41FA5}">
-                      <a16:colId xmlns:a16="http://schemas.microsoft.com/office/drawing/2014/main" val="20005"/>
-                    </a:ext>
-                  </a:extLst>
-                </a:gridCol>
-              </a:tblGrid>
-              <a:tr h="684650">
-                <a:tc>
-                  <a:txBody>
-                    <a:bodyPr/>
-                    <a:lstStyle/>
-                    <a:p>
-                      <a:pPr marL="0" lvl="0" indent="0" algn="ctr" rtl="1">
-                        <a:spcBef>
-                          <a:spcPts val="0"/>
-                        </a:spcBef>
-                        <a:spcAft>
-                          <a:spcPts val="0"/>
-                        </a:spcAft>
-                        <a:buNone/>
-                      </a:pPr>
-                      <a:r>
-                        <a:rPr lang="iw" b="1" dirty="0">
-                          <a:latin typeface="Calibri"/>
-                          <a:ea typeface="Calibri"/>
-                          <a:cs typeface="Calibri"/>
-                          <a:sym typeface="Calibri"/>
-                        </a:rPr>
-                        <a:t>צפיפות</a:t>
-                      </a:r>
-                      <a:endParaRPr b="1" dirty="0">
-                        <a:latin typeface="Calibri"/>
-                        <a:ea typeface="Calibri"/>
-                        <a:cs typeface="Calibri"/>
-                        <a:sym typeface="Calibri"/>
-                      </a:endParaRPr>
-                    </a:p>
-                    <a:p>
-                      <a:pPr marL="0" lvl="0" indent="0" algn="ctr" rtl="1">
-                        <a:spcBef>
-                          <a:spcPts val="0"/>
-                        </a:spcBef>
-                        <a:spcAft>
-                          <a:spcPts val="0"/>
-                        </a:spcAft>
-                        <a:buNone/>
-                      </a:pPr>
-                      <a:r>
-                        <a:rPr lang="iw" b="1" dirty="0">
-                          <a:latin typeface="Calibri"/>
-                          <a:ea typeface="Calibri"/>
-                          <a:cs typeface="Calibri"/>
-                          <a:sym typeface="Calibri"/>
-                        </a:rPr>
-                        <a:t>0.00014</a:t>
-                      </a:r>
-                      <a:endParaRPr b="1" dirty="0">
-                        <a:latin typeface="Calibri"/>
-                        <a:ea typeface="Calibri"/>
-                        <a:cs typeface="Calibri"/>
-                        <a:sym typeface="Calibri"/>
-                      </a:endParaRPr>
-                    </a:p>
-                  </a:txBody>
-                  <a:tcPr marL="91425" marR="91425" marT="91425" marB="91425">
-                    <a:lnL w="9525" cap="flat" cmpd="sng">
-                      <a:solidFill>
-                        <a:srgbClr val="9E9E9E">
-                          <a:alpha val="0"/>
-                        </a:srgbClr>
-                      </a:solidFill>
-                      <a:prstDash val="solid"/>
-                      <a:round/>
-                      <a:headEnd type="none" w="sm" len="sm"/>
-                      <a:tailEnd type="none" w="sm" len="sm"/>
-                    </a:lnL>
-                    <a:lnR w="9525" cap="flat" cmpd="sng">
-                      <a:solidFill>
-                        <a:srgbClr val="9E9E9E">
-                          <a:alpha val="0"/>
-                        </a:srgbClr>
-                      </a:solidFill>
-                      <a:prstDash val="solid"/>
-                      <a:round/>
-                      <a:headEnd type="none" w="sm" len="sm"/>
-                      <a:tailEnd type="none" w="sm" len="sm"/>
-                    </a:lnR>
-                    <a:lnT w="9525" cap="flat" cmpd="sng">
-                      <a:solidFill>
-                        <a:srgbClr val="9E9E9E">
-                          <a:alpha val="0"/>
-                        </a:srgbClr>
-                      </a:solidFill>
-                      <a:prstDash val="solid"/>
-                      <a:round/>
-                      <a:headEnd type="none" w="sm" len="sm"/>
-                      <a:tailEnd type="none" w="sm" len="sm"/>
-                    </a:lnT>
-                    <a:lnB w="9525" cap="flat" cmpd="sng">
-                      <a:solidFill>
-                        <a:srgbClr val="9E9E9E">
-                          <a:alpha val="0"/>
-                        </a:srgbClr>
-                      </a:solidFill>
-                      <a:prstDash val="solid"/>
-                      <a:round/>
-                      <a:headEnd type="none" w="sm" len="sm"/>
-                      <a:tailEnd type="none" w="sm" len="sm"/>
-                    </a:lnB>
-                  </a:tcPr>
-                </a:tc>
-                <a:tc>
-                  <a:txBody>
-                    <a:bodyPr/>
-                    <a:lstStyle/>
-                    <a:p>
-                      <a:pPr marL="0" lvl="0" indent="0" algn="ctr" rtl="1">
-                        <a:spcBef>
-                          <a:spcPts val="0"/>
-                        </a:spcBef>
-                        <a:spcAft>
-                          <a:spcPts val="0"/>
-                        </a:spcAft>
-                        <a:buNone/>
-                      </a:pPr>
-                      <a:r>
-                        <a:rPr lang="iw" b="1" dirty="0">
-                          <a:latin typeface="Calibri"/>
-                          <a:ea typeface="Calibri"/>
-                          <a:cs typeface="Calibri"/>
-                          <a:sym typeface="Calibri"/>
-                        </a:rPr>
-                        <a:t>אורך מסלול ממוצע</a:t>
-                      </a:r>
-                      <a:endParaRPr b="1" dirty="0">
-                        <a:latin typeface="Calibri"/>
-                        <a:ea typeface="Calibri"/>
-                        <a:cs typeface="Calibri"/>
-                        <a:sym typeface="Calibri"/>
-                      </a:endParaRPr>
-                    </a:p>
-                    <a:p>
-                      <a:pPr marL="0" lvl="0" indent="0" algn="ctr" rtl="1">
-                        <a:spcBef>
-                          <a:spcPts val="0"/>
-                        </a:spcBef>
-                        <a:spcAft>
-                          <a:spcPts val="0"/>
-                        </a:spcAft>
-                        <a:buNone/>
-                      </a:pPr>
-                      <a:r>
-                        <a:rPr lang="iw" b="1" dirty="0">
-                          <a:latin typeface="Calibri"/>
-                          <a:ea typeface="Calibri"/>
-                          <a:cs typeface="Calibri"/>
-                          <a:sym typeface="Calibri"/>
-                        </a:rPr>
-                        <a:t>6.35</a:t>
-                      </a:r>
-                      <a:endParaRPr b="1" dirty="0">
-                        <a:latin typeface="Calibri"/>
-                        <a:ea typeface="Calibri"/>
-                        <a:cs typeface="Calibri"/>
-                        <a:sym typeface="Calibri"/>
-                      </a:endParaRPr>
-                    </a:p>
-                  </a:txBody>
-                  <a:tcPr marL="91425" marR="91425" marT="91425" marB="91425">
-                    <a:lnL w="9525" cap="flat" cmpd="sng">
-                      <a:solidFill>
-                        <a:srgbClr val="9E9E9E">
-                          <a:alpha val="0"/>
-                        </a:srgbClr>
-                      </a:solidFill>
-                      <a:prstDash val="solid"/>
-                      <a:round/>
-                      <a:headEnd type="none" w="sm" len="sm"/>
-                      <a:tailEnd type="none" w="sm" len="sm"/>
-                    </a:lnL>
-                    <a:lnR w="9525" cap="flat" cmpd="sng">
-                      <a:solidFill>
-                        <a:srgbClr val="9E9E9E">
-                          <a:alpha val="0"/>
-                        </a:srgbClr>
-                      </a:solidFill>
-                      <a:prstDash val="solid"/>
-                      <a:round/>
-                      <a:headEnd type="none" w="sm" len="sm"/>
-                      <a:tailEnd type="none" w="sm" len="sm"/>
-                    </a:lnR>
-                    <a:lnT w="9525" cap="flat" cmpd="sng">
-                      <a:solidFill>
-                        <a:srgbClr val="9E9E9E">
-                          <a:alpha val="0"/>
-                        </a:srgbClr>
-                      </a:solidFill>
-                      <a:prstDash val="solid"/>
-                      <a:round/>
-                      <a:headEnd type="none" w="sm" len="sm"/>
-                      <a:tailEnd type="none" w="sm" len="sm"/>
-                    </a:lnT>
-                    <a:lnB w="9525" cap="flat" cmpd="sng">
-                      <a:solidFill>
-                        <a:srgbClr val="9E9E9E">
-                          <a:alpha val="0"/>
-                        </a:srgbClr>
-                      </a:solidFill>
-                      <a:prstDash val="solid"/>
-                      <a:round/>
-                      <a:headEnd type="none" w="sm" len="sm"/>
-                      <a:tailEnd type="none" w="sm" len="sm"/>
-                    </a:lnB>
-                  </a:tcPr>
-                </a:tc>
-                <a:tc>
-                  <a:txBody>
-                    <a:bodyPr/>
-                    <a:lstStyle/>
-                    <a:p>
-                      <a:pPr marL="0" lvl="0" indent="0" algn="ctr" rtl="1">
-                        <a:spcBef>
-                          <a:spcPts val="0"/>
-                        </a:spcBef>
-                        <a:spcAft>
-                          <a:spcPts val="0"/>
-                        </a:spcAft>
-                        <a:buNone/>
-                      </a:pPr>
-                      <a:r>
-                        <a:rPr lang="iw" b="1" dirty="0">
-                          <a:latin typeface="Calibri"/>
-                          <a:ea typeface="Calibri"/>
-                          <a:cs typeface="Calibri"/>
-                          <a:sym typeface="Calibri"/>
-                        </a:rPr>
-                        <a:t>קוטר</a:t>
-                      </a:r>
-                      <a:endParaRPr b="1" dirty="0">
-                        <a:latin typeface="Calibri"/>
-                        <a:ea typeface="Calibri"/>
-                        <a:cs typeface="Calibri"/>
-                        <a:sym typeface="Calibri"/>
-                      </a:endParaRPr>
-                    </a:p>
-                    <a:p>
-                      <a:pPr marL="0" lvl="0" indent="0" algn="ctr" rtl="1">
-                        <a:spcBef>
-                          <a:spcPts val="0"/>
-                        </a:spcBef>
-                        <a:spcAft>
-                          <a:spcPts val="0"/>
-                        </a:spcAft>
-                        <a:buNone/>
-                      </a:pPr>
-                      <a:r>
-                        <a:rPr lang="iw" b="1" dirty="0">
-                          <a:latin typeface="Calibri"/>
-                          <a:ea typeface="Calibri"/>
-                          <a:cs typeface="Calibri"/>
-                          <a:sym typeface="Calibri"/>
-                        </a:rPr>
-                        <a:t>19</a:t>
-                      </a:r>
-                      <a:endParaRPr b="1" dirty="0">
-                        <a:latin typeface="Calibri"/>
-                        <a:ea typeface="Calibri"/>
-                        <a:cs typeface="Calibri"/>
-                        <a:sym typeface="Calibri"/>
-                      </a:endParaRPr>
-                    </a:p>
-                  </a:txBody>
-                  <a:tcPr marL="91425" marR="91425" marT="91425" marB="91425">
-                    <a:lnL w="9525" cap="flat" cmpd="sng">
-                      <a:solidFill>
-                        <a:srgbClr val="9E9E9E">
-                          <a:alpha val="0"/>
-                        </a:srgbClr>
-                      </a:solidFill>
-                      <a:prstDash val="solid"/>
-                      <a:round/>
-                      <a:headEnd type="none" w="sm" len="sm"/>
-                      <a:tailEnd type="none" w="sm" len="sm"/>
-                    </a:lnL>
-                    <a:lnR w="9525" cap="flat" cmpd="sng">
-                      <a:solidFill>
-                        <a:srgbClr val="9E9E9E">
-                          <a:alpha val="0"/>
-                        </a:srgbClr>
-                      </a:solidFill>
-                      <a:prstDash val="solid"/>
-                      <a:round/>
-                      <a:headEnd type="none" w="sm" len="sm"/>
-                      <a:tailEnd type="none" w="sm" len="sm"/>
-                    </a:lnR>
-                    <a:lnT w="9525" cap="flat" cmpd="sng">
-                      <a:solidFill>
-                        <a:srgbClr val="9E9E9E">
-                          <a:alpha val="0"/>
-                        </a:srgbClr>
-                      </a:solidFill>
-                      <a:prstDash val="solid"/>
-                      <a:round/>
-                      <a:headEnd type="none" w="sm" len="sm"/>
-                      <a:tailEnd type="none" w="sm" len="sm"/>
-                    </a:lnT>
-                    <a:lnB w="9525" cap="flat" cmpd="sng">
-                      <a:solidFill>
-                        <a:srgbClr val="9E9E9E">
-                          <a:alpha val="0"/>
-                        </a:srgbClr>
-                      </a:solidFill>
-                      <a:prstDash val="solid"/>
-                      <a:round/>
-                      <a:headEnd type="none" w="sm" len="sm"/>
-                      <a:tailEnd type="none" w="sm" len="sm"/>
-                    </a:lnB>
-                  </a:tcPr>
-                </a:tc>
-                <a:tc>
-                  <a:txBody>
-                    <a:bodyPr/>
-                    <a:lstStyle/>
-                    <a:p>
-                      <a:pPr marL="0" lvl="0" indent="0" algn="ctr" rtl="1">
-                        <a:spcBef>
-                          <a:spcPts val="0"/>
-                        </a:spcBef>
-                        <a:spcAft>
-                          <a:spcPts val="0"/>
-                        </a:spcAft>
-                        <a:buNone/>
-                      </a:pPr>
-                      <a:r>
-                        <a:rPr lang="iw" b="1" dirty="0">
-                          <a:latin typeface="Calibri"/>
-                          <a:ea typeface="Calibri"/>
-                          <a:cs typeface="Calibri"/>
-                          <a:sym typeface="Calibri"/>
-                        </a:rPr>
-                        <a:t>דרגה ממוצעת</a:t>
-                      </a:r>
-                      <a:endParaRPr b="1" dirty="0">
-                        <a:latin typeface="Calibri"/>
-                        <a:ea typeface="Calibri"/>
-                        <a:cs typeface="Calibri"/>
-                        <a:sym typeface="Calibri"/>
-                      </a:endParaRPr>
-                    </a:p>
-                    <a:p>
-                      <a:pPr marL="0" lvl="0" indent="0" algn="ctr" rtl="1">
-                        <a:spcBef>
-                          <a:spcPts val="0"/>
-                        </a:spcBef>
-                        <a:spcAft>
-                          <a:spcPts val="0"/>
-                        </a:spcAft>
-                        <a:buNone/>
-                      </a:pPr>
-                      <a:r>
-                        <a:rPr lang="iw" b="1" dirty="0">
-                          <a:latin typeface="Calibri"/>
-                          <a:ea typeface="Calibri"/>
-                          <a:cs typeface="Calibri"/>
-                          <a:sym typeface="Calibri"/>
-                        </a:rPr>
-                        <a:t>6.02</a:t>
-                      </a:r>
-                      <a:endParaRPr b="1" dirty="0">
-                        <a:latin typeface="Calibri"/>
-                        <a:ea typeface="Calibri"/>
-                        <a:cs typeface="Calibri"/>
-                        <a:sym typeface="Calibri"/>
-                      </a:endParaRPr>
-                    </a:p>
-                  </a:txBody>
-                  <a:tcPr marL="91425" marR="91425" marT="91425" marB="91425">
-                    <a:lnL w="9525" cap="flat" cmpd="sng">
-                      <a:solidFill>
-                        <a:srgbClr val="9E9E9E">
-                          <a:alpha val="0"/>
-                        </a:srgbClr>
-                      </a:solidFill>
-                      <a:prstDash val="solid"/>
-                      <a:round/>
-                      <a:headEnd type="none" w="sm" len="sm"/>
-                      <a:tailEnd type="none" w="sm" len="sm"/>
-                    </a:lnL>
-                    <a:lnR w="9525" cap="flat" cmpd="sng">
-                      <a:solidFill>
-                        <a:srgbClr val="9E9E9E">
-                          <a:alpha val="0"/>
-                        </a:srgbClr>
-                      </a:solidFill>
-                      <a:prstDash val="solid"/>
-                      <a:round/>
-                      <a:headEnd type="none" w="sm" len="sm"/>
-                      <a:tailEnd type="none" w="sm" len="sm"/>
-                    </a:lnR>
-                    <a:lnT w="9525" cap="flat" cmpd="sng">
-                      <a:solidFill>
-                        <a:srgbClr val="9E9E9E">
-                          <a:alpha val="0"/>
-                        </a:srgbClr>
-                      </a:solidFill>
-                      <a:prstDash val="solid"/>
-                      <a:round/>
-                      <a:headEnd type="none" w="sm" len="sm"/>
-                      <a:tailEnd type="none" w="sm" len="sm"/>
-                    </a:lnT>
-                    <a:lnB w="9525" cap="flat" cmpd="sng">
-                      <a:solidFill>
-                        <a:srgbClr val="9E9E9E">
-                          <a:alpha val="0"/>
-                        </a:srgbClr>
-                      </a:solidFill>
-                      <a:prstDash val="solid"/>
-                      <a:round/>
-                      <a:headEnd type="none" w="sm" len="sm"/>
-                      <a:tailEnd type="none" w="sm" len="sm"/>
-                    </a:lnB>
-                  </a:tcPr>
-                </a:tc>
-                <a:tc>
-                  <a:txBody>
-                    <a:bodyPr/>
-                    <a:lstStyle/>
-                    <a:p>
-                      <a:pPr marL="0" lvl="0" indent="0" algn="ctr" rtl="1">
-                        <a:spcBef>
-                          <a:spcPts val="0"/>
-                        </a:spcBef>
-                        <a:spcAft>
-                          <a:spcPts val="0"/>
-                        </a:spcAft>
-                        <a:buNone/>
-                      </a:pPr>
-                      <a:r>
-                        <a:rPr lang="iw" b="1" dirty="0">
-                          <a:latin typeface="Calibri"/>
-                          <a:ea typeface="Calibri"/>
-                          <a:cs typeface="Calibri"/>
-                          <a:sym typeface="Calibri"/>
-                        </a:rPr>
-                        <a:t>דרגה מינ'</a:t>
-                      </a:r>
-                      <a:endParaRPr b="1" dirty="0">
-                        <a:latin typeface="Calibri"/>
-                        <a:ea typeface="Calibri"/>
-                        <a:cs typeface="Calibri"/>
-                        <a:sym typeface="Calibri"/>
-                      </a:endParaRPr>
-                    </a:p>
-                    <a:p>
-                      <a:pPr marL="0" lvl="0" indent="0" algn="ctr" rtl="1">
-                        <a:spcBef>
-                          <a:spcPts val="0"/>
-                        </a:spcBef>
-                        <a:spcAft>
-                          <a:spcPts val="0"/>
-                        </a:spcAft>
-                        <a:buNone/>
-                      </a:pPr>
-                      <a:r>
-                        <a:rPr lang="iw" b="1" dirty="0">
-                          <a:latin typeface="Calibri"/>
-                          <a:ea typeface="Calibri"/>
-                          <a:cs typeface="Calibri"/>
-                          <a:sym typeface="Calibri"/>
-                        </a:rPr>
-                        <a:t>1</a:t>
-                      </a:r>
-                      <a:endParaRPr b="1" dirty="0">
-                        <a:latin typeface="Calibri"/>
-                        <a:ea typeface="Calibri"/>
-                        <a:cs typeface="Calibri"/>
-                        <a:sym typeface="Calibri"/>
-                      </a:endParaRPr>
-                    </a:p>
-                  </a:txBody>
-                  <a:tcPr marL="91425" marR="91425" marT="91425" marB="91425">
-                    <a:lnL w="9525" cap="flat" cmpd="sng">
-                      <a:solidFill>
-                        <a:srgbClr val="9E9E9E">
-                          <a:alpha val="0"/>
-                        </a:srgbClr>
-                      </a:solidFill>
-                      <a:prstDash val="solid"/>
-                      <a:round/>
-                      <a:headEnd type="none" w="sm" len="sm"/>
-                      <a:tailEnd type="none" w="sm" len="sm"/>
-                    </a:lnL>
-                    <a:lnR w="9525" cap="flat" cmpd="sng">
-                      <a:solidFill>
-                        <a:srgbClr val="9E9E9E">
-                          <a:alpha val="0"/>
-                        </a:srgbClr>
-                      </a:solidFill>
-                      <a:prstDash val="solid"/>
-                      <a:round/>
-                      <a:headEnd type="none" w="sm" len="sm"/>
-                      <a:tailEnd type="none" w="sm" len="sm"/>
-                    </a:lnR>
-                    <a:lnT w="9525" cap="flat" cmpd="sng">
-                      <a:solidFill>
-                        <a:srgbClr val="9E9E9E">
-                          <a:alpha val="0"/>
-                        </a:srgbClr>
-                      </a:solidFill>
-                      <a:prstDash val="solid"/>
-                      <a:round/>
-                      <a:headEnd type="none" w="sm" len="sm"/>
-                      <a:tailEnd type="none" w="sm" len="sm"/>
-                    </a:lnT>
-                    <a:lnB w="9525" cap="flat" cmpd="sng">
-                      <a:solidFill>
-                        <a:srgbClr val="9E9E9E">
-                          <a:alpha val="0"/>
-                        </a:srgbClr>
-                      </a:solidFill>
-                      <a:prstDash val="solid"/>
-                      <a:round/>
-                      <a:headEnd type="none" w="sm" len="sm"/>
-                      <a:tailEnd type="none" w="sm" len="sm"/>
-                    </a:lnB>
-                  </a:tcPr>
-                </a:tc>
-                <a:tc>
-                  <a:txBody>
-                    <a:bodyPr/>
-                    <a:lstStyle/>
-                    <a:p>
-                      <a:pPr marL="0" lvl="0" indent="0" algn="ctr" rtl="1">
-                        <a:spcBef>
-                          <a:spcPts val="0"/>
-                        </a:spcBef>
-                        <a:spcAft>
-                          <a:spcPts val="0"/>
-                        </a:spcAft>
-                        <a:buNone/>
-                      </a:pPr>
-                      <a:r>
-                        <a:rPr lang="iw" b="1" dirty="0">
-                          <a:latin typeface="Calibri"/>
-                          <a:ea typeface="Calibri"/>
-                          <a:cs typeface="Calibri"/>
-                          <a:sym typeface="Calibri"/>
-                        </a:rPr>
-                        <a:t>דרגה מקס'</a:t>
-                      </a:r>
-                      <a:endParaRPr b="1" dirty="0">
-                        <a:latin typeface="Calibri"/>
-                        <a:ea typeface="Calibri"/>
-                        <a:cs typeface="Calibri"/>
-                        <a:sym typeface="Calibri"/>
-                      </a:endParaRPr>
-                    </a:p>
-                    <a:p>
-                      <a:pPr marL="0" lvl="0" indent="0" algn="ctr" rtl="1">
-                        <a:spcBef>
-                          <a:spcPts val="0"/>
-                        </a:spcBef>
-                        <a:spcAft>
-                          <a:spcPts val="0"/>
-                        </a:spcAft>
-                        <a:buNone/>
-                      </a:pPr>
-                      <a:r>
-                        <a:rPr lang="iw" b="1" dirty="0">
-                          <a:latin typeface="Calibri"/>
-                          <a:ea typeface="Calibri"/>
-                          <a:cs typeface="Calibri"/>
-                          <a:sym typeface="Calibri"/>
-                        </a:rPr>
-                        <a:t>112</a:t>
-                      </a:r>
-                      <a:endParaRPr b="1" dirty="0">
-                        <a:latin typeface="Calibri"/>
-                        <a:ea typeface="Calibri"/>
-                        <a:cs typeface="Calibri"/>
-                        <a:sym typeface="Calibri"/>
-                      </a:endParaRPr>
-                    </a:p>
-                  </a:txBody>
-                  <a:tcPr marL="91425" marR="91425" marT="91425" marB="91425">
-                    <a:lnL w="9525" cap="flat" cmpd="sng">
-                      <a:solidFill>
-                        <a:srgbClr val="9E9E9E">
-                          <a:alpha val="0"/>
-                        </a:srgbClr>
-                      </a:solidFill>
-                      <a:prstDash val="solid"/>
-                      <a:round/>
-                      <a:headEnd type="none" w="sm" len="sm"/>
-                      <a:tailEnd type="none" w="sm" len="sm"/>
-                    </a:lnL>
-                    <a:lnR w="9525" cap="flat" cmpd="sng">
-                      <a:solidFill>
-                        <a:srgbClr val="9E9E9E">
-                          <a:alpha val="0"/>
-                        </a:srgbClr>
-                      </a:solidFill>
-                      <a:prstDash val="solid"/>
-                      <a:round/>
-                      <a:headEnd type="none" w="sm" len="sm"/>
-                      <a:tailEnd type="none" w="sm" len="sm"/>
-                    </a:lnR>
-                    <a:lnT w="9525" cap="flat" cmpd="sng">
-                      <a:solidFill>
-                        <a:srgbClr val="9E9E9E">
-                          <a:alpha val="0"/>
-                        </a:srgbClr>
-                      </a:solidFill>
-                      <a:prstDash val="solid"/>
-                      <a:round/>
-                      <a:headEnd type="none" w="sm" len="sm"/>
-                      <a:tailEnd type="none" w="sm" len="sm"/>
-                    </a:lnT>
-                    <a:lnB w="9525" cap="flat" cmpd="sng">
-                      <a:solidFill>
-                        <a:srgbClr val="9E9E9E">
-                          <a:alpha val="0"/>
-                        </a:srgbClr>
-                      </a:solidFill>
-                      <a:prstDash val="solid"/>
-                      <a:round/>
-                      <a:headEnd type="none" w="sm" len="sm"/>
-                      <a:tailEnd type="none" w="sm" len="sm"/>
-                    </a:lnB>
-                  </a:tcPr>
-                </a:tc>
-                <a:extLst>
-                  <a:ext uri="{0D108BD9-81ED-4DB2-BD59-A6C34878D82A}">
-                    <a16:rowId xmlns:a16="http://schemas.microsoft.com/office/drawing/2014/main" val="10000"/>
-                  </a:ext>
-                </a:extLst>
-              </a:tr>
-            </a:tbl>
-          </a:graphicData>
-        </a:graphic>
-      </p:graphicFrame>
+      <p:pic>
+        <p:nvPicPr>
+          <p:cNvPr id="2" name="תמונה 1"/>
+          <p:cNvPicPr>
+            <a:picLocks noChangeAspect="1"/>
+          </p:cNvPicPr>
+          <p:nvPr/>
+        </p:nvPicPr>
+        <p:blipFill>
+          <a:blip r:embed="rId2">
+            <a:extLst>
+              <a:ext uri="{28A0092B-C50C-407E-A947-70E740481C1C}">
+                <a14:useLocalDpi xmlns:a14="http://schemas.microsoft.com/office/drawing/2010/main" val="0"/>
+              </a:ext>
+            </a:extLst>
+          </a:blip>
+          <a:stretch>
+            <a:fillRect/>
+          </a:stretch>
+        </p:blipFill>
+        <p:spPr>
+          <a:xfrm>
+            <a:off x="347857" y="2500888"/>
+            <a:ext cx="4914958" cy="4020017"/>
+          </a:xfrm>
+          <a:prstGeom prst="rect">
+            <a:avLst/>
+          </a:prstGeom>
+        </p:spPr>
+      </p:pic>
     </p:spTree>
     <p:extLst>
       <p:ext uri="{BB962C8B-B14F-4D97-AF65-F5344CB8AC3E}">
@@ -5504,14 +4365,14 @@
       </p:grpSpPr>
       <p:sp>
         <p:nvSpPr>
-          <p:cNvPr id="4" name="מלבן 3"/>
+          <p:cNvPr id="3" name="מלבן 2"/>
           <p:cNvSpPr/>
           <p:nvPr/>
         </p:nvSpPr>
         <p:spPr>
           <a:xfrm>
-            <a:off x="203493" y="1402915"/>
-            <a:ext cx="3404003" cy="4606389"/>
+            <a:off x="4282038" y="492423"/>
+            <a:ext cx="7628022" cy="5324535"/>
           </a:xfrm>
           <a:prstGeom prst="rect">
             <a:avLst/>
@@ -5522,488 +4383,6 @@
             <a:spAutoFit/>
           </a:bodyPr>
           <a:lstStyle/>
-          <a:p>
-            <a:pPr marL="342900" lvl="0" indent="-342900">
-              <a:lnSpc>
-                <a:spcPct val="150000"/>
-              </a:lnSpc>
-              <a:spcAft>
-                <a:spcPts val="800"/>
-              </a:spcAft>
-              <a:buFont typeface="+mj-lt"/>
-              <a:buAutoNum type="arabicPeriod"/>
-            </a:pPr>
-            <a:r>
-              <a:rPr lang="he-IL" sz="1000" dirty="0">
-                <a:solidFill>
-                  <a:srgbClr val="606060"/>
-                </a:solidFill>
-                <a:latin typeface="Lato"/>
-                <a:ea typeface="Calibri" panose="020F0502020204030204" pitchFamily="34" charset="0"/>
-              </a:rPr>
-              <a:t>הגדירו את הרשת החברתית בצורה בהירה:</a:t>
-            </a:r>
-            <a:endParaRPr lang="en-US" sz="1100" dirty="0" smtClean="0">
-              <a:effectLst/>
-              <a:latin typeface="Calibri" panose="020F0502020204030204" pitchFamily="34" charset="0"/>
-              <a:ea typeface="Calibri" panose="020F0502020204030204" pitchFamily="34" charset="0"/>
-              <a:cs typeface="Arial" panose="020B0604020202020204" pitchFamily="34" charset="0"/>
-            </a:endParaRPr>
-          </a:p>
-          <a:p>
-            <a:pPr marL="742950" lvl="1" indent="-285750">
-              <a:lnSpc>
-                <a:spcPct val="150000"/>
-              </a:lnSpc>
-              <a:spcAft>
-                <a:spcPts val="800"/>
-              </a:spcAft>
-              <a:buFont typeface="+mj-lt"/>
-              <a:buAutoNum type="alphaLcPeriod"/>
-            </a:pPr>
-            <a:r>
-              <a:rPr lang="he-IL" sz="1000" dirty="0">
-                <a:solidFill>
-                  <a:srgbClr val="606060"/>
-                </a:solidFill>
-                <a:latin typeface="Lato"/>
-                <a:ea typeface="Calibri" panose="020F0502020204030204" pitchFamily="34" charset="0"/>
-              </a:rPr>
-              <a:t>מקור הנתונים</a:t>
-            </a:r>
-            <a:endParaRPr lang="en-US" sz="1100" dirty="0" smtClean="0">
-              <a:effectLst/>
-              <a:latin typeface="Calibri" panose="020F0502020204030204" pitchFamily="34" charset="0"/>
-              <a:ea typeface="Calibri" panose="020F0502020204030204" pitchFamily="34" charset="0"/>
-              <a:cs typeface="Arial" panose="020B0604020202020204" pitchFamily="34" charset="0"/>
-            </a:endParaRPr>
-          </a:p>
-          <a:p>
-            <a:pPr marL="742950" lvl="1" indent="-285750">
-              <a:lnSpc>
-                <a:spcPct val="150000"/>
-              </a:lnSpc>
-              <a:spcAft>
-                <a:spcPts val="800"/>
-              </a:spcAft>
-              <a:buFont typeface="+mj-lt"/>
-              <a:buAutoNum type="alphaLcPeriod"/>
-            </a:pPr>
-            <a:r>
-              <a:rPr lang="he-IL" sz="1000" dirty="0">
-                <a:solidFill>
-                  <a:srgbClr val="606060"/>
-                </a:solidFill>
-                <a:latin typeface="Lato"/>
-                <a:ea typeface="Calibri" panose="020F0502020204030204" pitchFamily="34" charset="0"/>
-              </a:rPr>
-              <a:t>הגדרת הצמתים ברשת+ כמה צמתים יש? (נדרש גרף גדול מספיק, לפחות 1000 צמתים</a:t>
-            </a:r>
-            <a:r>
-              <a:rPr lang="he-IL" sz="1000" dirty="0" smtClean="0">
-                <a:solidFill>
-                  <a:srgbClr val="606060"/>
-                </a:solidFill>
-                <a:effectLst/>
-                <a:latin typeface="Calibri" panose="020F0502020204030204" pitchFamily="34" charset="0"/>
-                <a:ea typeface="Calibri" panose="020F0502020204030204" pitchFamily="34" charset="0"/>
-                <a:cs typeface="Lato"/>
-              </a:rPr>
-              <a:t> </a:t>
-            </a:r>
-            <a:r>
-              <a:rPr lang="he-IL" sz="1000" i="1" dirty="0">
-                <a:solidFill>
-                  <a:srgbClr val="606060"/>
-                </a:solidFill>
-                <a:latin typeface="Lato"/>
-                <a:ea typeface="Calibri" panose="020F0502020204030204" pitchFamily="34" charset="0"/>
-              </a:rPr>
-              <a:t>ברכיב הקשירות הגדול</a:t>
-            </a:r>
-            <a:r>
-              <a:rPr lang="he-IL" sz="1000" dirty="0">
-                <a:solidFill>
-                  <a:srgbClr val="606060"/>
-                </a:solidFill>
-                <a:latin typeface="Lato"/>
-                <a:ea typeface="Calibri" panose="020F0502020204030204" pitchFamily="34" charset="0"/>
-              </a:rPr>
-              <a:t>)</a:t>
-            </a:r>
-            <a:endParaRPr lang="en-US" sz="1100" dirty="0" smtClean="0">
-              <a:effectLst/>
-              <a:latin typeface="Calibri" panose="020F0502020204030204" pitchFamily="34" charset="0"/>
-              <a:ea typeface="Calibri" panose="020F0502020204030204" pitchFamily="34" charset="0"/>
-              <a:cs typeface="Arial" panose="020B0604020202020204" pitchFamily="34" charset="0"/>
-            </a:endParaRPr>
-          </a:p>
-          <a:p>
-            <a:pPr marL="742950" lvl="1" indent="-285750">
-              <a:lnSpc>
-                <a:spcPct val="150000"/>
-              </a:lnSpc>
-              <a:spcAft>
-                <a:spcPts val="800"/>
-              </a:spcAft>
-              <a:buFont typeface="+mj-lt"/>
-              <a:buAutoNum type="alphaLcPeriod"/>
-            </a:pPr>
-            <a:r>
-              <a:rPr lang="he-IL" sz="1000" dirty="0">
-                <a:solidFill>
-                  <a:srgbClr val="606060"/>
-                </a:solidFill>
-                <a:latin typeface="Lato"/>
-                <a:ea typeface="Calibri" panose="020F0502020204030204" pitchFamily="34" charset="0"/>
-              </a:rPr>
-              <a:t> </a:t>
-            </a:r>
-            <a:r>
-              <a:rPr lang="he-IL" sz="1000" dirty="0" smtClean="0">
-                <a:solidFill>
-                  <a:srgbClr val="606060"/>
-                </a:solidFill>
-                <a:latin typeface="Lato"/>
-                <a:ea typeface="Calibri" panose="020F0502020204030204" pitchFamily="34" charset="0"/>
-              </a:rPr>
-              <a:t>הגדרת </a:t>
-            </a:r>
-            <a:r>
-              <a:rPr lang="he-IL" sz="1000" dirty="0">
-                <a:solidFill>
-                  <a:srgbClr val="606060"/>
-                </a:solidFill>
-                <a:latin typeface="Lato"/>
-                <a:ea typeface="Calibri" panose="020F0502020204030204" pitchFamily="34" charset="0"/>
-              </a:rPr>
-              <a:t>הקשתות ברשת+ כמה קשתות יש (מכל סוג)? (בהתאמה, לפחות מס' אלפים של צמתים)</a:t>
-            </a:r>
-            <a:endParaRPr lang="en-US" sz="1100" dirty="0" smtClean="0">
-              <a:effectLst/>
-              <a:latin typeface="Calibri" panose="020F0502020204030204" pitchFamily="34" charset="0"/>
-              <a:ea typeface="Calibri" panose="020F0502020204030204" pitchFamily="34" charset="0"/>
-              <a:cs typeface="Arial" panose="020B0604020202020204" pitchFamily="34" charset="0"/>
-            </a:endParaRPr>
-          </a:p>
-          <a:p>
-            <a:pPr marL="742950" lvl="1" indent="-285750">
-              <a:lnSpc>
-                <a:spcPct val="150000"/>
-              </a:lnSpc>
-              <a:spcAft>
-                <a:spcPts val="800"/>
-              </a:spcAft>
-              <a:buFont typeface="+mj-lt"/>
-              <a:buAutoNum type="alphaLcPeriod"/>
-            </a:pPr>
-            <a:r>
-              <a:rPr lang="he-IL" sz="1000" dirty="0">
-                <a:solidFill>
-                  <a:srgbClr val="606060"/>
-                </a:solidFill>
-                <a:latin typeface="Lato"/>
-                <a:ea typeface="Calibri" panose="020F0502020204030204" pitchFamily="34" charset="0"/>
-              </a:rPr>
-              <a:t>תכונות בסיסיות נוספות </a:t>
-            </a:r>
-            <a:r>
-              <a:rPr lang="en-US" sz="1000" dirty="0" smtClean="0">
-                <a:solidFill>
-                  <a:srgbClr val="606060"/>
-                </a:solidFill>
-                <a:effectLst/>
-                <a:latin typeface="Lato"/>
-                <a:ea typeface="Calibri" panose="020F0502020204030204" pitchFamily="34" charset="0"/>
-                <a:cs typeface="Arial" panose="020B0604020202020204" pitchFamily="34" charset="0"/>
-              </a:rPr>
-              <a:t>:</a:t>
-            </a:r>
-            <a:r>
-              <a:rPr lang="he-IL" sz="1000" dirty="0">
-                <a:solidFill>
-                  <a:srgbClr val="606060"/>
-                </a:solidFill>
-                <a:latin typeface="Lato"/>
-                <a:ea typeface="Calibri" panose="020F0502020204030204" pitchFamily="34" charset="0"/>
-              </a:rPr>
-              <a:t>גרף מכוון \ </a:t>
-            </a:r>
-            <a:r>
-              <a:rPr lang="he-IL" sz="1000" dirty="0" err="1">
-                <a:solidFill>
-                  <a:srgbClr val="606060"/>
-                </a:solidFill>
-                <a:latin typeface="Lato"/>
-                <a:ea typeface="Calibri" panose="020F0502020204030204" pitchFamily="34" charset="0"/>
-              </a:rPr>
-              <a:t>מולטיגרף</a:t>
-            </a:r>
-            <a:r>
-              <a:rPr lang="he-IL" sz="1000" dirty="0">
-                <a:solidFill>
-                  <a:srgbClr val="606060"/>
-                </a:solidFill>
-                <a:latin typeface="Lato"/>
-                <a:ea typeface="Calibri" panose="020F0502020204030204" pitchFamily="34" charset="0"/>
-              </a:rPr>
-              <a:t>\מס' רכיבי קשירות\קוטר\...</a:t>
-            </a:r>
-            <a:endParaRPr lang="en-US" sz="1100" dirty="0" smtClean="0">
-              <a:effectLst/>
-              <a:latin typeface="Calibri" panose="020F0502020204030204" pitchFamily="34" charset="0"/>
-              <a:ea typeface="Calibri" panose="020F0502020204030204" pitchFamily="34" charset="0"/>
-              <a:cs typeface="Arial" panose="020B0604020202020204" pitchFamily="34" charset="0"/>
-            </a:endParaRPr>
-          </a:p>
-          <a:p>
-            <a:pPr marL="742950" lvl="1" indent="-285750">
-              <a:lnSpc>
-                <a:spcPct val="150000"/>
-              </a:lnSpc>
-              <a:spcAft>
-                <a:spcPts val="800"/>
-              </a:spcAft>
-              <a:buFont typeface="+mj-lt"/>
-              <a:buAutoNum type="alphaLcPeriod"/>
-            </a:pPr>
-            <a:r>
-              <a:rPr lang="he-IL" sz="1000" dirty="0">
-                <a:solidFill>
-                  <a:srgbClr val="606060"/>
-                </a:solidFill>
-                <a:latin typeface="Lato"/>
-                <a:ea typeface="Calibri" panose="020F0502020204030204" pitchFamily="34" charset="0"/>
-              </a:rPr>
-              <a:t>האם תוכלו להציג את הגרף של כל הרשת\חלק ממנה? חשבו מהי ההצגה המיטבית...</a:t>
-            </a:r>
-            <a:endParaRPr lang="en-US" sz="1100" dirty="0" smtClean="0">
-              <a:effectLst/>
-              <a:latin typeface="Calibri" panose="020F0502020204030204" pitchFamily="34" charset="0"/>
-              <a:ea typeface="Calibri" panose="020F0502020204030204" pitchFamily="34" charset="0"/>
-              <a:cs typeface="Arial" panose="020B0604020202020204" pitchFamily="34" charset="0"/>
-            </a:endParaRPr>
-          </a:p>
-          <a:p>
-            <a:pPr marL="742950" lvl="1" indent="-285750">
-              <a:lnSpc>
-                <a:spcPct val="150000"/>
-              </a:lnSpc>
-              <a:spcAft>
-                <a:spcPts val="800"/>
-              </a:spcAft>
-              <a:buFont typeface="+mj-lt"/>
-              <a:buAutoNum type="alphaLcPeriod"/>
-            </a:pPr>
-            <a:r>
-              <a:rPr lang="he-IL" sz="1000" dirty="0">
-                <a:solidFill>
-                  <a:srgbClr val="606060"/>
-                </a:solidFill>
-                <a:latin typeface="Lato"/>
-                <a:ea typeface="Calibri" panose="020F0502020204030204" pitchFamily="34" charset="0"/>
-              </a:rPr>
-              <a:t>האם הרשת תומכת בתכונת העולם הקטן (</a:t>
-            </a:r>
-            <a:r>
-              <a:rPr lang="en-US" sz="1000" dirty="0" smtClean="0">
-                <a:solidFill>
-                  <a:srgbClr val="606060"/>
-                </a:solidFill>
-                <a:effectLst/>
-                <a:latin typeface="Lato"/>
-                <a:ea typeface="Calibri" panose="020F0502020204030204" pitchFamily="34" charset="0"/>
-                <a:cs typeface="Arial" panose="020B0604020202020204" pitchFamily="34" charset="0"/>
-              </a:rPr>
-              <a:t>small world</a:t>
-            </a:r>
-            <a:r>
-              <a:rPr lang="he-IL" sz="1000" dirty="0">
-                <a:solidFill>
-                  <a:srgbClr val="606060"/>
-                </a:solidFill>
-                <a:latin typeface="Lato"/>
-                <a:ea typeface="Calibri" panose="020F0502020204030204" pitchFamily="34" charset="0"/>
-              </a:rPr>
-              <a:t>)?</a:t>
-            </a:r>
-            <a:endParaRPr lang="en-US" sz="1100" dirty="0" smtClean="0">
-              <a:effectLst/>
-              <a:latin typeface="Calibri" panose="020F0502020204030204" pitchFamily="34" charset="0"/>
-              <a:ea typeface="Calibri" panose="020F0502020204030204" pitchFamily="34" charset="0"/>
-              <a:cs typeface="Arial" panose="020B0604020202020204" pitchFamily="34" charset="0"/>
-            </a:endParaRPr>
-          </a:p>
-          <a:p>
-            <a:pPr marL="742950" lvl="1" indent="-285750">
-              <a:lnSpc>
-                <a:spcPct val="150000"/>
-              </a:lnSpc>
-              <a:spcAft>
-                <a:spcPts val="800"/>
-              </a:spcAft>
-              <a:buFont typeface="+mj-lt"/>
-              <a:buAutoNum type="alphaLcPeriod"/>
-            </a:pPr>
-            <a:r>
-              <a:rPr lang="he-IL" sz="1000" dirty="0">
-                <a:solidFill>
-                  <a:srgbClr val="606060"/>
-                </a:solidFill>
-                <a:latin typeface="Lato"/>
-                <a:ea typeface="Calibri" panose="020F0502020204030204" pitchFamily="34" charset="0"/>
-              </a:rPr>
-              <a:t>מדדי מרכזיות בסיסיים: הראו עבור מס' צמתים והשוו בניהם</a:t>
-            </a:r>
-            <a:endParaRPr lang="en-US" sz="1100" dirty="0" smtClean="0">
-              <a:effectLst/>
-              <a:latin typeface="Calibri" panose="020F0502020204030204" pitchFamily="34" charset="0"/>
-              <a:ea typeface="Calibri" panose="020F0502020204030204" pitchFamily="34" charset="0"/>
-              <a:cs typeface="Arial" panose="020B0604020202020204" pitchFamily="34" charset="0"/>
-            </a:endParaRPr>
-          </a:p>
-          <a:p>
-            <a:pPr marL="742950" lvl="1" indent="-285750">
-              <a:lnSpc>
-                <a:spcPct val="150000"/>
-              </a:lnSpc>
-              <a:spcAft>
-                <a:spcPts val="800"/>
-              </a:spcAft>
-              <a:buFont typeface="+mj-lt"/>
-              <a:buAutoNum type="alphaLcPeriod"/>
-            </a:pPr>
-            <a:r>
-              <a:rPr lang="he-IL" sz="1000" dirty="0" err="1">
-                <a:solidFill>
-                  <a:srgbClr val="606060"/>
-                </a:solidFill>
-                <a:latin typeface="Lato"/>
-                <a:ea typeface="Calibri" panose="020F0502020204030204" pitchFamily="34" charset="0"/>
-              </a:rPr>
-              <a:t>היסטוגרמה</a:t>
-            </a:r>
-            <a:r>
-              <a:rPr lang="he-IL" sz="1000" dirty="0">
-                <a:solidFill>
-                  <a:srgbClr val="606060"/>
-                </a:solidFill>
-                <a:latin typeface="Lato"/>
-                <a:ea typeface="Calibri" panose="020F0502020204030204" pitchFamily="34" charset="0"/>
-              </a:rPr>
-              <a:t> של </a:t>
-            </a:r>
-            <a:r>
-              <a:rPr lang="he-IL" sz="1000" b="1" dirty="0">
-                <a:solidFill>
-                  <a:srgbClr val="606060"/>
-                </a:solidFill>
-                <a:latin typeface="Lato"/>
-                <a:ea typeface="Calibri" panose="020F0502020204030204" pitchFamily="34" charset="0"/>
-              </a:rPr>
-              <a:t>התפלגות</a:t>
-            </a:r>
-            <a:r>
-              <a:rPr lang="he-IL" sz="1000" dirty="0">
-                <a:solidFill>
-                  <a:srgbClr val="606060"/>
-                </a:solidFill>
-                <a:latin typeface="Lato"/>
-                <a:ea typeface="Calibri" panose="020F0502020204030204" pitchFamily="34" charset="0"/>
-              </a:rPr>
-              <a:t> דרגות</a:t>
-            </a:r>
-            <a:endParaRPr lang="en-US" sz="1100" dirty="0">
-              <a:effectLst/>
-              <a:latin typeface="Calibri" panose="020F0502020204030204" pitchFamily="34" charset="0"/>
-              <a:ea typeface="Calibri" panose="020F0502020204030204" pitchFamily="34" charset="0"/>
-              <a:cs typeface="Arial" panose="020B0604020202020204" pitchFamily="34" charset="0"/>
-            </a:endParaRPr>
-          </a:p>
-        </p:txBody>
-      </p:sp>
-      <p:sp>
-        <p:nvSpPr>
-          <p:cNvPr id="3" name="מלבן 2"/>
-          <p:cNvSpPr/>
-          <p:nvPr/>
-        </p:nvSpPr>
-        <p:spPr>
-          <a:xfrm>
-            <a:off x="4282038" y="492423"/>
-            <a:ext cx="7628022" cy="4991110"/>
-          </a:xfrm>
-          <a:prstGeom prst="rect">
-            <a:avLst/>
-          </a:prstGeom>
-        </p:spPr>
-        <p:txBody>
-          <a:bodyPr wrap="square">
-            <a:spAutoFit/>
-          </a:bodyPr>
-          <a:lstStyle/>
-          <a:p>
-            <a:pPr marL="685800" lvl="1" indent="-228600">
-              <a:lnSpc>
-                <a:spcPct val="150000"/>
-              </a:lnSpc>
-              <a:spcAft>
-                <a:spcPts val="800"/>
-              </a:spcAft>
-              <a:buAutoNum type="alphaLcPeriod" startAt="2"/>
-            </a:pPr>
-            <a:r>
-              <a:rPr lang="he-IL" sz="1000" dirty="0" smtClean="0">
-                <a:solidFill>
-                  <a:srgbClr val="606060"/>
-                </a:solidFill>
-                <a:latin typeface="Lato"/>
-                <a:ea typeface="Calibri" panose="020F0502020204030204" pitchFamily="34" charset="0"/>
-              </a:rPr>
-              <a:t>הגדרת </a:t>
-            </a:r>
-            <a:r>
-              <a:rPr lang="he-IL" sz="1000" dirty="0">
-                <a:solidFill>
-                  <a:srgbClr val="606060"/>
-                </a:solidFill>
-                <a:latin typeface="Lato"/>
-                <a:ea typeface="Calibri" panose="020F0502020204030204" pitchFamily="34" charset="0"/>
-              </a:rPr>
-              <a:t>הצמתים ברשת+ כמה צמתים יש? (נדרש גרף גדול מספיק, לפחות 1000 צמתים</a:t>
-            </a:r>
-            <a:r>
-              <a:rPr lang="he-IL" sz="1000" dirty="0">
-                <a:solidFill>
-                  <a:srgbClr val="606060"/>
-                </a:solidFill>
-                <a:latin typeface="Calibri" panose="020F0502020204030204" pitchFamily="34" charset="0"/>
-                <a:ea typeface="Calibri" panose="020F0502020204030204" pitchFamily="34" charset="0"/>
-                <a:cs typeface="Lato"/>
-              </a:rPr>
-              <a:t> </a:t>
-            </a:r>
-            <a:r>
-              <a:rPr lang="he-IL" sz="1000" i="1" dirty="0">
-                <a:solidFill>
-                  <a:srgbClr val="606060"/>
-                </a:solidFill>
-                <a:latin typeface="Lato"/>
-                <a:ea typeface="Calibri" panose="020F0502020204030204" pitchFamily="34" charset="0"/>
-              </a:rPr>
-              <a:t>ברכיב הקשירות הגדול</a:t>
-            </a:r>
-            <a:r>
-              <a:rPr lang="he-IL" sz="1000" dirty="0" smtClean="0">
-                <a:solidFill>
-                  <a:srgbClr val="606060"/>
-                </a:solidFill>
-                <a:latin typeface="Lato"/>
-                <a:ea typeface="Calibri" panose="020F0502020204030204" pitchFamily="34" charset="0"/>
-              </a:rPr>
-              <a:t>):</a:t>
-            </a:r>
-          </a:p>
           <a:p>
             <a:pPr lvl="1">
               <a:lnSpc>
@@ -6014,29 +4393,6 @@
               </a:spcAft>
             </a:pPr>
             <a:r>
-              <a:rPr lang="he-IL" sz="1000" dirty="0" smtClean="0">
-                <a:solidFill>
-                  <a:srgbClr val="606060"/>
-                </a:solidFill>
-                <a:latin typeface="Lato"/>
-                <a:ea typeface="Calibri" panose="020F0502020204030204" pitchFamily="34" charset="0"/>
-                <a:cs typeface="Arial" panose="020B0604020202020204" pitchFamily="34" charset="0"/>
-              </a:rPr>
-              <a:t>בגרף יש 5881 צמתים כאשר כל צומת מייצג משתמש בפלטפורמה.</a:t>
-            </a:r>
-          </a:p>
-          <a:p>
-            <a:pPr marL="685800" lvl="1" indent="-228600">
-              <a:lnSpc>
-                <a:spcPct val="150000"/>
-              </a:lnSpc>
-              <a:spcAft>
-                <a:spcPts val="800"/>
-              </a:spcAft>
-              <a:buFontTx/>
-              <a:buAutoNum type="alphaLcPeriod" startAt="3"/>
-            </a:pPr>
-            <a:r>
               <a:rPr lang="he-IL" sz="1000" dirty="0">
                 <a:solidFill>
                   <a:srgbClr val="606060"/>
@@ -6044,17 +4400,7 @@
                 <a:latin typeface="Lato"/>
                 <a:ea typeface="Calibri" panose="020F0502020204030204" pitchFamily="34" charset="0"/>
               </a:rPr>
-              <a:t>הגדרת הקשתות ברשת+ כמה קשתות יש (מכל סוג)? (בהתאמה, לפחות מס' אלפים של צמתים</a:t>
-            </a:r>
-            <a:r>
-              <a:rPr lang="he-IL" sz="1000" dirty="0" smtClean="0">
-                <a:solidFill>
-                  <a:srgbClr val="606060"/>
-                </a:solidFill>
-                <a:latin typeface="Lato"/>
-                <a:ea typeface="Calibri" panose="020F0502020204030204" pitchFamily="34" charset="0"/>
-              </a:rPr>
-              <a:t>):</a:t>
+              <a:t>תכונות נוספות של הגרף:</a:t>
             </a:r>
           </a:p>
           <a:p>
@@ -6067,7 +4413,17 @@
               </a:spcAft>
             </a:pPr>
             <a:r>
-              <a:rPr lang="he-IL" sz="1000" dirty="0" smtClean="0">
+              <a:rPr lang="he-IL" sz="1000" dirty="0">
+                <a:solidFill>
+                  <a:srgbClr val="606060"/>
+                </a:solidFill>
+                <a:latin typeface="Lato"/>
+                <a:ea typeface="Calibri" panose="020F0502020204030204" pitchFamily="34" charset="0"/>
+              </a:rPr>
+              <a:t>- הגרף הוא גרף מכוון כאשר משתמש </a:t>
+            </a:r>
+            <a:r>
+              <a:rPr lang="en-US" sz="1000" dirty="0">
                 <a:solidFill>
                   <a:srgbClr val="606060"/>
                 </a:solidFill>
@@ -6075,10 +4431,20 @@
                 <a:ea typeface="Calibri" panose="020F0502020204030204" pitchFamily="34" charset="0"/>
                 <a:cs typeface="Arial" panose="020B0604020202020204" pitchFamily="34" charset="0"/>
               </a:rPr>
-              <a:t>בגרף יש 35,592 </a:t>
-            </a:r>
-            <a:r>
-              <a:rPr lang="he-IL" sz="1000" dirty="0" smtClean="0">
+              <a:t>X</a:t>
+            </a:r>
+            <a:r>
+              <a:rPr lang="he-IL" sz="1000" dirty="0">
+                <a:solidFill>
+                  <a:srgbClr val="606060"/>
+                </a:solidFill>
+                <a:latin typeface="Lato"/>
+                <a:ea typeface="Calibri" panose="020F0502020204030204" pitchFamily="34" charset="0"/>
+              </a:rPr>
+              <a:t> נותן דירוג </a:t>
+            </a:r>
+            <a:r>
+              <a:rPr lang="en-US" sz="1000" dirty="0">
                 <a:solidFill>
                   <a:srgbClr val="606060"/>
                 </a:solidFill>
@@ -6086,10 +4452,20 @@
                 <a:ea typeface="Calibri" panose="020F0502020204030204" pitchFamily="34" charset="0"/>
                 <a:cs typeface="Arial" panose="020B0604020202020204" pitchFamily="34" charset="0"/>
               </a:rPr>
-              <a:t>קשתות כאשר </a:t>
-            </a:r>
-            <a:r>
-              <a:rPr lang="he-IL" sz="1000" dirty="0" smtClean="0">
+              <a:t>W</a:t>
+            </a:r>
+            <a:r>
+              <a:rPr lang="he-IL" sz="1000" dirty="0">
+                <a:solidFill>
+                  <a:srgbClr val="606060"/>
+                </a:solidFill>
+                <a:latin typeface="Lato"/>
+                <a:ea typeface="Calibri" panose="020F0502020204030204" pitchFamily="34" charset="0"/>
+              </a:rPr>
+              <a:t> למשתמש </a:t>
+            </a:r>
+            <a:r>
+              <a:rPr lang="en-US" sz="1000" dirty="0">
                 <a:solidFill>
                   <a:srgbClr val="606060"/>
                 </a:solidFill>
@@ -6097,7 +4473,38 @@
                 <a:ea typeface="Calibri" panose="020F0502020204030204" pitchFamily="34" charset="0"/>
                 <a:cs typeface="Arial" panose="020B0604020202020204" pitchFamily="34" charset="0"/>
               </a:rPr>
-              <a:t>כל קשת מייצגת דירוג שנתן משתמש אחד למשתמש שני.</a:t>
+              <a:t>Y</a:t>
+            </a:r>
+            <a:r>
+              <a:rPr lang="he-IL" sz="1000" dirty="0">
+                <a:solidFill>
+                  <a:srgbClr val="606060"/>
+                </a:solidFill>
+                <a:latin typeface="Lato"/>
+                <a:ea typeface="Calibri" panose="020F0502020204030204" pitchFamily="34" charset="0"/>
+              </a:rPr>
+              <a:t> אז תיווצר קשת: </a:t>
+            </a:r>
+            <a:r>
+              <a:rPr lang="en-US" sz="1000" dirty="0">
+                <a:solidFill>
+                  <a:srgbClr val="606060"/>
+                </a:solidFill>
+                <a:latin typeface="Lato"/>
+                <a:ea typeface="Calibri" panose="020F0502020204030204" pitchFamily="34" charset="0"/>
+                <a:cs typeface="Arial" panose="020B0604020202020204" pitchFamily="34" charset="0"/>
+              </a:rPr>
+              <a:t>(X,Y,W)</a:t>
+            </a:r>
+            <a:r>
+              <a:rPr lang="he-IL" sz="1000" dirty="0">
+                <a:solidFill>
+                  <a:srgbClr val="606060"/>
+                </a:solidFill>
+                <a:latin typeface="Lato"/>
+                <a:ea typeface="Calibri" panose="020F0502020204030204" pitchFamily="34" charset="0"/>
+              </a:rPr>
+              <a:t>.</a:t>
             </a:r>
           </a:p>
           <a:p>
@@ -6110,15 +4517,14 @@
               </a:spcAft>
             </a:pPr>
             <a:r>
-              <a:rPr lang="he-IL" sz="1000" dirty="0" smtClean="0">
-                <a:solidFill>
-                  <a:srgbClr val="606060"/>
-                </a:solidFill>
-                <a:latin typeface="Lato"/>
-                <a:ea typeface="Calibri" panose="020F0502020204030204" pitchFamily="34" charset="0"/>
-                <a:cs typeface="Arial" panose="020B0604020202020204" pitchFamily="34" charset="0"/>
-              </a:rPr>
-              <a:t>הקשתות ממושקלות – משקל כל קשת הוא הדירוג שניתן – בטווח בין -10 ל 10.</a:t>
+              <a:rPr lang="he-IL" sz="1000" dirty="0">
+                <a:solidFill>
+                  <a:srgbClr val="606060"/>
+                </a:solidFill>
+                <a:latin typeface="Lato"/>
+                <a:ea typeface="Calibri" panose="020F0502020204030204" pitchFamily="34" charset="0"/>
+              </a:rPr>
+              <a:t> - צביעת קדקודים - הקודקודים נצבעים לפי נרמול ממוצע הדירוגים של כל משתמש  - איפה הוא ממוקם בטווח.</a:t>
             </a:r>
           </a:p>
           <a:p>
@@ -6131,28 +4537,6 @@
               </a:spcAft>
             </a:pPr>
             <a:r>
-              <a:rPr lang="en-US" sz="1000" dirty="0" smtClean="0">
-                <a:solidFill>
-                  <a:srgbClr val="606060"/>
-                </a:solidFill>
-                <a:latin typeface="Lato"/>
-                <a:ea typeface="Calibri" panose="020F0502020204030204" pitchFamily="34" charset="0"/>
-                <a:cs typeface="Arial" panose="020B0604020202020204" pitchFamily="34" charset="0"/>
-              </a:rPr>
-              <a:t>d</a:t>
-            </a:r>
-            <a:r>
-              <a:rPr lang="he-IL" sz="1000" dirty="0" smtClean="0">
-                <a:solidFill>
-                  <a:srgbClr val="606060"/>
-                </a:solidFill>
-                <a:latin typeface="Lato"/>
-                <a:ea typeface="Calibri" panose="020F0502020204030204" pitchFamily="34" charset="0"/>
-                <a:cs typeface="Arial" panose="020B0604020202020204" pitchFamily="34" charset="0"/>
-              </a:rPr>
-              <a:t>. </a:t>
-            </a:r>
-            <a:r>
               <a:rPr lang="he-IL" sz="1000" dirty="0">
                 <a:solidFill>
                   <a:srgbClr val="606060"/>
@@ -6160,64 +4544,8 @@
                 <a:latin typeface="Lato"/>
                 <a:ea typeface="Calibri" panose="020F0502020204030204" pitchFamily="34" charset="0"/>
               </a:rPr>
-              <a:t>תכונות בסיסיות נוספות </a:t>
-            </a:r>
-            <a:r>
-              <a:rPr lang="en-US" sz="1000" dirty="0">
-                <a:solidFill>
-                  <a:srgbClr val="606060"/>
-                </a:solidFill>
-                <a:latin typeface="Lato"/>
-                <a:ea typeface="Calibri" panose="020F0502020204030204" pitchFamily="34" charset="0"/>
-                <a:cs typeface="Arial" panose="020B0604020202020204" pitchFamily="34" charset="0"/>
-              </a:rPr>
-              <a:t>:</a:t>
-            </a:r>
-            <a:r>
-              <a:rPr lang="he-IL" sz="1000" dirty="0">
-                <a:solidFill>
-                  <a:srgbClr val="606060"/>
-                </a:solidFill>
-                <a:latin typeface="Lato"/>
-                <a:ea typeface="Calibri" panose="020F0502020204030204" pitchFamily="34" charset="0"/>
-              </a:rPr>
-              <a:t>גרף מכוון \ </a:t>
-            </a:r>
-            <a:r>
-              <a:rPr lang="he-IL" sz="1000" dirty="0" err="1">
-                <a:solidFill>
-                  <a:srgbClr val="606060"/>
-                </a:solidFill>
-                <a:latin typeface="Lato"/>
-                <a:ea typeface="Calibri" panose="020F0502020204030204" pitchFamily="34" charset="0"/>
-              </a:rPr>
-              <a:t>מולטיגרף</a:t>
-            </a:r>
-            <a:r>
-              <a:rPr lang="he-IL" sz="1000" dirty="0">
-                <a:solidFill>
-                  <a:srgbClr val="606060"/>
-                </a:solidFill>
-                <a:latin typeface="Lato"/>
-                <a:ea typeface="Calibri" panose="020F0502020204030204" pitchFamily="34" charset="0"/>
-              </a:rPr>
-              <a:t>\מס' רכיבי קשירות\קוטר</a:t>
-            </a:r>
-            <a:r>
-              <a:rPr lang="he-IL" sz="1000" dirty="0" smtClean="0">
-                <a:solidFill>
-                  <a:srgbClr val="606060"/>
-                </a:solidFill>
-                <a:latin typeface="Lato"/>
-                <a:ea typeface="Calibri" panose="020F0502020204030204" pitchFamily="34" charset="0"/>
-              </a:rPr>
-              <a:t>\...:</a:t>
-            </a:r>
-            <a:endParaRPr lang="en-US" sz="1100" dirty="0">
-              <a:latin typeface="Calibri" panose="020F0502020204030204" pitchFamily="34" charset="0"/>
-              <a:ea typeface="Calibri" panose="020F0502020204030204" pitchFamily="34" charset="0"/>
-              <a:cs typeface="Arial" panose="020B0604020202020204" pitchFamily="34" charset="0"/>
-            </a:endParaRPr>
+              <a:t>דרגה מינימלית בגרף: -10.</a:t>
+            </a:r>
           </a:p>
           <a:p>
             <a:pPr lvl="1">
@@ -6229,426 +4557,14 @@
               </a:spcAft>
             </a:pPr>
             <a:r>
-              <a:rPr lang="he-IL" sz="1000" dirty="0" smtClean="0">
-                <a:solidFill>
-                  <a:srgbClr val="606060"/>
-                </a:solidFill>
-                <a:latin typeface="Lato"/>
-                <a:ea typeface="Calibri" panose="020F0502020204030204" pitchFamily="34" charset="0"/>
-                <a:cs typeface="Arial" panose="020B0604020202020204" pitchFamily="34" charset="0"/>
-              </a:rPr>
-              <a:t>הגרף הוא גרף מכוון כאשר משתמש </a:t>
-            </a:r>
-            <a:r>
-              <a:rPr lang="en-US" sz="1000" dirty="0" smtClean="0">
-                <a:solidFill>
-                  <a:srgbClr val="606060"/>
-                </a:solidFill>
-                <a:latin typeface="Lato"/>
-                <a:ea typeface="Calibri" panose="020F0502020204030204" pitchFamily="34" charset="0"/>
-                <a:cs typeface="Arial" panose="020B0604020202020204" pitchFamily="34" charset="0"/>
-              </a:rPr>
-              <a:t>X</a:t>
-            </a:r>
-            <a:r>
-              <a:rPr lang="he-IL" sz="1000" dirty="0" smtClean="0">
-                <a:solidFill>
-                  <a:srgbClr val="606060"/>
-                </a:solidFill>
-                <a:latin typeface="Lato"/>
-                <a:ea typeface="Calibri" panose="020F0502020204030204" pitchFamily="34" charset="0"/>
-                <a:cs typeface="Arial" panose="020B0604020202020204" pitchFamily="34" charset="0"/>
-              </a:rPr>
-              <a:t> </a:t>
-            </a:r>
-            <a:r>
-              <a:rPr lang="he-IL" sz="1000" dirty="0" smtClean="0">
-                <a:solidFill>
-                  <a:srgbClr val="606060"/>
-                </a:solidFill>
-                <a:latin typeface="Lato"/>
-                <a:ea typeface="Calibri" panose="020F0502020204030204" pitchFamily="34" charset="0"/>
-                <a:cs typeface="Arial" panose="020B0604020202020204" pitchFamily="34" charset="0"/>
-              </a:rPr>
-              <a:t>נותן דירוג 8 למשתמש </a:t>
-            </a:r>
-            <a:r>
-              <a:rPr lang="en-US" sz="1000" dirty="0" smtClean="0">
-                <a:solidFill>
-                  <a:srgbClr val="606060"/>
-                </a:solidFill>
-                <a:latin typeface="Lato"/>
-                <a:ea typeface="Calibri" panose="020F0502020204030204" pitchFamily="34" charset="0"/>
-                <a:cs typeface="Arial" panose="020B0604020202020204" pitchFamily="34" charset="0"/>
-              </a:rPr>
-              <a:t>Y</a:t>
-            </a:r>
-            <a:r>
-              <a:rPr lang="he-IL" sz="1000" dirty="0" smtClean="0">
-                <a:solidFill>
-                  <a:srgbClr val="606060"/>
-                </a:solidFill>
-                <a:latin typeface="Lato"/>
-                <a:ea typeface="Calibri" panose="020F0502020204030204" pitchFamily="34" charset="0"/>
-                <a:cs typeface="Arial" panose="020B0604020202020204" pitchFamily="34" charset="0"/>
-              </a:rPr>
-              <a:t> אז תיווצר קשת</a:t>
-            </a:r>
-            <a:r>
-              <a:rPr lang="en-US" sz="1000" dirty="0" smtClean="0">
-                <a:solidFill>
-                  <a:srgbClr val="606060"/>
-                </a:solidFill>
-                <a:latin typeface="Lato"/>
-                <a:ea typeface="Calibri" panose="020F0502020204030204" pitchFamily="34" charset="0"/>
-                <a:cs typeface="Arial" panose="020B0604020202020204" pitchFamily="34" charset="0"/>
-              </a:rPr>
-              <a:t>X,Y,8]</a:t>
-            </a:r>
-            <a:r>
-              <a:rPr lang="he-IL" sz="1000" dirty="0" smtClean="0">
-                <a:solidFill>
-                  <a:srgbClr val="606060"/>
-                </a:solidFill>
-                <a:latin typeface="Lato"/>
-                <a:ea typeface="Calibri" panose="020F0502020204030204" pitchFamily="34" charset="0"/>
-                <a:cs typeface="Arial" panose="020B0604020202020204" pitchFamily="34" charset="0"/>
-              </a:rPr>
-              <a:t>.</a:t>
-            </a:r>
-            <a:endParaRPr lang="en-US" sz="1100" dirty="0">
-              <a:latin typeface="Calibri" panose="020F0502020204030204" pitchFamily="34" charset="0"/>
-              <a:ea typeface="Calibri" panose="020F0502020204030204" pitchFamily="34" charset="0"/>
-              <a:cs typeface="Arial" panose="020B0604020202020204" pitchFamily="34" charset="0"/>
-            </a:endParaRPr>
-          </a:p>
-          <a:p>
-            <a:pPr lvl="1">
-              <a:lnSpc>
-                <a:spcPct val="150000"/>
-              </a:lnSpc>
-              <a:spcAft>
-                <a:spcPts val="800"/>
-              </a:spcAft>
-            </a:pPr>
-            <a:r>
-              <a:rPr lang="he-IL" sz="1000" dirty="0" smtClean="0">
-                <a:solidFill>
-                  <a:srgbClr val="606060"/>
-                </a:solidFill>
-                <a:latin typeface="Lato"/>
-                <a:ea typeface="Calibri" panose="020F0502020204030204" pitchFamily="34" charset="0"/>
-                <a:cs typeface="Arial" panose="020B0604020202020204" pitchFamily="34" charset="0"/>
-              </a:rPr>
-              <a:t>צביעת </a:t>
-            </a:r>
-            <a:r>
-              <a:rPr lang="he-IL" sz="1000" dirty="0" smtClean="0">
-                <a:solidFill>
-                  <a:srgbClr val="606060"/>
-                </a:solidFill>
-                <a:latin typeface="Lato"/>
-                <a:ea typeface="Calibri" panose="020F0502020204030204" pitchFamily="34" charset="0"/>
-                <a:cs typeface="Arial" panose="020B0604020202020204" pitchFamily="34" charset="0"/>
-              </a:rPr>
-              <a:t>קדקודים – הקודקודים נצבעים לפי נרמול ממוצע הדירוגים של כל משתמש  - איפה הוא ממוקם בטווח</a:t>
-            </a:r>
-            <a:r>
-              <a:rPr lang="he-IL" sz="1000" dirty="0" smtClean="0">
-                <a:solidFill>
-                  <a:srgbClr val="606060"/>
-                </a:solidFill>
-                <a:latin typeface="Lato"/>
-                <a:ea typeface="Calibri" panose="020F0502020204030204" pitchFamily="34" charset="0"/>
-                <a:cs typeface="Arial" panose="020B0604020202020204" pitchFamily="34" charset="0"/>
-              </a:rPr>
-              <a:t>.</a:t>
-            </a:r>
-          </a:p>
-          <a:p>
-            <a:pPr lvl="1">
-              <a:lnSpc>
-                <a:spcPct val="150000"/>
-              </a:lnSpc>
-              <a:spcAft>
-                <a:spcPts val="800"/>
-              </a:spcAft>
-            </a:pPr>
-            <a:r>
-              <a:rPr lang="he-IL" sz="1000" dirty="0" smtClean="0">
-                <a:solidFill>
-                  <a:srgbClr val="606060"/>
-                </a:solidFill>
-                <a:latin typeface="Lato"/>
-                <a:ea typeface="Calibri" panose="020F0502020204030204" pitchFamily="34" charset="0"/>
-                <a:cs typeface="Arial" panose="020B0604020202020204" pitchFamily="34" charset="0"/>
-              </a:rPr>
-              <a:t>דרגה מינימלית, מקסימלית, </a:t>
-            </a:r>
-            <a:r>
-              <a:rPr lang="he-IL" sz="1000" dirty="0" err="1" smtClean="0">
-                <a:solidFill>
-                  <a:srgbClr val="606060"/>
-                </a:solidFill>
-                <a:latin typeface="Lato"/>
-                <a:ea typeface="Calibri" panose="020F0502020204030204" pitchFamily="34" charset="0"/>
-                <a:cs typeface="Arial" panose="020B0604020202020204" pitchFamily="34" charset="0"/>
-              </a:rPr>
-              <a:t>בטווינס</a:t>
-            </a:r>
-            <a:r>
-              <a:rPr lang="he-IL" sz="1000" dirty="0" smtClean="0">
-                <a:solidFill>
-                  <a:srgbClr val="606060"/>
-                </a:solidFill>
-                <a:latin typeface="Lato"/>
-                <a:ea typeface="Calibri" panose="020F0502020204030204" pitchFamily="34" charset="0"/>
-                <a:cs typeface="Arial" panose="020B0604020202020204" pitchFamily="34" charset="0"/>
-              </a:rPr>
-              <a:t>, </a:t>
-            </a:r>
-            <a:r>
-              <a:rPr lang="he-IL" sz="1000" dirty="0" err="1" smtClean="0">
-                <a:solidFill>
-                  <a:srgbClr val="606060"/>
-                </a:solidFill>
-                <a:latin typeface="Lato"/>
-                <a:ea typeface="Calibri" panose="020F0502020204030204" pitchFamily="34" charset="0"/>
-                <a:cs typeface="Arial" panose="020B0604020202020204" pitchFamily="34" charset="0"/>
-              </a:rPr>
-              <a:t>קלוזנס</a:t>
-            </a:r>
-            <a:r>
-              <a:rPr lang="he-IL" sz="1000" dirty="0" smtClean="0">
-                <a:solidFill>
-                  <a:srgbClr val="606060"/>
-                </a:solidFill>
-                <a:latin typeface="Lato"/>
-                <a:ea typeface="Calibri" panose="020F0502020204030204" pitchFamily="34" charset="0"/>
-                <a:cs typeface="Arial" panose="020B0604020202020204" pitchFamily="34" charset="0"/>
-              </a:rPr>
-              <a:t>.</a:t>
-            </a:r>
-            <a:endParaRPr lang="he-IL" sz="1000" dirty="0" smtClean="0">
-              <a:solidFill>
-                <a:srgbClr val="606060"/>
-              </a:solidFill>
-              <a:latin typeface="Lato"/>
-              <a:ea typeface="Calibri" panose="020F0502020204030204" pitchFamily="34" charset="0"/>
-              <a:cs typeface="Arial" panose="020B0604020202020204" pitchFamily="34" charset="0"/>
-            </a:endParaRPr>
-          </a:p>
-          <a:p>
-            <a:pPr lvl="1">
-              <a:lnSpc>
-                <a:spcPct val="150000"/>
-              </a:lnSpc>
-              <a:spcAft>
-                <a:spcPts val="800"/>
-              </a:spcAft>
-            </a:pPr>
-            <a:r>
-              <a:rPr lang="en-US" sz="1000" dirty="0" smtClean="0">
-                <a:solidFill>
-                  <a:srgbClr val="606060"/>
-                </a:solidFill>
-                <a:latin typeface="Lato"/>
-                <a:ea typeface="Calibri" panose="020F0502020204030204" pitchFamily="34" charset="0"/>
-                <a:cs typeface="Arial" panose="020B0604020202020204" pitchFamily="34" charset="0"/>
-              </a:rPr>
-              <a:t>e</a:t>
-            </a:r>
-            <a:r>
-              <a:rPr lang="he-IL" sz="1000" dirty="0" smtClean="0">
-                <a:solidFill>
-                  <a:srgbClr val="606060"/>
-                </a:solidFill>
-                <a:latin typeface="Lato"/>
-                <a:ea typeface="Calibri" panose="020F0502020204030204" pitchFamily="34" charset="0"/>
-                <a:cs typeface="Arial" panose="020B0604020202020204" pitchFamily="34" charset="0"/>
-              </a:rPr>
-              <a:t>. על מנת לספק הצגה מיטבית, נציג רק את הרכיב </a:t>
-            </a:r>
-            <a:r>
-              <a:rPr lang="he-IL" sz="1000" dirty="0" err="1" smtClean="0">
-                <a:solidFill>
-                  <a:srgbClr val="606060"/>
-                </a:solidFill>
-                <a:latin typeface="Lato"/>
-                <a:ea typeface="Calibri" panose="020F0502020204030204" pitchFamily="34" charset="0"/>
-                <a:cs typeface="Arial" panose="020B0604020202020204" pitchFamily="34" charset="0"/>
-              </a:rPr>
-              <a:t>הקשיר</a:t>
-            </a:r>
-            <a:r>
-              <a:rPr lang="he-IL" sz="1000" dirty="0" smtClean="0">
-                <a:solidFill>
-                  <a:srgbClr val="606060"/>
-                </a:solidFill>
-                <a:latin typeface="Lato"/>
-                <a:ea typeface="Calibri" panose="020F0502020204030204" pitchFamily="34" charset="0"/>
-                <a:cs typeface="Arial" panose="020B0604020202020204" pitchFamily="34" charset="0"/>
-              </a:rPr>
-              <a:t> החזק הגדול ביותר – בעל </a:t>
-            </a:r>
-            <a:r>
-              <a:rPr lang="en-US" sz="1000" dirty="0" smtClean="0">
-                <a:solidFill>
-                  <a:srgbClr val="606060"/>
-                </a:solidFill>
-                <a:latin typeface="Lato"/>
-                <a:ea typeface="Calibri" panose="020F0502020204030204" pitchFamily="34" charset="0"/>
-                <a:cs typeface="Arial" panose="020B0604020202020204" pitchFamily="34" charset="0"/>
-              </a:rPr>
-              <a:t>X</a:t>
-            </a:r>
-            <a:r>
-              <a:rPr lang="he-IL" sz="1000" dirty="0" smtClean="0">
-                <a:solidFill>
-                  <a:srgbClr val="606060"/>
-                </a:solidFill>
-                <a:latin typeface="Lato"/>
-                <a:ea typeface="Calibri" panose="020F0502020204030204" pitchFamily="34" charset="0"/>
-                <a:cs typeface="Arial" panose="020B0604020202020204" pitchFamily="34" charset="0"/>
-              </a:rPr>
-              <a:t> קדקודים ו-</a:t>
-            </a:r>
-            <a:r>
-              <a:rPr lang="en-US" sz="1000" dirty="0" smtClean="0">
-                <a:solidFill>
-                  <a:srgbClr val="606060"/>
-                </a:solidFill>
-                <a:latin typeface="Lato"/>
-                <a:ea typeface="Calibri" panose="020F0502020204030204" pitchFamily="34" charset="0"/>
-                <a:cs typeface="Arial" panose="020B0604020202020204" pitchFamily="34" charset="0"/>
-              </a:rPr>
-              <a:t>X</a:t>
-            </a:r>
-            <a:r>
-              <a:rPr lang="he-IL" sz="1000" dirty="0" smtClean="0">
-                <a:solidFill>
-                  <a:srgbClr val="606060"/>
-                </a:solidFill>
-                <a:latin typeface="Lato"/>
-                <a:ea typeface="Calibri" panose="020F0502020204030204" pitchFamily="34" charset="0"/>
-                <a:cs typeface="Arial" panose="020B0604020202020204" pitchFamily="34" charset="0"/>
-              </a:rPr>
-              <a:t> צלעות</a:t>
-            </a:r>
-            <a:r>
-              <a:rPr lang="he-IL" sz="1000" dirty="0" smtClean="0">
-                <a:solidFill>
-                  <a:srgbClr val="606060"/>
-                </a:solidFill>
-                <a:latin typeface="Lato"/>
-                <a:ea typeface="Calibri" panose="020F0502020204030204" pitchFamily="34" charset="0"/>
-                <a:cs typeface="Arial" panose="020B0604020202020204" pitchFamily="34" charset="0"/>
-              </a:rPr>
-              <a:t>.</a:t>
-            </a:r>
-          </a:p>
-          <a:p>
-            <a:pPr lvl="1">
-              <a:lnSpc>
-                <a:spcPct val="150000"/>
-              </a:lnSpc>
-              <a:spcAft>
-                <a:spcPts val="800"/>
-              </a:spcAft>
-            </a:pPr>
-            <a:r>
-              <a:rPr lang="he-IL" sz="1000" dirty="0" smtClean="0">
-                <a:solidFill>
-                  <a:srgbClr val="606060"/>
-                </a:solidFill>
-                <a:latin typeface="Lato"/>
-                <a:ea typeface="Calibri" panose="020F0502020204030204" pitchFamily="34" charset="0"/>
-                <a:cs typeface="Arial" panose="020B0604020202020204" pitchFamily="34" charset="0"/>
-              </a:rPr>
-              <a:t>רוב הגרף מורכב מהרכיב </a:t>
-            </a:r>
-            <a:r>
-              <a:rPr lang="he-IL" sz="1000" dirty="0" err="1" smtClean="0">
-                <a:solidFill>
-                  <a:srgbClr val="606060"/>
-                </a:solidFill>
-                <a:latin typeface="Lato"/>
-                <a:ea typeface="Calibri" panose="020F0502020204030204" pitchFamily="34" charset="0"/>
-                <a:cs typeface="Arial" panose="020B0604020202020204" pitchFamily="34" charset="0"/>
-              </a:rPr>
-              <a:t>הקשיר</a:t>
-            </a:r>
-            <a:r>
-              <a:rPr lang="he-IL" sz="1000" dirty="0" smtClean="0">
-                <a:solidFill>
-                  <a:srgbClr val="606060"/>
-                </a:solidFill>
-                <a:latin typeface="Lato"/>
-                <a:ea typeface="Calibri" panose="020F0502020204030204" pitchFamily="34" charset="0"/>
-                <a:cs typeface="Arial" panose="020B0604020202020204" pitchFamily="34" charset="0"/>
-              </a:rPr>
-              <a:t> הגדול ביותר ולכן הרכיבי קשירות הקטנים והבודדים פחות מעניינים ותורמים למחקר.</a:t>
-            </a:r>
-          </a:p>
-          <a:p>
-            <a:pPr lvl="1">
-              <a:lnSpc>
-                <a:spcPct val="150000"/>
-              </a:lnSpc>
-              <a:spcAft>
-                <a:spcPts val="800"/>
-              </a:spcAft>
-            </a:pPr>
-            <a:r>
-              <a:rPr lang="en-US" sz="1000" dirty="0" smtClean="0">
-                <a:solidFill>
-                  <a:srgbClr val="606060"/>
-                </a:solidFill>
-                <a:latin typeface="Lato"/>
-                <a:ea typeface="Calibri" panose="020F0502020204030204" pitchFamily="34" charset="0"/>
-                <a:cs typeface="Arial" panose="020B0604020202020204" pitchFamily="34" charset="0"/>
-              </a:rPr>
-              <a:t>f</a:t>
-            </a:r>
-            <a:r>
-              <a:rPr lang="he-IL" sz="1000" dirty="0" smtClean="0">
-                <a:solidFill>
-                  <a:srgbClr val="606060"/>
-                </a:solidFill>
-                <a:latin typeface="Lato"/>
-                <a:ea typeface="Calibri" panose="020F0502020204030204" pitchFamily="34" charset="0"/>
-                <a:cs typeface="Arial" panose="020B0604020202020204" pitchFamily="34" charset="0"/>
-              </a:rPr>
-              <a:t>. </a:t>
-            </a:r>
-            <a:endParaRPr lang="he-IL" sz="1000" dirty="0" smtClean="0">
-              <a:solidFill>
-                <a:srgbClr val="606060"/>
-              </a:solidFill>
-              <a:latin typeface="Lato"/>
-              <a:ea typeface="Calibri" panose="020F0502020204030204" pitchFamily="34" charset="0"/>
-              <a:cs typeface="Arial" panose="020B0604020202020204" pitchFamily="34" charset="0"/>
-            </a:endParaRPr>
-          </a:p>
-          <a:p>
-            <a:pPr lvl="1">
-              <a:lnSpc>
-                <a:spcPct val="150000"/>
-              </a:lnSpc>
-              <a:spcAft>
-                <a:spcPts val="800"/>
-              </a:spcAft>
-            </a:pPr>
-            <a:r>
-              <a:rPr lang="he-IL" sz="1000" dirty="0" smtClean="0">
-                <a:solidFill>
-                  <a:srgbClr val="606060"/>
-                </a:solidFill>
-                <a:latin typeface="Lato"/>
-                <a:ea typeface="Calibri" panose="020F0502020204030204" pitchFamily="34" charset="0"/>
-                <a:cs typeface="Arial" panose="020B0604020202020204" pitchFamily="34" charset="0"/>
-              </a:rPr>
-              <a:t> </a:t>
+              <a:rPr lang="he-IL" sz="1000" dirty="0">
+                <a:solidFill>
+                  <a:srgbClr val="606060"/>
+                </a:solidFill>
+                <a:latin typeface="Lato"/>
+                <a:ea typeface="Calibri" panose="020F0502020204030204" pitchFamily="34" charset="0"/>
+              </a:rPr>
+              <a:t> דרגה מקסימלית בגרף: 10.</a:t>
             </a:r>
           </a:p>
           <a:p>
@@ -6670,14 +4586,13 @@
             </a:endParaRPr>
           </a:p>
           <a:p>
-            <a:pPr marL="685800" lvl="1" indent="-228600">
+            <a:pPr lvl="1">
               <a:lnSpc>
                 <a:spcPct val="150000"/>
               </a:lnSpc>
               <a:spcAft>
                 <a:spcPts val="800"/>
               </a:spcAft>
-              <a:buAutoNum type="alphaLcPeriod" startAt="3"/>
             </a:pPr>
             <a:endParaRPr lang="he-IL" sz="1000" dirty="0">
               <a:solidFill>
@@ -6688,12 +4603,299 @@
               <a:cs typeface="Arial" panose="020B0604020202020204" pitchFamily="34" charset="0"/>
             </a:endParaRPr>
           </a:p>
+          <a:p>
+            <a:pPr lvl="1">
+              <a:lnSpc>
+                <a:spcPct val="150000"/>
+              </a:lnSpc>
+              <a:spcAft>
+                <a:spcPts val="800"/>
+              </a:spcAft>
+            </a:pPr>
+            <a:r>
+              <a:rPr lang="he-IL" sz="1000" dirty="0" smtClean="0">
+                <a:solidFill>
+                  <a:srgbClr val="606060"/>
+                </a:solidFill>
+                <a:latin typeface="Lato"/>
+                <a:ea typeface="Calibri" panose="020F0502020204030204" pitchFamily="34" charset="0"/>
+                <a:cs typeface="Arial" panose="020B0604020202020204" pitchFamily="34" charset="0"/>
+              </a:rPr>
+              <a:t>תמיכה בתכונת העולם הקטן:</a:t>
+            </a:r>
+          </a:p>
+          <a:p>
+            <a:pPr lvl="1">
+              <a:lnSpc>
+                <a:spcPct val="150000"/>
+              </a:lnSpc>
+              <a:spcAft>
+                <a:spcPts val="800"/>
+              </a:spcAft>
+            </a:pPr>
+            <a:r>
+              <a:rPr lang="he-IL" sz="1000" dirty="0" smtClean="0">
+                <a:solidFill>
+                  <a:srgbClr val="606060"/>
+                </a:solidFill>
+                <a:latin typeface="Lato"/>
+                <a:ea typeface="Calibri" panose="020F0502020204030204" pitchFamily="34" charset="0"/>
+                <a:cs typeface="Arial" panose="020B0604020202020204" pitchFamily="34" charset="0"/>
+              </a:rPr>
+              <a:t>לצורך ההחלטה ביצענו מספר חישובים:</a:t>
+            </a:r>
+          </a:p>
+          <a:p>
+            <a:pPr marL="685800" lvl="1" indent="-228600">
+              <a:lnSpc>
+                <a:spcPct val="150000"/>
+              </a:lnSpc>
+              <a:spcAft>
+                <a:spcPts val="800"/>
+              </a:spcAft>
+              <a:buAutoNum type="arabicPeriod"/>
+            </a:pPr>
+            <a:r>
+              <a:rPr lang="he-IL" sz="1000" dirty="0" smtClean="0">
+                <a:solidFill>
+                  <a:srgbClr val="606060"/>
+                </a:solidFill>
+                <a:latin typeface="Lato"/>
+                <a:ea typeface="Calibri" panose="020F0502020204030204" pitchFamily="34" charset="0"/>
+                <a:cs typeface="Arial" panose="020B0604020202020204" pitchFamily="34" charset="0"/>
+              </a:rPr>
+              <a:t>קוטר </a:t>
+            </a:r>
+            <a:r>
+              <a:rPr lang="he-IL" sz="1000" dirty="0" smtClean="0">
+                <a:solidFill>
+                  <a:srgbClr val="606060"/>
+                </a:solidFill>
+                <a:latin typeface="Lato"/>
+                <a:ea typeface="Calibri" panose="020F0502020204030204" pitchFamily="34" charset="0"/>
+              </a:rPr>
+              <a:t>הגרף</a:t>
+            </a:r>
+            <a:r>
+              <a:rPr lang="he-IL" sz="1000" dirty="0">
+                <a:solidFill>
+                  <a:srgbClr val="606060"/>
+                </a:solidFill>
+                <a:latin typeface="Lato"/>
+                <a:ea typeface="Calibri" panose="020F0502020204030204" pitchFamily="34" charset="0"/>
+              </a:rPr>
+              <a:t>: </a:t>
+            </a:r>
+            <a:r>
+              <a:rPr lang="he-IL" sz="1000" dirty="0" smtClean="0">
+                <a:solidFill>
+                  <a:srgbClr val="606060"/>
+                </a:solidFill>
+                <a:latin typeface="Lato"/>
+                <a:ea typeface="Calibri" panose="020F0502020204030204" pitchFamily="34" charset="0"/>
+              </a:rPr>
+              <a:t>11,  </a:t>
+            </a:r>
+            <a:r>
+              <a:rPr lang="he-IL" sz="1000" dirty="0">
+                <a:solidFill>
+                  <a:srgbClr val="606060"/>
+                </a:solidFill>
+                <a:latin typeface="Lato"/>
+                <a:ea typeface="Calibri" panose="020F0502020204030204" pitchFamily="34" charset="0"/>
+              </a:rPr>
+              <a:t>חושב רק בזוגות שיש ביניהם מסלול</a:t>
+            </a:r>
+            <a:r>
+              <a:rPr lang="he-IL" sz="1000" dirty="0" smtClean="0">
+                <a:solidFill>
+                  <a:srgbClr val="606060"/>
+                </a:solidFill>
+                <a:latin typeface="Lato"/>
+                <a:ea typeface="Calibri" panose="020F0502020204030204" pitchFamily="34" charset="0"/>
+              </a:rPr>
+              <a:t>.</a:t>
+            </a:r>
+          </a:p>
+          <a:p>
+            <a:pPr marL="685800" lvl="1" indent="-228600">
+              <a:lnSpc>
+                <a:spcPct val="150000"/>
+              </a:lnSpc>
+              <a:spcAft>
+                <a:spcPts val="800"/>
+              </a:spcAft>
+              <a:buAutoNum type="arabicPeriod"/>
+            </a:pPr>
+            <a:r>
+              <a:rPr lang="he-IL" sz="1000" dirty="0" smtClean="0">
+                <a:solidFill>
+                  <a:srgbClr val="606060"/>
+                </a:solidFill>
+                <a:latin typeface="Lato"/>
+                <a:ea typeface="Calibri" panose="020F0502020204030204" pitchFamily="34" charset="0"/>
+                <a:cs typeface="Arial" panose="020B0604020202020204" pitchFamily="34" charset="0"/>
+              </a:rPr>
+              <a:t>אורך מסלול ממוצע: 3.6784</a:t>
+            </a:r>
+          </a:p>
+          <a:p>
+            <a:pPr marL="685800" lvl="1" indent="-228600">
+              <a:lnSpc>
+                <a:spcPct val="150000"/>
+              </a:lnSpc>
+              <a:spcAft>
+                <a:spcPts val="800"/>
+              </a:spcAft>
+              <a:buAutoNum type="arabicPeriod"/>
+            </a:pPr>
+            <a:r>
+              <a:rPr lang="he-IL" sz="1000" dirty="0" smtClean="0">
+                <a:solidFill>
+                  <a:srgbClr val="606060"/>
+                </a:solidFill>
+                <a:latin typeface="Lato"/>
+                <a:ea typeface="Calibri" panose="020F0502020204030204" pitchFamily="34" charset="0"/>
+                <a:cs typeface="Arial" panose="020B0604020202020204" pitchFamily="34" charset="0"/>
+              </a:rPr>
+              <a:t>צפיפות </a:t>
+            </a:r>
+            <a:r>
+              <a:rPr lang="he-IL" sz="1000" dirty="0">
+                <a:solidFill>
+                  <a:srgbClr val="606060"/>
+                </a:solidFill>
+                <a:latin typeface="Lato"/>
+                <a:ea typeface="Calibri" panose="020F0502020204030204" pitchFamily="34" charset="0"/>
+              </a:rPr>
+              <a:t>הגרף: 0.8406</a:t>
+            </a:r>
+            <a:endParaRPr lang="he-IL" sz="1000" dirty="0" smtClean="0">
+              <a:solidFill>
+                <a:srgbClr val="606060"/>
+              </a:solidFill>
+              <a:latin typeface="Lato"/>
+              <a:ea typeface="Calibri" panose="020F0502020204030204" pitchFamily="34" charset="0"/>
+              <a:cs typeface="Arial" panose="020B0604020202020204" pitchFamily="34" charset="0"/>
+            </a:endParaRPr>
+          </a:p>
+          <a:p>
+            <a:pPr lvl="1">
+              <a:lnSpc>
+                <a:spcPct val="150000"/>
+              </a:lnSpc>
+              <a:spcAft>
+                <a:spcPts val="800"/>
+              </a:spcAft>
+            </a:pPr>
+            <a:endParaRPr lang="he-IL" sz="1000" dirty="0">
+              <a:solidFill>
+                <a:srgbClr val="606060"/>
+              </a:solidFill>
+              <a:latin typeface="Lato"/>
+              <a:ea typeface="Calibri" panose="020F0502020204030204" pitchFamily="34" charset="0"/>
+              <a:cs typeface="Arial" panose="020B0604020202020204" pitchFamily="34" charset="0"/>
+            </a:endParaRPr>
+          </a:p>
+          <a:p>
+            <a:pPr lvl="1">
+              <a:lnSpc>
+                <a:spcPct val="150000"/>
+              </a:lnSpc>
+              <a:spcAft>
+                <a:spcPts val="800"/>
+              </a:spcAft>
+            </a:pPr>
+            <a:r>
+              <a:rPr lang="he-IL" sz="1000" dirty="0" smtClean="0">
+                <a:solidFill>
+                  <a:srgbClr val="606060"/>
+                </a:solidFill>
+                <a:latin typeface="Lato"/>
+                <a:ea typeface="Calibri" panose="020F0502020204030204" pitchFamily="34" charset="0"/>
+                <a:cs typeface="Arial" panose="020B0604020202020204" pitchFamily="34" charset="0"/>
+              </a:rPr>
+              <a:t>לפי הנתונים שעלו ובהשוואה לאורך המסלול המצופה בהתייחסות לגודל הגרף (</a:t>
+            </a:r>
+            <a:r>
+              <a:rPr lang="pt-BR" sz="1000" dirty="0">
+                <a:solidFill>
+                  <a:srgbClr val="606060"/>
+                </a:solidFill>
+                <a:latin typeface="Lato"/>
+                <a:ea typeface="Calibri" panose="020F0502020204030204" pitchFamily="34" charset="0"/>
+                <a:cs typeface="Arial" panose="020B0604020202020204" pitchFamily="34" charset="0"/>
+              </a:rPr>
+              <a:t>log(N) = 8.4572, where N = </a:t>
+            </a:r>
+            <a:r>
+              <a:rPr lang="pt-BR" sz="1000" dirty="0" smtClean="0">
+                <a:solidFill>
+                  <a:srgbClr val="606060"/>
+                </a:solidFill>
+                <a:latin typeface="Lato"/>
+                <a:ea typeface="Calibri" panose="020F0502020204030204" pitchFamily="34" charset="0"/>
+                <a:cs typeface="Arial" panose="020B0604020202020204" pitchFamily="34" charset="0"/>
+              </a:rPr>
+              <a:t>4709</a:t>
+            </a:r>
+            <a:r>
+              <a:rPr lang="he-IL" sz="1000" dirty="0" smtClean="0">
+                <a:solidFill>
+                  <a:srgbClr val="606060"/>
+                </a:solidFill>
+                <a:latin typeface="Lato"/>
+                <a:ea typeface="Calibri" panose="020F0502020204030204" pitchFamily="34" charset="0"/>
+                <a:cs typeface="Arial" panose="020B0604020202020204" pitchFamily="34" charset="0"/>
+              </a:rPr>
+              <a:t>),</a:t>
+            </a:r>
+          </a:p>
+          <a:p>
+            <a:pPr lvl="1">
+              <a:lnSpc>
+                <a:spcPct val="150000"/>
+              </a:lnSpc>
+              <a:spcAft>
+                <a:spcPts val="800"/>
+              </a:spcAft>
+            </a:pPr>
+            <a:r>
+              <a:rPr lang="he-IL" sz="1000" dirty="0" smtClean="0">
+                <a:solidFill>
+                  <a:srgbClr val="606060"/>
+                </a:solidFill>
+                <a:latin typeface="Lato"/>
+                <a:ea typeface="Calibri" panose="020F0502020204030204" pitchFamily="34" charset="0"/>
+                <a:cs typeface="Arial" panose="020B0604020202020204" pitchFamily="34" charset="0"/>
+              </a:rPr>
+              <a:t>הגרף שלנו תומך בתכונת העולם הקטן.</a:t>
+            </a:r>
+          </a:p>
+          <a:p>
+            <a:pPr lvl="1">
+              <a:lnSpc>
+                <a:spcPct val="150000"/>
+              </a:lnSpc>
+              <a:spcAft>
+                <a:spcPts val="800"/>
+              </a:spcAft>
+            </a:pPr>
+            <a:endParaRPr lang="he-IL" sz="1000" dirty="0">
+              <a:solidFill>
+                <a:srgbClr val="606060"/>
+              </a:solidFill>
+              <a:latin typeface="Lato"/>
+              <a:ea typeface="Calibri" panose="020F0502020204030204" pitchFamily="34" charset="0"/>
+              <a:cs typeface="Arial" panose="020B0604020202020204" pitchFamily="34" charset="0"/>
+            </a:endParaRPr>
+          </a:p>
         </p:txBody>
       </p:sp>
     </p:spTree>
     <p:extLst>
       <p:ext uri="{BB962C8B-B14F-4D97-AF65-F5344CB8AC3E}">
-        <p14:creationId xmlns:p14="http://schemas.microsoft.com/office/powerpoint/2010/main" val="1829270986"/>
+        <p14:creationId xmlns:p14="http://schemas.microsoft.com/office/powerpoint/2010/main" val="3967624943"/>
       </p:ext>
     </p:extLst>
   </p:cSld>
@@ -6722,6 +4924,458 @@
       </p:grpSpPr>
       <p:sp>
         <p:nvSpPr>
+          <p:cNvPr id="3" name="מלבן 2"/>
+          <p:cNvSpPr/>
+          <p:nvPr/>
+        </p:nvSpPr>
+        <p:spPr>
+          <a:xfrm>
+            <a:off x="4282038" y="492423"/>
+            <a:ext cx="7628022" cy="1656864"/>
+          </a:xfrm>
+          <a:prstGeom prst="rect">
+            <a:avLst/>
+          </a:prstGeom>
+        </p:spPr>
+        <p:txBody>
+          <a:bodyPr wrap="square">
+            <a:spAutoFit/>
+          </a:bodyPr>
+          <a:lstStyle/>
+          <a:p>
+            <a:pPr lvl="1">
+              <a:lnSpc>
+                <a:spcPct val="150000"/>
+              </a:lnSpc>
+              <a:spcAft>
+                <a:spcPts val="800"/>
+              </a:spcAft>
+            </a:pPr>
+            <a:r>
+              <a:rPr lang="he-IL" sz="1000" dirty="0" smtClean="0">
+                <a:solidFill>
+                  <a:srgbClr val="606060"/>
+                </a:solidFill>
+                <a:latin typeface="Lato"/>
+                <a:ea typeface="Calibri" panose="020F0502020204030204" pitchFamily="34" charset="0"/>
+                <a:cs typeface="Arial" panose="020B0604020202020204" pitchFamily="34" charset="0"/>
+              </a:rPr>
+              <a:t>מדדי מרכזיות בסיסיים</a:t>
+            </a:r>
+            <a:r>
+              <a:rPr lang="he-IL" sz="1000" dirty="0" smtClean="0">
+                <a:solidFill>
+                  <a:srgbClr val="606060"/>
+                </a:solidFill>
+                <a:latin typeface="Lato"/>
+                <a:ea typeface="Calibri" panose="020F0502020204030204" pitchFamily="34" charset="0"/>
+                <a:cs typeface="Arial" panose="020B0604020202020204" pitchFamily="34" charset="0"/>
+              </a:rPr>
+              <a:t>:</a:t>
+            </a:r>
+          </a:p>
+          <a:p>
+            <a:pPr lvl="1">
+              <a:lnSpc>
+                <a:spcPct val="150000"/>
+              </a:lnSpc>
+              <a:spcAft>
+                <a:spcPts val="800"/>
+              </a:spcAft>
+            </a:pPr>
+            <a:r>
+              <a:rPr lang="en-US" sz="1000" dirty="0" err="1" smtClean="0">
+                <a:solidFill>
+                  <a:srgbClr val="606060"/>
+                </a:solidFill>
+                <a:latin typeface="Lato"/>
+                <a:ea typeface="Calibri" panose="020F0502020204030204" pitchFamily="34" charset="0"/>
+                <a:cs typeface="Arial" panose="020B0604020202020204" pitchFamily="34" charset="0"/>
+              </a:rPr>
+              <a:t>Closnes</a:t>
+            </a:r>
+            <a:r>
+              <a:rPr lang="en-US" sz="1000" dirty="0" smtClean="0">
+                <a:solidFill>
+                  <a:srgbClr val="606060"/>
+                </a:solidFill>
+                <a:latin typeface="Lato"/>
+                <a:ea typeface="Calibri" panose="020F0502020204030204" pitchFamily="34" charset="0"/>
+                <a:cs typeface="Arial" panose="020B0604020202020204" pitchFamily="34" charset="0"/>
+              </a:rPr>
+              <a:t> &amp; </a:t>
+            </a:r>
+            <a:r>
+              <a:rPr lang="en-US" sz="1000" dirty="0" err="1" smtClean="0">
+                <a:solidFill>
+                  <a:srgbClr val="606060"/>
+                </a:solidFill>
+                <a:latin typeface="Lato"/>
+                <a:ea typeface="Calibri" panose="020F0502020204030204" pitchFamily="34" charset="0"/>
+                <a:cs typeface="Arial" panose="020B0604020202020204" pitchFamily="34" charset="0"/>
+              </a:rPr>
+              <a:t>betweenness</a:t>
+            </a:r>
+            <a:r>
+              <a:rPr lang="en-US" sz="1000" dirty="0" smtClean="0">
+                <a:solidFill>
+                  <a:srgbClr val="606060"/>
+                </a:solidFill>
+                <a:latin typeface="Lato"/>
+                <a:ea typeface="Calibri" panose="020F0502020204030204" pitchFamily="34" charset="0"/>
+                <a:cs typeface="Arial" panose="020B0604020202020204" pitchFamily="34" charset="0"/>
+              </a:rPr>
+              <a:t>:</a:t>
+            </a:r>
+          </a:p>
+          <a:p>
+            <a:pPr lvl="1">
+              <a:lnSpc>
+                <a:spcPct val="150000"/>
+              </a:lnSpc>
+              <a:spcAft>
+                <a:spcPts val="800"/>
+              </a:spcAft>
+            </a:pPr>
+            <a:endParaRPr lang="en-US" sz="1000" dirty="0">
+              <a:solidFill>
+                <a:srgbClr val="606060"/>
+              </a:solidFill>
+              <a:latin typeface="Lato"/>
+              <a:ea typeface="Calibri" panose="020F0502020204030204" pitchFamily="34" charset="0"/>
+              <a:cs typeface="Arial" panose="020B0604020202020204" pitchFamily="34" charset="0"/>
+            </a:endParaRPr>
+          </a:p>
+          <a:p>
+            <a:pPr lvl="1">
+              <a:lnSpc>
+                <a:spcPct val="150000"/>
+              </a:lnSpc>
+              <a:spcAft>
+                <a:spcPts val="800"/>
+              </a:spcAft>
+            </a:pPr>
+            <a:endParaRPr lang="he-IL" sz="1000" dirty="0" smtClean="0">
+              <a:solidFill>
+                <a:srgbClr val="606060"/>
+              </a:solidFill>
+              <a:latin typeface="Lato"/>
+              <a:ea typeface="Calibri" panose="020F0502020204030204" pitchFamily="34" charset="0"/>
+              <a:cs typeface="Arial" panose="020B0604020202020204" pitchFamily="34" charset="0"/>
+            </a:endParaRPr>
+          </a:p>
+          <a:p>
+            <a:pPr marL="685800" lvl="1" indent="-228600">
+              <a:lnSpc>
+                <a:spcPct val="150000"/>
+              </a:lnSpc>
+              <a:spcAft>
+                <a:spcPts val="800"/>
+              </a:spcAft>
+              <a:buAutoNum type="alphaLcPeriod" startAt="3"/>
+            </a:pPr>
+            <a:endParaRPr lang="he-IL" sz="1000" dirty="0">
+              <a:solidFill>
+                <a:srgbClr val="606060"/>
+              </a:solidFill>
+              <a:latin typeface="Lato"/>
+              <a:ea typeface="Calibri" panose="020F0502020204030204" pitchFamily="34" charset="0"/>
+              <a:cs typeface="Arial" panose="020B0604020202020204" pitchFamily="34" charset="0"/>
+            </a:endParaRPr>
+          </a:p>
+        </p:txBody>
+      </p:sp>
+      <p:pic>
+        <p:nvPicPr>
+          <p:cNvPr id="2" name="תמונה 1"/>
+          <p:cNvPicPr>
+            <a:picLocks noChangeAspect="1"/>
+          </p:cNvPicPr>
+          <p:nvPr/>
+        </p:nvPicPr>
+        <p:blipFill>
+          <a:blip r:embed="rId2">
+            <a:extLst>
+              <a:ext uri="{28A0092B-C50C-407E-A947-70E740481C1C}">
+                <a14:useLocalDpi xmlns:a14="http://schemas.microsoft.com/office/drawing/2010/main" val="0"/>
+              </a:ext>
+            </a:extLst>
+          </a:blip>
+          <a:stretch>
+            <a:fillRect/>
+          </a:stretch>
+        </p:blipFill>
+        <p:spPr>
+          <a:xfrm>
+            <a:off x="1486622" y="1122919"/>
+            <a:ext cx="4443721" cy="3159831"/>
+          </a:xfrm>
+          <a:prstGeom prst="rect">
+            <a:avLst/>
+          </a:prstGeom>
+        </p:spPr>
+      </p:pic>
+      <p:pic>
+        <p:nvPicPr>
+          <p:cNvPr id="5" name="תמונה 4"/>
+          <p:cNvPicPr>
+            <a:picLocks noChangeAspect="1"/>
+          </p:cNvPicPr>
+          <p:nvPr/>
+        </p:nvPicPr>
+        <p:blipFill>
+          <a:blip r:embed="rId3">
+            <a:extLst>
+              <a:ext uri="{28A0092B-C50C-407E-A947-70E740481C1C}">
+                <a14:useLocalDpi xmlns:a14="http://schemas.microsoft.com/office/drawing/2010/main" val="0"/>
+              </a:ext>
+            </a:extLst>
+          </a:blip>
+          <a:stretch>
+            <a:fillRect/>
+          </a:stretch>
+        </p:blipFill>
+        <p:spPr>
+          <a:xfrm>
+            <a:off x="7011642" y="2628073"/>
+            <a:ext cx="4390365" cy="3309353"/>
+          </a:xfrm>
+          <a:prstGeom prst="rect">
+            <a:avLst/>
+          </a:prstGeom>
+        </p:spPr>
+      </p:pic>
+    </p:spTree>
+    <p:extLst>
+      <p:ext uri="{BB962C8B-B14F-4D97-AF65-F5344CB8AC3E}">
+        <p14:creationId xmlns:p14="http://schemas.microsoft.com/office/powerpoint/2010/main" val="1829270986"/>
+      </p:ext>
+    </p:extLst>
+  </p:cSld>
+  <p:clrMapOvr>
+    <a:masterClrMapping/>
+  </p:clrMapOvr>
+</p:sld>
+</file>
+
+<file path=ppt/slides/slide6.xml><?xml version="1.0" encoding="utf-8"?>
+<p:sld xmlns:a="http://schemas.openxmlformats.org/drawingml/2006/main" xmlns:r="http://schemas.openxmlformats.org/officeDocument/2006/relationships" xmlns:p="http://schemas.openxmlformats.org/presentationml/2006/main">
+  <p:cSld>
+    <p:spTree>
+      <p:nvGrpSpPr>
+        <p:cNvPr id="1" name=""/>
+        <p:cNvGrpSpPr/>
+        <p:nvPr/>
+      </p:nvGrpSpPr>
+      <p:grpSpPr>
+        <a:xfrm>
+          <a:off x="0" y="0"/>
+          <a:ext cx="0" cy="0"/>
+          <a:chOff x="0" y="0"/>
+          <a:chExt cx="0" cy="0"/>
+        </a:xfrm>
+      </p:grpSpPr>
+      <p:sp>
+        <p:nvSpPr>
+          <p:cNvPr id="3" name="מלבן 2"/>
+          <p:cNvSpPr/>
+          <p:nvPr/>
+        </p:nvSpPr>
+        <p:spPr>
+          <a:xfrm>
+            <a:off x="4282038" y="492423"/>
+            <a:ext cx="7628022" cy="1294906"/>
+          </a:xfrm>
+          <a:prstGeom prst="rect">
+            <a:avLst/>
+          </a:prstGeom>
+        </p:spPr>
+        <p:txBody>
+          <a:bodyPr wrap="square">
+            <a:spAutoFit/>
+          </a:bodyPr>
+          <a:lstStyle/>
+          <a:p>
+            <a:pPr lvl="1">
+              <a:lnSpc>
+                <a:spcPct val="150000"/>
+              </a:lnSpc>
+              <a:spcAft>
+                <a:spcPts val="800"/>
+              </a:spcAft>
+            </a:pPr>
+            <a:r>
+              <a:rPr lang="he-IL" sz="1000" dirty="0" err="1" smtClean="0">
+                <a:solidFill>
+                  <a:srgbClr val="606060"/>
+                </a:solidFill>
+                <a:latin typeface="Lato"/>
+                <a:ea typeface="Calibri" panose="020F0502020204030204" pitchFamily="34" charset="0"/>
+                <a:cs typeface="Arial" panose="020B0604020202020204" pitchFamily="34" charset="0"/>
+              </a:rPr>
+              <a:t>היסטוגרמה</a:t>
+            </a:r>
+            <a:r>
+              <a:rPr lang="he-IL" sz="1000" dirty="0" smtClean="0">
+                <a:solidFill>
+                  <a:srgbClr val="606060"/>
+                </a:solidFill>
+                <a:latin typeface="Lato"/>
+                <a:ea typeface="Calibri" panose="020F0502020204030204" pitchFamily="34" charset="0"/>
+                <a:cs typeface="Arial" panose="020B0604020202020204" pitchFamily="34" charset="0"/>
+              </a:rPr>
+              <a:t> של התפלגות דרגות:</a:t>
+            </a:r>
+          </a:p>
+          <a:p>
+            <a:pPr lvl="1">
+              <a:lnSpc>
+                <a:spcPct val="150000"/>
+              </a:lnSpc>
+              <a:spcAft>
+                <a:spcPts val="800"/>
+              </a:spcAft>
+            </a:pPr>
+            <a:endParaRPr lang="en-US" sz="1000" dirty="0">
+              <a:solidFill>
+                <a:srgbClr val="606060"/>
+              </a:solidFill>
+              <a:latin typeface="Lato"/>
+              <a:ea typeface="Calibri" panose="020F0502020204030204" pitchFamily="34" charset="0"/>
+              <a:cs typeface="Arial" panose="020B0604020202020204" pitchFamily="34" charset="0"/>
+            </a:endParaRPr>
+          </a:p>
+          <a:p>
+            <a:pPr lvl="1">
+              <a:lnSpc>
+                <a:spcPct val="150000"/>
+              </a:lnSpc>
+              <a:spcAft>
+                <a:spcPts val="800"/>
+              </a:spcAft>
+            </a:pPr>
+            <a:endParaRPr lang="he-IL" sz="1000" dirty="0" smtClean="0">
+              <a:solidFill>
+                <a:srgbClr val="606060"/>
+              </a:solidFill>
+              <a:latin typeface="Lato"/>
+              <a:ea typeface="Calibri" panose="020F0502020204030204" pitchFamily="34" charset="0"/>
+              <a:cs typeface="Arial" panose="020B0604020202020204" pitchFamily="34" charset="0"/>
+            </a:endParaRPr>
+          </a:p>
+          <a:p>
+            <a:pPr marL="685800" lvl="1" indent="-228600">
+              <a:lnSpc>
+                <a:spcPct val="150000"/>
+              </a:lnSpc>
+              <a:spcAft>
+                <a:spcPts val="800"/>
+              </a:spcAft>
+              <a:buAutoNum type="alphaLcPeriod" startAt="3"/>
+            </a:pPr>
+            <a:endParaRPr lang="he-IL" sz="1000" dirty="0">
+              <a:solidFill>
+                <a:srgbClr val="606060"/>
+              </a:solidFill>
+              <a:latin typeface="Lato"/>
+              <a:ea typeface="Calibri" panose="020F0502020204030204" pitchFamily="34" charset="0"/>
+              <a:cs typeface="Arial" panose="020B0604020202020204" pitchFamily="34" charset="0"/>
+            </a:endParaRPr>
+          </a:p>
+        </p:txBody>
+      </p:sp>
+      <p:pic>
+        <p:nvPicPr>
+          <p:cNvPr id="4" name="תמונה 3"/>
+          <p:cNvPicPr>
+            <a:picLocks noChangeAspect="1"/>
+          </p:cNvPicPr>
+          <p:nvPr/>
+        </p:nvPicPr>
+        <p:blipFill>
+          <a:blip r:embed="rId2">
+            <a:extLst>
+              <a:ext uri="{28A0092B-C50C-407E-A947-70E740481C1C}">
+                <a14:useLocalDpi xmlns:a14="http://schemas.microsoft.com/office/drawing/2010/main" val="0"/>
+              </a:ext>
+            </a:extLst>
+          </a:blip>
+          <a:stretch>
+            <a:fillRect/>
+          </a:stretch>
+        </p:blipFill>
+        <p:spPr>
+          <a:xfrm>
+            <a:off x="6454041" y="1304366"/>
+            <a:ext cx="5068007" cy="3820058"/>
+          </a:xfrm>
+          <a:prstGeom prst="rect">
+            <a:avLst/>
+          </a:prstGeom>
+        </p:spPr>
+      </p:pic>
+      <p:pic>
+        <p:nvPicPr>
+          <p:cNvPr id="6" name="תמונה 5"/>
+          <p:cNvPicPr>
+            <a:picLocks noChangeAspect="1"/>
+          </p:cNvPicPr>
+          <p:nvPr/>
+        </p:nvPicPr>
+        <p:blipFill>
+          <a:blip r:embed="rId3">
+            <a:extLst>
+              <a:ext uri="{28A0092B-C50C-407E-A947-70E740481C1C}">
+                <a14:useLocalDpi xmlns:a14="http://schemas.microsoft.com/office/drawing/2010/main" val="0"/>
+              </a:ext>
+            </a:extLst>
+          </a:blip>
+          <a:stretch>
+            <a:fillRect/>
+          </a:stretch>
+        </p:blipFill>
+        <p:spPr>
+          <a:xfrm>
+            <a:off x="1070832" y="1787329"/>
+            <a:ext cx="4706007" cy="3762900"/>
+          </a:xfrm>
+          <a:prstGeom prst="rect">
+            <a:avLst/>
+          </a:prstGeom>
+        </p:spPr>
+      </p:pic>
+    </p:spTree>
+    <p:extLst>
+      <p:ext uri="{BB962C8B-B14F-4D97-AF65-F5344CB8AC3E}">
+        <p14:creationId xmlns:p14="http://schemas.microsoft.com/office/powerpoint/2010/main" val="3296751014"/>
+      </p:ext>
+    </p:extLst>
+  </p:cSld>
+  <p:clrMapOvr>
+    <a:masterClrMapping/>
+  </p:clrMapOvr>
+</p:sld>
+</file>
+
+<file path=ppt/slides/slide7.xml><?xml version="1.0" encoding="utf-8"?>
+<p:sld xmlns:a="http://schemas.openxmlformats.org/drawingml/2006/main" xmlns:r="http://schemas.openxmlformats.org/officeDocument/2006/relationships" xmlns:p="http://schemas.openxmlformats.org/presentationml/2006/main">
+  <p:cSld>
+    <p:spTree>
+      <p:nvGrpSpPr>
+        <p:cNvPr id="1" name=""/>
+        <p:cNvGrpSpPr/>
+        <p:nvPr/>
+      </p:nvGrpSpPr>
+      <p:grpSpPr>
+        <a:xfrm>
+          <a:off x="0" y="0"/>
+          <a:ext cx="0" cy="0"/>
+          <a:chOff x="0" y="0"/>
+          <a:chExt cx="0" cy="0"/>
+        </a:xfrm>
+      </p:grpSpPr>
+      <p:sp>
+        <p:nvSpPr>
           <p:cNvPr id="2" name="TextBox 1"/>
           <p:cNvSpPr txBox="1"/>
           <p:nvPr/>
@@ -6754,8 +5408,8 @@
         </p:nvSpPr>
         <p:spPr>
           <a:xfrm>
-            <a:off x="4634204" y="677224"/>
-            <a:ext cx="6096000" cy="3680495"/>
+            <a:off x="4554956" y="305368"/>
+            <a:ext cx="6096000" cy="3452227"/>
           </a:xfrm>
           <a:prstGeom prst="rect">
             <a:avLst/>
@@ -6783,7 +5437,7 @@
                 <a:latin typeface="Lato"/>
                 <a:ea typeface="Calibri" panose="020F0502020204030204" pitchFamily="34" charset="0"/>
               </a:rPr>
-              <a:t>2. הגדירו </a:t>
+              <a:t>בכוונתנו </a:t>
             </a:r>
             <a:r>
               <a:rPr lang="he-IL" sz="1000" dirty="0">
@@ -6793,126 +5447,21 @@
                 <a:latin typeface="Lato"/>
                 <a:ea typeface="Calibri" panose="020F0502020204030204" pitchFamily="34" charset="0"/>
               </a:rPr>
-              <a:t>את מטרת </a:t>
-            </a:r>
-            <a:r>
-              <a:rPr lang="he-IL" sz="1000" dirty="0" err="1">
-                <a:solidFill>
-                  <a:srgbClr val="606060"/>
-                </a:solidFill>
-                <a:latin typeface="Lato"/>
-                <a:ea typeface="Calibri" panose="020F0502020204030204" pitchFamily="34" charset="0"/>
-              </a:rPr>
-              <a:t>הפרוייקט</a:t>
-            </a:r>
-            <a:r>
-              <a:rPr lang="he-IL" sz="1000" dirty="0">
-                <a:solidFill>
-                  <a:srgbClr val="606060"/>
-                </a:solidFill>
-                <a:latin typeface="Lato"/>
-                <a:ea typeface="Calibri" panose="020F0502020204030204" pitchFamily="34" charset="0"/>
-              </a:rPr>
-              <a:t>:</a:t>
-            </a:r>
-            <a:endParaRPr lang="en-US" sz="1100" dirty="0">
-              <a:latin typeface="Calibri" panose="020F0502020204030204" pitchFamily="34" charset="0"/>
-              <a:ea typeface="Calibri" panose="020F0502020204030204" pitchFamily="34" charset="0"/>
-              <a:cs typeface="Arial" panose="020B0604020202020204" pitchFamily="34" charset="0"/>
-            </a:endParaRPr>
-          </a:p>
-          <a:p>
-            <a:pPr marL="742950" lvl="1" indent="-285750">
-              <a:lnSpc>
-                <a:spcPct val="150000"/>
-              </a:lnSpc>
-              <a:spcAft>
-                <a:spcPts val="800"/>
-              </a:spcAft>
-              <a:buFont typeface="+mj-lt"/>
-              <a:buAutoNum type="alphaLcPeriod"/>
-            </a:pPr>
-            <a:r>
-              <a:rPr lang="he-IL" sz="1000" dirty="0">
-                <a:solidFill>
-                  <a:srgbClr val="606060"/>
-                </a:solidFill>
-                <a:latin typeface="Lato"/>
-                <a:ea typeface="Calibri" panose="020F0502020204030204" pitchFamily="34" charset="0"/>
-              </a:rPr>
-              <a:t>מה ברצונכם לבדוק? מהי שאלת המחקר שלכם</a:t>
-            </a:r>
-            <a:r>
-              <a:rPr lang="he-IL" sz="1000" dirty="0" smtClean="0">
-                <a:solidFill>
-                  <a:srgbClr val="606060"/>
-                </a:solidFill>
-                <a:latin typeface="Lato"/>
-                <a:ea typeface="Calibri" panose="020F0502020204030204" pitchFamily="34" charset="0"/>
-              </a:rPr>
-              <a:t>?</a:t>
-            </a:r>
-          </a:p>
-          <a:p>
-            <a:pPr marL="685800" lvl="1" indent="-228600">
-              <a:lnSpc>
-                <a:spcPct val="150000"/>
-              </a:lnSpc>
-              <a:spcAft>
-                <a:spcPts val="800"/>
-              </a:spcAft>
-              <a:buAutoNum type="arabicPeriod"/>
-            </a:pPr>
-            <a:r>
-              <a:rPr lang="he-IL" sz="1000" dirty="0" smtClean="0">
-                <a:solidFill>
-                  <a:srgbClr val="606060"/>
-                </a:solidFill>
-                <a:latin typeface="Lato"/>
-                <a:ea typeface="Calibri" panose="020F0502020204030204" pitchFamily="34" charset="0"/>
-              </a:rPr>
-              <a:t>האם </a:t>
-            </a:r>
-            <a:r>
-              <a:rPr lang="he-IL" sz="1000" dirty="0">
-                <a:solidFill>
-                  <a:srgbClr val="606060"/>
-                </a:solidFill>
-                <a:latin typeface="Lato"/>
-                <a:ea typeface="Calibri" panose="020F0502020204030204" pitchFamily="34" charset="0"/>
-              </a:rPr>
-              <a:t>קיימות קהילות (</a:t>
-            </a:r>
-            <a:r>
-              <a:rPr lang="en-US" sz="1000" dirty="0">
-                <a:solidFill>
-                  <a:srgbClr val="606060"/>
-                </a:solidFill>
-                <a:latin typeface="Lato"/>
-                <a:ea typeface="Calibri" panose="020F0502020204030204" pitchFamily="34" charset="0"/>
-              </a:rPr>
-              <a:t>clusters) </a:t>
-            </a:r>
-            <a:r>
-              <a:rPr lang="he-IL" sz="1000" dirty="0">
-                <a:solidFill>
-                  <a:srgbClr val="606060"/>
-                </a:solidFill>
-                <a:latin typeface="Lato"/>
-                <a:ea typeface="Calibri" panose="020F0502020204030204" pitchFamily="34" charset="0"/>
-              </a:rPr>
-              <a:t>שבהן המשתמשים נותנים דירוגים חיוביים זה לזה? </a:t>
-            </a:r>
-            <a:endParaRPr lang="he-IL" sz="1000" dirty="0" smtClean="0">
-              <a:solidFill>
-                <a:srgbClr val="606060"/>
-              </a:solidFill>
-              <a:latin typeface="Lato"/>
-              <a:ea typeface="Calibri" panose="020F0502020204030204" pitchFamily="34" charset="0"/>
-            </a:endParaRPr>
-          </a:p>
-          <a:p>
-            <a:pPr lvl="1">
+              <a:t>לבדוק את מידת האמינות של דירוגים באתר</a:t>
+            </a:r>
+            <a:r>
+              <a:rPr lang="he-IL" sz="1000" dirty="0" smtClean="0">
+                <a:solidFill>
+                  <a:srgbClr val="606060"/>
+                </a:solidFill>
+                <a:latin typeface="Lato"/>
+                <a:ea typeface="Calibri" panose="020F0502020204030204" pitchFamily="34" charset="0"/>
+              </a:rPr>
+              <a:t>,</a:t>
+            </a:r>
+          </a:p>
+          <a:p>
+            <a:pPr lvl="0">
               <a:lnSpc>
                 <a:spcPct val="150000"/>
               </a:lnSpc>
@@ -6928,18 +5477,51 @@
                 <a:latin typeface="Lato"/>
                 <a:ea typeface="Calibri" panose="020F0502020204030204" pitchFamily="34" charset="0"/>
               </a:rPr>
-              <a:t>האם הדירוגים באתר אמינים?</a:t>
-            </a:r>
-            <a:endParaRPr lang="he-IL" sz="1000" dirty="0">
-              <a:solidFill>
-                <a:srgbClr val="606060"/>
-              </a:solidFill>
-              <a:latin typeface="Lato"/>
-              <a:ea typeface="Calibri" panose="020F0502020204030204" pitchFamily="34" charset="0"/>
-            </a:endParaRPr>
-          </a:p>
-          <a:p>
-            <a:pPr lvl="1">
+              <a:t>על-ידי </a:t>
+            </a:r>
+            <a:r>
+              <a:rPr lang="he-IL" sz="1000" dirty="0">
+                <a:solidFill>
+                  <a:srgbClr val="606060"/>
+                </a:solidFill>
+                <a:latin typeface="Lato"/>
+                <a:ea typeface="Calibri" panose="020F0502020204030204" pitchFamily="34" charset="0"/>
+              </a:rPr>
+              <a:t>בחינה של התנהגות המשתמשים שמדרגים משתמשים </a:t>
+            </a:r>
+            <a:r>
+              <a:rPr lang="he-IL" sz="1000" dirty="0" smtClean="0">
+                <a:solidFill>
+                  <a:srgbClr val="606060"/>
+                </a:solidFill>
+                <a:latin typeface="Lato"/>
+                <a:ea typeface="Calibri" panose="020F0502020204030204" pitchFamily="34" charset="0"/>
+              </a:rPr>
+              <a:t>אחרים, אנו </a:t>
+            </a:r>
+            <a:r>
+              <a:rPr lang="he-IL" sz="1000" dirty="0">
+                <a:solidFill>
+                  <a:srgbClr val="606060"/>
+                </a:solidFill>
+                <a:latin typeface="Lato"/>
+                <a:ea typeface="Calibri" panose="020F0502020204030204" pitchFamily="34" charset="0"/>
+              </a:rPr>
+              <a:t>נבחן האם הדירוגים ניתנים מסיבות מקצועיות, אובייקטיביות, או שקיימות הטיות חברתיות שונות – חיוביות ושליליות – אשר פוגעות </a:t>
+            </a:r>
+            <a:r>
+              <a:rPr lang="he-IL" sz="1000" dirty="0" smtClean="0">
+                <a:solidFill>
+                  <a:srgbClr val="606060"/>
+                </a:solidFill>
+                <a:latin typeface="Lato"/>
+                <a:ea typeface="Calibri" panose="020F0502020204030204" pitchFamily="34" charset="0"/>
+              </a:rPr>
+              <a:t>באמינותם.</a:t>
+            </a:r>
+          </a:p>
+          <a:p>
+            <a:pPr lvl="0">
               <a:lnSpc>
                 <a:spcPct val="150000"/>
               </a:lnSpc>
@@ -6954,83 +5536,12 @@
                 </a:solidFill>
                 <a:latin typeface="Lato"/>
                 <a:ea typeface="Calibri" panose="020F0502020204030204" pitchFamily="34" charset="0"/>
-                <a:cs typeface="Arial" panose="020B0604020202020204" pitchFamily="34" charset="0"/>
-              </a:rPr>
-              <a:t>מחכות </a:t>
-            </a:r>
-            <a:r>
-              <a:rPr lang="he-IL" sz="1000" dirty="0" err="1" smtClean="0">
-                <a:solidFill>
-                  <a:srgbClr val="606060"/>
-                </a:solidFill>
-                <a:latin typeface="Lato"/>
-                <a:ea typeface="Calibri" panose="020F0502020204030204" pitchFamily="34" charset="0"/>
-                <a:cs typeface="Arial" panose="020B0604020202020204" pitchFamily="34" charset="0"/>
-              </a:rPr>
-              <a:t>שהדסההה</a:t>
-            </a:r>
-            <a:r>
-              <a:rPr lang="he-IL" sz="1000" dirty="0" smtClean="0">
-                <a:solidFill>
-                  <a:srgbClr val="606060"/>
-                </a:solidFill>
-                <a:latin typeface="Lato"/>
-                <a:ea typeface="Calibri" panose="020F0502020204030204" pitchFamily="34" charset="0"/>
-                <a:cs typeface="Arial" panose="020B0604020202020204" pitchFamily="34" charset="0"/>
-              </a:rPr>
-              <a:t> </a:t>
-            </a:r>
-            <a:r>
-              <a:rPr lang="he-IL" sz="1000" dirty="0" err="1" smtClean="0">
-                <a:solidFill>
-                  <a:srgbClr val="606060"/>
-                </a:solidFill>
-                <a:latin typeface="Lato"/>
-                <a:ea typeface="Calibri" panose="020F0502020204030204" pitchFamily="34" charset="0"/>
-                <a:cs typeface="Arial" panose="020B0604020202020204" pitchFamily="34" charset="0"/>
-              </a:rPr>
-              <a:t>תענההה</a:t>
-            </a:r>
-            <a:endParaRPr lang="en-US" sz="1100" dirty="0">
-              <a:latin typeface="Calibri" panose="020F0502020204030204" pitchFamily="34" charset="0"/>
-              <a:ea typeface="Calibri" panose="020F0502020204030204" pitchFamily="34" charset="0"/>
-              <a:cs typeface="Arial" panose="020B0604020202020204" pitchFamily="34" charset="0"/>
-            </a:endParaRPr>
-          </a:p>
-          <a:p>
-            <a:pPr marL="742950" lvl="1" indent="-285750">
-              <a:lnSpc>
-                <a:spcPct val="150000"/>
-              </a:lnSpc>
-              <a:spcAft>
-                <a:spcPts val="800"/>
-              </a:spcAft>
-              <a:buFont typeface="+mj-lt"/>
-              <a:buAutoNum type="alphaLcPeriod"/>
-            </a:pPr>
-            <a:r>
-              <a:rPr lang="he-IL" sz="1000" dirty="0">
-                <a:solidFill>
-                  <a:srgbClr val="606060"/>
-                </a:solidFill>
-                <a:latin typeface="Lato"/>
-                <a:ea typeface="Calibri" panose="020F0502020204030204" pitchFamily="34" charset="0"/>
-              </a:rPr>
-              <a:t>מהי השערת המחקר שלכם (בסעיף זה יש להציע מידול מתמטי לתופעה החברתית אותה אתם בודקים</a:t>
-            </a:r>
-            <a:r>
-              <a:rPr lang="he-IL" sz="1000" dirty="0" smtClean="0">
-                <a:solidFill>
-                  <a:srgbClr val="606060"/>
-                </a:solidFill>
-                <a:latin typeface="Lato"/>
-                <a:ea typeface="Calibri" panose="020F0502020204030204" pitchFamily="34" charset="0"/>
-              </a:rPr>
-              <a:t>)</a:t>
-            </a:r>
-          </a:p>
-          <a:p>
-            <a:pPr lvl="1">
+              </a:rPr>
+              <a:t>שאלת המחקר:</a:t>
+            </a:r>
+          </a:p>
+          <a:p>
+            <a:pPr lvl="0">
               <a:lnSpc>
                 <a:spcPct val="150000"/>
               </a:lnSpc>
@@ -7039,46 +5550,15 @@
               </a:spcAft>
             </a:pPr>
             <a:r>
-              <a:rPr lang="he-IL" sz="1100" dirty="0" smtClean="0">
-                <a:latin typeface="Calibri" panose="020F0502020204030204" pitchFamily="34" charset="0"/>
-                <a:ea typeface="Calibri" panose="020F0502020204030204" pitchFamily="34" charset="0"/>
-                <a:cs typeface="Arial" panose="020B0604020202020204" pitchFamily="34" charset="0"/>
-              </a:rPr>
-              <a:t>לא, ישנם קליקות של שמור לי ואשמור לך, וישנם </a:t>
-            </a:r>
-            <a:r>
-              <a:rPr lang="he-IL" sz="1100" dirty="0" err="1" smtClean="0">
-                <a:latin typeface="Calibri" panose="020F0502020204030204" pitchFamily="34" charset="0"/>
-                <a:ea typeface="Calibri" panose="020F0502020204030204" pitchFamily="34" charset="0"/>
-                <a:cs typeface="Arial" panose="020B0604020202020204" pitchFamily="34" charset="0"/>
-              </a:rPr>
-              <a:t>נקמנויות</a:t>
-            </a:r>
-            <a:r>
-              <a:rPr lang="he-IL" sz="1100" dirty="0" smtClean="0">
-                <a:latin typeface="Calibri" panose="020F0502020204030204" pitchFamily="34" charset="0"/>
-                <a:ea typeface="Calibri" panose="020F0502020204030204" pitchFamily="34" charset="0"/>
-                <a:cs typeface="Arial" panose="020B0604020202020204" pitchFamily="34" charset="0"/>
-              </a:rPr>
-              <a:t>.</a:t>
-            </a:r>
-            <a:endParaRPr lang="en-US" sz="1100" dirty="0">
-              <a:latin typeface="Calibri" panose="020F0502020204030204" pitchFamily="34" charset="0"/>
-              <a:ea typeface="Calibri" panose="020F0502020204030204" pitchFamily="34" charset="0"/>
-              <a:cs typeface="Arial" panose="020B0604020202020204" pitchFamily="34" charset="0"/>
-            </a:endParaRPr>
-          </a:p>
-          <a:p>
-            <a:pPr marL="742950" lvl="1" indent="-285750">
-              <a:lnSpc>
-                <a:spcPct val="150000"/>
-              </a:lnSpc>
-              <a:spcAft>
-                <a:spcPts val="800"/>
-              </a:spcAft>
-              <a:buFont typeface="+mj-lt"/>
-              <a:buAutoNum type="alphaLcPeriod"/>
-            </a:pPr>
+              <a:rPr lang="he-IL" sz="1000" dirty="0" smtClean="0">
+                <a:solidFill>
+                  <a:srgbClr val="606060"/>
+                </a:solidFill>
+                <a:latin typeface="Lato"/>
+                <a:ea typeface="Calibri" panose="020F0502020204030204" pitchFamily="34" charset="0"/>
+              </a:rPr>
+              <a:t> </a:t>
+            </a:r>
             <a:r>
               <a:rPr lang="he-IL" sz="1000" dirty="0">
                 <a:solidFill>
@@ -7087,21 +5567,11 @@
                 <a:latin typeface="Lato"/>
                 <a:ea typeface="Calibri" panose="020F0502020204030204" pitchFamily="34" charset="0"/>
               </a:rPr>
-              <a:t>באיזה דרך תבדקו את ההשערה? מה הכלים המתמטיים בהם </a:t>
-            </a:r>
-            <a:r>
-              <a:rPr lang="he-IL" sz="1000" dirty="0" smtClean="0">
-                <a:solidFill>
-                  <a:srgbClr val="606060"/>
-                </a:solidFill>
-                <a:latin typeface="Lato"/>
-                <a:ea typeface="Calibri" panose="020F0502020204030204" pitchFamily="34" charset="0"/>
-              </a:rPr>
-              <a:t>תשתמשו?</a:t>
-            </a:r>
-          </a:p>
-          <a:p>
-            <a:pPr lvl="1">
+              <a:t>האם הדירוגים באתר אמינים?</a:t>
+            </a:r>
+          </a:p>
+          <a:p>
+            <a:pPr lvl="0">
               <a:lnSpc>
                 <a:spcPct val="150000"/>
               </a:lnSpc>
@@ -7117,17 +5587,17 @@
                 <a:latin typeface="Lato"/>
                 <a:ea typeface="Calibri" panose="020F0502020204030204" pitchFamily="34" charset="0"/>
               </a:rPr>
-              <a:t>3</a:t>
-            </a:r>
-            <a:r>
-              <a:rPr lang="he-IL" sz="1000" dirty="0" smtClean="0">
-                <a:solidFill>
-                  <a:srgbClr val="606060"/>
-                </a:solidFill>
-                <a:latin typeface="Lato"/>
-                <a:ea typeface="Calibri" panose="020F0502020204030204" pitchFamily="34" charset="0"/>
-              </a:rPr>
-              <a:t>.  האם </a:t>
+              <a:t>האם קיימות קבוצות (קהילות) של משתמשים אשר </a:t>
+            </a:r>
+            <a:r>
+              <a:rPr lang="he-IL" sz="1000" dirty="0" smtClean="0">
+                <a:solidFill>
+                  <a:srgbClr val="606060"/>
+                </a:solidFill>
+                <a:latin typeface="Lato"/>
+                <a:ea typeface="Calibri" panose="020F0502020204030204" pitchFamily="34" charset="0"/>
+              </a:rPr>
+              <a:t>נותנים דירוג חיובי בצורה עקבית </a:t>
             </a:r>
             <a:r>
               <a:rPr lang="he-IL" sz="1000" dirty="0">
@@ -7137,31 +5607,11 @@
                 <a:latin typeface="Lato"/>
                 <a:ea typeface="Calibri" panose="020F0502020204030204" pitchFamily="34" charset="0"/>
               </a:rPr>
-              <a:t>יש קשר בין דרגת הצומת (</a:t>
-            </a:r>
-            <a:r>
-              <a:rPr lang="en-US" sz="1000" dirty="0">
-                <a:solidFill>
-                  <a:srgbClr val="606060"/>
-                </a:solidFill>
-                <a:latin typeface="Lato"/>
-                <a:ea typeface="Calibri" panose="020F0502020204030204" pitchFamily="34" charset="0"/>
-              </a:rPr>
-              <a:t>in-degree/out-degree) </a:t>
-            </a:r>
-            <a:r>
-              <a:rPr lang="he-IL" sz="1000" dirty="0">
-                <a:solidFill>
-                  <a:srgbClr val="606060"/>
-                </a:solidFill>
-                <a:latin typeface="Lato"/>
-                <a:ea typeface="Calibri" panose="020F0502020204030204" pitchFamily="34" charset="0"/>
-              </a:rPr>
-              <a:t>של משתמש לבין רמת האמון שהוא מקבל?</a:t>
-            </a:r>
-          </a:p>
-          <a:p>
-            <a:pPr lvl="1">
+              <a:t>כדי לקדם זה את זה?</a:t>
+            </a:r>
+          </a:p>
+          <a:p>
+            <a:pPr lvl="0">
               <a:lnSpc>
                 <a:spcPct val="150000"/>
               </a:lnSpc>
@@ -7177,7 +5627,127 @@
                 <a:latin typeface="Lato"/>
                 <a:ea typeface="Calibri" panose="020F0502020204030204" pitchFamily="34" charset="0"/>
               </a:rPr>
-              <a:t>כלומר, האם משתמשים שמדרגים הרבה אחרים נתפסים כאמינים יותר או פחות? (מה הדירוג שהם מקבלים?).</a:t>
+              <a:t>האם קיימים דירוגים שליליים שניתנו ממניעים לא ענייניים?</a:t>
+            </a:r>
+          </a:p>
+          <a:p>
+            <a:pPr lvl="0">
+              <a:lnSpc>
+                <a:spcPct val="150000"/>
+              </a:lnSpc>
+              <a:spcAft>
+                <a:spcPts val="800"/>
+              </a:spcAft>
+            </a:pPr>
+            <a:r>
+              <a:rPr lang="he-IL" sz="1000" dirty="0" smtClean="0">
+                <a:solidFill>
+                  <a:srgbClr val="606060"/>
+                </a:solidFill>
+                <a:latin typeface="Lato"/>
+                <a:ea typeface="Calibri" panose="020F0502020204030204" pitchFamily="34" charset="0"/>
+              </a:rPr>
+              <a:t>השערת המחקר:</a:t>
+            </a:r>
+          </a:p>
+          <a:p>
+            <a:pPr lvl="0">
+              <a:lnSpc>
+                <a:spcPct val="150000"/>
+              </a:lnSpc>
+              <a:spcAft>
+                <a:spcPts val="800"/>
+              </a:spcAft>
+            </a:pPr>
+            <a:r>
+              <a:rPr lang="he-IL" sz="1000" dirty="0" smtClean="0">
+                <a:solidFill>
+                  <a:srgbClr val="606060"/>
+                </a:solidFill>
+                <a:latin typeface="Lato"/>
+                <a:ea typeface="Calibri" panose="020F0502020204030204" pitchFamily="34" charset="0"/>
+              </a:rPr>
+              <a:t>אנחנו </a:t>
+            </a:r>
+            <a:r>
+              <a:rPr lang="he-IL" sz="1000" dirty="0">
+                <a:solidFill>
+                  <a:srgbClr val="606060"/>
+                </a:solidFill>
+                <a:latin typeface="Lato"/>
+                <a:ea typeface="Calibri" panose="020F0502020204030204" pitchFamily="34" charset="0"/>
+              </a:rPr>
+              <a:t>משערות </a:t>
+            </a:r>
+            <a:r>
+              <a:rPr lang="he-IL" sz="1000" dirty="0" smtClean="0">
+                <a:solidFill>
+                  <a:srgbClr val="606060"/>
+                </a:solidFill>
+                <a:latin typeface="Lato"/>
+                <a:ea typeface="Calibri" panose="020F0502020204030204" pitchFamily="34" charset="0"/>
+              </a:rPr>
+              <a:t>שלא כל הדירוגים </a:t>
+            </a:r>
+            <a:r>
+              <a:rPr lang="he-IL" sz="1000" dirty="0">
+                <a:solidFill>
+                  <a:srgbClr val="606060"/>
+                </a:solidFill>
+                <a:latin typeface="Lato"/>
+                <a:ea typeface="Calibri" panose="020F0502020204030204" pitchFamily="34" charset="0"/>
+              </a:rPr>
+              <a:t>באתר </a:t>
+            </a:r>
+            <a:r>
+              <a:rPr lang="he-IL" sz="1000" dirty="0" smtClean="0">
+                <a:solidFill>
+                  <a:srgbClr val="606060"/>
+                </a:solidFill>
+                <a:latin typeface="Lato"/>
+                <a:ea typeface="Calibri" panose="020F0502020204030204" pitchFamily="34" charset="0"/>
+              </a:rPr>
+              <a:t>אמינים</a:t>
+            </a:r>
+            <a:r>
+              <a:rPr lang="he-IL" sz="1000" dirty="0">
+                <a:solidFill>
+                  <a:srgbClr val="606060"/>
+                </a:solidFill>
+                <a:latin typeface="Lato"/>
+                <a:ea typeface="Calibri" panose="020F0502020204030204" pitchFamily="34" charset="0"/>
+              </a:rPr>
+              <a:t>, וכי חלקם ניתנים ממניעים חברתיים או </a:t>
+            </a:r>
+            <a:r>
+              <a:rPr lang="he-IL" sz="1000" dirty="0" smtClean="0">
+                <a:solidFill>
+                  <a:srgbClr val="606060"/>
+                </a:solidFill>
+                <a:latin typeface="Lato"/>
+                <a:ea typeface="Calibri" panose="020F0502020204030204" pitchFamily="34" charset="0"/>
+              </a:rPr>
+              <a:t>אישיים ולא </a:t>
+            </a:r>
+            <a:r>
+              <a:rPr lang="he-IL" sz="1000" dirty="0">
+                <a:solidFill>
+                  <a:srgbClr val="606060"/>
+                </a:solidFill>
+                <a:latin typeface="Lato"/>
+                <a:ea typeface="Calibri" panose="020F0502020204030204" pitchFamily="34" charset="0"/>
+              </a:rPr>
+              <a:t>משקפים בהכרח שיפוט מקצועי</a:t>
+            </a:r>
+            <a:r>
+              <a:rPr lang="he-IL" sz="1000" dirty="0" smtClean="0">
+                <a:solidFill>
+                  <a:srgbClr val="606060"/>
+                </a:solidFill>
+                <a:latin typeface="Lato"/>
+                <a:ea typeface="Calibri" panose="020F0502020204030204" pitchFamily="34" charset="0"/>
+              </a:rPr>
+              <a:t>.</a:t>
             </a:r>
           </a:p>
           <a:p>
@@ -7204,7 +5774,906 @@
     </p:spTree>
     <p:extLst>
       <p:ext uri="{BB962C8B-B14F-4D97-AF65-F5344CB8AC3E}">
-        <p14:creationId xmlns:p14="http://schemas.microsoft.com/office/powerpoint/2010/main" val="1567804886"/>
+        <p14:creationId xmlns:p14="http://schemas.microsoft.com/office/powerpoint/2010/main" val="3373434520"/>
+      </p:ext>
+    </p:extLst>
+  </p:cSld>
+  <p:clrMapOvr>
+    <a:masterClrMapping/>
+  </p:clrMapOvr>
+</p:sld>
+</file>
+
+<file path=ppt/slides/slide8.xml><?xml version="1.0" encoding="utf-8"?>
+<p:sld xmlns:a="http://schemas.openxmlformats.org/drawingml/2006/main" xmlns:r="http://schemas.openxmlformats.org/officeDocument/2006/relationships" xmlns:p="http://schemas.openxmlformats.org/presentationml/2006/main">
+  <p:cSld>
+    <p:spTree>
+      <p:nvGrpSpPr>
+        <p:cNvPr id="1" name=""/>
+        <p:cNvGrpSpPr/>
+        <p:nvPr/>
+      </p:nvGrpSpPr>
+      <p:grpSpPr>
+        <a:xfrm>
+          <a:off x="0" y="0"/>
+          <a:ext cx="0" cy="0"/>
+          <a:chOff x="0" y="0"/>
+          <a:chExt cx="0" cy="0"/>
+        </a:xfrm>
+      </p:grpSpPr>
+      <p:sp>
+        <p:nvSpPr>
+          <p:cNvPr id="2" name="TextBox 1"/>
+          <p:cNvSpPr txBox="1"/>
+          <p:nvPr/>
+        </p:nvSpPr>
+        <p:spPr>
+          <a:xfrm>
+            <a:off x="3508310" y="1539551"/>
+            <a:ext cx="4497355" cy="4357396"/>
+          </a:xfrm>
+          <a:prstGeom prst="rect">
+            <a:avLst/>
+          </a:prstGeom>
+          <a:noFill/>
+        </p:spPr>
+        <p:txBody>
+          <a:bodyPr wrap="square" rtlCol="1">
+            <a:spAutoFit/>
+          </a:bodyPr>
+          <a:lstStyle/>
+          <a:p>
+            <a:endParaRPr lang="he-IL" dirty="0"/>
+          </a:p>
+        </p:txBody>
+      </p:sp>
+      <p:sp>
+        <p:nvSpPr>
+          <p:cNvPr id="4" name="מלבן 3"/>
+          <p:cNvSpPr/>
+          <p:nvPr/>
+        </p:nvSpPr>
+        <p:spPr>
+          <a:xfrm>
+            <a:off x="4500092" y="1219768"/>
+            <a:ext cx="6096000" cy="2990562"/>
+          </a:xfrm>
+          <a:prstGeom prst="rect">
+            <a:avLst/>
+          </a:prstGeom>
+        </p:spPr>
+        <p:txBody>
+          <a:bodyPr>
+            <a:spAutoFit/>
+          </a:bodyPr>
+          <a:lstStyle/>
+          <a:p>
+            <a:pPr lvl="0">
+              <a:lnSpc>
+                <a:spcPct val="150000"/>
+              </a:lnSpc>
+              <a:spcAft>
+                <a:spcPts val="800"/>
+              </a:spcAft>
+            </a:pPr>
+            <a:r>
+              <a:rPr lang="he-IL" sz="1000" dirty="0" smtClean="0">
+                <a:solidFill>
+                  <a:srgbClr val="606060"/>
+                </a:solidFill>
+                <a:latin typeface="Lato"/>
+                <a:ea typeface="Calibri" panose="020F0502020204030204" pitchFamily="34" charset="0"/>
+              </a:rPr>
+              <a:t>מודל </a:t>
+            </a:r>
+            <a:r>
+              <a:rPr lang="he-IL" sz="1000" dirty="0">
+                <a:solidFill>
+                  <a:srgbClr val="606060"/>
+                </a:solidFill>
+                <a:latin typeface="Lato"/>
+                <a:ea typeface="Calibri" panose="020F0502020204030204" pitchFamily="34" charset="0"/>
+              </a:rPr>
+              <a:t>מתמטי מוצע</a:t>
+            </a:r>
+            <a:r>
+              <a:rPr lang="he-IL" sz="1000" dirty="0" smtClean="0">
+                <a:solidFill>
+                  <a:srgbClr val="606060"/>
+                </a:solidFill>
+                <a:latin typeface="Lato"/>
+                <a:ea typeface="Calibri" panose="020F0502020204030204" pitchFamily="34" charset="0"/>
+              </a:rPr>
+              <a:t>:</a:t>
+            </a:r>
+          </a:p>
+          <a:p>
+            <a:pPr lvl="0">
+              <a:lnSpc>
+                <a:spcPct val="150000"/>
+              </a:lnSpc>
+              <a:spcAft>
+                <a:spcPts val="800"/>
+              </a:spcAft>
+            </a:pPr>
+            <a:r>
+              <a:rPr lang="he-IL" sz="1000" dirty="0" smtClean="0">
+                <a:solidFill>
+                  <a:srgbClr val="606060"/>
+                </a:solidFill>
+                <a:latin typeface="Lato"/>
+                <a:ea typeface="Calibri" panose="020F0502020204030204" pitchFamily="34" charset="0"/>
+              </a:rPr>
+              <a:t>נייצג </a:t>
+            </a:r>
+            <a:r>
+              <a:rPr lang="he-IL" sz="1000" dirty="0">
+                <a:solidFill>
+                  <a:srgbClr val="606060"/>
+                </a:solidFill>
+                <a:latin typeface="Lato"/>
+                <a:ea typeface="Calibri" panose="020F0502020204030204" pitchFamily="34" charset="0"/>
+              </a:rPr>
+              <a:t>את הדירוגים בין המשתמשים כגרף מכוון</a:t>
+            </a:r>
+            <a:r>
+              <a:rPr lang="he-IL" sz="1000" dirty="0" smtClean="0">
+                <a:solidFill>
+                  <a:srgbClr val="606060"/>
+                </a:solidFill>
+                <a:latin typeface="Lato"/>
+                <a:ea typeface="Calibri" panose="020F0502020204030204" pitchFamily="34" charset="0"/>
+              </a:rPr>
+              <a:t>: צמתים </a:t>
+            </a:r>
+            <a:r>
+              <a:rPr lang="he-IL" sz="1000" dirty="0">
+                <a:solidFill>
+                  <a:srgbClr val="606060"/>
+                </a:solidFill>
+                <a:latin typeface="Lato"/>
+                <a:ea typeface="Calibri" panose="020F0502020204030204" pitchFamily="34" charset="0"/>
+              </a:rPr>
+              <a:t>– משתמשים</a:t>
+            </a:r>
+            <a:r>
+              <a:rPr lang="he-IL" sz="1000" dirty="0" smtClean="0">
+                <a:solidFill>
+                  <a:srgbClr val="606060"/>
+                </a:solidFill>
+                <a:latin typeface="Lato"/>
+                <a:ea typeface="Calibri" panose="020F0502020204030204" pitchFamily="34" charset="0"/>
+              </a:rPr>
+              <a:t>.</a:t>
+            </a:r>
+          </a:p>
+          <a:p>
+            <a:pPr lvl="0">
+              <a:lnSpc>
+                <a:spcPct val="150000"/>
+              </a:lnSpc>
+              <a:spcAft>
+                <a:spcPts val="800"/>
+              </a:spcAft>
+            </a:pPr>
+            <a:r>
+              <a:rPr lang="he-IL" sz="1000" dirty="0" smtClean="0">
+                <a:solidFill>
+                  <a:srgbClr val="606060"/>
+                </a:solidFill>
+                <a:latin typeface="Lato"/>
+                <a:ea typeface="Calibri" panose="020F0502020204030204" pitchFamily="34" charset="0"/>
+              </a:rPr>
+              <a:t>קשת </a:t>
+            </a:r>
+            <a:r>
+              <a:rPr lang="he-IL" sz="1000" dirty="0">
+                <a:solidFill>
+                  <a:srgbClr val="606060"/>
+                </a:solidFill>
+                <a:latin typeface="Lato"/>
+                <a:ea typeface="Calibri" panose="020F0502020204030204" pitchFamily="34" charset="0"/>
+              </a:rPr>
+              <a:t>מכוונת מ־</a:t>
+            </a:r>
+            <a:r>
+              <a:rPr lang="en-US" sz="1000" dirty="0">
+                <a:solidFill>
+                  <a:srgbClr val="606060"/>
+                </a:solidFill>
+                <a:latin typeface="Lato"/>
+                <a:ea typeface="Calibri" panose="020F0502020204030204" pitchFamily="34" charset="0"/>
+              </a:rPr>
+              <a:t>A </a:t>
+            </a:r>
+            <a:r>
+              <a:rPr lang="he-IL" sz="1000" dirty="0" smtClean="0">
+                <a:solidFill>
+                  <a:srgbClr val="606060"/>
+                </a:solidFill>
+                <a:latin typeface="Lato"/>
+                <a:ea typeface="Calibri" panose="020F0502020204030204" pitchFamily="34" charset="0"/>
+              </a:rPr>
+              <a:t> ל־</a:t>
+            </a:r>
+            <a:r>
+              <a:rPr lang="en-US" sz="1000" dirty="0">
+                <a:solidFill>
+                  <a:srgbClr val="606060"/>
+                </a:solidFill>
+                <a:latin typeface="Lato"/>
+                <a:ea typeface="Calibri" panose="020F0502020204030204" pitchFamily="34" charset="0"/>
+              </a:rPr>
+              <a:t>B – </a:t>
+            </a:r>
+            <a:r>
+              <a:rPr lang="he-IL" sz="1000" dirty="0" smtClean="0">
+                <a:solidFill>
+                  <a:srgbClr val="606060"/>
+                </a:solidFill>
+                <a:latin typeface="Lato"/>
+                <a:ea typeface="Calibri" panose="020F0502020204030204" pitchFamily="34" charset="0"/>
+              </a:rPr>
+              <a:t> משמעותה </a:t>
+            </a:r>
+            <a:r>
+              <a:rPr lang="he-IL" sz="1000" dirty="0">
+                <a:solidFill>
+                  <a:srgbClr val="606060"/>
+                </a:solidFill>
+                <a:latin typeface="Lato"/>
+                <a:ea typeface="Calibri" panose="020F0502020204030204" pitchFamily="34" charset="0"/>
+              </a:rPr>
+              <a:t>ש</a:t>
+            </a:r>
+            <a:r>
+              <a:rPr lang="he-IL" sz="1000" dirty="0" smtClean="0">
+                <a:solidFill>
+                  <a:srgbClr val="606060"/>
+                </a:solidFill>
+                <a:latin typeface="Lato"/>
+                <a:ea typeface="Calibri" panose="020F0502020204030204" pitchFamily="34" charset="0"/>
+              </a:rPr>
+              <a:t>־</a:t>
+            </a:r>
+            <a:r>
+              <a:rPr lang="en-US" sz="1000" dirty="0" smtClean="0">
+                <a:solidFill>
+                  <a:srgbClr val="606060"/>
+                </a:solidFill>
+                <a:latin typeface="Lato"/>
+                <a:ea typeface="Calibri" panose="020F0502020204030204" pitchFamily="34" charset="0"/>
+              </a:rPr>
+              <a:t> A </a:t>
+            </a:r>
+            <a:r>
+              <a:rPr lang="he-IL" sz="1000" dirty="0">
+                <a:solidFill>
+                  <a:srgbClr val="606060"/>
+                </a:solidFill>
+                <a:latin typeface="Lato"/>
+                <a:ea typeface="Calibri" panose="020F0502020204030204" pitchFamily="34" charset="0"/>
+              </a:rPr>
+              <a:t>דירג את </a:t>
+            </a:r>
+            <a:r>
+              <a:rPr lang="en-US" sz="1000" dirty="0">
+                <a:solidFill>
+                  <a:srgbClr val="606060"/>
+                </a:solidFill>
+                <a:latin typeface="Lato"/>
+                <a:ea typeface="Calibri" panose="020F0502020204030204" pitchFamily="34" charset="0"/>
+              </a:rPr>
+              <a:t>B</a:t>
+            </a:r>
+            <a:r>
+              <a:rPr lang="en-US" sz="1000" dirty="0" smtClean="0">
+                <a:solidFill>
+                  <a:srgbClr val="606060"/>
+                </a:solidFill>
+                <a:latin typeface="Lato"/>
+                <a:ea typeface="Calibri" panose="020F0502020204030204" pitchFamily="34" charset="0"/>
+              </a:rPr>
+              <a:t>.</a:t>
+            </a:r>
+            <a:endParaRPr lang="he-IL" sz="1000" dirty="0" smtClean="0">
+              <a:solidFill>
+                <a:srgbClr val="606060"/>
+              </a:solidFill>
+              <a:latin typeface="Lato"/>
+              <a:ea typeface="Calibri" panose="020F0502020204030204" pitchFamily="34" charset="0"/>
+            </a:endParaRPr>
+          </a:p>
+          <a:p>
+            <a:pPr lvl="0">
+              <a:lnSpc>
+                <a:spcPct val="150000"/>
+              </a:lnSpc>
+              <a:spcAft>
+                <a:spcPts val="800"/>
+              </a:spcAft>
+            </a:pPr>
+            <a:r>
+              <a:rPr lang="he-IL" sz="1000" dirty="0" smtClean="0">
+                <a:solidFill>
+                  <a:srgbClr val="606060"/>
+                </a:solidFill>
+                <a:latin typeface="Lato"/>
+                <a:ea typeface="Calibri" panose="020F0502020204030204" pitchFamily="34" charset="0"/>
+              </a:rPr>
+              <a:t>משקל </a:t>
+            </a:r>
+            <a:r>
+              <a:rPr lang="he-IL" sz="1000" dirty="0">
+                <a:solidFill>
+                  <a:srgbClr val="606060"/>
+                </a:solidFill>
+                <a:latin typeface="Lato"/>
+                <a:ea typeface="Calibri" panose="020F0502020204030204" pitchFamily="34" charset="0"/>
+              </a:rPr>
+              <a:t>על הקשת – ערך הדירוג (חיובי או שלילי</a:t>
+            </a:r>
+            <a:r>
+              <a:rPr lang="he-IL" sz="1000" dirty="0" smtClean="0">
+                <a:solidFill>
+                  <a:srgbClr val="606060"/>
+                </a:solidFill>
+                <a:latin typeface="Lato"/>
+                <a:ea typeface="Calibri" panose="020F0502020204030204" pitchFamily="34" charset="0"/>
+              </a:rPr>
+              <a:t>).</a:t>
+            </a:r>
+          </a:p>
+          <a:p>
+            <a:pPr lvl="0">
+              <a:lnSpc>
+                <a:spcPct val="150000"/>
+              </a:lnSpc>
+              <a:spcAft>
+                <a:spcPts val="800"/>
+              </a:spcAft>
+            </a:pPr>
+            <a:r>
+              <a:rPr lang="he-IL" sz="1000" dirty="0" smtClean="0">
+                <a:solidFill>
+                  <a:srgbClr val="606060"/>
+                </a:solidFill>
+                <a:latin typeface="Lato"/>
+                <a:ea typeface="Calibri" panose="020F0502020204030204" pitchFamily="34" charset="0"/>
+              </a:rPr>
+              <a:t>נבדוק את השערה בעזרת ניתוח הנתונים הבאים:</a:t>
+            </a:r>
+          </a:p>
+          <a:p>
+            <a:pPr lvl="0">
+              <a:lnSpc>
+                <a:spcPct val="150000"/>
+              </a:lnSpc>
+              <a:spcAft>
+                <a:spcPts val="800"/>
+              </a:spcAft>
+            </a:pPr>
+            <a:r>
+              <a:rPr lang="en-US" sz="1000" dirty="0" smtClean="0">
+                <a:solidFill>
+                  <a:srgbClr val="606060"/>
+                </a:solidFill>
+                <a:latin typeface="Lato"/>
+                <a:ea typeface="Calibri" panose="020F0502020204030204" pitchFamily="34" charset="0"/>
+              </a:rPr>
+              <a:t> Community </a:t>
+            </a:r>
+            <a:r>
+              <a:rPr lang="en-US" sz="1000" dirty="0">
+                <a:solidFill>
+                  <a:srgbClr val="606060"/>
+                </a:solidFill>
+                <a:latin typeface="Lato"/>
+                <a:ea typeface="Calibri" panose="020F0502020204030204" pitchFamily="34" charset="0"/>
+              </a:rPr>
+              <a:t>detection – </a:t>
+            </a:r>
+            <a:r>
+              <a:rPr lang="he-IL" sz="1000" dirty="0">
+                <a:solidFill>
+                  <a:srgbClr val="606060"/>
+                </a:solidFill>
+                <a:latin typeface="Lato"/>
+                <a:ea typeface="Calibri" panose="020F0502020204030204" pitchFamily="34" charset="0"/>
+              </a:rPr>
+              <a:t>האם קיימות </a:t>
+            </a:r>
+            <a:r>
+              <a:rPr lang="he-IL" sz="1000" dirty="0" err="1">
+                <a:solidFill>
+                  <a:srgbClr val="606060"/>
+                </a:solidFill>
+                <a:latin typeface="Lato"/>
+                <a:ea typeface="Calibri" panose="020F0502020204030204" pitchFamily="34" charset="0"/>
+              </a:rPr>
+              <a:t>תת־קבוצות</a:t>
+            </a:r>
+            <a:r>
+              <a:rPr lang="he-IL" sz="1000" dirty="0">
+                <a:solidFill>
+                  <a:srgbClr val="606060"/>
+                </a:solidFill>
+                <a:latin typeface="Lato"/>
+                <a:ea typeface="Calibri" panose="020F0502020204030204" pitchFamily="34" charset="0"/>
+              </a:rPr>
+              <a:t> בהן המשתמשים מדרגים זה את זה חיובית</a:t>
+            </a:r>
+            <a:r>
+              <a:rPr lang="he-IL" sz="1000" dirty="0" smtClean="0">
+                <a:solidFill>
+                  <a:srgbClr val="606060"/>
+                </a:solidFill>
+                <a:latin typeface="Lato"/>
+                <a:ea typeface="Calibri" panose="020F0502020204030204" pitchFamily="34" charset="0"/>
+              </a:rPr>
+              <a:t>? לבדוק ולהשוות עם הבא</a:t>
+            </a:r>
+          </a:p>
+          <a:p>
+            <a:pPr lvl="0">
+              <a:lnSpc>
+                <a:spcPct val="150000"/>
+              </a:lnSpc>
+              <a:spcAft>
+                <a:spcPts val="800"/>
+              </a:spcAft>
+            </a:pPr>
+            <a:r>
+              <a:rPr lang="en-US" sz="1000" dirty="0" smtClean="0">
+                <a:solidFill>
+                  <a:srgbClr val="606060"/>
+                </a:solidFill>
+                <a:latin typeface="Lato"/>
+                <a:ea typeface="Calibri" panose="020F0502020204030204" pitchFamily="34" charset="0"/>
+              </a:rPr>
+              <a:t>Clustering coefficient </a:t>
+            </a:r>
+            <a:r>
+              <a:rPr lang="en-US" sz="1000" dirty="0">
+                <a:solidFill>
+                  <a:srgbClr val="606060"/>
+                </a:solidFill>
+                <a:latin typeface="Lato"/>
+                <a:ea typeface="Calibri" panose="020F0502020204030204" pitchFamily="34" charset="0"/>
+              </a:rPr>
+              <a:t>– </a:t>
+            </a:r>
+            <a:r>
+              <a:rPr lang="he-IL" sz="1000" dirty="0" smtClean="0">
+                <a:solidFill>
+                  <a:srgbClr val="606060"/>
+                </a:solidFill>
+                <a:latin typeface="Lato"/>
+                <a:ea typeface="Calibri" panose="020F0502020204030204" pitchFamily="34" charset="0"/>
+              </a:rPr>
+              <a:t> האם </a:t>
+            </a:r>
+            <a:r>
+              <a:rPr lang="he-IL" sz="1000" dirty="0">
+                <a:solidFill>
+                  <a:srgbClr val="606060"/>
+                </a:solidFill>
+                <a:latin typeface="Lato"/>
+                <a:ea typeface="Calibri" panose="020F0502020204030204" pitchFamily="34" charset="0"/>
+              </a:rPr>
+              <a:t>יש "מעגלים סגורים" של דירוגים חיוביים</a:t>
+            </a:r>
+            <a:r>
+              <a:rPr lang="he-IL" sz="1000" dirty="0" smtClean="0">
+                <a:solidFill>
+                  <a:srgbClr val="606060"/>
+                </a:solidFill>
+                <a:latin typeface="Lato"/>
+                <a:ea typeface="Calibri" panose="020F0502020204030204" pitchFamily="34" charset="0"/>
+              </a:rPr>
+              <a:t>?</a:t>
+            </a:r>
+          </a:p>
+          <a:p>
+            <a:pPr lvl="0">
+              <a:lnSpc>
+                <a:spcPct val="150000"/>
+              </a:lnSpc>
+              <a:spcAft>
+                <a:spcPts val="800"/>
+              </a:spcAft>
+            </a:pPr>
+            <a:r>
+              <a:rPr lang="en-US" sz="1000" dirty="0" smtClean="0">
+                <a:solidFill>
+                  <a:srgbClr val="606060"/>
+                </a:solidFill>
+                <a:latin typeface="Lato"/>
+                <a:ea typeface="Calibri" panose="020F0502020204030204" pitchFamily="34" charset="0"/>
+              </a:rPr>
+              <a:t>Reciprocity </a:t>
+            </a:r>
+            <a:r>
+              <a:rPr lang="en-US" sz="1000" dirty="0">
+                <a:solidFill>
+                  <a:srgbClr val="606060"/>
+                </a:solidFill>
+                <a:latin typeface="Lato"/>
+                <a:ea typeface="Calibri" panose="020F0502020204030204" pitchFamily="34" charset="0"/>
+              </a:rPr>
+              <a:t>– </a:t>
+            </a:r>
+            <a:r>
+              <a:rPr lang="he-IL" sz="1000" dirty="0" smtClean="0">
+                <a:solidFill>
+                  <a:srgbClr val="606060"/>
+                </a:solidFill>
+                <a:latin typeface="Lato"/>
+                <a:ea typeface="Calibri" panose="020F0502020204030204" pitchFamily="34" charset="0"/>
+              </a:rPr>
+              <a:t> האם </a:t>
+            </a:r>
+            <a:r>
+              <a:rPr lang="he-IL" sz="1000" dirty="0">
+                <a:solidFill>
+                  <a:srgbClr val="606060"/>
+                </a:solidFill>
+                <a:latin typeface="Lato"/>
+                <a:ea typeface="Calibri" panose="020F0502020204030204" pitchFamily="34" charset="0"/>
+              </a:rPr>
+              <a:t>יש התאמה גבוהה בין דירוגים הדדיים? (האם </a:t>
+            </a:r>
+            <a:r>
+              <a:rPr lang="en-US" sz="1000" dirty="0">
+                <a:solidFill>
+                  <a:srgbClr val="606060"/>
+                </a:solidFill>
+                <a:latin typeface="Lato"/>
+                <a:ea typeface="Calibri" panose="020F0502020204030204" pitchFamily="34" charset="0"/>
+              </a:rPr>
+              <a:t>A </a:t>
+            </a:r>
+            <a:r>
+              <a:rPr lang="he-IL" sz="1000" dirty="0" smtClean="0">
+                <a:solidFill>
+                  <a:srgbClr val="606060"/>
+                </a:solidFill>
+                <a:latin typeface="Lato"/>
+                <a:ea typeface="Calibri" panose="020F0502020204030204" pitchFamily="34" charset="0"/>
+              </a:rPr>
+              <a:t> מדרג </a:t>
+            </a:r>
+            <a:r>
+              <a:rPr lang="he-IL" sz="1000" dirty="0">
+                <a:solidFill>
+                  <a:srgbClr val="606060"/>
+                </a:solidFill>
+                <a:latin typeface="Lato"/>
+                <a:ea typeface="Calibri" panose="020F0502020204030204" pitchFamily="34" charset="0"/>
+              </a:rPr>
+              <a:t>את </a:t>
+            </a:r>
+            <a:r>
+              <a:rPr lang="en-US" sz="1000" dirty="0">
+                <a:solidFill>
+                  <a:srgbClr val="606060"/>
+                </a:solidFill>
+                <a:latin typeface="Lato"/>
+                <a:ea typeface="Calibri" panose="020F0502020204030204" pitchFamily="34" charset="0"/>
+              </a:rPr>
+              <a:t>B </a:t>
+            </a:r>
+            <a:r>
+              <a:rPr lang="he-IL" sz="1000" dirty="0" smtClean="0">
+                <a:solidFill>
+                  <a:srgbClr val="606060"/>
+                </a:solidFill>
+                <a:latin typeface="Lato"/>
+                <a:ea typeface="Calibri" panose="020F0502020204030204" pitchFamily="34" charset="0"/>
+              </a:rPr>
+              <a:t> רק </a:t>
+            </a:r>
+            <a:r>
+              <a:rPr lang="he-IL" sz="1000" dirty="0">
+                <a:solidFill>
+                  <a:srgbClr val="606060"/>
+                </a:solidFill>
+                <a:latin typeface="Lato"/>
+                <a:ea typeface="Calibri" panose="020F0502020204030204" pitchFamily="34" charset="0"/>
+              </a:rPr>
+              <a:t>אם </a:t>
+            </a:r>
+            <a:r>
+              <a:rPr lang="en-US" sz="1000" dirty="0" smtClean="0">
+                <a:solidFill>
+                  <a:srgbClr val="606060"/>
+                </a:solidFill>
+                <a:latin typeface="Lato"/>
+                <a:ea typeface="Calibri" panose="020F0502020204030204" pitchFamily="34" charset="0"/>
+              </a:rPr>
+              <a:t> B </a:t>
+            </a:r>
+            <a:r>
+              <a:rPr lang="he-IL" sz="1000" dirty="0">
+                <a:solidFill>
+                  <a:srgbClr val="606060"/>
+                </a:solidFill>
+                <a:latin typeface="Lato"/>
+                <a:ea typeface="Calibri" panose="020F0502020204030204" pitchFamily="34" charset="0"/>
+              </a:rPr>
+              <a:t>דירג אותו</a:t>
+            </a:r>
+            <a:r>
+              <a:rPr lang="he-IL" sz="1000" dirty="0" smtClean="0">
+                <a:solidFill>
+                  <a:srgbClr val="606060"/>
+                </a:solidFill>
+                <a:latin typeface="Lato"/>
+                <a:ea typeface="Calibri" panose="020F0502020204030204" pitchFamily="34" charset="0"/>
+              </a:rPr>
+              <a:t>?)</a:t>
+            </a:r>
+          </a:p>
+          <a:p>
+            <a:pPr lvl="1">
+              <a:lnSpc>
+                <a:spcPct val="150000"/>
+              </a:lnSpc>
+              <a:spcAft>
+                <a:spcPts val="800"/>
+              </a:spcAft>
+            </a:pPr>
+            <a:endParaRPr lang="he-IL" sz="1000" dirty="0">
+              <a:solidFill>
+                <a:srgbClr val="606060"/>
+              </a:solidFill>
+              <a:effectLst/>
+              <a:latin typeface="Lato"/>
+              <a:ea typeface="Calibri" panose="020F0502020204030204" pitchFamily="34" charset="0"/>
+              <a:cs typeface="Arial" panose="020B0604020202020204" pitchFamily="34" charset="0"/>
+            </a:endParaRPr>
+          </a:p>
+        </p:txBody>
+      </p:sp>
+    </p:spTree>
+    <p:extLst>
+      <p:ext uri="{BB962C8B-B14F-4D97-AF65-F5344CB8AC3E}">
+        <p14:creationId xmlns:p14="http://schemas.microsoft.com/office/powerpoint/2010/main" val="3981014913"/>
+      </p:ext>
+    </p:extLst>
+  </p:cSld>
+  <p:clrMapOvr>
+    <a:masterClrMapping/>
+  </p:clrMapOvr>
+</p:sld>
+</file>
+
+<file path=ppt/slides/slide9.xml><?xml version="1.0" encoding="utf-8"?>
+<p:sld xmlns:a="http://schemas.openxmlformats.org/drawingml/2006/main" xmlns:r="http://schemas.openxmlformats.org/officeDocument/2006/relationships" xmlns:p="http://schemas.openxmlformats.org/presentationml/2006/main">
+  <p:cSld>
+    <p:spTree>
+      <p:nvGrpSpPr>
+        <p:cNvPr id="1" name=""/>
+        <p:cNvGrpSpPr/>
+        <p:nvPr/>
+      </p:nvGrpSpPr>
+      <p:grpSpPr>
+        <a:xfrm>
+          <a:off x="0" y="0"/>
+          <a:ext cx="0" cy="0"/>
+          <a:chOff x="0" y="0"/>
+          <a:chExt cx="0" cy="0"/>
+        </a:xfrm>
+      </p:grpSpPr>
+      <p:sp>
+        <p:nvSpPr>
+          <p:cNvPr id="2" name="TextBox 1"/>
+          <p:cNvSpPr txBox="1"/>
+          <p:nvPr/>
+        </p:nvSpPr>
+        <p:spPr>
+          <a:xfrm>
+            <a:off x="3508310" y="1539551"/>
+            <a:ext cx="4497355" cy="4357396"/>
+          </a:xfrm>
+          <a:prstGeom prst="rect">
+            <a:avLst/>
+          </a:prstGeom>
+          <a:noFill/>
+        </p:spPr>
+        <p:txBody>
+          <a:bodyPr wrap="square" rtlCol="1">
+            <a:spAutoFit/>
+          </a:bodyPr>
+          <a:lstStyle/>
+          <a:p>
+            <a:endParaRPr lang="he-IL" dirty="0"/>
+          </a:p>
+        </p:txBody>
+      </p:sp>
+      <p:sp>
+        <p:nvSpPr>
+          <p:cNvPr id="4" name="מלבן 3"/>
+          <p:cNvSpPr/>
+          <p:nvPr/>
+        </p:nvSpPr>
+        <p:spPr>
+          <a:xfrm>
+            <a:off x="4652492" y="988120"/>
+            <a:ext cx="6096000" cy="1656864"/>
+          </a:xfrm>
+          <a:prstGeom prst="rect">
+            <a:avLst/>
+          </a:prstGeom>
+        </p:spPr>
+        <p:txBody>
+          <a:bodyPr>
+            <a:spAutoFit/>
+          </a:bodyPr>
+          <a:lstStyle/>
+          <a:p>
+            <a:pPr lvl="0">
+              <a:lnSpc>
+                <a:spcPct val="150000"/>
+              </a:lnSpc>
+              <a:spcAft>
+                <a:spcPts val="800"/>
+              </a:spcAft>
+            </a:pPr>
+            <a:r>
+              <a:rPr lang="he-IL" sz="1000" dirty="0" smtClean="0">
+                <a:solidFill>
+                  <a:srgbClr val="606060"/>
+                </a:solidFill>
+                <a:latin typeface="Lato"/>
+                <a:ea typeface="Calibri" panose="020F0502020204030204" pitchFamily="34" charset="0"/>
+              </a:rPr>
+              <a:t>כלים מתמטיים שייעשה בהם שימוש:</a:t>
+            </a:r>
+          </a:p>
+          <a:p>
+            <a:pPr lvl="0">
+              <a:lnSpc>
+                <a:spcPct val="150000"/>
+              </a:lnSpc>
+              <a:spcAft>
+                <a:spcPts val="800"/>
+              </a:spcAft>
+            </a:pPr>
+            <a:r>
+              <a:rPr lang="he-IL" sz="1000" dirty="0" smtClean="0">
+                <a:solidFill>
+                  <a:srgbClr val="606060"/>
+                </a:solidFill>
+                <a:latin typeface="Lato"/>
+                <a:ea typeface="Calibri" panose="020F0502020204030204" pitchFamily="34" charset="0"/>
+              </a:rPr>
+              <a:t>תורת הגרפים </a:t>
+            </a:r>
+          </a:p>
+          <a:p>
+            <a:pPr lvl="0">
+              <a:lnSpc>
+                <a:spcPct val="150000"/>
+              </a:lnSpc>
+              <a:spcAft>
+                <a:spcPts val="800"/>
+              </a:spcAft>
+            </a:pPr>
+            <a:r>
+              <a:rPr lang="he-IL" sz="1000" dirty="0" smtClean="0">
+                <a:solidFill>
+                  <a:srgbClr val="606060"/>
+                </a:solidFill>
+                <a:latin typeface="Lato"/>
+                <a:ea typeface="Calibri" panose="020F0502020204030204" pitchFamily="34" charset="0"/>
+              </a:rPr>
+              <a:t>ניתוח קהילות (</a:t>
+            </a:r>
+            <a:r>
+              <a:rPr lang="en-US" sz="1000" dirty="0" smtClean="0">
+                <a:solidFill>
+                  <a:srgbClr val="606060"/>
+                </a:solidFill>
+                <a:latin typeface="Lato"/>
+                <a:ea typeface="Calibri" panose="020F0502020204030204" pitchFamily="34" charset="0"/>
+              </a:rPr>
+              <a:t>community detection) –</a:t>
+            </a:r>
+          </a:p>
+          <a:p>
+            <a:pPr lvl="0">
+              <a:lnSpc>
+                <a:spcPct val="150000"/>
+              </a:lnSpc>
+              <a:spcAft>
+                <a:spcPts val="800"/>
+              </a:spcAft>
+            </a:pPr>
+            <a:r>
+              <a:rPr lang="he-IL" sz="1000" dirty="0" smtClean="0">
+                <a:solidFill>
+                  <a:srgbClr val="606060"/>
+                </a:solidFill>
+                <a:latin typeface="Lato"/>
+                <a:ea typeface="Calibri" panose="020F0502020204030204" pitchFamily="34" charset="0"/>
+              </a:rPr>
+              <a:t>מדדי מרכזיות – כדי לזהות משתמשים עם השפעה גבוהה (כמו </a:t>
+            </a:r>
+            <a:r>
+              <a:rPr lang="en-US" sz="1000" dirty="0" smtClean="0">
+                <a:solidFill>
+                  <a:srgbClr val="606060"/>
+                </a:solidFill>
+                <a:latin typeface="Lato"/>
+                <a:ea typeface="Calibri" panose="020F0502020204030204" pitchFamily="34" charset="0"/>
+              </a:rPr>
+              <a:t> </a:t>
+            </a:r>
+            <a:r>
+              <a:rPr lang="en-US" sz="1000" dirty="0" err="1" smtClean="0">
+                <a:solidFill>
+                  <a:srgbClr val="606060"/>
+                </a:solidFill>
+                <a:latin typeface="Lato"/>
+                <a:ea typeface="Calibri" panose="020F0502020204030204" pitchFamily="34" charset="0"/>
+              </a:rPr>
+              <a:t>Pagerank</a:t>
+            </a:r>
+            <a:r>
+              <a:rPr lang="en-US" sz="1000" dirty="0" smtClean="0">
+                <a:solidFill>
+                  <a:srgbClr val="606060"/>
+                </a:solidFill>
+                <a:latin typeface="Lato"/>
+                <a:ea typeface="Calibri" panose="020F0502020204030204" pitchFamily="34" charset="0"/>
+              </a:rPr>
+              <a:t> </a:t>
+            </a:r>
+            <a:r>
+              <a:rPr lang="he-IL" sz="1000" dirty="0" err="1" smtClean="0">
+                <a:solidFill>
+                  <a:srgbClr val="606060"/>
+                </a:solidFill>
+                <a:latin typeface="Lato"/>
+                <a:ea typeface="Calibri" panose="020F0502020204030204" pitchFamily="34" charset="0"/>
+              </a:rPr>
+              <a:t>קלוזנס</a:t>
+            </a:r>
+            <a:endParaRPr lang="he-IL" sz="1000" dirty="0" smtClean="0">
+              <a:solidFill>
+                <a:srgbClr val="606060"/>
+              </a:solidFill>
+              <a:latin typeface="Lato"/>
+              <a:ea typeface="Calibri" panose="020F0502020204030204" pitchFamily="34" charset="0"/>
+            </a:endParaRPr>
+          </a:p>
+          <a:p>
+            <a:pPr lvl="0">
+              <a:lnSpc>
+                <a:spcPct val="150000"/>
+              </a:lnSpc>
+              <a:spcAft>
+                <a:spcPts val="800"/>
+              </a:spcAft>
+            </a:pPr>
+            <a:r>
+              <a:rPr lang="he-IL" sz="1000" dirty="0" smtClean="0">
+                <a:solidFill>
+                  <a:srgbClr val="606060"/>
+                </a:solidFill>
+                <a:latin typeface="Lato"/>
+                <a:ea typeface="Calibri" panose="020F0502020204030204" pitchFamily="34" charset="0"/>
+              </a:rPr>
+              <a:t>בדיקת מתאם – בין דירוגים הדדיים - לבדוק</a:t>
+            </a:r>
+          </a:p>
+        </p:txBody>
+      </p:sp>
+    </p:spTree>
+    <p:extLst>
+      <p:ext uri="{BB962C8B-B14F-4D97-AF65-F5344CB8AC3E}">
+        <p14:creationId xmlns:p14="http://schemas.microsoft.com/office/powerpoint/2010/main" val="1791153539"/>
       </p:ext>
     </p:extLst>
   </p:cSld>
